--- a/BemutatóCsókaAndrás.pptx
+++ b/BemutatóCsókaAndrás.pptx
@@ -6,6 +6,19 @@
   </p:sldMasterIdLst>
   <p:sldIdLst>
     <p:sldId id="256" r:id="rId2"/>
+    <p:sldId id="269" r:id="rId3"/>
+    <p:sldId id="270" r:id="rId4"/>
+    <p:sldId id="258" r:id="rId5"/>
+    <p:sldId id="259" r:id="rId6"/>
+    <p:sldId id="260" r:id="rId7"/>
+    <p:sldId id="261" r:id="rId8"/>
+    <p:sldId id="262" r:id="rId9"/>
+    <p:sldId id="263" r:id="rId10"/>
+    <p:sldId id="264" r:id="rId11"/>
+    <p:sldId id="265" r:id="rId12"/>
+    <p:sldId id="268" r:id="rId13"/>
+    <p:sldId id="266" r:id="rId14"/>
+    <p:sldId id="257" r:id="rId15"/>
   </p:sldIdLst>
   <p:sldSz cx="12192000" cy="6858000"/>
   <p:notesSz cx="6858000" cy="9144000"/>
@@ -104,6 +117,11 @@
       </a:defRPr>
     </a:lvl9pPr>
   </p:defaultTextStyle>
+  <p:extLst>
+    <p:ext uri="{EFAFB233-063F-42B5-8137-9DF3F51BA10A}">
+      <p15:sldGuideLst xmlns:p15="http://schemas.microsoft.com/office/powerpoint/2012/main"/>
+    </p:ext>
+  </p:extLst>
 </p:presentation>
 </file>
 
@@ -238,7 +256,7 @@
           <a:p>
             <a:fld id="{D4491327-AE6A-4889-B705-44534CF58E21}" type="datetimeFigureOut">
               <a:rPr lang="hu-HU" smtClean="0"/>
-              <a:t>2022.09.08.</a:t>
+              <a:t>2022.09.12.</a:t>
             </a:fld>
             <a:endParaRPr lang="hu-HU"/>
           </a:p>
@@ -408,7 +426,7 @@
           <a:p>
             <a:fld id="{D4491327-AE6A-4889-B705-44534CF58E21}" type="datetimeFigureOut">
               <a:rPr lang="hu-HU" smtClean="0"/>
-              <a:t>2022.09.08.</a:t>
+              <a:t>2022.09.12.</a:t>
             </a:fld>
             <a:endParaRPr lang="hu-HU"/>
           </a:p>
@@ -588,7 +606,7 @@
           <a:p>
             <a:fld id="{D4491327-AE6A-4889-B705-44534CF58E21}" type="datetimeFigureOut">
               <a:rPr lang="hu-HU" smtClean="0"/>
-              <a:t>2022.09.08.</a:t>
+              <a:t>2022.09.12.</a:t>
             </a:fld>
             <a:endParaRPr lang="hu-HU"/>
           </a:p>
@@ -758,7 +776,7 @@
           <a:p>
             <a:fld id="{D4491327-AE6A-4889-B705-44534CF58E21}" type="datetimeFigureOut">
               <a:rPr lang="hu-HU" smtClean="0"/>
-              <a:t>2022.09.08.</a:t>
+              <a:t>2022.09.12.</a:t>
             </a:fld>
             <a:endParaRPr lang="hu-HU"/>
           </a:p>
@@ -1004,7 +1022,7 @@
           <a:p>
             <a:fld id="{D4491327-AE6A-4889-B705-44534CF58E21}" type="datetimeFigureOut">
               <a:rPr lang="hu-HU" smtClean="0"/>
-              <a:t>2022.09.08.</a:t>
+              <a:t>2022.09.12.</a:t>
             </a:fld>
             <a:endParaRPr lang="hu-HU"/>
           </a:p>
@@ -1236,7 +1254,7 @@
           <a:p>
             <a:fld id="{D4491327-AE6A-4889-B705-44534CF58E21}" type="datetimeFigureOut">
               <a:rPr lang="hu-HU" smtClean="0"/>
-              <a:t>2022.09.08.</a:t>
+              <a:t>2022.09.12.</a:t>
             </a:fld>
             <a:endParaRPr lang="hu-HU"/>
           </a:p>
@@ -1603,7 +1621,7 @@
           <a:p>
             <a:fld id="{D4491327-AE6A-4889-B705-44534CF58E21}" type="datetimeFigureOut">
               <a:rPr lang="hu-HU" smtClean="0"/>
-              <a:t>2022.09.08.</a:t>
+              <a:t>2022.09.12.</a:t>
             </a:fld>
             <a:endParaRPr lang="hu-HU"/>
           </a:p>
@@ -1721,7 +1739,7 @@
           <a:p>
             <a:fld id="{D4491327-AE6A-4889-B705-44534CF58E21}" type="datetimeFigureOut">
               <a:rPr lang="hu-HU" smtClean="0"/>
-              <a:t>2022.09.08.</a:t>
+              <a:t>2022.09.12.</a:t>
             </a:fld>
             <a:endParaRPr lang="hu-HU"/>
           </a:p>
@@ -1816,7 +1834,7 @@
           <a:p>
             <a:fld id="{D4491327-AE6A-4889-B705-44534CF58E21}" type="datetimeFigureOut">
               <a:rPr lang="hu-HU" smtClean="0"/>
-              <a:t>2022.09.08.</a:t>
+              <a:t>2022.09.12.</a:t>
             </a:fld>
             <a:endParaRPr lang="hu-HU"/>
           </a:p>
@@ -2093,7 +2111,7 @@
           <a:p>
             <a:fld id="{D4491327-AE6A-4889-B705-44534CF58E21}" type="datetimeFigureOut">
               <a:rPr lang="hu-HU" smtClean="0"/>
-              <a:t>2022.09.08.</a:t>
+              <a:t>2022.09.12.</a:t>
             </a:fld>
             <a:endParaRPr lang="hu-HU"/>
           </a:p>
@@ -2346,7 +2364,7 @@
           <a:p>
             <a:fld id="{D4491327-AE6A-4889-B705-44534CF58E21}" type="datetimeFigureOut">
               <a:rPr lang="hu-HU" smtClean="0"/>
-              <a:t>2022.09.08.</a:t>
+              <a:t>2022.09.12.</a:t>
             </a:fld>
             <a:endParaRPr lang="hu-HU"/>
           </a:p>
@@ -2559,7 +2577,7 @@
           <a:p>
             <a:fld id="{D4491327-AE6A-4889-B705-44534CF58E21}" type="datetimeFigureOut">
               <a:rPr lang="hu-HU" smtClean="0"/>
-              <a:t>2022.09.08.</a:t>
+              <a:t>2022.09.12.</a:t>
             </a:fld>
             <a:endParaRPr lang="hu-HU"/>
           </a:p>
@@ -2979,7 +2997,11 @@
           <a:bodyPr/>
           <a:lstStyle/>
           <a:p>
-            <a:endParaRPr lang="hu-HU"/>
+            <a:r>
+              <a:rPr lang="hu-HU" dirty="0" smtClean="0"/>
+              <a:t>Pontfelhő</a:t>
+            </a:r>
+            <a:endParaRPr lang="hu-HU" dirty="0"/>
           </a:p>
         </p:txBody>
       </p:sp>
@@ -2993,12 +3015,21 @@
             <p:ph type="subTitle" idx="1"/>
           </p:nvPr>
         </p:nvSpPr>
-        <p:spPr/>
-        <p:txBody>
-          <a:bodyPr/>
-          <a:lstStyle/>
-          <a:p>
-            <a:endParaRPr lang="hu-HU"/>
+        <p:spPr>
+          <a:xfrm>
+            <a:off x="4203700" y="3509963"/>
+            <a:ext cx="3784600" cy="431800"/>
+          </a:xfrm>
+        </p:spPr>
+        <p:txBody>
+          <a:bodyPr/>
+          <a:lstStyle/>
+          <a:p>
+            <a:r>
+              <a:rPr lang="hu-HU" dirty="0" smtClean="0"/>
+              <a:t>Készítette: Csóka András</a:t>
+            </a:r>
+            <a:endParaRPr lang="hu-HU" dirty="0"/>
           </a:p>
         </p:txBody>
       </p:sp>
@@ -3006,6 +3037,1094 @@
     <p:extLst>
       <p:ext uri="{BB962C8B-B14F-4D97-AF65-F5344CB8AC3E}">
         <p14:creationId xmlns:p14="http://schemas.microsoft.com/office/powerpoint/2010/main" val="2098637999"/>
+      </p:ext>
+    </p:extLst>
+  </p:cSld>
+  <p:clrMapOvr>
+    <a:masterClrMapping/>
+  </p:clrMapOvr>
+</p:sld>
+</file>
+
+<file path=ppt/slides/slide10.xml><?xml version="1.0" encoding="utf-8"?>
+<p:sld xmlns:a="http://schemas.openxmlformats.org/drawingml/2006/main" xmlns:r="http://schemas.openxmlformats.org/officeDocument/2006/relationships" xmlns:p="http://schemas.openxmlformats.org/presentationml/2006/main">
+  <p:cSld>
+    <p:spTree>
+      <p:nvGrpSpPr>
+        <p:cNvPr id="1" name=""/>
+        <p:cNvGrpSpPr/>
+        <p:nvPr/>
+      </p:nvGrpSpPr>
+      <p:grpSpPr>
+        <a:xfrm>
+          <a:off x="0" y="0"/>
+          <a:ext cx="0" cy="0"/>
+          <a:chOff x="0" y="0"/>
+          <a:chExt cx="0" cy="0"/>
+        </a:xfrm>
+      </p:grpSpPr>
+      <p:sp>
+        <p:nvSpPr>
+          <p:cNvPr id="2" name="Cím 1"/>
+          <p:cNvSpPr>
+            <a:spLocks noGrp="1"/>
+          </p:cNvSpPr>
+          <p:nvPr>
+            <p:ph type="title"/>
+          </p:nvPr>
+        </p:nvSpPr>
+        <p:spPr/>
+        <p:txBody>
+          <a:bodyPr/>
+          <a:lstStyle/>
+          <a:p>
+            <a:endParaRPr lang="hu-HU"/>
+          </a:p>
+        </p:txBody>
+      </p:sp>
+      <p:sp>
+        <p:nvSpPr>
+          <p:cNvPr id="3" name="Tartalom helye 2"/>
+          <p:cNvSpPr>
+            <a:spLocks noGrp="1"/>
+          </p:cNvSpPr>
+          <p:nvPr>
+            <p:ph idx="1"/>
+          </p:nvPr>
+        </p:nvSpPr>
+        <p:spPr/>
+        <p:txBody>
+          <a:bodyPr/>
+          <a:lstStyle/>
+          <a:p>
+            <a:endParaRPr lang="hu-HU"/>
+          </a:p>
+        </p:txBody>
+      </p:sp>
+    </p:spTree>
+    <p:extLst>
+      <p:ext uri="{BB962C8B-B14F-4D97-AF65-F5344CB8AC3E}">
+        <p14:creationId xmlns:p14="http://schemas.microsoft.com/office/powerpoint/2010/main" val="1090590525"/>
+      </p:ext>
+    </p:extLst>
+  </p:cSld>
+  <p:clrMapOvr>
+    <a:masterClrMapping/>
+  </p:clrMapOvr>
+</p:sld>
+</file>
+
+<file path=ppt/slides/slide11.xml><?xml version="1.0" encoding="utf-8"?>
+<p:sld xmlns:a="http://schemas.openxmlformats.org/drawingml/2006/main" xmlns:r="http://schemas.openxmlformats.org/officeDocument/2006/relationships" xmlns:p="http://schemas.openxmlformats.org/presentationml/2006/main">
+  <p:cSld>
+    <p:spTree>
+      <p:nvGrpSpPr>
+        <p:cNvPr id="1" name=""/>
+        <p:cNvGrpSpPr/>
+        <p:nvPr/>
+      </p:nvGrpSpPr>
+      <p:grpSpPr>
+        <a:xfrm>
+          <a:off x="0" y="0"/>
+          <a:ext cx="0" cy="0"/>
+          <a:chOff x="0" y="0"/>
+          <a:chExt cx="0" cy="0"/>
+        </a:xfrm>
+      </p:grpSpPr>
+      <p:sp>
+        <p:nvSpPr>
+          <p:cNvPr id="2" name="Cím 1"/>
+          <p:cNvSpPr>
+            <a:spLocks noGrp="1"/>
+          </p:cNvSpPr>
+          <p:nvPr>
+            <p:ph type="title"/>
+          </p:nvPr>
+        </p:nvSpPr>
+        <p:spPr/>
+        <p:txBody>
+          <a:bodyPr/>
+          <a:lstStyle/>
+          <a:p>
+            <a:endParaRPr lang="hu-HU"/>
+          </a:p>
+        </p:txBody>
+      </p:sp>
+      <p:sp>
+        <p:nvSpPr>
+          <p:cNvPr id="3" name="Tartalom helye 2"/>
+          <p:cNvSpPr>
+            <a:spLocks noGrp="1"/>
+          </p:cNvSpPr>
+          <p:nvPr>
+            <p:ph idx="1"/>
+          </p:nvPr>
+        </p:nvSpPr>
+        <p:spPr/>
+        <p:txBody>
+          <a:bodyPr/>
+          <a:lstStyle/>
+          <a:p>
+            <a:endParaRPr lang="hu-HU"/>
+          </a:p>
+        </p:txBody>
+      </p:sp>
+    </p:spTree>
+    <p:extLst>
+      <p:ext uri="{BB962C8B-B14F-4D97-AF65-F5344CB8AC3E}">
+        <p14:creationId xmlns:p14="http://schemas.microsoft.com/office/powerpoint/2010/main" val="2613357604"/>
+      </p:ext>
+    </p:extLst>
+  </p:cSld>
+  <p:clrMapOvr>
+    <a:masterClrMapping/>
+  </p:clrMapOvr>
+</p:sld>
+</file>
+
+<file path=ppt/slides/slide12.xml><?xml version="1.0" encoding="utf-8"?>
+<p:sld xmlns:a="http://schemas.openxmlformats.org/drawingml/2006/main" xmlns:r="http://schemas.openxmlformats.org/officeDocument/2006/relationships" xmlns:p="http://schemas.openxmlformats.org/presentationml/2006/main">
+  <p:cSld>
+    <p:spTree>
+      <p:nvGrpSpPr>
+        <p:cNvPr id="1" name=""/>
+        <p:cNvGrpSpPr/>
+        <p:nvPr/>
+      </p:nvGrpSpPr>
+      <p:grpSpPr>
+        <a:xfrm>
+          <a:off x="0" y="0"/>
+          <a:ext cx="0" cy="0"/>
+          <a:chOff x="0" y="0"/>
+          <a:chExt cx="0" cy="0"/>
+        </a:xfrm>
+      </p:grpSpPr>
+      <p:sp>
+        <p:nvSpPr>
+          <p:cNvPr id="2" name="Cím 1"/>
+          <p:cNvSpPr>
+            <a:spLocks noGrp="1"/>
+          </p:cNvSpPr>
+          <p:nvPr>
+            <p:ph type="ctrTitle"/>
+          </p:nvPr>
+        </p:nvSpPr>
+        <p:spPr/>
+        <p:txBody>
+          <a:bodyPr/>
+          <a:lstStyle/>
+          <a:p>
+            <a:r>
+              <a:rPr lang="hu-HU" dirty="0" smtClean="0"/>
+              <a:t>Köszönöm a figyelmet!</a:t>
+            </a:r>
+            <a:endParaRPr lang="hu-HU" dirty="0"/>
+          </a:p>
+        </p:txBody>
+      </p:sp>
+      <p:sp>
+        <p:nvSpPr>
+          <p:cNvPr id="3" name="Alcím 2"/>
+          <p:cNvSpPr>
+            <a:spLocks noGrp="1"/>
+          </p:cNvSpPr>
+          <p:nvPr>
+            <p:ph type="subTitle" idx="1"/>
+          </p:nvPr>
+        </p:nvSpPr>
+        <p:spPr/>
+        <p:txBody>
+          <a:bodyPr/>
+          <a:lstStyle/>
+          <a:p>
+            <a:endParaRPr lang="hu-HU"/>
+          </a:p>
+        </p:txBody>
+      </p:sp>
+    </p:spTree>
+    <p:extLst>
+      <p:ext uri="{BB962C8B-B14F-4D97-AF65-F5344CB8AC3E}">
+        <p14:creationId xmlns:p14="http://schemas.microsoft.com/office/powerpoint/2010/main" val="213409669"/>
+      </p:ext>
+    </p:extLst>
+  </p:cSld>
+  <p:clrMapOvr>
+    <a:masterClrMapping/>
+  </p:clrMapOvr>
+</p:sld>
+</file>
+
+<file path=ppt/slides/slide13.xml><?xml version="1.0" encoding="utf-8"?>
+<p:sld xmlns:a="http://schemas.openxmlformats.org/drawingml/2006/main" xmlns:r="http://schemas.openxmlformats.org/officeDocument/2006/relationships" xmlns:p="http://schemas.openxmlformats.org/presentationml/2006/main">
+  <p:cSld>
+    <p:spTree>
+      <p:nvGrpSpPr>
+        <p:cNvPr id="1" name=""/>
+        <p:cNvGrpSpPr/>
+        <p:nvPr/>
+      </p:nvGrpSpPr>
+      <p:grpSpPr>
+        <a:xfrm>
+          <a:off x="0" y="0"/>
+          <a:ext cx="0" cy="0"/>
+          <a:chOff x="0" y="0"/>
+          <a:chExt cx="0" cy="0"/>
+        </a:xfrm>
+      </p:grpSpPr>
+      <p:sp>
+        <p:nvSpPr>
+          <p:cNvPr id="2" name="Cím 1"/>
+          <p:cNvSpPr>
+            <a:spLocks noGrp="1"/>
+          </p:cNvSpPr>
+          <p:nvPr>
+            <p:ph type="title"/>
+          </p:nvPr>
+        </p:nvSpPr>
+        <p:spPr/>
+        <p:txBody>
+          <a:bodyPr/>
+          <a:lstStyle/>
+          <a:p>
+            <a:endParaRPr lang="hu-HU"/>
+          </a:p>
+        </p:txBody>
+      </p:sp>
+      <p:sp>
+        <p:nvSpPr>
+          <p:cNvPr id="3" name="Tartalom helye 2"/>
+          <p:cNvSpPr>
+            <a:spLocks noGrp="1"/>
+          </p:cNvSpPr>
+          <p:nvPr>
+            <p:ph idx="1"/>
+          </p:nvPr>
+        </p:nvSpPr>
+        <p:spPr/>
+        <p:txBody>
+          <a:bodyPr/>
+          <a:lstStyle/>
+          <a:p>
+            <a:r>
+              <a:rPr lang="hu-HU" dirty="0">
+                <a:hlinkClick r:id="rId2"/>
+              </a:rPr>
+              <a:t>https://</a:t>
+            </a:r>
+            <a:r>
+              <a:rPr lang="hu-HU" dirty="0" smtClean="0">
+                <a:hlinkClick r:id="rId2"/>
+              </a:rPr>
+              <a:t>www.youtube.com/watch?v=PL6wD8jczkE</a:t>
+            </a:r>
+            <a:endParaRPr lang="hu-HU" dirty="0" smtClean="0"/>
+          </a:p>
+          <a:p>
+            <a:r>
+              <a:rPr lang="hu-HU">
+                <a:hlinkClick r:id="rId3"/>
+              </a:rPr>
+              <a:t>https://</a:t>
+            </a:r>
+            <a:r>
+              <a:rPr lang="hu-HU">
+                <a:hlinkClick r:id="rId3"/>
+              </a:rPr>
+              <a:t>terszkenneles.hu/pontfelho-felhasznalasi-modjai</a:t>
+            </a:r>
+            <a:r>
+              <a:rPr lang="hu-HU" smtClean="0">
+                <a:hlinkClick r:id="rId3"/>
+              </a:rPr>
+              <a:t>/</a:t>
+            </a:r>
+            <a:endParaRPr lang="hu-HU" smtClean="0"/>
+          </a:p>
+          <a:p>
+            <a:endParaRPr lang="hu-HU" dirty="0"/>
+          </a:p>
+        </p:txBody>
+      </p:sp>
+    </p:spTree>
+    <p:extLst>
+      <p:ext uri="{BB962C8B-B14F-4D97-AF65-F5344CB8AC3E}">
+        <p14:creationId xmlns:p14="http://schemas.microsoft.com/office/powerpoint/2010/main" val="3926186018"/>
+      </p:ext>
+    </p:extLst>
+  </p:cSld>
+  <p:clrMapOvr>
+    <a:masterClrMapping/>
+  </p:clrMapOvr>
+</p:sld>
+</file>
+
+<file path=ppt/slides/slide14.xml><?xml version="1.0" encoding="utf-8"?>
+<p:sld xmlns:a="http://schemas.openxmlformats.org/drawingml/2006/main" xmlns:r="http://schemas.openxmlformats.org/officeDocument/2006/relationships" xmlns:p="http://schemas.openxmlformats.org/presentationml/2006/main">
+  <p:cSld>
+    <p:spTree>
+      <p:nvGrpSpPr>
+        <p:cNvPr id="1" name=""/>
+        <p:cNvGrpSpPr/>
+        <p:nvPr/>
+      </p:nvGrpSpPr>
+      <p:grpSpPr>
+        <a:xfrm>
+          <a:off x="0" y="0"/>
+          <a:ext cx="0" cy="0"/>
+          <a:chOff x="0" y="0"/>
+          <a:chExt cx="0" cy="0"/>
+        </a:xfrm>
+      </p:grpSpPr>
+      <p:sp>
+        <p:nvSpPr>
+          <p:cNvPr id="2" name="Cím 1"/>
+          <p:cNvSpPr>
+            <a:spLocks noGrp="1"/>
+          </p:cNvSpPr>
+          <p:nvPr>
+            <p:ph type="title"/>
+          </p:nvPr>
+        </p:nvSpPr>
+        <p:spPr/>
+        <p:txBody>
+          <a:bodyPr/>
+          <a:lstStyle/>
+          <a:p>
+            <a:r>
+              <a:rPr lang="hu-HU" dirty="0" smtClean="0">
+                <a:sym typeface="Wingdings" panose="05000000000000000000" pitchFamily="2" charset="2"/>
+              </a:rPr>
+              <a:t></a:t>
+            </a:r>
+            <a:r>
+              <a:rPr lang="hu-HU" dirty="0" err="1" smtClean="0">
+                <a:sym typeface="Wingdings" panose="05000000000000000000" pitchFamily="2" charset="2"/>
+              </a:rPr>
+              <a:t>㸌촕慎慘ぃ</a:t>
+            </a:r>
+            <a:r>
+              <a:rPr lang="hu-HU" dirty="0" smtClean="0">
+                <a:sym typeface="Wingdings" panose="05000000000000000000" pitchFamily="2" charset="2"/>
+              </a:rPr>
+              <a:t>➎繏痐哀獀몛臰럣뗣앣♦12♀♪♪▼3☺▼13♪♪▼31▼▼♪♪♪♪♪♪♪1♥♥</a:t>
+            </a:r>
+            <a:endParaRPr lang="hu-HU" dirty="0"/>
+          </a:p>
+        </p:txBody>
+      </p:sp>
+      <p:sp>
+        <p:nvSpPr>
+          <p:cNvPr id="3" name="Tartalom helye 2"/>
+          <p:cNvSpPr>
+            <a:spLocks noGrp="1"/>
+          </p:cNvSpPr>
+          <p:nvPr>
+            <p:ph idx="1"/>
+          </p:nvPr>
+        </p:nvSpPr>
+        <p:spPr/>
+        <p:txBody>
+          <a:bodyPr/>
+          <a:lstStyle/>
+          <a:p>
+            <a:endParaRPr lang="hu-HU"/>
+          </a:p>
+        </p:txBody>
+      </p:sp>
+      <p:pic>
+        <p:nvPicPr>
+          <p:cNvPr id="1026" name="Picture 2" descr="modeling_point-cloud_example.png (1048×616)"/>
+          <p:cNvPicPr>
+            <a:picLocks noChangeAspect="1" noChangeArrowheads="1"/>
+          </p:cNvPicPr>
+          <p:nvPr/>
+        </p:nvPicPr>
+        <p:blipFill>
+          <a:blip r:embed="rId2">
+            <a:extLst>
+              <a:ext uri="{28A0092B-C50C-407E-A947-70E740481C1C}">
+                <a14:useLocalDpi xmlns:a14="http://schemas.microsoft.com/office/drawing/2010/main" val="0"/>
+              </a:ext>
+            </a:extLst>
+          </a:blip>
+          <a:srcRect/>
+          <a:stretch>
+            <a:fillRect/>
+          </a:stretch>
+        </p:blipFill>
+        <p:spPr bwMode="auto">
+          <a:xfrm>
+            <a:off x="6096000" y="2470059"/>
+            <a:ext cx="5210175" cy="3062470"/>
+          </a:xfrm>
+          <a:prstGeom prst="rect">
+            <a:avLst/>
+          </a:prstGeom>
+          <a:noFill/>
+          <a:extLst>
+            <a:ext uri="{909E8E84-426E-40DD-AFC4-6F175D3DCCD1}">
+              <a14:hiddenFill xmlns:a14="http://schemas.microsoft.com/office/drawing/2010/main">
+                <a:solidFill>
+                  <a:srgbClr val="FFFFFF"/>
+                </a:solidFill>
+              </a14:hiddenFill>
+            </a:ext>
+          </a:extLst>
+        </p:spPr>
+      </p:pic>
+      <p:sp>
+        <p:nvSpPr>
+          <p:cNvPr id="4" name="Téglalap 3"/>
+          <p:cNvSpPr/>
+          <p:nvPr/>
+        </p:nvSpPr>
+        <p:spPr>
+          <a:xfrm>
+            <a:off x="6142037" y="5540508"/>
+            <a:ext cx="5118100" cy="253916"/>
+          </a:xfrm>
+          <a:prstGeom prst="rect">
+            <a:avLst/>
+          </a:prstGeom>
+        </p:spPr>
+        <p:txBody>
+          <a:bodyPr wrap="square">
+            <a:spAutoFit/>
+          </a:bodyPr>
+          <a:lstStyle/>
+          <a:p>
+            <a:r>
+              <a:rPr lang="hu-HU" sz="1050" dirty="0"/>
+              <a:t>https://docs.blender.org/manual/en/latest/_images/modeling_point-cloud_example.png</a:t>
+            </a:r>
+          </a:p>
+        </p:txBody>
+      </p:sp>
+    </p:spTree>
+    <p:extLst>
+      <p:ext uri="{BB962C8B-B14F-4D97-AF65-F5344CB8AC3E}">
+        <p14:creationId xmlns:p14="http://schemas.microsoft.com/office/powerpoint/2010/main" val="2539321103"/>
+      </p:ext>
+    </p:extLst>
+  </p:cSld>
+  <p:clrMapOvr>
+    <a:masterClrMapping/>
+  </p:clrMapOvr>
+</p:sld>
+</file>
+
+<file path=ppt/slides/slide2.xml><?xml version="1.0" encoding="utf-8"?>
+<p:sld xmlns:a="http://schemas.openxmlformats.org/drawingml/2006/main" xmlns:r="http://schemas.openxmlformats.org/officeDocument/2006/relationships" xmlns:p="http://schemas.openxmlformats.org/presentationml/2006/main">
+  <p:cSld>
+    <p:spTree>
+      <p:nvGrpSpPr>
+        <p:cNvPr id="1" name=""/>
+        <p:cNvGrpSpPr/>
+        <p:nvPr/>
+      </p:nvGrpSpPr>
+      <p:grpSpPr>
+        <a:xfrm>
+          <a:off x="0" y="0"/>
+          <a:ext cx="0" cy="0"/>
+          <a:chOff x="0" y="0"/>
+          <a:chExt cx="0" cy="0"/>
+        </a:xfrm>
+      </p:grpSpPr>
+      <p:sp>
+        <p:nvSpPr>
+          <p:cNvPr id="2" name="Cím 1"/>
+          <p:cNvSpPr>
+            <a:spLocks noGrp="1"/>
+          </p:cNvSpPr>
+          <p:nvPr>
+            <p:ph type="title"/>
+          </p:nvPr>
+        </p:nvSpPr>
+        <p:spPr/>
+        <p:txBody>
+          <a:bodyPr/>
+          <a:lstStyle/>
+          <a:p>
+            <a:r>
+              <a:rPr lang="hu-HU" dirty="0" smtClean="0"/>
+              <a:t>Mi az a pontfelhő?</a:t>
+            </a:r>
+            <a:endParaRPr lang="hu-HU" dirty="0"/>
+          </a:p>
+        </p:txBody>
+      </p:sp>
+      <p:sp>
+        <p:nvSpPr>
+          <p:cNvPr id="3" name="Tartalom helye 2"/>
+          <p:cNvSpPr>
+            <a:spLocks noGrp="1"/>
+          </p:cNvSpPr>
+          <p:nvPr>
+            <p:ph idx="1"/>
+          </p:nvPr>
+        </p:nvSpPr>
+        <p:spPr/>
+        <p:txBody>
+          <a:bodyPr/>
+          <a:lstStyle/>
+          <a:p>
+            <a:r>
+              <a:rPr lang="hu-HU" dirty="0" smtClean="0"/>
+              <a:t>X, Y, Z koordinátán elhelyezett pontok</a:t>
+            </a:r>
+            <a:endParaRPr lang="hu-HU" dirty="0"/>
+          </a:p>
+        </p:txBody>
+      </p:sp>
+      <p:pic>
+        <p:nvPicPr>
+          <p:cNvPr id="5" name="Picture 2" descr="modeling_point-cloud_example.png (1048×616)"/>
+          <p:cNvPicPr>
+            <a:picLocks noChangeAspect="1" noChangeArrowheads="1"/>
+          </p:cNvPicPr>
+          <p:nvPr/>
+        </p:nvPicPr>
+        <p:blipFill>
+          <a:blip r:embed="rId2">
+            <a:extLst>
+              <a:ext uri="{28A0092B-C50C-407E-A947-70E740481C1C}">
+                <a14:useLocalDpi xmlns:a14="http://schemas.microsoft.com/office/drawing/2010/main" val="0"/>
+              </a:ext>
+            </a:extLst>
+          </a:blip>
+          <a:srcRect/>
+          <a:stretch>
+            <a:fillRect/>
+          </a:stretch>
+        </p:blipFill>
+        <p:spPr bwMode="auto">
+          <a:xfrm>
+            <a:off x="6981825" y="2470059"/>
+            <a:ext cx="5210175" cy="3062470"/>
+          </a:xfrm>
+          <a:prstGeom prst="rect">
+            <a:avLst/>
+          </a:prstGeom>
+          <a:noFill/>
+          <a:extLst>
+            <a:ext uri="{909E8E84-426E-40DD-AFC4-6F175D3DCCD1}">
+              <a14:hiddenFill xmlns:a14="http://schemas.microsoft.com/office/drawing/2010/main">
+                <a:solidFill>
+                  <a:srgbClr val="FFFFFF"/>
+                </a:solidFill>
+              </a14:hiddenFill>
+            </a:ext>
+          </a:extLst>
+        </p:spPr>
+      </p:pic>
+      <p:sp>
+        <p:nvSpPr>
+          <p:cNvPr id="6" name="Téglalap 5"/>
+          <p:cNvSpPr/>
+          <p:nvPr/>
+        </p:nvSpPr>
+        <p:spPr>
+          <a:xfrm>
+            <a:off x="7027862" y="5502458"/>
+            <a:ext cx="5118100" cy="253916"/>
+          </a:xfrm>
+          <a:prstGeom prst="rect">
+            <a:avLst/>
+          </a:prstGeom>
+        </p:spPr>
+        <p:txBody>
+          <a:bodyPr wrap="square">
+            <a:spAutoFit/>
+          </a:bodyPr>
+          <a:lstStyle/>
+          <a:p>
+            <a:r>
+              <a:rPr lang="hu-HU" sz="1050" dirty="0"/>
+              <a:t>https://docs.blender.org/manual/en/latest/_images/modeling_point-cloud_example.png</a:t>
+            </a:r>
+          </a:p>
+        </p:txBody>
+      </p:sp>
+    </p:spTree>
+    <p:extLst>
+      <p:ext uri="{BB962C8B-B14F-4D97-AF65-F5344CB8AC3E}">
+        <p14:creationId xmlns:p14="http://schemas.microsoft.com/office/powerpoint/2010/main" val="3441424514"/>
+      </p:ext>
+    </p:extLst>
+  </p:cSld>
+  <p:clrMapOvr>
+    <a:masterClrMapping/>
+  </p:clrMapOvr>
+</p:sld>
+</file>
+
+<file path=ppt/slides/slide3.xml><?xml version="1.0" encoding="utf-8"?>
+<p:sld xmlns:a="http://schemas.openxmlformats.org/drawingml/2006/main" xmlns:r="http://schemas.openxmlformats.org/officeDocument/2006/relationships" xmlns:p="http://schemas.openxmlformats.org/presentationml/2006/main">
+  <p:cSld>
+    <p:spTree>
+      <p:nvGrpSpPr>
+        <p:cNvPr id="1" name=""/>
+        <p:cNvGrpSpPr/>
+        <p:nvPr/>
+      </p:nvGrpSpPr>
+      <p:grpSpPr>
+        <a:xfrm>
+          <a:off x="0" y="0"/>
+          <a:ext cx="0" cy="0"/>
+          <a:chOff x="0" y="0"/>
+          <a:chExt cx="0" cy="0"/>
+        </a:xfrm>
+      </p:grpSpPr>
+      <p:sp>
+        <p:nvSpPr>
+          <p:cNvPr id="2" name="Cím 1"/>
+          <p:cNvSpPr>
+            <a:spLocks noGrp="1"/>
+          </p:cNvSpPr>
+          <p:nvPr>
+            <p:ph type="title"/>
+          </p:nvPr>
+        </p:nvSpPr>
+        <p:spPr/>
+        <p:txBody>
+          <a:bodyPr/>
+          <a:lstStyle/>
+          <a:p>
+            <a:endParaRPr lang="hu-HU"/>
+          </a:p>
+        </p:txBody>
+      </p:sp>
+      <p:sp>
+        <p:nvSpPr>
+          <p:cNvPr id="3" name="Tartalom helye 2"/>
+          <p:cNvSpPr>
+            <a:spLocks noGrp="1"/>
+          </p:cNvSpPr>
+          <p:nvPr>
+            <p:ph idx="1"/>
+          </p:nvPr>
+        </p:nvSpPr>
+        <p:spPr/>
+        <p:txBody>
+          <a:bodyPr/>
+          <a:lstStyle/>
+          <a:p>
+            <a:endParaRPr lang="hu-HU"/>
+          </a:p>
+        </p:txBody>
+      </p:sp>
+    </p:spTree>
+    <p:extLst>
+      <p:ext uri="{BB962C8B-B14F-4D97-AF65-F5344CB8AC3E}">
+        <p14:creationId xmlns:p14="http://schemas.microsoft.com/office/powerpoint/2010/main" val="3130423958"/>
+      </p:ext>
+    </p:extLst>
+  </p:cSld>
+  <p:clrMapOvr>
+    <a:masterClrMapping/>
+  </p:clrMapOvr>
+</p:sld>
+</file>
+
+<file path=ppt/slides/slide4.xml><?xml version="1.0" encoding="utf-8"?>
+<p:sld xmlns:a="http://schemas.openxmlformats.org/drawingml/2006/main" xmlns:r="http://schemas.openxmlformats.org/officeDocument/2006/relationships" xmlns:p="http://schemas.openxmlformats.org/presentationml/2006/main">
+  <p:cSld>
+    <p:spTree>
+      <p:nvGrpSpPr>
+        <p:cNvPr id="1" name=""/>
+        <p:cNvGrpSpPr/>
+        <p:nvPr/>
+      </p:nvGrpSpPr>
+      <p:grpSpPr>
+        <a:xfrm>
+          <a:off x="0" y="0"/>
+          <a:ext cx="0" cy="0"/>
+          <a:chOff x="0" y="0"/>
+          <a:chExt cx="0" cy="0"/>
+        </a:xfrm>
+      </p:grpSpPr>
+      <p:sp>
+        <p:nvSpPr>
+          <p:cNvPr id="2" name="Cím 1"/>
+          <p:cNvSpPr>
+            <a:spLocks noGrp="1"/>
+          </p:cNvSpPr>
+          <p:nvPr>
+            <p:ph type="title"/>
+          </p:nvPr>
+        </p:nvSpPr>
+        <p:spPr/>
+        <p:txBody>
+          <a:bodyPr/>
+          <a:lstStyle/>
+          <a:p>
+            <a:endParaRPr lang="hu-HU"/>
+          </a:p>
+        </p:txBody>
+      </p:sp>
+      <p:sp>
+        <p:nvSpPr>
+          <p:cNvPr id="3" name="Tartalom helye 2"/>
+          <p:cNvSpPr>
+            <a:spLocks noGrp="1"/>
+          </p:cNvSpPr>
+          <p:nvPr>
+            <p:ph idx="1"/>
+          </p:nvPr>
+        </p:nvSpPr>
+        <p:spPr/>
+        <p:txBody>
+          <a:bodyPr/>
+          <a:lstStyle/>
+          <a:p>
+            <a:endParaRPr lang="hu-HU"/>
+          </a:p>
+        </p:txBody>
+      </p:sp>
+    </p:spTree>
+    <p:extLst>
+      <p:ext uri="{BB962C8B-B14F-4D97-AF65-F5344CB8AC3E}">
+        <p14:creationId xmlns:p14="http://schemas.microsoft.com/office/powerpoint/2010/main" val="2258301444"/>
+      </p:ext>
+    </p:extLst>
+  </p:cSld>
+  <p:clrMapOvr>
+    <a:masterClrMapping/>
+  </p:clrMapOvr>
+</p:sld>
+</file>
+
+<file path=ppt/slides/slide5.xml><?xml version="1.0" encoding="utf-8"?>
+<p:sld xmlns:a="http://schemas.openxmlformats.org/drawingml/2006/main" xmlns:r="http://schemas.openxmlformats.org/officeDocument/2006/relationships" xmlns:p="http://schemas.openxmlformats.org/presentationml/2006/main">
+  <p:cSld>
+    <p:spTree>
+      <p:nvGrpSpPr>
+        <p:cNvPr id="1" name=""/>
+        <p:cNvGrpSpPr/>
+        <p:nvPr/>
+      </p:nvGrpSpPr>
+      <p:grpSpPr>
+        <a:xfrm>
+          <a:off x="0" y="0"/>
+          <a:ext cx="0" cy="0"/>
+          <a:chOff x="0" y="0"/>
+          <a:chExt cx="0" cy="0"/>
+        </a:xfrm>
+      </p:grpSpPr>
+      <p:sp>
+        <p:nvSpPr>
+          <p:cNvPr id="2" name="Cím 1"/>
+          <p:cNvSpPr>
+            <a:spLocks noGrp="1"/>
+          </p:cNvSpPr>
+          <p:nvPr>
+            <p:ph type="title"/>
+          </p:nvPr>
+        </p:nvSpPr>
+        <p:spPr/>
+        <p:txBody>
+          <a:bodyPr/>
+          <a:lstStyle/>
+          <a:p>
+            <a:endParaRPr lang="hu-HU"/>
+          </a:p>
+        </p:txBody>
+      </p:sp>
+      <p:sp>
+        <p:nvSpPr>
+          <p:cNvPr id="3" name="Tartalom helye 2"/>
+          <p:cNvSpPr>
+            <a:spLocks noGrp="1"/>
+          </p:cNvSpPr>
+          <p:nvPr>
+            <p:ph idx="1"/>
+          </p:nvPr>
+        </p:nvSpPr>
+        <p:spPr/>
+        <p:txBody>
+          <a:bodyPr/>
+          <a:lstStyle/>
+          <a:p>
+            <a:endParaRPr lang="hu-HU"/>
+          </a:p>
+        </p:txBody>
+      </p:sp>
+    </p:spTree>
+    <p:extLst>
+      <p:ext uri="{BB962C8B-B14F-4D97-AF65-F5344CB8AC3E}">
+        <p14:creationId xmlns:p14="http://schemas.microsoft.com/office/powerpoint/2010/main" val="3049040554"/>
+      </p:ext>
+    </p:extLst>
+  </p:cSld>
+  <p:clrMapOvr>
+    <a:masterClrMapping/>
+  </p:clrMapOvr>
+</p:sld>
+</file>
+
+<file path=ppt/slides/slide6.xml><?xml version="1.0" encoding="utf-8"?>
+<p:sld xmlns:a="http://schemas.openxmlformats.org/drawingml/2006/main" xmlns:r="http://schemas.openxmlformats.org/officeDocument/2006/relationships" xmlns:p="http://schemas.openxmlformats.org/presentationml/2006/main">
+  <p:cSld>
+    <p:spTree>
+      <p:nvGrpSpPr>
+        <p:cNvPr id="1" name=""/>
+        <p:cNvGrpSpPr/>
+        <p:nvPr/>
+      </p:nvGrpSpPr>
+      <p:grpSpPr>
+        <a:xfrm>
+          <a:off x="0" y="0"/>
+          <a:ext cx="0" cy="0"/>
+          <a:chOff x="0" y="0"/>
+          <a:chExt cx="0" cy="0"/>
+        </a:xfrm>
+      </p:grpSpPr>
+      <p:sp>
+        <p:nvSpPr>
+          <p:cNvPr id="2" name="Cím 1"/>
+          <p:cNvSpPr>
+            <a:spLocks noGrp="1"/>
+          </p:cNvSpPr>
+          <p:nvPr>
+            <p:ph type="title"/>
+          </p:nvPr>
+        </p:nvSpPr>
+        <p:spPr/>
+        <p:txBody>
+          <a:bodyPr/>
+          <a:lstStyle/>
+          <a:p>
+            <a:endParaRPr lang="hu-HU"/>
+          </a:p>
+        </p:txBody>
+      </p:sp>
+      <p:sp>
+        <p:nvSpPr>
+          <p:cNvPr id="3" name="Tartalom helye 2"/>
+          <p:cNvSpPr>
+            <a:spLocks noGrp="1"/>
+          </p:cNvSpPr>
+          <p:nvPr>
+            <p:ph idx="1"/>
+          </p:nvPr>
+        </p:nvSpPr>
+        <p:spPr/>
+        <p:txBody>
+          <a:bodyPr/>
+          <a:lstStyle/>
+          <a:p>
+            <a:endParaRPr lang="hu-HU"/>
+          </a:p>
+        </p:txBody>
+      </p:sp>
+    </p:spTree>
+    <p:extLst>
+      <p:ext uri="{BB962C8B-B14F-4D97-AF65-F5344CB8AC3E}">
+        <p14:creationId xmlns:p14="http://schemas.microsoft.com/office/powerpoint/2010/main" val="2006933350"/>
+      </p:ext>
+    </p:extLst>
+  </p:cSld>
+  <p:clrMapOvr>
+    <a:masterClrMapping/>
+  </p:clrMapOvr>
+</p:sld>
+</file>
+
+<file path=ppt/slides/slide7.xml><?xml version="1.0" encoding="utf-8"?>
+<p:sld xmlns:a="http://schemas.openxmlformats.org/drawingml/2006/main" xmlns:r="http://schemas.openxmlformats.org/officeDocument/2006/relationships" xmlns:p="http://schemas.openxmlformats.org/presentationml/2006/main">
+  <p:cSld>
+    <p:spTree>
+      <p:nvGrpSpPr>
+        <p:cNvPr id="1" name=""/>
+        <p:cNvGrpSpPr/>
+        <p:nvPr/>
+      </p:nvGrpSpPr>
+      <p:grpSpPr>
+        <a:xfrm>
+          <a:off x="0" y="0"/>
+          <a:ext cx="0" cy="0"/>
+          <a:chOff x="0" y="0"/>
+          <a:chExt cx="0" cy="0"/>
+        </a:xfrm>
+      </p:grpSpPr>
+      <p:sp>
+        <p:nvSpPr>
+          <p:cNvPr id="2" name="Cím 1"/>
+          <p:cNvSpPr>
+            <a:spLocks noGrp="1"/>
+          </p:cNvSpPr>
+          <p:nvPr>
+            <p:ph type="title"/>
+          </p:nvPr>
+        </p:nvSpPr>
+        <p:spPr/>
+        <p:txBody>
+          <a:bodyPr/>
+          <a:lstStyle/>
+          <a:p>
+            <a:endParaRPr lang="hu-HU"/>
+          </a:p>
+        </p:txBody>
+      </p:sp>
+      <p:sp>
+        <p:nvSpPr>
+          <p:cNvPr id="3" name="Tartalom helye 2"/>
+          <p:cNvSpPr>
+            <a:spLocks noGrp="1"/>
+          </p:cNvSpPr>
+          <p:nvPr>
+            <p:ph idx="1"/>
+          </p:nvPr>
+        </p:nvSpPr>
+        <p:spPr/>
+        <p:txBody>
+          <a:bodyPr/>
+          <a:lstStyle/>
+          <a:p>
+            <a:endParaRPr lang="hu-HU"/>
+          </a:p>
+        </p:txBody>
+      </p:sp>
+    </p:spTree>
+    <p:extLst>
+      <p:ext uri="{BB962C8B-B14F-4D97-AF65-F5344CB8AC3E}">
+        <p14:creationId xmlns:p14="http://schemas.microsoft.com/office/powerpoint/2010/main" val="1510026493"/>
+      </p:ext>
+    </p:extLst>
+  </p:cSld>
+  <p:clrMapOvr>
+    <a:masterClrMapping/>
+  </p:clrMapOvr>
+</p:sld>
+</file>
+
+<file path=ppt/slides/slide8.xml><?xml version="1.0" encoding="utf-8"?>
+<p:sld xmlns:a="http://schemas.openxmlformats.org/drawingml/2006/main" xmlns:r="http://schemas.openxmlformats.org/officeDocument/2006/relationships" xmlns:p="http://schemas.openxmlformats.org/presentationml/2006/main">
+  <p:cSld>
+    <p:spTree>
+      <p:nvGrpSpPr>
+        <p:cNvPr id="1" name=""/>
+        <p:cNvGrpSpPr/>
+        <p:nvPr/>
+      </p:nvGrpSpPr>
+      <p:grpSpPr>
+        <a:xfrm>
+          <a:off x="0" y="0"/>
+          <a:ext cx="0" cy="0"/>
+          <a:chOff x="0" y="0"/>
+          <a:chExt cx="0" cy="0"/>
+        </a:xfrm>
+      </p:grpSpPr>
+      <p:sp>
+        <p:nvSpPr>
+          <p:cNvPr id="2" name="Cím 1"/>
+          <p:cNvSpPr>
+            <a:spLocks noGrp="1"/>
+          </p:cNvSpPr>
+          <p:nvPr>
+            <p:ph type="title"/>
+          </p:nvPr>
+        </p:nvSpPr>
+        <p:spPr/>
+        <p:txBody>
+          <a:bodyPr/>
+          <a:lstStyle/>
+          <a:p>
+            <a:endParaRPr lang="hu-HU"/>
+          </a:p>
+        </p:txBody>
+      </p:sp>
+      <p:sp>
+        <p:nvSpPr>
+          <p:cNvPr id="3" name="Tartalom helye 2"/>
+          <p:cNvSpPr>
+            <a:spLocks noGrp="1"/>
+          </p:cNvSpPr>
+          <p:nvPr>
+            <p:ph idx="1"/>
+          </p:nvPr>
+        </p:nvSpPr>
+        <p:spPr/>
+        <p:txBody>
+          <a:bodyPr/>
+          <a:lstStyle/>
+          <a:p>
+            <a:endParaRPr lang="hu-HU"/>
+          </a:p>
+        </p:txBody>
+      </p:sp>
+    </p:spTree>
+    <p:extLst>
+      <p:ext uri="{BB962C8B-B14F-4D97-AF65-F5344CB8AC3E}">
+        <p14:creationId xmlns:p14="http://schemas.microsoft.com/office/powerpoint/2010/main" val="900320072"/>
+      </p:ext>
+    </p:extLst>
+  </p:cSld>
+  <p:clrMapOvr>
+    <a:masterClrMapping/>
+  </p:clrMapOvr>
+</p:sld>
+</file>
+
+<file path=ppt/slides/slide9.xml><?xml version="1.0" encoding="utf-8"?>
+<p:sld xmlns:a="http://schemas.openxmlformats.org/drawingml/2006/main" xmlns:r="http://schemas.openxmlformats.org/officeDocument/2006/relationships" xmlns:p="http://schemas.openxmlformats.org/presentationml/2006/main">
+  <p:cSld>
+    <p:spTree>
+      <p:nvGrpSpPr>
+        <p:cNvPr id="1" name=""/>
+        <p:cNvGrpSpPr/>
+        <p:nvPr/>
+      </p:nvGrpSpPr>
+      <p:grpSpPr>
+        <a:xfrm>
+          <a:off x="0" y="0"/>
+          <a:ext cx="0" cy="0"/>
+          <a:chOff x="0" y="0"/>
+          <a:chExt cx="0" cy="0"/>
+        </a:xfrm>
+      </p:grpSpPr>
+      <p:sp>
+        <p:nvSpPr>
+          <p:cNvPr id="2" name="Cím 1"/>
+          <p:cNvSpPr>
+            <a:spLocks noGrp="1"/>
+          </p:cNvSpPr>
+          <p:nvPr>
+            <p:ph type="title"/>
+          </p:nvPr>
+        </p:nvSpPr>
+        <p:spPr/>
+        <p:txBody>
+          <a:bodyPr/>
+          <a:lstStyle/>
+          <a:p>
+            <a:endParaRPr lang="hu-HU"/>
+          </a:p>
+        </p:txBody>
+      </p:sp>
+      <p:sp>
+        <p:nvSpPr>
+          <p:cNvPr id="3" name="Tartalom helye 2"/>
+          <p:cNvSpPr>
+            <a:spLocks noGrp="1"/>
+          </p:cNvSpPr>
+          <p:nvPr>
+            <p:ph idx="1"/>
+          </p:nvPr>
+        </p:nvSpPr>
+        <p:spPr/>
+        <p:txBody>
+          <a:bodyPr/>
+          <a:lstStyle/>
+          <a:p>
+            <a:endParaRPr lang="hu-HU"/>
+          </a:p>
+        </p:txBody>
+      </p:sp>
+    </p:spTree>
+    <p:extLst>
+      <p:ext uri="{BB962C8B-B14F-4D97-AF65-F5344CB8AC3E}">
+        <p14:creationId xmlns:p14="http://schemas.microsoft.com/office/powerpoint/2010/main" val="1924093199"/>
       </p:ext>
     </p:extLst>
   </p:cSld>

--- a/BemutatóCsókaAndrás.pptx
+++ b/BemutatóCsókaAndrás.pptx
@@ -6,9 +6,9 @@
   </p:sldMasterIdLst>
   <p:sldIdLst>
     <p:sldId id="256" r:id="rId2"/>
-    <p:sldId id="269" r:id="rId3"/>
-    <p:sldId id="270" r:id="rId4"/>
-    <p:sldId id="258" r:id="rId5"/>
+    <p:sldId id="270" r:id="rId3"/>
+    <p:sldId id="258" r:id="rId4"/>
+    <p:sldId id="269" r:id="rId5"/>
     <p:sldId id="259" r:id="rId6"/>
     <p:sldId id="260" r:id="rId7"/>
     <p:sldId id="261" r:id="rId8"/>
@@ -256,7 +256,7 @@
           <a:p>
             <a:fld id="{D4491327-AE6A-4889-B705-44534CF58E21}" type="datetimeFigureOut">
               <a:rPr lang="hu-HU" smtClean="0"/>
-              <a:t>2022.09.12.</a:t>
+              <a:t>2022.09.13.</a:t>
             </a:fld>
             <a:endParaRPr lang="hu-HU"/>
           </a:p>
@@ -426,7 +426,7 @@
           <a:p>
             <a:fld id="{D4491327-AE6A-4889-B705-44534CF58E21}" type="datetimeFigureOut">
               <a:rPr lang="hu-HU" smtClean="0"/>
-              <a:t>2022.09.12.</a:t>
+              <a:t>2022.09.13.</a:t>
             </a:fld>
             <a:endParaRPr lang="hu-HU"/>
           </a:p>
@@ -606,7 +606,7 @@
           <a:p>
             <a:fld id="{D4491327-AE6A-4889-B705-44534CF58E21}" type="datetimeFigureOut">
               <a:rPr lang="hu-HU" smtClean="0"/>
-              <a:t>2022.09.12.</a:t>
+              <a:t>2022.09.13.</a:t>
             </a:fld>
             <a:endParaRPr lang="hu-HU"/>
           </a:p>
@@ -776,7 +776,7 @@
           <a:p>
             <a:fld id="{D4491327-AE6A-4889-B705-44534CF58E21}" type="datetimeFigureOut">
               <a:rPr lang="hu-HU" smtClean="0"/>
-              <a:t>2022.09.12.</a:t>
+              <a:t>2022.09.13.</a:t>
             </a:fld>
             <a:endParaRPr lang="hu-HU"/>
           </a:p>
@@ -1022,7 +1022,7 @@
           <a:p>
             <a:fld id="{D4491327-AE6A-4889-B705-44534CF58E21}" type="datetimeFigureOut">
               <a:rPr lang="hu-HU" smtClean="0"/>
-              <a:t>2022.09.12.</a:t>
+              <a:t>2022.09.13.</a:t>
             </a:fld>
             <a:endParaRPr lang="hu-HU"/>
           </a:p>
@@ -1254,7 +1254,7 @@
           <a:p>
             <a:fld id="{D4491327-AE6A-4889-B705-44534CF58E21}" type="datetimeFigureOut">
               <a:rPr lang="hu-HU" smtClean="0"/>
-              <a:t>2022.09.12.</a:t>
+              <a:t>2022.09.13.</a:t>
             </a:fld>
             <a:endParaRPr lang="hu-HU"/>
           </a:p>
@@ -1621,7 +1621,7 @@
           <a:p>
             <a:fld id="{D4491327-AE6A-4889-B705-44534CF58E21}" type="datetimeFigureOut">
               <a:rPr lang="hu-HU" smtClean="0"/>
-              <a:t>2022.09.12.</a:t>
+              <a:t>2022.09.13.</a:t>
             </a:fld>
             <a:endParaRPr lang="hu-HU"/>
           </a:p>
@@ -1739,7 +1739,7 @@
           <a:p>
             <a:fld id="{D4491327-AE6A-4889-B705-44534CF58E21}" type="datetimeFigureOut">
               <a:rPr lang="hu-HU" smtClean="0"/>
-              <a:t>2022.09.12.</a:t>
+              <a:t>2022.09.13.</a:t>
             </a:fld>
             <a:endParaRPr lang="hu-HU"/>
           </a:p>
@@ -1834,7 +1834,7 @@
           <a:p>
             <a:fld id="{D4491327-AE6A-4889-B705-44534CF58E21}" type="datetimeFigureOut">
               <a:rPr lang="hu-HU" smtClean="0"/>
-              <a:t>2022.09.12.</a:t>
+              <a:t>2022.09.13.</a:t>
             </a:fld>
             <a:endParaRPr lang="hu-HU"/>
           </a:p>
@@ -2111,7 +2111,7 @@
           <a:p>
             <a:fld id="{D4491327-AE6A-4889-B705-44534CF58E21}" type="datetimeFigureOut">
               <a:rPr lang="hu-HU" smtClean="0"/>
-              <a:t>2022.09.12.</a:t>
+              <a:t>2022.09.13.</a:t>
             </a:fld>
             <a:endParaRPr lang="hu-HU"/>
           </a:p>
@@ -2364,7 +2364,7 @@
           <a:p>
             <a:fld id="{D4491327-AE6A-4889-B705-44534CF58E21}" type="datetimeFigureOut">
               <a:rPr lang="hu-HU" smtClean="0"/>
-              <a:t>2022.09.12.</a:t>
+              <a:t>2022.09.13.</a:t>
             </a:fld>
             <a:endParaRPr lang="hu-HU"/>
           </a:p>
@@ -2577,7 +2577,7 @@
           <a:p>
             <a:fld id="{D4491327-AE6A-4889-B705-44534CF58E21}" type="datetimeFigureOut">
               <a:rPr lang="hu-HU" smtClean="0"/>
-              <a:t>2022.09.12.</a:t>
+              <a:t>2022.09.13.</a:t>
             </a:fld>
             <a:endParaRPr lang="hu-HU"/>
           </a:p>
@@ -2999,7 +2999,7 @@
           <a:p>
             <a:r>
               <a:rPr lang="hu-HU" dirty="0" smtClean="0"/>
-              <a:t>Pontfelhő</a:t>
+              <a:t>3D képek</a:t>
             </a:r>
             <a:endParaRPr lang="hu-HU" dirty="0"/>
           </a:p>
@@ -3321,24 +3321,54 @@
           </a:p>
           <a:p>
             <a:r>
-              <a:rPr lang="hu-HU">
+              <a:rPr lang="hu-HU" dirty="0">
                 <a:hlinkClick r:id="rId3"/>
               </a:rPr>
-              <a:t>https://</a:t>
-            </a:r>
-            <a:r>
-              <a:rPr lang="hu-HU">
-                <a:hlinkClick r:id="rId3"/>
-              </a:rPr>
-              <a:t>terszkenneles.hu/pontfelho-felhasznalasi-modjai</a:t>
-            </a:r>
-            <a:r>
-              <a:rPr lang="hu-HU" smtClean="0">
+              <a:t>https://terszkenneles.hu/pontfelho-felhasznalasi-modjai</a:t>
+            </a:r>
+            <a:r>
+              <a:rPr lang="hu-HU" dirty="0" smtClean="0">
                 <a:hlinkClick r:id="rId3"/>
               </a:rPr>
               <a:t>/</a:t>
             </a:r>
-            <a:endParaRPr lang="hu-HU" smtClean="0"/>
+            <a:endParaRPr lang="hu-HU" dirty="0" smtClean="0"/>
+          </a:p>
+          <a:p>
+            <a:r>
+              <a:rPr lang="hu-HU" dirty="0">
+                <a:hlinkClick r:id="rId4"/>
+              </a:rPr>
+              <a:t>https://hu.frwiki.wiki/wiki/Nuage_de_points_(g%C3%A9om%C3%A9trie</a:t>
+            </a:r>
+            <a:r>
+              <a:rPr lang="hu-HU" dirty="0" smtClean="0">
+                <a:hlinkClick r:id="rId4"/>
+              </a:rPr>
+              <a:t>)</a:t>
+            </a:r>
+            <a:endParaRPr lang="hu-HU" dirty="0" smtClean="0"/>
+          </a:p>
+          <a:p>
+            <a:r>
+              <a:rPr lang="hu-HU" dirty="0">
+                <a:hlinkClick r:id="rId5"/>
+              </a:rPr>
+              <a:t>http://www.inf.u-szeged.hu/~</a:t>
+            </a:r>
+            <a:r>
+              <a:rPr lang="hu-HU" dirty="0" smtClean="0">
+                <a:hlinkClick r:id="rId5"/>
+              </a:rPr>
+              <a:t>kato/teaching/IpariKepfeldolgozas/05-3DReconstruction.pdf</a:t>
+            </a:r>
+            <a:endParaRPr lang="hu-HU" dirty="0" smtClean="0"/>
+          </a:p>
+          <a:p>
+            <a:endParaRPr lang="hu-HU" dirty="0" smtClean="0"/>
+          </a:p>
+          <a:p>
+            <a:endParaRPr lang="hu-HU" dirty="0" smtClean="0"/>
           </a:p>
           <a:p>
             <a:endParaRPr lang="hu-HU" dirty="0"/>
@@ -3547,7 +3577,11 @@
           <a:p>
             <a:r>
               <a:rPr lang="hu-HU" dirty="0" smtClean="0"/>
-              <a:t>Mi az a pontfelhő?</a:t>
+              <a:t>Hogya</a:t>
+            </a:r>
+            <a:r>
+              <a:rPr lang="hu-HU" dirty="0" smtClean="0"/>
+              <a:t>n készülnek?</a:t>
             </a:r>
             <a:endParaRPr lang="hu-HU" dirty="0"/>
           </a:p>
@@ -3570,85 +3604,24 @@
           <a:p>
             <a:r>
               <a:rPr lang="hu-HU" dirty="0" smtClean="0"/>
-              <a:t>X, Y, Z koordinátán elhelyezett pontok</a:t>
-            </a:r>
-            <a:endParaRPr lang="hu-HU" dirty="0"/>
-          </a:p>
-        </p:txBody>
-      </p:sp>
-      <p:pic>
-        <p:nvPicPr>
-          <p:cNvPr id="5" name="Picture 2" descr="modeling_point-cloud_example.png (1048×616)"/>
-          <p:cNvPicPr>
-            <a:picLocks noChangeAspect="1" noChangeArrowheads="1"/>
-          </p:cNvPicPr>
-          <p:nvPr/>
-        </p:nvPicPr>
-        <p:blipFill>
-          <a:blip r:embed="rId2">
-            <a:extLst>
-              <a:ext uri="{28A0092B-C50C-407E-A947-70E740481C1C}">
-                <a14:useLocalDpi xmlns:a14="http://schemas.microsoft.com/office/drawing/2010/main" val="0"/>
-              </a:ext>
-            </a:extLst>
-          </a:blip>
-          <a:srcRect/>
-          <a:stretch>
-            <a:fillRect/>
-          </a:stretch>
-        </p:blipFill>
-        <p:spPr bwMode="auto">
-          <a:xfrm>
-            <a:off x="6981825" y="2470059"/>
-            <a:ext cx="5210175" cy="3062470"/>
-          </a:xfrm>
-          <a:prstGeom prst="rect">
-            <a:avLst/>
-          </a:prstGeom>
-          <a:noFill/>
-          <a:extLst>
-            <a:ext uri="{909E8E84-426E-40DD-AFC4-6F175D3DCCD1}">
-              <a14:hiddenFill xmlns:a14="http://schemas.microsoft.com/office/drawing/2010/main">
-                <a:solidFill>
-                  <a:srgbClr val="FFFFFF"/>
-                </a:solidFill>
-              </a14:hiddenFill>
-            </a:ext>
-          </a:extLst>
-        </p:spPr>
-      </p:pic>
-      <p:sp>
-        <p:nvSpPr>
-          <p:cNvPr id="6" name="Téglalap 5"/>
-          <p:cNvSpPr/>
-          <p:nvPr/>
-        </p:nvSpPr>
-        <p:spPr>
-          <a:xfrm>
-            <a:off x="7027862" y="5502458"/>
-            <a:ext cx="5118100" cy="253916"/>
-          </a:xfrm>
-          <a:prstGeom prst="rect">
-            <a:avLst/>
-          </a:prstGeom>
-        </p:spPr>
-        <p:txBody>
-          <a:bodyPr wrap="square">
-            <a:spAutoFit/>
-          </a:bodyPr>
-          <a:lstStyle/>
-          <a:p>
-            <a:r>
-              <a:rPr lang="hu-HU" sz="1050" dirty="0"/>
-              <a:t>https://docs.blender.org/manual/en/latest/_images/modeling_point-cloud_example.png</a:t>
-            </a:r>
+              <a:t>3 dimenziós kamera</a:t>
+            </a:r>
+          </a:p>
+          <a:p>
+            <a:r>
+              <a:rPr lang="hu-HU" dirty="0" smtClean="0"/>
+              <a:t>3D lézer szkenner</a:t>
+            </a:r>
+          </a:p>
+          <a:p>
+            <a:endParaRPr lang="hu-HU" dirty="0" smtClean="0"/>
           </a:p>
         </p:txBody>
       </p:sp>
     </p:spTree>
     <p:extLst>
       <p:ext uri="{BB962C8B-B14F-4D97-AF65-F5344CB8AC3E}">
-        <p14:creationId xmlns:p14="http://schemas.microsoft.com/office/powerpoint/2010/main" val="3441424514"/>
+        <p14:creationId xmlns:p14="http://schemas.microsoft.com/office/powerpoint/2010/main" val="3130423958"/>
       </p:ext>
     </p:extLst>
   </p:cSld>
@@ -3690,7 +3663,11 @@
           <a:bodyPr/>
           <a:lstStyle/>
           <a:p>
-            <a:endParaRPr lang="hu-HU"/>
+            <a:r>
+              <a:rPr lang="hu-HU" dirty="0"/>
+              <a:t>3D lézerszkenner </a:t>
+            </a:r>
+            <a:endParaRPr lang="hu-HU" dirty="0"/>
           </a:p>
         </p:txBody>
       </p:sp>
@@ -3709,14 +3686,87 @@
           <a:bodyPr/>
           <a:lstStyle/>
           <a:p>
-            <a:endParaRPr lang="hu-HU"/>
+            <a:r>
+              <a:rPr lang="hu-HU" dirty="0" smtClean="0"/>
+              <a:t>3D </a:t>
+            </a:r>
+            <a:r>
+              <a:rPr lang="hu-HU" dirty="0"/>
+              <a:t>laborban található </a:t>
+            </a:r>
+            <a:r>
+              <a:rPr lang="hu-HU" dirty="0" err="1"/>
+              <a:t>Nextengine</a:t>
+            </a:r>
+            <a:r>
+              <a:rPr lang="hu-HU" dirty="0"/>
+              <a:t> 2020i modell  </a:t>
+            </a:r>
+            <a:endParaRPr lang="hu-HU" dirty="0" smtClean="0"/>
+          </a:p>
+          <a:p>
+            <a:r>
+              <a:rPr lang="hu-HU" dirty="0" smtClean="0"/>
+              <a:t>Makró </a:t>
+            </a:r>
+            <a:r>
+              <a:rPr lang="hu-HU" dirty="0"/>
+              <a:t>módban 1mm pontosság kb. 3 perc </a:t>
+            </a:r>
+            <a:r>
+              <a:rPr lang="hu-HU" dirty="0" err="1"/>
+              <a:t>szkennelési</a:t>
+            </a:r>
+            <a:r>
+              <a:rPr lang="hu-HU" dirty="0"/>
+              <a:t> idő </a:t>
+            </a:r>
+            <a:endParaRPr lang="hu-HU" dirty="0" smtClean="0"/>
+          </a:p>
+          <a:p>
+            <a:r>
+              <a:rPr lang="hu-HU" dirty="0" err="1" smtClean="0"/>
+              <a:t>Forgóasztal+befogogó</a:t>
+            </a:r>
+            <a:r>
+              <a:rPr lang="hu-HU" dirty="0"/>
+              <a:t> </a:t>
+            </a:r>
+            <a:r>
+              <a:rPr lang="hu-HU" dirty="0" smtClean="0"/>
+              <a:t>-&gt; komplett </a:t>
+            </a:r>
+            <a:r>
+              <a:rPr lang="hu-HU" dirty="0"/>
+              <a:t>3D modell </a:t>
+            </a:r>
+            <a:endParaRPr lang="hu-HU" dirty="0" smtClean="0"/>
+          </a:p>
+          <a:p>
+            <a:r>
+              <a:rPr lang="hu-HU" dirty="0" smtClean="0"/>
+              <a:t>RGB kamera</a:t>
+            </a:r>
+            <a:r>
+              <a:rPr lang="hu-HU" dirty="0"/>
+              <a:t> </a:t>
+            </a:r>
+            <a:r>
+              <a:rPr lang="hu-HU" dirty="0" smtClean="0"/>
+              <a:t>3D </a:t>
+            </a:r>
+            <a:r>
+              <a:rPr lang="hu-HU" dirty="0"/>
+              <a:t>felszín ÉS textúra.</a:t>
+            </a:r>
+            <a:endParaRPr lang="hu-HU" dirty="0"/>
           </a:p>
         </p:txBody>
       </p:sp>
     </p:spTree>
     <p:extLst>
       <p:ext uri="{BB962C8B-B14F-4D97-AF65-F5344CB8AC3E}">
-        <p14:creationId xmlns:p14="http://schemas.microsoft.com/office/powerpoint/2010/main" val="3130423958"/>
+        <p14:creationId xmlns:p14="http://schemas.microsoft.com/office/powerpoint/2010/main" val="2258301444"/>
       </p:ext>
     </p:extLst>
   </p:cSld>
@@ -3758,7 +3808,11 @@
           <a:bodyPr/>
           <a:lstStyle/>
           <a:p>
-            <a:endParaRPr lang="hu-HU"/>
+            <a:r>
+              <a:rPr lang="hu-HU" dirty="0" smtClean="0"/>
+              <a:t>Mi az a pontfelhő?</a:t>
+            </a:r>
+            <a:endParaRPr lang="hu-HU" dirty="0"/>
           </a:p>
         </p:txBody>
       </p:sp>
@@ -3777,14 +3831,93 @@
           <a:bodyPr/>
           <a:lstStyle/>
           <a:p>
-            <a:endParaRPr lang="hu-HU"/>
+            <a:r>
+              <a:rPr lang="hu-HU" dirty="0" smtClean="0"/>
+              <a:t>Pontosan megmért helyzetű pontok</a:t>
+            </a:r>
+          </a:p>
+          <a:p>
+            <a:r>
+              <a:rPr lang="hu-HU" dirty="0" smtClean="0"/>
+              <a:t>3 D koordinátarendszerben vannak elhelyezve</a:t>
+            </a:r>
+            <a:endParaRPr lang="hu-HU" dirty="0"/>
+          </a:p>
+        </p:txBody>
+      </p:sp>
+      <p:pic>
+        <p:nvPicPr>
+          <p:cNvPr id="5" name="Picture 2" descr="modeling_point-cloud_example.png (1048×616)"/>
+          <p:cNvPicPr>
+            <a:picLocks noChangeAspect="1" noChangeArrowheads="1"/>
+          </p:cNvPicPr>
+          <p:nvPr/>
+        </p:nvPicPr>
+        <p:blipFill>
+          <a:blip r:embed="rId2">
+            <a:extLst>
+              <a:ext uri="{28A0092B-C50C-407E-A947-70E740481C1C}">
+                <a14:useLocalDpi xmlns:a14="http://schemas.microsoft.com/office/drawing/2010/main" val="0"/>
+              </a:ext>
+            </a:extLst>
+          </a:blip>
+          <a:srcRect/>
+          <a:stretch>
+            <a:fillRect/>
+          </a:stretch>
+        </p:blipFill>
+        <p:spPr bwMode="auto">
+          <a:xfrm>
+            <a:off x="6981825" y="3541614"/>
+            <a:ext cx="5210175" cy="3062470"/>
+          </a:xfrm>
+          <a:prstGeom prst="rect">
+            <a:avLst/>
+          </a:prstGeom>
+          <a:noFill/>
+          <a:extLst>
+            <a:ext uri="{909E8E84-426E-40DD-AFC4-6F175D3DCCD1}">
+              <a14:hiddenFill xmlns:a14="http://schemas.microsoft.com/office/drawing/2010/main">
+                <a:solidFill>
+                  <a:srgbClr val="FFFFFF"/>
+                </a:solidFill>
+              </a14:hiddenFill>
+            </a:ext>
+          </a:extLst>
+        </p:spPr>
+      </p:pic>
+      <p:sp>
+        <p:nvSpPr>
+          <p:cNvPr id="6" name="Téglalap 5"/>
+          <p:cNvSpPr/>
+          <p:nvPr/>
+        </p:nvSpPr>
+        <p:spPr>
+          <a:xfrm>
+            <a:off x="7231062" y="6604084"/>
+            <a:ext cx="5118100" cy="253916"/>
+          </a:xfrm>
+          <a:prstGeom prst="rect">
+            <a:avLst/>
+          </a:prstGeom>
+        </p:spPr>
+        <p:txBody>
+          <a:bodyPr wrap="square">
+            <a:spAutoFit/>
+          </a:bodyPr>
+          <a:lstStyle/>
+          <a:p>
+            <a:r>
+              <a:rPr lang="hu-HU" sz="1050" dirty="0"/>
+              <a:t>https://docs.blender.org/manual/en/latest/_images/modeling_point-cloud_example.png</a:t>
+            </a:r>
           </a:p>
         </p:txBody>
       </p:sp>
     </p:spTree>
     <p:extLst>
       <p:ext uri="{BB962C8B-B14F-4D97-AF65-F5344CB8AC3E}">
-        <p14:creationId xmlns:p14="http://schemas.microsoft.com/office/powerpoint/2010/main" val="2258301444"/>
+        <p14:creationId xmlns:p14="http://schemas.microsoft.com/office/powerpoint/2010/main" val="3441424514"/>
       </p:ext>
     </p:extLst>
   </p:cSld>

--- a/BemutatóCsókaAndrás.pptx
+++ b/BemutatóCsókaAndrás.pptx
@@ -256,7 +256,7 @@
           <a:p>
             <a:fld id="{D4491327-AE6A-4889-B705-44534CF58E21}" type="datetimeFigureOut">
               <a:rPr lang="hu-HU" smtClean="0"/>
-              <a:t>2022.09.13.</a:t>
+              <a:t>2022.09.15.</a:t>
             </a:fld>
             <a:endParaRPr lang="hu-HU"/>
           </a:p>
@@ -426,7 +426,7 @@
           <a:p>
             <a:fld id="{D4491327-AE6A-4889-B705-44534CF58E21}" type="datetimeFigureOut">
               <a:rPr lang="hu-HU" smtClean="0"/>
-              <a:t>2022.09.13.</a:t>
+              <a:t>2022.09.15.</a:t>
             </a:fld>
             <a:endParaRPr lang="hu-HU"/>
           </a:p>
@@ -606,7 +606,7 @@
           <a:p>
             <a:fld id="{D4491327-AE6A-4889-B705-44534CF58E21}" type="datetimeFigureOut">
               <a:rPr lang="hu-HU" smtClean="0"/>
-              <a:t>2022.09.13.</a:t>
+              <a:t>2022.09.15.</a:t>
             </a:fld>
             <a:endParaRPr lang="hu-HU"/>
           </a:p>
@@ -776,7 +776,7 @@
           <a:p>
             <a:fld id="{D4491327-AE6A-4889-B705-44534CF58E21}" type="datetimeFigureOut">
               <a:rPr lang="hu-HU" smtClean="0"/>
-              <a:t>2022.09.13.</a:t>
+              <a:t>2022.09.15.</a:t>
             </a:fld>
             <a:endParaRPr lang="hu-HU"/>
           </a:p>
@@ -1022,7 +1022,7 @@
           <a:p>
             <a:fld id="{D4491327-AE6A-4889-B705-44534CF58E21}" type="datetimeFigureOut">
               <a:rPr lang="hu-HU" smtClean="0"/>
-              <a:t>2022.09.13.</a:t>
+              <a:t>2022.09.15.</a:t>
             </a:fld>
             <a:endParaRPr lang="hu-HU"/>
           </a:p>
@@ -1254,7 +1254,7 @@
           <a:p>
             <a:fld id="{D4491327-AE6A-4889-B705-44534CF58E21}" type="datetimeFigureOut">
               <a:rPr lang="hu-HU" smtClean="0"/>
-              <a:t>2022.09.13.</a:t>
+              <a:t>2022.09.15.</a:t>
             </a:fld>
             <a:endParaRPr lang="hu-HU"/>
           </a:p>
@@ -1621,7 +1621,7 @@
           <a:p>
             <a:fld id="{D4491327-AE6A-4889-B705-44534CF58E21}" type="datetimeFigureOut">
               <a:rPr lang="hu-HU" smtClean="0"/>
-              <a:t>2022.09.13.</a:t>
+              <a:t>2022.09.15.</a:t>
             </a:fld>
             <a:endParaRPr lang="hu-HU"/>
           </a:p>
@@ -1739,7 +1739,7 @@
           <a:p>
             <a:fld id="{D4491327-AE6A-4889-B705-44534CF58E21}" type="datetimeFigureOut">
               <a:rPr lang="hu-HU" smtClean="0"/>
-              <a:t>2022.09.13.</a:t>
+              <a:t>2022.09.15.</a:t>
             </a:fld>
             <a:endParaRPr lang="hu-HU"/>
           </a:p>
@@ -1834,7 +1834,7 @@
           <a:p>
             <a:fld id="{D4491327-AE6A-4889-B705-44534CF58E21}" type="datetimeFigureOut">
               <a:rPr lang="hu-HU" smtClean="0"/>
-              <a:t>2022.09.13.</a:t>
+              <a:t>2022.09.15.</a:t>
             </a:fld>
             <a:endParaRPr lang="hu-HU"/>
           </a:p>
@@ -2111,7 +2111,7 @@
           <a:p>
             <a:fld id="{D4491327-AE6A-4889-B705-44534CF58E21}" type="datetimeFigureOut">
               <a:rPr lang="hu-HU" smtClean="0"/>
-              <a:t>2022.09.13.</a:t>
+              <a:t>2022.09.15.</a:t>
             </a:fld>
             <a:endParaRPr lang="hu-HU"/>
           </a:p>
@@ -2364,7 +2364,7 @@
           <a:p>
             <a:fld id="{D4491327-AE6A-4889-B705-44534CF58E21}" type="datetimeFigureOut">
               <a:rPr lang="hu-HU" smtClean="0"/>
-              <a:t>2022.09.13.</a:t>
+              <a:t>2022.09.15.</a:t>
             </a:fld>
             <a:endParaRPr lang="hu-HU"/>
           </a:p>
@@ -2577,7 +2577,7 @@
           <a:p>
             <a:fld id="{D4491327-AE6A-4889-B705-44534CF58E21}" type="datetimeFigureOut">
               <a:rPr lang="hu-HU" smtClean="0"/>
-              <a:t>2022.09.13.</a:t>
+              <a:t>2022.09.15.</a:t>
             </a:fld>
             <a:endParaRPr lang="hu-HU"/>
           </a:p>
@@ -3302,76 +3302,168 @@
         </p:nvSpPr>
         <p:spPr/>
         <p:txBody>
-          <a:bodyPr/>
-          <a:lstStyle/>
-          <a:p>
-            <a:r>
-              <a:rPr lang="hu-HU" dirty="0">
+          <a:bodyPr>
+            <a:normAutofit/>
+          </a:bodyPr>
+          <a:lstStyle/>
+          <a:p>
+            <a:r>
+              <a:rPr lang="hu-HU" sz="1800" dirty="0">
                 <a:hlinkClick r:id="rId2"/>
               </a:rPr>
               <a:t>https://</a:t>
             </a:r>
             <a:r>
-              <a:rPr lang="hu-HU" dirty="0" smtClean="0">
+              <a:rPr lang="hu-HU" sz="1800" dirty="0" smtClean="0">
                 <a:hlinkClick r:id="rId2"/>
               </a:rPr>
               <a:t>www.youtube.com/watch?v=PL6wD8jczkE</a:t>
             </a:r>
-            <a:endParaRPr lang="hu-HU" dirty="0" smtClean="0"/>
-          </a:p>
-          <a:p>
-            <a:r>
-              <a:rPr lang="hu-HU" dirty="0">
+            <a:endParaRPr lang="hu-HU" sz="1800" dirty="0" smtClean="0"/>
+          </a:p>
+          <a:p>
+            <a:r>
+              <a:rPr lang="hu-HU" sz="1800" dirty="0">
                 <a:hlinkClick r:id="rId3"/>
               </a:rPr>
               <a:t>https://terszkenneles.hu/pontfelho-felhasznalasi-modjai</a:t>
             </a:r>
             <a:r>
-              <a:rPr lang="hu-HU" dirty="0" smtClean="0">
+              <a:rPr lang="hu-HU" sz="1800" dirty="0" smtClean="0">
                 <a:hlinkClick r:id="rId3"/>
               </a:rPr>
               <a:t>/</a:t>
             </a:r>
-            <a:endParaRPr lang="hu-HU" dirty="0" smtClean="0"/>
-          </a:p>
-          <a:p>
-            <a:r>
-              <a:rPr lang="hu-HU" dirty="0">
+            <a:endParaRPr lang="hu-HU" sz="1800" dirty="0" smtClean="0"/>
+          </a:p>
+          <a:p>
+            <a:r>
+              <a:rPr lang="hu-HU" sz="1800" dirty="0">
                 <a:hlinkClick r:id="rId4"/>
               </a:rPr>
               <a:t>https://hu.frwiki.wiki/wiki/Nuage_de_points_(g%C3%A9om%C3%A9trie</a:t>
             </a:r>
             <a:r>
-              <a:rPr lang="hu-HU" dirty="0" smtClean="0">
+              <a:rPr lang="hu-HU" sz="1800" dirty="0" smtClean="0">
                 <a:hlinkClick r:id="rId4"/>
               </a:rPr>
               <a:t>)</a:t>
             </a:r>
-            <a:endParaRPr lang="hu-HU" dirty="0" smtClean="0"/>
-          </a:p>
-          <a:p>
-            <a:r>
-              <a:rPr lang="hu-HU" dirty="0">
+            <a:endParaRPr lang="hu-HU" sz="1800" dirty="0" smtClean="0"/>
+          </a:p>
+          <a:p>
+            <a:r>
+              <a:rPr lang="hu-HU" sz="1800" dirty="0">
                 <a:hlinkClick r:id="rId5"/>
               </a:rPr>
               <a:t>http://www.inf.u-szeged.hu/~</a:t>
             </a:r>
             <a:r>
-              <a:rPr lang="hu-HU" dirty="0" smtClean="0">
+              <a:rPr lang="hu-HU" sz="1800" dirty="0" smtClean="0">
                 <a:hlinkClick r:id="rId5"/>
               </a:rPr>
               <a:t>kato/teaching/IpariKepfeldolgozas/05-3DReconstruction.pdf</a:t>
             </a:r>
-            <a:endParaRPr lang="hu-HU" dirty="0" smtClean="0"/>
-          </a:p>
-          <a:p>
-            <a:endParaRPr lang="hu-HU" dirty="0" smtClean="0"/>
-          </a:p>
-          <a:p>
-            <a:endParaRPr lang="hu-HU" dirty="0" smtClean="0"/>
-          </a:p>
-          <a:p>
-            <a:endParaRPr lang="hu-HU" dirty="0"/>
+            <a:endParaRPr lang="hu-HU" sz="1800" dirty="0" smtClean="0"/>
+          </a:p>
+          <a:p>
+            <a:r>
+              <a:rPr lang="hu-HU" sz="1800" dirty="0">
+                <a:hlinkClick r:id="rId6"/>
+              </a:rPr>
+              <a:t>https://www.kvalix.hu/termekek/vision/3d-kepfeldolgozas</a:t>
+            </a:r>
+            <a:r>
+              <a:rPr lang="hu-HU" sz="1800" dirty="0" smtClean="0">
+                <a:hlinkClick r:id="rId6"/>
+              </a:rPr>
+              <a:t>/</a:t>
+            </a:r>
+            <a:endParaRPr lang="hu-HU" sz="1800" dirty="0" smtClean="0"/>
+          </a:p>
+          <a:p>
+            <a:r>
+              <a:rPr lang="hu-HU" sz="1800" dirty="0">
+                <a:hlinkClick r:id="rId7"/>
+              </a:rPr>
+              <a:t>https://</a:t>
+            </a:r>
+            <a:r>
+              <a:rPr lang="hu-HU" sz="1800" dirty="0" smtClean="0">
+                <a:hlinkClick r:id="rId7"/>
+              </a:rPr>
+              <a:t>www.dental.hu/a-3d-kepalkoto-rendszer-klinikai-es-diagnosztikai-elonyei</a:t>
+            </a:r>
+            <a:endParaRPr lang="hu-HU" sz="1800" dirty="0" smtClean="0"/>
+          </a:p>
+          <a:p>
+            <a:r>
+              <a:rPr lang="hu-HU" sz="1800" dirty="0">
+                <a:hlinkClick r:id="rId8"/>
+              </a:rPr>
+              <a:t>https://</a:t>
+            </a:r>
+            <a:r>
+              <a:rPr lang="hu-HU" sz="1800" dirty="0" smtClean="0">
+                <a:hlinkClick r:id="rId8"/>
+              </a:rPr>
+              <a:t>www.youtube.com/watch?v=LmC8_1_R6E4</a:t>
+            </a:r>
+            <a:endParaRPr lang="hu-HU" sz="1800" dirty="0" smtClean="0"/>
+          </a:p>
+          <a:p>
+            <a:r>
+              <a:rPr lang="hu-HU" sz="1800" dirty="0">
+                <a:hlinkClick r:id="rId9"/>
+              </a:rPr>
+              <a:t>https://</a:t>
+            </a:r>
+            <a:r>
+              <a:rPr lang="hu-HU" sz="1800" dirty="0" smtClean="0">
+                <a:hlinkClick r:id="rId9"/>
+              </a:rPr>
+              <a:t>www.zivid.com/3d-vision-technology-principles</a:t>
+            </a:r>
+            <a:endParaRPr lang="hu-HU" sz="1800" dirty="0" smtClean="0"/>
+          </a:p>
+          <a:p>
+            <a:r>
+              <a:rPr lang="hu-HU" sz="1800" dirty="0">
+                <a:hlinkClick r:id="rId10"/>
+              </a:rPr>
+              <a:t>http://</a:t>
+            </a:r>
+            <a:r>
+              <a:rPr lang="hu-HU" sz="1800" dirty="0" smtClean="0">
+                <a:hlinkClick r:id="rId10"/>
+              </a:rPr>
+              <a:t>perception.inrialpes.fr/people/Horaud/Courses/pdf/Horaud_3Dcameras_tutorial.pdf</a:t>
+            </a:r>
+            <a:endParaRPr lang="hu-HU" sz="1800" dirty="0" smtClean="0"/>
+          </a:p>
+          <a:p>
+            <a:r>
+              <a:rPr lang="hu-HU" sz="1800">
+                <a:hlinkClick r:id="rId11"/>
+              </a:rPr>
+              <a:t>https</a:t>
+            </a:r>
+            <a:r>
+              <a:rPr lang="hu-HU" sz="1800">
+                <a:hlinkClick r:id="rId11"/>
+              </a:rPr>
+              <a:t>://</a:t>
+            </a:r>
+            <a:r>
+              <a:rPr lang="hu-HU" sz="1800" smtClean="0">
+                <a:hlinkClick r:id="rId11"/>
+              </a:rPr>
+              <a:t>www.youngwonks.com/blog/What-is-a-3D-camera-and-how-is-it-different-from-a-regular-camera</a:t>
+            </a:r>
+            <a:endParaRPr lang="hu-HU" sz="1800" smtClean="0"/>
+          </a:p>
+          <a:p>
+            <a:endParaRPr lang="hu-HU" sz="1800" dirty="0"/>
           </a:p>
         </p:txBody>
       </p:sp>
@@ -3577,43 +3669,55 @@
           <a:p>
             <a:r>
               <a:rPr lang="hu-HU" dirty="0" smtClean="0"/>
-              <a:t>Hogya</a:t>
-            </a:r>
+              <a:t>Hogyan készülnek?</a:t>
+            </a:r>
+            <a:endParaRPr lang="hu-HU" dirty="0"/>
+          </a:p>
+        </p:txBody>
+      </p:sp>
+      <p:sp>
+        <p:nvSpPr>
+          <p:cNvPr id="3" name="Tartalom helye 2"/>
+          <p:cNvSpPr>
+            <a:spLocks noGrp="1"/>
+          </p:cNvSpPr>
+          <p:nvPr>
+            <p:ph idx="1"/>
+          </p:nvPr>
+        </p:nvSpPr>
+        <p:spPr/>
+        <p:txBody>
+          <a:bodyPr/>
+          <a:lstStyle/>
+          <a:p>
+            <a:endParaRPr lang="hu-HU" dirty="0" smtClean="0"/>
+          </a:p>
+          <a:p>
+            <a:endParaRPr lang="hu-HU" dirty="0"/>
+          </a:p>
+          <a:p>
             <a:r>
               <a:rPr lang="hu-HU" dirty="0" smtClean="0"/>
-              <a:t>n készülnek?</a:t>
-            </a:r>
-            <a:endParaRPr lang="hu-HU" dirty="0"/>
-          </a:p>
-        </p:txBody>
-      </p:sp>
-      <p:sp>
-        <p:nvSpPr>
-          <p:cNvPr id="3" name="Tartalom helye 2"/>
-          <p:cNvSpPr>
-            <a:spLocks noGrp="1"/>
-          </p:cNvSpPr>
-          <p:nvPr>
-            <p:ph idx="1"/>
-          </p:nvPr>
-        </p:nvSpPr>
-        <p:spPr/>
-        <p:txBody>
-          <a:bodyPr/>
-          <a:lstStyle/>
-          <a:p>
+              <a:t>Eszközök:</a:t>
+            </a:r>
+          </a:p>
+          <a:p>
+            <a:pPr lvl="1"/>
             <a:r>
               <a:rPr lang="hu-HU" dirty="0" smtClean="0"/>
-              <a:t>3 dimenziós kamera</a:t>
-            </a:r>
-          </a:p>
-          <a:p>
+              <a:t>3D kamera</a:t>
+            </a:r>
+            <a:endParaRPr lang="hu-HU" dirty="0" smtClean="0"/>
+          </a:p>
+          <a:p>
+            <a:pPr lvl="1"/>
             <a:r>
               <a:rPr lang="hu-HU" dirty="0" smtClean="0"/>
               <a:t>3D lézer szkenner</a:t>
             </a:r>
           </a:p>
           <a:p>
+            <a:pPr lvl="1"/>
             <a:endParaRPr lang="hu-HU" dirty="0" smtClean="0"/>
           </a:p>
         </p:txBody>
@@ -3667,7 +3771,6 @@
               <a:rPr lang="hu-HU" dirty="0"/>
               <a:t>3D lézerszkenner </a:t>
             </a:r>
-            <a:endParaRPr lang="hu-HU" dirty="0"/>
           </a:p>
         </p:txBody>
       </p:sp>
@@ -3686,80 +3789,41 @@
           <a:bodyPr/>
           <a:lstStyle/>
           <a:p>
+            <a:r>
+              <a:rPr lang="hu-HU" dirty="0" smtClean="0"/>
+              <a:t>Forgóasztal + </a:t>
+            </a:r>
+            <a:r>
+              <a:rPr lang="hu-HU" dirty="0" err="1" smtClean="0"/>
+              <a:t>befogogó</a:t>
+            </a:r>
+            <a:r>
+              <a:rPr lang="hu-HU" dirty="0" smtClean="0"/>
+              <a:t> -&gt; komplett 3D </a:t>
+            </a:r>
+            <a:r>
+              <a:rPr lang="hu-HU" dirty="0"/>
+              <a:t>modell </a:t>
+            </a:r>
+            <a:endParaRPr lang="hu-HU" dirty="0" smtClean="0"/>
+          </a:p>
+          <a:p>
+            <a:r>
+              <a:rPr lang="hu-HU" dirty="0" smtClean="0"/>
+              <a:t>RGB kamera</a:t>
+            </a:r>
+            <a:r>
+              <a:rPr lang="hu-HU" dirty="0"/>
+              <a:t> </a:t>
+            </a:r>
             <a:r>
               <a:rPr lang="hu-HU" dirty="0" smtClean="0"/>
               <a:t>3D </a:t>
             </a:r>
             <a:r>
               <a:rPr lang="hu-HU" dirty="0"/>
-              <a:t>laborban található </a:t>
-            </a:r>
-            <a:r>
-              <a:rPr lang="hu-HU" dirty="0" err="1"/>
-              <a:t>Nextengine</a:t>
-            </a:r>
-            <a:r>
-              <a:rPr lang="hu-HU" dirty="0"/>
-              <a:t> 2020i modell  </a:t>
-            </a:r>
-            <a:endParaRPr lang="hu-HU" dirty="0" smtClean="0"/>
-          </a:p>
-          <a:p>
-            <a:r>
-              <a:rPr lang="hu-HU" dirty="0" smtClean="0"/>
-              <a:t>Makró </a:t>
-            </a:r>
-            <a:r>
-              <a:rPr lang="hu-HU" dirty="0"/>
-              <a:t>módban 1mm pontosság kb. 3 perc </a:t>
-            </a:r>
-            <a:r>
-              <a:rPr lang="hu-HU" dirty="0" err="1"/>
-              <a:t>szkennelési</a:t>
-            </a:r>
-            <a:r>
-              <a:rPr lang="hu-HU" dirty="0"/>
-              <a:t> idő </a:t>
-            </a:r>
-            <a:endParaRPr lang="hu-HU" dirty="0" smtClean="0"/>
-          </a:p>
-          <a:p>
-            <a:r>
-              <a:rPr lang="hu-HU" dirty="0" err="1" smtClean="0"/>
-              <a:t>Forgóasztal+befogogó</a:t>
-            </a:r>
-            <a:r>
-              <a:rPr lang="hu-HU" dirty="0"/>
-              <a:t> </a:t>
-            </a:r>
-            <a:r>
-              <a:rPr lang="hu-HU" dirty="0" smtClean="0"/>
-              <a:t>-&gt; komplett </a:t>
-            </a:r>
-            <a:r>
-              <a:rPr lang="hu-HU" dirty="0"/>
-              <a:t>3D modell </a:t>
-            </a:r>
-            <a:endParaRPr lang="hu-HU" dirty="0" smtClean="0"/>
-          </a:p>
-          <a:p>
-            <a:r>
-              <a:rPr lang="hu-HU" dirty="0" smtClean="0"/>
-              <a:t>RGB kamera</a:t>
-            </a:r>
-            <a:r>
-              <a:rPr lang="hu-HU" dirty="0"/>
-              <a:t> </a:t>
-            </a:r>
-            <a:r>
-              <a:rPr lang="hu-HU" dirty="0" smtClean="0"/>
-              <a:t>3D </a:t>
-            </a:r>
-            <a:r>
-              <a:rPr lang="hu-HU" dirty="0"/>
               <a:t>felszín ÉS textúra.</a:t>
             </a:r>
-            <a:endParaRPr lang="hu-HU" dirty="0"/>
           </a:p>
         </p:txBody>
       </p:sp>
@@ -3839,7 +3903,11 @@
           <a:p>
             <a:r>
               <a:rPr lang="hu-HU" dirty="0" smtClean="0"/>
-              <a:t>3 D koordinátarendszerben vannak elhelyezve</a:t>
+              <a:t>3D </a:t>
+            </a:r>
+            <a:r>
+              <a:rPr lang="hu-HU" dirty="0" smtClean="0"/>
+              <a:t>koordinátarendszerben vannak elhelyezve</a:t>
             </a:r>
             <a:endParaRPr lang="hu-HU" dirty="0"/>
           </a:p>
@@ -3959,7 +4027,11 @@
           <a:bodyPr/>
           <a:lstStyle/>
           <a:p>
-            <a:endParaRPr lang="hu-HU"/>
+            <a:r>
+              <a:rPr lang="hu-HU" dirty="0" smtClean="0"/>
+              <a:t>3D kamera működése</a:t>
+            </a:r>
+            <a:endParaRPr lang="hu-HU" dirty="0"/>
           </a:p>
         </p:txBody>
       </p:sp>
@@ -3978,7 +4050,19 @@
           <a:bodyPr/>
           <a:lstStyle/>
           <a:p>
-            <a:endParaRPr lang="hu-HU"/>
+            <a:r>
+              <a:rPr lang="hu-HU" dirty="0" smtClean="0"/>
+              <a:t>A pontok távolságát méri</a:t>
+            </a:r>
+          </a:p>
+          <a:p>
+            <a:r>
+              <a:rPr lang="hu-HU" dirty="0" smtClean="0"/>
+              <a:t>A fény sebessége/idő/2 = távolság</a:t>
+            </a:r>
+          </a:p>
+          <a:p>
+            <a:endParaRPr lang="hu-HU" dirty="0"/>
           </a:p>
         </p:txBody>
       </p:sp>

--- a/BemutatóCsókaAndrás.pptx
+++ b/BemutatóCsókaAndrás.pptx
@@ -7,18 +7,15 @@
   <p:sldIdLst>
     <p:sldId id="256" r:id="rId2"/>
     <p:sldId id="270" r:id="rId3"/>
-    <p:sldId id="258" r:id="rId4"/>
-    <p:sldId id="269" r:id="rId5"/>
-    <p:sldId id="259" r:id="rId6"/>
-    <p:sldId id="260" r:id="rId7"/>
-    <p:sldId id="261" r:id="rId8"/>
-    <p:sldId id="262" r:id="rId9"/>
-    <p:sldId id="263" r:id="rId10"/>
-    <p:sldId id="264" r:id="rId11"/>
-    <p:sldId id="265" r:id="rId12"/>
-    <p:sldId id="268" r:id="rId13"/>
-    <p:sldId id="266" r:id="rId14"/>
-    <p:sldId id="257" r:id="rId15"/>
+    <p:sldId id="260" r:id="rId4"/>
+    <p:sldId id="261" r:id="rId5"/>
+    <p:sldId id="262" r:id="rId6"/>
+    <p:sldId id="263" r:id="rId7"/>
+    <p:sldId id="264" r:id="rId8"/>
+    <p:sldId id="265" r:id="rId9"/>
+    <p:sldId id="269" r:id="rId10"/>
+    <p:sldId id="268" r:id="rId11"/>
+    <p:sldId id="257" r:id="rId12"/>
   </p:sldIdLst>
   <p:sldSz cx="12192000" cy="6858000"/>
   <p:notesSz cx="6858000" cy="9144000"/>
@@ -167,10 +164,9 @@
           </a:lstStyle>
           <a:p>
             <a:r>
-              <a:rPr lang="hu-HU" smtClean="0"/>
+              <a:rPr lang="hu-HU"/>
               <a:t>Mintacím szerkesztése</a:t>
             </a:r>
-            <a:endParaRPr lang="hu-HU"/>
           </a:p>
         </p:txBody>
       </p:sp>
@@ -232,10 +228,9 @@
           </a:lstStyle>
           <a:p>
             <a:r>
-              <a:rPr lang="hu-HU" smtClean="0"/>
+              <a:rPr lang="hu-HU"/>
               <a:t>Kattintson ide az alcím mintájának szerkesztéséhez</a:t>
             </a:r>
-            <a:endParaRPr lang="hu-HU"/>
           </a:p>
         </p:txBody>
       </p:sp>
@@ -256,7 +251,7 @@
           <a:p>
             <a:fld id="{D4491327-AE6A-4889-B705-44534CF58E21}" type="datetimeFigureOut">
               <a:rPr lang="hu-HU" smtClean="0"/>
-              <a:t>2022.09.15.</a:t>
+              <a:t>2022. 09. 19.</a:t>
             </a:fld>
             <a:endParaRPr lang="hu-HU"/>
           </a:p>
@@ -314,6 +309,18 @@
   <p:clrMapOvr>
     <a:masterClrMapping/>
   </p:clrMapOvr>
+  <mc:AlternateContent xmlns:mc="http://schemas.openxmlformats.org/markup-compatibility/2006">
+    <mc:Choice xmlns:p159="http://schemas.microsoft.com/office/powerpoint/2015/09/main" Requires="p159">
+      <p:transition xmlns:p14="http://schemas.microsoft.com/office/powerpoint/2010/main" spd="slow" p14:dur="2000">
+        <p159:morph option="byObject"/>
+      </p:transition>
+    </mc:Choice>
+    <mc:Fallback>
+      <p:transition spd="slow">
+        <p:fade/>
+      </p:transition>
+    </mc:Fallback>
+  </mc:AlternateContent>
 </p:sldLayout>
 </file>
 
@@ -350,10 +357,9 @@
           <a:lstStyle/>
           <a:p>
             <a:r>
-              <a:rPr lang="hu-HU" smtClean="0"/>
+              <a:rPr lang="hu-HU"/>
               <a:t>Mintacím szerkesztése</a:t>
             </a:r>
-            <a:endParaRPr lang="hu-HU"/>
           </a:p>
         </p:txBody>
       </p:sp>
@@ -374,38 +380,37 @@
           <a:p>
             <a:pPr lvl="0"/>
             <a:r>
-              <a:rPr lang="hu-HU" smtClean="0"/>
+              <a:rPr lang="hu-HU"/>
               <a:t>Mintaszöveg szerkesztése</a:t>
             </a:r>
           </a:p>
           <a:p>
             <a:pPr lvl="1"/>
             <a:r>
-              <a:rPr lang="hu-HU" smtClean="0"/>
+              <a:rPr lang="hu-HU"/>
               <a:t>Második szint</a:t>
             </a:r>
           </a:p>
           <a:p>
             <a:pPr lvl="2"/>
             <a:r>
-              <a:rPr lang="hu-HU" smtClean="0"/>
+              <a:rPr lang="hu-HU"/>
               <a:t>Harmadik szint</a:t>
             </a:r>
           </a:p>
           <a:p>
             <a:pPr lvl="3"/>
             <a:r>
-              <a:rPr lang="hu-HU" smtClean="0"/>
+              <a:rPr lang="hu-HU"/>
               <a:t>Negyedik szint</a:t>
             </a:r>
           </a:p>
           <a:p>
             <a:pPr lvl="4"/>
             <a:r>
-              <a:rPr lang="hu-HU" smtClean="0"/>
+              <a:rPr lang="hu-HU"/>
               <a:t>Ötödik szint</a:t>
             </a:r>
-            <a:endParaRPr lang="hu-HU"/>
           </a:p>
         </p:txBody>
       </p:sp>
@@ -426,7 +431,7 @@
           <a:p>
             <a:fld id="{D4491327-AE6A-4889-B705-44534CF58E21}" type="datetimeFigureOut">
               <a:rPr lang="hu-HU" smtClean="0"/>
-              <a:t>2022.09.15.</a:t>
+              <a:t>2022. 09. 19.</a:t>
             </a:fld>
             <a:endParaRPr lang="hu-HU"/>
           </a:p>
@@ -484,6 +489,18 @@
   <p:clrMapOvr>
     <a:masterClrMapping/>
   </p:clrMapOvr>
+  <mc:AlternateContent xmlns:mc="http://schemas.openxmlformats.org/markup-compatibility/2006">
+    <mc:Choice xmlns:p159="http://schemas.microsoft.com/office/powerpoint/2015/09/main" Requires="p159">
+      <p:transition xmlns:p14="http://schemas.microsoft.com/office/powerpoint/2010/main" spd="slow" p14:dur="2000">
+        <p159:morph option="byObject"/>
+      </p:transition>
+    </mc:Choice>
+    <mc:Fallback>
+      <p:transition spd="slow">
+        <p:fade/>
+      </p:transition>
+    </mc:Fallback>
+  </mc:AlternateContent>
 </p:sldLayout>
 </file>
 
@@ -525,10 +542,9 @@
           <a:lstStyle/>
           <a:p>
             <a:r>
-              <a:rPr lang="hu-HU" smtClean="0"/>
+              <a:rPr lang="hu-HU"/>
               <a:t>Mintacím szerkesztése</a:t>
             </a:r>
-            <a:endParaRPr lang="hu-HU"/>
           </a:p>
         </p:txBody>
       </p:sp>
@@ -554,38 +570,37 @@
           <a:p>
             <a:pPr lvl="0"/>
             <a:r>
-              <a:rPr lang="hu-HU" smtClean="0"/>
+              <a:rPr lang="hu-HU"/>
               <a:t>Mintaszöveg szerkesztése</a:t>
             </a:r>
           </a:p>
           <a:p>
             <a:pPr lvl="1"/>
             <a:r>
-              <a:rPr lang="hu-HU" smtClean="0"/>
+              <a:rPr lang="hu-HU"/>
               <a:t>Második szint</a:t>
             </a:r>
           </a:p>
           <a:p>
             <a:pPr lvl="2"/>
             <a:r>
-              <a:rPr lang="hu-HU" smtClean="0"/>
+              <a:rPr lang="hu-HU"/>
               <a:t>Harmadik szint</a:t>
             </a:r>
           </a:p>
           <a:p>
             <a:pPr lvl="3"/>
             <a:r>
-              <a:rPr lang="hu-HU" smtClean="0"/>
+              <a:rPr lang="hu-HU"/>
               <a:t>Negyedik szint</a:t>
             </a:r>
           </a:p>
           <a:p>
             <a:pPr lvl="4"/>
             <a:r>
-              <a:rPr lang="hu-HU" smtClean="0"/>
+              <a:rPr lang="hu-HU"/>
               <a:t>Ötödik szint</a:t>
             </a:r>
-            <a:endParaRPr lang="hu-HU"/>
           </a:p>
         </p:txBody>
       </p:sp>
@@ -606,7 +621,7 @@
           <a:p>
             <a:fld id="{D4491327-AE6A-4889-B705-44534CF58E21}" type="datetimeFigureOut">
               <a:rPr lang="hu-HU" smtClean="0"/>
-              <a:t>2022.09.15.</a:t>
+              <a:t>2022. 09. 19.</a:t>
             </a:fld>
             <a:endParaRPr lang="hu-HU"/>
           </a:p>
@@ -664,6 +679,18 @@
   <p:clrMapOvr>
     <a:masterClrMapping/>
   </p:clrMapOvr>
+  <mc:AlternateContent xmlns:mc="http://schemas.openxmlformats.org/markup-compatibility/2006">
+    <mc:Choice xmlns:p159="http://schemas.microsoft.com/office/powerpoint/2015/09/main" Requires="p159">
+      <p:transition xmlns:p14="http://schemas.microsoft.com/office/powerpoint/2010/main" spd="slow" p14:dur="2000">
+        <p159:morph option="byObject"/>
+      </p:transition>
+    </mc:Choice>
+    <mc:Fallback>
+      <p:transition spd="slow">
+        <p:fade/>
+      </p:transition>
+    </mc:Fallback>
+  </mc:AlternateContent>
 </p:sldLayout>
 </file>
 
@@ -700,10 +727,9 @@
           <a:lstStyle/>
           <a:p>
             <a:r>
-              <a:rPr lang="hu-HU" smtClean="0"/>
+              <a:rPr lang="hu-HU"/>
               <a:t>Mintacím szerkesztése</a:t>
             </a:r>
-            <a:endParaRPr lang="hu-HU"/>
           </a:p>
         </p:txBody>
       </p:sp>
@@ -724,38 +750,37 @@
           <a:p>
             <a:pPr lvl="0"/>
             <a:r>
-              <a:rPr lang="hu-HU" smtClean="0"/>
+              <a:rPr lang="hu-HU"/>
               <a:t>Mintaszöveg szerkesztése</a:t>
             </a:r>
           </a:p>
           <a:p>
             <a:pPr lvl="1"/>
             <a:r>
-              <a:rPr lang="hu-HU" smtClean="0"/>
+              <a:rPr lang="hu-HU"/>
               <a:t>Második szint</a:t>
             </a:r>
           </a:p>
           <a:p>
             <a:pPr lvl="2"/>
             <a:r>
-              <a:rPr lang="hu-HU" smtClean="0"/>
+              <a:rPr lang="hu-HU"/>
               <a:t>Harmadik szint</a:t>
             </a:r>
           </a:p>
           <a:p>
             <a:pPr lvl="3"/>
             <a:r>
-              <a:rPr lang="hu-HU" smtClean="0"/>
+              <a:rPr lang="hu-HU"/>
               <a:t>Negyedik szint</a:t>
             </a:r>
           </a:p>
           <a:p>
             <a:pPr lvl="4"/>
             <a:r>
-              <a:rPr lang="hu-HU" smtClean="0"/>
+              <a:rPr lang="hu-HU"/>
               <a:t>Ötödik szint</a:t>
             </a:r>
-            <a:endParaRPr lang="hu-HU"/>
           </a:p>
         </p:txBody>
       </p:sp>
@@ -776,7 +801,7 @@
           <a:p>
             <a:fld id="{D4491327-AE6A-4889-B705-44534CF58E21}" type="datetimeFigureOut">
               <a:rPr lang="hu-HU" smtClean="0"/>
-              <a:t>2022.09.15.</a:t>
+              <a:t>2022. 09. 19.</a:t>
             </a:fld>
             <a:endParaRPr lang="hu-HU"/>
           </a:p>
@@ -834,6 +859,18 @@
   <p:clrMapOvr>
     <a:masterClrMapping/>
   </p:clrMapOvr>
+  <mc:AlternateContent xmlns:mc="http://schemas.openxmlformats.org/markup-compatibility/2006">
+    <mc:Choice xmlns:p159="http://schemas.microsoft.com/office/powerpoint/2015/09/main" Requires="p159">
+      <p:transition xmlns:p14="http://schemas.microsoft.com/office/powerpoint/2010/main" spd="slow" p14:dur="2000">
+        <p159:morph option="byObject"/>
+      </p:transition>
+    </mc:Choice>
+    <mc:Fallback>
+      <p:transition spd="slow">
+        <p:fade/>
+      </p:transition>
+    </mc:Fallback>
+  </mc:AlternateContent>
 </p:sldLayout>
 </file>
 
@@ -879,10 +916,9 @@
           </a:lstStyle>
           <a:p>
             <a:r>
-              <a:rPr lang="hu-HU" smtClean="0"/>
+              <a:rPr lang="hu-HU"/>
               <a:t>Mintacím szerkesztése</a:t>
             </a:r>
-            <a:endParaRPr lang="hu-HU"/>
           </a:p>
         </p:txBody>
       </p:sp>
@@ -999,7 +1035,7 @@
           <a:p>
             <a:pPr lvl="0"/>
             <a:r>
-              <a:rPr lang="hu-HU" smtClean="0"/>
+              <a:rPr lang="hu-HU"/>
               <a:t>Mintaszöveg szerkesztése</a:t>
             </a:r>
           </a:p>
@@ -1022,7 +1058,7 @@
           <a:p>
             <a:fld id="{D4491327-AE6A-4889-B705-44534CF58E21}" type="datetimeFigureOut">
               <a:rPr lang="hu-HU" smtClean="0"/>
-              <a:t>2022.09.15.</a:t>
+              <a:t>2022. 09. 19.</a:t>
             </a:fld>
             <a:endParaRPr lang="hu-HU"/>
           </a:p>
@@ -1080,6 +1116,18 @@
   <p:clrMapOvr>
     <a:masterClrMapping/>
   </p:clrMapOvr>
+  <mc:AlternateContent xmlns:mc="http://schemas.openxmlformats.org/markup-compatibility/2006">
+    <mc:Choice xmlns:p159="http://schemas.microsoft.com/office/powerpoint/2015/09/main" Requires="p159">
+      <p:transition xmlns:p14="http://schemas.microsoft.com/office/powerpoint/2010/main" spd="slow" p14:dur="2000">
+        <p159:morph option="byObject"/>
+      </p:transition>
+    </mc:Choice>
+    <mc:Fallback>
+      <p:transition spd="slow">
+        <p:fade/>
+      </p:transition>
+    </mc:Fallback>
+  </mc:AlternateContent>
 </p:sldLayout>
 </file>
 
@@ -1116,10 +1164,9 @@
           <a:lstStyle/>
           <a:p>
             <a:r>
-              <a:rPr lang="hu-HU" smtClean="0"/>
+              <a:rPr lang="hu-HU"/>
               <a:t>Mintacím szerkesztése</a:t>
             </a:r>
-            <a:endParaRPr lang="hu-HU"/>
           </a:p>
         </p:txBody>
       </p:sp>
@@ -1145,38 +1192,37 @@
           <a:p>
             <a:pPr lvl="0"/>
             <a:r>
-              <a:rPr lang="hu-HU" smtClean="0"/>
+              <a:rPr lang="hu-HU"/>
               <a:t>Mintaszöveg szerkesztése</a:t>
             </a:r>
           </a:p>
           <a:p>
             <a:pPr lvl="1"/>
             <a:r>
-              <a:rPr lang="hu-HU" smtClean="0"/>
+              <a:rPr lang="hu-HU"/>
               <a:t>Második szint</a:t>
             </a:r>
           </a:p>
           <a:p>
             <a:pPr lvl="2"/>
             <a:r>
-              <a:rPr lang="hu-HU" smtClean="0"/>
+              <a:rPr lang="hu-HU"/>
               <a:t>Harmadik szint</a:t>
             </a:r>
           </a:p>
           <a:p>
             <a:pPr lvl="3"/>
             <a:r>
-              <a:rPr lang="hu-HU" smtClean="0"/>
+              <a:rPr lang="hu-HU"/>
               <a:t>Negyedik szint</a:t>
             </a:r>
           </a:p>
           <a:p>
             <a:pPr lvl="4"/>
             <a:r>
-              <a:rPr lang="hu-HU" smtClean="0"/>
+              <a:rPr lang="hu-HU"/>
               <a:t>Ötödik szint</a:t>
             </a:r>
-            <a:endParaRPr lang="hu-HU"/>
           </a:p>
         </p:txBody>
       </p:sp>
@@ -1202,38 +1248,37 @@
           <a:p>
             <a:pPr lvl="0"/>
             <a:r>
-              <a:rPr lang="hu-HU" smtClean="0"/>
+              <a:rPr lang="hu-HU"/>
               <a:t>Mintaszöveg szerkesztése</a:t>
             </a:r>
           </a:p>
           <a:p>
             <a:pPr lvl="1"/>
             <a:r>
-              <a:rPr lang="hu-HU" smtClean="0"/>
+              <a:rPr lang="hu-HU"/>
               <a:t>Második szint</a:t>
             </a:r>
           </a:p>
           <a:p>
             <a:pPr lvl="2"/>
             <a:r>
-              <a:rPr lang="hu-HU" smtClean="0"/>
+              <a:rPr lang="hu-HU"/>
               <a:t>Harmadik szint</a:t>
             </a:r>
           </a:p>
           <a:p>
             <a:pPr lvl="3"/>
             <a:r>
-              <a:rPr lang="hu-HU" smtClean="0"/>
+              <a:rPr lang="hu-HU"/>
               <a:t>Negyedik szint</a:t>
             </a:r>
           </a:p>
           <a:p>
             <a:pPr lvl="4"/>
             <a:r>
-              <a:rPr lang="hu-HU" smtClean="0"/>
+              <a:rPr lang="hu-HU"/>
               <a:t>Ötödik szint</a:t>
             </a:r>
-            <a:endParaRPr lang="hu-HU"/>
           </a:p>
         </p:txBody>
       </p:sp>
@@ -1254,7 +1299,7 @@
           <a:p>
             <a:fld id="{D4491327-AE6A-4889-B705-44534CF58E21}" type="datetimeFigureOut">
               <a:rPr lang="hu-HU" smtClean="0"/>
-              <a:t>2022.09.15.</a:t>
+              <a:t>2022. 09. 19.</a:t>
             </a:fld>
             <a:endParaRPr lang="hu-HU"/>
           </a:p>
@@ -1312,6 +1357,18 @@
   <p:clrMapOvr>
     <a:masterClrMapping/>
   </p:clrMapOvr>
+  <mc:AlternateContent xmlns:mc="http://schemas.openxmlformats.org/markup-compatibility/2006">
+    <mc:Choice xmlns:p159="http://schemas.microsoft.com/office/powerpoint/2015/09/main" Requires="p159">
+      <p:transition xmlns:p14="http://schemas.microsoft.com/office/powerpoint/2010/main" spd="slow" p14:dur="2000">
+        <p159:morph option="byObject"/>
+      </p:transition>
+    </mc:Choice>
+    <mc:Fallback>
+      <p:transition spd="slow">
+        <p:fade/>
+      </p:transition>
+    </mc:Fallback>
+  </mc:AlternateContent>
 </p:sldLayout>
 </file>
 
@@ -1353,10 +1410,9 @@
           <a:lstStyle/>
           <a:p>
             <a:r>
-              <a:rPr lang="hu-HU" smtClean="0"/>
+              <a:rPr lang="hu-HU"/>
               <a:t>Mintacím szerkesztése</a:t>
             </a:r>
-            <a:endParaRPr lang="hu-HU"/>
           </a:p>
         </p:txBody>
       </p:sp>
@@ -1419,7 +1475,7 @@
           <a:p>
             <a:pPr lvl="0"/>
             <a:r>
-              <a:rPr lang="hu-HU" smtClean="0"/>
+              <a:rPr lang="hu-HU"/>
               <a:t>Mintaszöveg szerkesztése</a:t>
             </a:r>
           </a:p>
@@ -1447,38 +1503,37 @@
           <a:p>
             <a:pPr lvl="0"/>
             <a:r>
-              <a:rPr lang="hu-HU" smtClean="0"/>
+              <a:rPr lang="hu-HU"/>
               <a:t>Mintaszöveg szerkesztése</a:t>
             </a:r>
           </a:p>
           <a:p>
             <a:pPr lvl="1"/>
             <a:r>
-              <a:rPr lang="hu-HU" smtClean="0"/>
+              <a:rPr lang="hu-HU"/>
               <a:t>Második szint</a:t>
             </a:r>
           </a:p>
           <a:p>
             <a:pPr lvl="2"/>
             <a:r>
-              <a:rPr lang="hu-HU" smtClean="0"/>
+              <a:rPr lang="hu-HU"/>
               <a:t>Harmadik szint</a:t>
             </a:r>
           </a:p>
           <a:p>
             <a:pPr lvl="3"/>
             <a:r>
-              <a:rPr lang="hu-HU" smtClean="0"/>
+              <a:rPr lang="hu-HU"/>
               <a:t>Negyedik szint</a:t>
             </a:r>
           </a:p>
           <a:p>
             <a:pPr lvl="4"/>
             <a:r>
-              <a:rPr lang="hu-HU" smtClean="0"/>
+              <a:rPr lang="hu-HU"/>
               <a:t>Ötödik szint</a:t>
             </a:r>
-            <a:endParaRPr lang="hu-HU"/>
           </a:p>
         </p:txBody>
       </p:sp>
@@ -1541,7 +1596,7 @@
           <a:p>
             <a:pPr lvl="0"/>
             <a:r>
-              <a:rPr lang="hu-HU" smtClean="0"/>
+              <a:rPr lang="hu-HU"/>
               <a:t>Mintaszöveg szerkesztése</a:t>
             </a:r>
           </a:p>
@@ -1569,38 +1624,37 @@
           <a:p>
             <a:pPr lvl="0"/>
             <a:r>
-              <a:rPr lang="hu-HU" smtClean="0"/>
+              <a:rPr lang="hu-HU"/>
               <a:t>Mintaszöveg szerkesztése</a:t>
             </a:r>
           </a:p>
           <a:p>
             <a:pPr lvl="1"/>
             <a:r>
-              <a:rPr lang="hu-HU" smtClean="0"/>
+              <a:rPr lang="hu-HU"/>
               <a:t>Második szint</a:t>
             </a:r>
           </a:p>
           <a:p>
             <a:pPr lvl="2"/>
             <a:r>
-              <a:rPr lang="hu-HU" smtClean="0"/>
+              <a:rPr lang="hu-HU"/>
               <a:t>Harmadik szint</a:t>
             </a:r>
           </a:p>
           <a:p>
             <a:pPr lvl="3"/>
             <a:r>
-              <a:rPr lang="hu-HU" smtClean="0"/>
+              <a:rPr lang="hu-HU"/>
               <a:t>Negyedik szint</a:t>
             </a:r>
           </a:p>
           <a:p>
             <a:pPr lvl="4"/>
             <a:r>
-              <a:rPr lang="hu-HU" smtClean="0"/>
+              <a:rPr lang="hu-HU"/>
               <a:t>Ötödik szint</a:t>
             </a:r>
-            <a:endParaRPr lang="hu-HU"/>
           </a:p>
         </p:txBody>
       </p:sp>
@@ -1621,7 +1675,7 @@
           <a:p>
             <a:fld id="{D4491327-AE6A-4889-B705-44534CF58E21}" type="datetimeFigureOut">
               <a:rPr lang="hu-HU" smtClean="0"/>
-              <a:t>2022.09.15.</a:t>
+              <a:t>2022. 09. 19.</a:t>
             </a:fld>
             <a:endParaRPr lang="hu-HU"/>
           </a:p>
@@ -1679,6 +1733,18 @@
   <p:clrMapOvr>
     <a:masterClrMapping/>
   </p:clrMapOvr>
+  <mc:AlternateContent xmlns:mc="http://schemas.openxmlformats.org/markup-compatibility/2006">
+    <mc:Choice xmlns:p159="http://schemas.microsoft.com/office/powerpoint/2015/09/main" Requires="p159">
+      <p:transition xmlns:p14="http://schemas.microsoft.com/office/powerpoint/2010/main" spd="slow" p14:dur="2000">
+        <p159:morph option="byObject"/>
+      </p:transition>
+    </mc:Choice>
+    <mc:Fallback>
+      <p:transition spd="slow">
+        <p:fade/>
+      </p:transition>
+    </mc:Fallback>
+  </mc:AlternateContent>
 </p:sldLayout>
 </file>
 
@@ -1715,10 +1781,9 @@
           <a:lstStyle/>
           <a:p>
             <a:r>
-              <a:rPr lang="hu-HU" smtClean="0"/>
+              <a:rPr lang="hu-HU"/>
               <a:t>Mintacím szerkesztése</a:t>
             </a:r>
-            <a:endParaRPr lang="hu-HU"/>
           </a:p>
         </p:txBody>
       </p:sp>
@@ -1739,7 +1804,7 @@
           <a:p>
             <a:fld id="{D4491327-AE6A-4889-B705-44534CF58E21}" type="datetimeFigureOut">
               <a:rPr lang="hu-HU" smtClean="0"/>
-              <a:t>2022.09.15.</a:t>
+              <a:t>2022. 09. 19.</a:t>
             </a:fld>
             <a:endParaRPr lang="hu-HU"/>
           </a:p>
@@ -1797,6 +1862,18 @@
   <p:clrMapOvr>
     <a:masterClrMapping/>
   </p:clrMapOvr>
+  <mc:AlternateContent xmlns:mc="http://schemas.openxmlformats.org/markup-compatibility/2006">
+    <mc:Choice xmlns:p159="http://schemas.microsoft.com/office/powerpoint/2015/09/main" Requires="p159">
+      <p:transition xmlns:p14="http://schemas.microsoft.com/office/powerpoint/2010/main" spd="slow" p14:dur="2000">
+        <p159:morph option="byObject"/>
+      </p:transition>
+    </mc:Choice>
+    <mc:Fallback>
+      <p:transition spd="slow">
+        <p:fade/>
+      </p:transition>
+    </mc:Fallback>
+  </mc:AlternateContent>
 </p:sldLayout>
 </file>
 
@@ -1834,7 +1911,7 @@
           <a:p>
             <a:fld id="{D4491327-AE6A-4889-B705-44534CF58E21}" type="datetimeFigureOut">
               <a:rPr lang="hu-HU" smtClean="0"/>
-              <a:t>2022.09.15.</a:t>
+              <a:t>2022. 09. 19.</a:t>
             </a:fld>
             <a:endParaRPr lang="hu-HU"/>
           </a:p>
@@ -1892,6 +1969,18 @@
   <p:clrMapOvr>
     <a:masterClrMapping/>
   </p:clrMapOvr>
+  <mc:AlternateContent xmlns:mc="http://schemas.openxmlformats.org/markup-compatibility/2006">
+    <mc:Choice xmlns:p159="http://schemas.microsoft.com/office/powerpoint/2015/09/main" Requires="p159">
+      <p:transition xmlns:p14="http://schemas.microsoft.com/office/powerpoint/2010/main" spd="slow" p14:dur="2000">
+        <p159:morph option="byObject"/>
+      </p:transition>
+    </mc:Choice>
+    <mc:Fallback>
+      <p:transition spd="slow">
+        <p:fade/>
+      </p:transition>
+    </mc:Fallback>
+  </mc:AlternateContent>
 </p:sldLayout>
 </file>
 
@@ -1937,10 +2026,9 @@
           </a:lstStyle>
           <a:p>
             <a:r>
-              <a:rPr lang="hu-HU" smtClean="0"/>
+              <a:rPr lang="hu-HU"/>
               <a:t>Mintacím szerkesztése</a:t>
             </a:r>
-            <a:endParaRPr lang="hu-HU"/>
           </a:p>
         </p:txBody>
       </p:sp>
@@ -1994,38 +2082,37 @@
           <a:p>
             <a:pPr lvl="0"/>
             <a:r>
-              <a:rPr lang="hu-HU" smtClean="0"/>
+              <a:rPr lang="hu-HU"/>
               <a:t>Mintaszöveg szerkesztése</a:t>
             </a:r>
           </a:p>
           <a:p>
             <a:pPr lvl="1"/>
             <a:r>
-              <a:rPr lang="hu-HU" smtClean="0"/>
+              <a:rPr lang="hu-HU"/>
               <a:t>Második szint</a:t>
             </a:r>
           </a:p>
           <a:p>
             <a:pPr lvl="2"/>
             <a:r>
-              <a:rPr lang="hu-HU" smtClean="0"/>
+              <a:rPr lang="hu-HU"/>
               <a:t>Harmadik szint</a:t>
             </a:r>
           </a:p>
           <a:p>
             <a:pPr lvl="3"/>
             <a:r>
-              <a:rPr lang="hu-HU" smtClean="0"/>
+              <a:rPr lang="hu-HU"/>
               <a:t>Negyedik szint</a:t>
             </a:r>
           </a:p>
           <a:p>
             <a:pPr lvl="4"/>
             <a:r>
-              <a:rPr lang="hu-HU" smtClean="0"/>
+              <a:rPr lang="hu-HU"/>
               <a:t>Ötödik szint</a:t>
             </a:r>
-            <a:endParaRPr lang="hu-HU"/>
           </a:p>
         </p:txBody>
       </p:sp>
@@ -2088,7 +2175,7 @@
           <a:p>
             <a:pPr lvl="0"/>
             <a:r>
-              <a:rPr lang="hu-HU" smtClean="0"/>
+              <a:rPr lang="hu-HU"/>
               <a:t>Mintaszöveg szerkesztése</a:t>
             </a:r>
           </a:p>
@@ -2111,7 +2198,7 @@
           <a:p>
             <a:fld id="{D4491327-AE6A-4889-B705-44534CF58E21}" type="datetimeFigureOut">
               <a:rPr lang="hu-HU" smtClean="0"/>
-              <a:t>2022.09.15.</a:t>
+              <a:t>2022. 09. 19.</a:t>
             </a:fld>
             <a:endParaRPr lang="hu-HU"/>
           </a:p>
@@ -2169,6 +2256,18 @@
   <p:clrMapOvr>
     <a:masterClrMapping/>
   </p:clrMapOvr>
+  <mc:AlternateContent xmlns:mc="http://schemas.openxmlformats.org/markup-compatibility/2006">
+    <mc:Choice xmlns:p159="http://schemas.microsoft.com/office/powerpoint/2015/09/main" Requires="p159">
+      <p:transition xmlns:p14="http://schemas.microsoft.com/office/powerpoint/2010/main" spd="slow" p14:dur="2000">
+        <p159:morph option="byObject"/>
+      </p:transition>
+    </mc:Choice>
+    <mc:Fallback>
+      <p:transition spd="slow">
+        <p:fade/>
+      </p:transition>
+    </mc:Fallback>
+  </mc:AlternateContent>
 </p:sldLayout>
 </file>
 
@@ -2214,10 +2313,9 @@
           </a:lstStyle>
           <a:p>
             <a:r>
-              <a:rPr lang="hu-HU" smtClean="0"/>
+              <a:rPr lang="hu-HU"/>
               <a:t>Mintacím szerkesztése</a:t>
             </a:r>
-            <a:endParaRPr lang="hu-HU"/>
           </a:p>
         </p:txBody>
       </p:sp>
@@ -2341,7 +2439,7 @@
           <a:p>
             <a:pPr lvl="0"/>
             <a:r>
-              <a:rPr lang="hu-HU" smtClean="0"/>
+              <a:rPr lang="hu-HU"/>
               <a:t>Mintaszöveg szerkesztése</a:t>
             </a:r>
           </a:p>
@@ -2364,7 +2462,7 @@
           <a:p>
             <a:fld id="{D4491327-AE6A-4889-B705-44534CF58E21}" type="datetimeFigureOut">
               <a:rPr lang="hu-HU" smtClean="0"/>
-              <a:t>2022.09.15.</a:t>
+              <a:t>2022. 09. 19.</a:t>
             </a:fld>
             <a:endParaRPr lang="hu-HU"/>
           </a:p>
@@ -2422,6 +2520,18 @@
   <p:clrMapOvr>
     <a:masterClrMapping/>
   </p:clrMapOvr>
+  <mc:AlternateContent xmlns:mc="http://schemas.openxmlformats.org/markup-compatibility/2006">
+    <mc:Choice xmlns:p159="http://schemas.microsoft.com/office/powerpoint/2015/09/main" Requires="p159">
+      <p:transition xmlns:p14="http://schemas.microsoft.com/office/powerpoint/2010/main" spd="slow" p14:dur="2000">
+        <p159:morph option="byObject"/>
+      </p:transition>
+    </mc:Choice>
+    <mc:Fallback>
+      <p:transition spd="slow">
+        <p:fade/>
+      </p:transition>
+    </mc:Fallback>
+  </mc:AlternateContent>
 </p:sldLayout>
 </file>
 
@@ -2473,10 +2583,9 @@
           <a:lstStyle/>
           <a:p>
             <a:r>
-              <a:rPr lang="hu-HU" smtClean="0"/>
+              <a:rPr lang="hu-HU"/>
               <a:t>Mintacím szerkesztése</a:t>
             </a:r>
-            <a:endParaRPr lang="hu-HU"/>
           </a:p>
         </p:txBody>
       </p:sp>
@@ -2507,38 +2616,37 @@
           <a:p>
             <a:pPr lvl="0"/>
             <a:r>
-              <a:rPr lang="hu-HU" smtClean="0"/>
+              <a:rPr lang="hu-HU"/>
               <a:t>Mintaszöveg szerkesztése</a:t>
             </a:r>
           </a:p>
           <a:p>
             <a:pPr lvl="1"/>
             <a:r>
-              <a:rPr lang="hu-HU" smtClean="0"/>
+              <a:rPr lang="hu-HU"/>
               <a:t>Második szint</a:t>
             </a:r>
           </a:p>
           <a:p>
             <a:pPr lvl="2"/>
             <a:r>
-              <a:rPr lang="hu-HU" smtClean="0"/>
+              <a:rPr lang="hu-HU"/>
               <a:t>Harmadik szint</a:t>
             </a:r>
           </a:p>
           <a:p>
             <a:pPr lvl="3"/>
             <a:r>
-              <a:rPr lang="hu-HU" smtClean="0"/>
+              <a:rPr lang="hu-HU"/>
               <a:t>Negyedik szint</a:t>
             </a:r>
           </a:p>
           <a:p>
             <a:pPr lvl="4"/>
             <a:r>
-              <a:rPr lang="hu-HU" smtClean="0"/>
+              <a:rPr lang="hu-HU"/>
               <a:t>Ötödik szint</a:t>
             </a:r>
-            <a:endParaRPr lang="hu-HU"/>
           </a:p>
         </p:txBody>
       </p:sp>
@@ -2577,7 +2685,7 @@
           <a:p>
             <a:fld id="{D4491327-AE6A-4889-B705-44534CF58E21}" type="datetimeFigureOut">
               <a:rPr lang="hu-HU" smtClean="0"/>
-              <a:t>2022.09.15.</a:t>
+              <a:t>2022. 09. 19.</a:t>
             </a:fld>
             <a:endParaRPr lang="hu-HU"/>
           </a:p>
@@ -2682,6 +2790,18 @@
     <p:sldLayoutId id="2147483658" r:id="rId10"/>
     <p:sldLayoutId id="2147483659" r:id="rId11"/>
   </p:sldLayoutIdLst>
+  <mc:AlternateContent xmlns:mc="http://schemas.openxmlformats.org/markup-compatibility/2006">
+    <mc:Choice xmlns:p159="http://schemas.microsoft.com/office/powerpoint/2015/09/main" Requires="p159">
+      <p:transition xmlns:p14="http://schemas.microsoft.com/office/powerpoint/2010/main" spd="slow" p14:dur="2000">
+        <p159:morph option="byObject"/>
+      </p:transition>
+    </mc:Choice>
+    <mc:Fallback>
+      <p:transition spd="slow">
+        <p:fade/>
+      </p:transition>
+    </mc:Fallback>
+  </mc:AlternateContent>
   <p:txStyles>
     <p:titleStyle>
       <a:lvl1pPr algn="l" defTabSz="914400" rtl="0" eaLnBrk="1" latinLnBrk="0" hangingPunct="1">
@@ -2968,6 +3088,14 @@
 <file path=ppt/slides/slide1.xml><?xml version="1.0" encoding="utf-8"?>
 <p:sld xmlns:a="http://schemas.openxmlformats.org/drawingml/2006/main" xmlns:r="http://schemas.openxmlformats.org/officeDocument/2006/relationships" xmlns:p="http://schemas.openxmlformats.org/presentationml/2006/main">
   <p:cSld>
+    <p:bg>
+      <p:bgPr>
+        <a:solidFill>
+          <a:schemeClr val="bg1"/>
+        </a:solidFill>
+        <a:effectLst/>
+      </p:bgPr>
+    </p:bg>
     <p:spTree>
       <p:nvGrpSpPr>
         <p:cNvPr id="1" name=""/>
@@ -2982,54 +3110,739 @@
           <a:chExt cx="0" cy="0"/>
         </a:xfrm>
       </p:grpSpPr>
-      <p:sp>
-        <p:nvSpPr>
-          <p:cNvPr id="2" name="Cím 1"/>
-          <p:cNvSpPr>
-            <a:spLocks noGrp="1"/>
-          </p:cNvSpPr>
-          <p:nvPr>
-            <p:ph type="ctrTitle"/>
-          </p:nvPr>
-        </p:nvSpPr>
-        <p:spPr/>
-        <p:txBody>
-          <a:bodyPr/>
-          <a:lstStyle/>
-          <a:p>
-            <a:r>
-              <a:rPr lang="hu-HU" dirty="0" smtClean="0"/>
-              <a:t>3D képek</a:t>
-            </a:r>
-            <a:endParaRPr lang="hu-HU" dirty="0"/>
-          </a:p>
-        </p:txBody>
-      </p:sp>
-      <p:sp>
-        <p:nvSpPr>
-          <p:cNvPr id="3" name="Alcím 2"/>
-          <p:cNvSpPr>
-            <a:spLocks noGrp="1"/>
-          </p:cNvSpPr>
-          <p:nvPr>
-            <p:ph type="subTitle" idx="1"/>
+      <p:sp useBgFill="1">
+        <p:nvSpPr>
+          <p:cNvPr id="44" name="Rectangle 43">
+            <a:extLst>
+              <a:ext uri="{FF2B5EF4-FFF2-40B4-BE49-F238E27FC236}">
+                <a16:creationId xmlns:a16="http://schemas.microsoft.com/office/drawing/2014/main" id="{B0354608-2C0B-45C8-8C8B-8E3ED2EF58E4}"/>
+              </a:ext>
+              <a:ext uri="{C183D7F6-B498-43B3-948B-1728B52AA6E4}">
+                <adec:decorative xmlns:adec="http://schemas.microsoft.com/office/drawing/2017/decorative" val="1"/>
+              </a:ext>
+            </a:extLst>
+          </p:cNvPr>
+          <p:cNvSpPr>
+            <a:spLocks noGrp="1" noRot="1" noChangeAspect="1" noMove="1" noResize="1" noEditPoints="1" noAdjustHandles="1" noChangeArrowheads="1" noChangeShapeType="1" noTextEdit="1"/>
+          </p:cNvSpPr>
+          <p:nvPr>
+            <p:extLst>
+              <p:ext uri="{386F3935-93C4-4BCD-93E2-E3B085C9AB24}">
+                <p16:designElem xmlns:p16="http://schemas.microsoft.com/office/powerpoint/2015/main" val="1"/>
+              </p:ext>
+            </p:extLst>
           </p:nvPr>
         </p:nvSpPr>
         <p:spPr>
           <a:xfrm>
-            <a:off x="4203700" y="3509963"/>
-            <a:ext cx="3784600" cy="431800"/>
+            <a:off x="0" y="0"/>
+            <a:ext cx="12192000" cy="6858000"/>
+          </a:xfrm>
+          <a:prstGeom prst="rect">
+            <a:avLst/>
+          </a:prstGeom>
+          <a:ln>
+            <a:noFill/>
+          </a:ln>
+        </p:spPr>
+        <p:style>
+          <a:lnRef idx="2">
+            <a:schemeClr val="accent1">
+              <a:shade val="50000"/>
+            </a:schemeClr>
+          </a:lnRef>
+          <a:fillRef idx="1">
+            <a:schemeClr val="accent1"/>
+          </a:fillRef>
+          <a:effectRef idx="0">
+            <a:schemeClr val="accent1"/>
+          </a:effectRef>
+          <a:fontRef idx="minor">
+            <a:schemeClr val="lt1"/>
+          </a:fontRef>
+        </p:style>
+        <p:txBody>
+          <a:bodyPr rtlCol="0" anchor="ctr"/>
+          <a:lstStyle/>
+          <a:p>
+            <a:pPr algn="ctr"/>
+            <a:endParaRPr lang="en-US"/>
+          </a:p>
+        </p:txBody>
+      </p:sp>
+      <p:pic>
+        <p:nvPicPr>
+          <p:cNvPr id="35" name="Picture 34">
+            <a:extLst>
+              <a:ext uri="{FF2B5EF4-FFF2-40B4-BE49-F238E27FC236}">
+                <a16:creationId xmlns:a16="http://schemas.microsoft.com/office/drawing/2014/main" id="{EAAE59BF-3E05-289C-A3D3-B9137A3DE57C}"/>
+              </a:ext>
+            </a:extLst>
+          </p:cNvPr>
+          <p:cNvPicPr>
+            <a:picLocks noChangeAspect="1"/>
+          </p:cNvPicPr>
+          <p:nvPr/>
+        </p:nvPicPr>
+        <p:blipFill rotWithShape="1">
+          <a:blip r:embed="rId2">
+            <a:alphaModFix amt="40000"/>
+          </a:blip>
+          <a:srcRect t="28999" b="13309"/>
+          <a:stretch/>
+        </p:blipFill>
+        <p:spPr>
+          <a:xfrm>
+            <a:off x="2" y="10"/>
+            <a:ext cx="12191997" cy="6857990"/>
+          </a:xfrm>
+          <a:prstGeom prst="rect">
+            <a:avLst/>
+          </a:prstGeom>
+        </p:spPr>
+      </p:pic>
+      <p:sp>
+        <p:nvSpPr>
+          <p:cNvPr id="2" name="Cím 1"/>
+          <p:cNvSpPr>
+            <a:spLocks noGrp="1"/>
+          </p:cNvSpPr>
+          <p:nvPr>
+            <p:ph type="ctrTitle"/>
+          </p:nvPr>
+        </p:nvSpPr>
+        <p:spPr>
+          <a:xfrm>
+            <a:off x="2590991" y="1680291"/>
+            <a:ext cx="7010018" cy="2288225"/>
           </a:xfrm>
         </p:spPr>
         <p:txBody>
-          <a:bodyPr/>
-          <a:lstStyle/>
-          <a:p>
-            <a:r>
-              <a:rPr lang="hu-HU" dirty="0" smtClean="0"/>
+          <a:bodyPr>
+            <a:normAutofit/>
+          </a:bodyPr>
+          <a:lstStyle/>
+          <a:p>
+            <a:pPr algn="l"/>
+            <a:r>
+              <a:rPr lang="hu-HU" sz="7200"/>
+              <a:t>3D képalkotás</a:t>
+            </a:r>
+          </a:p>
+        </p:txBody>
+      </p:sp>
+      <p:sp>
+        <p:nvSpPr>
+          <p:cNvPr id="3" name="Alcím 2"/>
+          <p:cNvSpPr>
+            <a:spLocks noGrp="1"/>
+          </p:cNvSpPr>
+          <p:nvPr>
+            <p:ph type="subTitle" idx="1"/>
+          </p:nvPr>
+        </p:nvSpPr>
+        <p:spPr>
+          <a:xfrm>
+            <a:off x="2590991" y="3968516"/>
+            <a:ext cx="7010018" cy="785251"/>
+          </a:xfrm>
+        </p:spPr>
+        <p:txBody>
+          <a:bodyPr>
+            <a:normAutofit/>
+          </a:bodyPr>
+          <a:lstStyle/>
+          <a:p>
+            <a:pPr algn="l"/>
+            <a:r>
+              <a:rPr lang="hu-HU"/>
               <a:t>Készítette: Csóka András</a:t>
             </a:r>
-            <a:endParaRPr lang="hu-HU" dirty="0"/>
+          </a:p>
+        </p:txBody>
+      </p:sp>
+      <p:sp>
+        <p:nvSpPr>
+          <p:cNvPr id="46" name="Freeform 5">
+            <a:extLst>
+              <a:ext uri="{FF2B5EF4-FFF2-40B4-BE49-F238E27FC236}">
+                <a16:creationId xmlns:a16="http://schemas.microsoft.com/office/drawing/2014/main" id="{A69EB637-CEDE-43AD-8B65-DDD63C08FB34}"/>
+              </a:ext>
+              <a:ext uri="{C183D7F6-B498-43B3-948B-1728B52AA6E4}">
+                <adec:decorative xmlns:adec="http://schemas.microsoft.com/office/drawing/2017/decorative" val="1"/>
+              </a:ext>
+            </a:extLst>
+          </p:cNvPr>
+          <p:cNvSpPr>
+            <a:spLocks noGrp="1" noRot="1" noChangeAspect="1" noMove="1" noResize="1" noEditPoints="1" noAdjustHandles="1" noChangeArrowheads="1" noChangeShapeType="1" noTextEdit="1"/>
+          </p:cNvSpPr>
+          <p:nvPr>
+            <p:extLst>
+              <p:ext uri="{386F3935-93C4-4BCD-93E2-E3B085C9AB24}">
+                <p16:designElem xmlns:p16="http://schemas.microsoft.com/office/powerpoint/2015/main" val="1"/>
+              </p:ext>
+            </p:extLst>
+          </p:nvPr>
+        </p:nvSpPr>
+        <p:spPr bwMode="auto">
+          <a:xfrm>
+            <a:off x="790870" y="2245586"/>
+            <a:ext cx="1262906" cy="1108260"/>
+          </a:xfrm>
+          <a:custGeom>
+            <a:avLst/>
+            <a:gdLst>
+              <a:gd name="T0" fmla="*/ 781 w 1099"/>
+              <a:gd name="T1" fmla="*/ 0 h 968"/>
+              <a:gd name="T2" fmla="*/ 318 w 1099"/>
+              <a:gd name="T3" fmla="*/ 0 h 968"/>
+              <a:gd name="T4" fmla="*/ 246 w 1099"/>
+              <a:gd name="T5" fmla="*/ 42 h 968"/>
+              <a:gd name="T6" fmla="*/ 15 w 1099"/>
+              <a:gd name="T7" fmla="*/ 443 h 968"/>
+              <a:gd name="T8" fmla="*/ 15 w 1099"/>
+              <a:gd name="T9" fmla="*/ 525 h 968"/>
+              <a:gd name="T10" fmla="*/ 246 w 1099"/>
+              <a:gd name="T11" fmla="*/ 926 h 968"/>
+              <a:gd name="T12" fmla="*/ 318 w 1099"/>
+              <a:gd name="T13" fmla="*/ 968 h 968"/>
+              <a:gd name="T14" fmla="*/ 781 w 1099"/>
+              <a:gd name="T15" fmla="*/ 968 h 968"/>
+              <a:gd name="T16" fmla="*/ 852 w 1099"/>
+              <a:gd name="T17" fmla="*/ 926 h 968"/>
+              <a:gd name="T18" fmla="*/ 1084 w 1099"/>
+              <a:gd name="T19" fmla="*/ 525 h 968"/>
+              <a:gd name="T20" fmla="*/ 1084 w 1099"/>
+              <a:gd name="T21" fmla="*/ 443 h 968"/>
+              <a:gd name="T22" fmla="*/ 852 w 1099"/>
+              <a:gd name="T23" fmla="*/ 42 h 968"/>
+              <a:gd name="T24" fmla="*/ 781 w 1099"/>
+              <a:gd name="T25" fmla="*/ 0 h 968"/>
+            </a:gdLst>
+            <a:ahLst/>
+            <a:cxnLst>
+              <a:cxn ang="0">
+                <a:pos x="T0" y="T1"/>
+              </a:cxn>
+              <a:cxn ang="0">
+                <a:pos x="T2" y="T3"/>
+              </a:cxn>
+              <a:cxn ang="0">
+                <a:pos x="T4" y="T5"/>
+              </a:cxn>
+              <a:cxn ang="0">
+                <a:pos x="T6" y="T7"/>
+              </a:cxn>
+              <a:cxn ang="0">
+                <a:pos x="T8" y="T9"/>
+              </a:cxn>
+              <a:cxn ang="0">
+                <a:pos x="T10" y="T11"/>
+              </a:cxn>
+              <a:cxn ang="0">
+                <a:pos x="T12" y="T13"/>
+              </a:cxn>
+              <a:cxn ang="0">
+                <a:pos x="T14" y="T15"/>
+              </a:cxn>
+              <a:cxn ang="0">
+                <a:pos x="T16" y="T17"/>
+              </a:cxn>
+              <a:cxn ang="0">
+                <a:pos x="T18" y="T19"/>
+              </a:cxn>
+              <a:cxn ang="0">
+                <a:pos x="T20" y="T21"/>
+              </a:cxn>
+              <a:cxn ang="0">
+                <a:pos x="T22" y="T23"/>
+              </a:cxn>
+              <a:cxn ang="0">
+                <a:pos x="T24" y="T25"/>
+              </a:cxn>
+            </a:cxnLst>
+            <a:rect l="0" t="0" r="r" b="b"/>
+            <a:pathLst>
+              <a:path w="1099" h="968">
+                <a:moveTo>
+                  <a:pt x="781" y="0"/>
+                </a:moveTo>
+                <a:cubicBezTo>
+                  <a:pt x="318" y="0"/>
+                  <a:pt x="318" y="0"/>
+                  <a:pt x="318" y="0"/>
+                </a:cubicBezTo>
+                <a:cubicBezTo>
+                  <a:pt x="288" y="0"/>
+                  <a:pt x="261" y="16"/>
+                  <a:pt x="246" y="42"/>
+                </a:cubicBezTo>
+                <a:cubicBezTo>
+                  <a:pt x="15" y="443"/>
+                  <a:pt x="15" y="443"/>
+                  <a:pt x="15" y="443"/>
+                </a:cubicBezTo>
+                <a:cubicBezTo>
+                  <a:pt x="0" y="468"/>
+                  <a:pt x="0" y="500"/>
+                  <a:pt x="15" y="525"/>
+                </a:cubicBezTo>
+                <a:cubicBezTo>
+                  <a:pt x="246" y="926"/>
+                  <a:pt x="246" y="926"/>
+                  <a:pt x="246" y="926"/>
+                </a:cubicBezTo>
+                <a:cubicBezTo>
+                  <a:pt x="261" y="952"/>
+                  <a:pt x="288" y="968"/>
+                  <a:pt x="318" y="968"/>
+                </a:cubicBezTo>
+                <a:cubicBezTo>
+                  <a:pt x="781" y="968"/>
+                  <a:pt x="781" y="968"/>
+                  <a:pt x="781" y="968"/>
+                </a:cubicBezTo>
+                <a:cubicBezTo>
+                  <a:pt x="810" y="968"/>
+                  <a:pt x="838" y="952"/>
+                  <a:pt x="852" y="926"/>
+                </a:cubicBezTo>
+                <a:cubicBezTo>
+                  <a:pt x="1084" y="525"/>
+                  <a:pt x="1084" y="525"/>
+                  <a:pt x="1084" y="525"/>
+                </a:cubicBezTo>
+                <a:cubicBezTo>
+                  <a:pt x="1099" y="500"/>
+                  <a:pt x="1099" y="468"/>
+                  <a:pt x="1084" y="443"/>
+                </a:cubicBezTo>
+                <a:cubicBezTo>
+                  <a:pt x="852" y="42"/>
+                  <a:pt x="852" y="42"/>
+                  <a:pt x="852" y="42"/>
+                </a:cubicBezTo>
+                <a:cubicBezTo>
+                  <a:pt x="838" y="16"/>
+                  <a:pt x="810" y="0"/>
+                  <a:pt x="781" y="0"/>
+                </a:cubicBezTo>
+                <a:close/>
+              </a:path>
+            </a:pathLst>
+          </a:custGeom>
+          <a:solidFill>
+            <a:schemeClr val="tx1">
+              <a:alpha val="40000"/>
+            </a:schemeClr>
+          </a:solidFill>
+          <a:ln w="63500" cap="flat">
+            <a:noFill/>
+            <a:prstDash val="solid"/>
+            <a:miter lim="800000"/>
+            <a:headEnd/>
+            <a:tailEnd/>
+          </a:ln>
+        </p:spPr>
+        <p:txBody>
+          <a:bodyPr vert="horz" wrap="square" lIns="91440" tIns="45720" rIns="91440" bIns="45720" numCol="1" anchor="t" anchorCtr="0" compatLnSpc="1">
+            <a:prstTxWarp prst="textNoShape">
+              <a:avLst/>
+            </a:prstTxWarp>
+          </a:bodyPr>
+          <a:lstStyle/>
+          <a:p>
+            <a:endParaRPr lang="en-US" dirty="0"/>
+          </a:p>
+        </p:txBody>
+      </p:sp>
+      <p:sp>
+        <p:nvSpPr>
+          <p:cNvPr id="48" name="Freeform 5">
+            <a:extLst>
+              <a:ext uri="{FF2B5EF4-FFF2-40B4-BE49-F238E27FC236}">
+                <a16:creationId xmlns:a16="http://schemas.microsoft.com/office/drawing/2014/main" id="{CDD7DB09-290B-4A1F-BFC1-51ED7C978ED6}"/>
+              </a:ext>
+              <a:ext uri="{C183D7F6-B498-43B3-948B-1728B52AA6E4}">
+                <adec:decorative xmlns:adec="http://schemas.microsoft.com/office/drawing/2017/decorative" val="1"/>
+              </a:ext>
+            </a:extLst>
+          </p:cNvPr>
+          <p:cNvSpPr>
+            <a:spLocks noGrp="1" noRot="1" noChangeAspect="1" noMove="1" noResize="1" noEditPoints="1" noAdjustHandles="1" noChangeArrowheads="1" noChangeShapeType="1" noTextEdit="1"/>
+          </p:cNvSpPr>
+          <p:nvPr>
+            <p:extLst>
+              <p:ext uri="{386F3935-93C4-4BCD-93E2-E3B085C9AB24}">
+                <p16:designElem xmlns:p16="http://schemas.microsoft.com/office/powerpoint/2015/main" val="1"/>
+              </p:ext>
+            </p:extLst>
+          </p:nvPr>
+        </p:nvSpPr>
+        <p:spPr bwMode="auto">
+          <a:xfrm>
+            <a:off x="933975" y="911082"/>
+            <a:ext cx="2048530" cy="1797684"/>
+          </a:xfrm>
+          <a:custGeom>
+            <a:avLst/>
+            <a:gdLst>
+              <a:gd name="T0" fmla="*/ 781 w 1099"/>
+              <a:gd name="T1" fmla="*/ 0 h 968"/>
+              <a:gd name="T2" fmla="*/ 318 w 1099"/>
+              <a:gd name="T3" fmla="*/ 0 h 968"/>
+              <a:gd name="T4" fmla="*/ 246 w 1099"/>
+              <a:gd name="T5" fmla="*/ 42 h 968"/>
+              <a:gd name="T6" fmla="*/ 15 w 1099"/>
+              <a:gd name="T7" fmla="*/ 443 h 968"/>
+              <a:gd name="T8" fmla="*/ 15 w 1099"/>
+              <a:gd name="T9" fmla="*/ 525 h 968"/>
+              <a:gd name="T10" fmla="*/ 246 w 1099"/>
+              <a:gd name="T11" fmla="*/ 926 h 968"/>
+              <a:gd name="T12" fmla="*/ 318 w 1099"/>
+              <a:gd name="T13" fmla="*/ 968 h 968"/>
+              <a:gd name="T14" fmla="*/ 781 w 1099"/>
+              <a:gd name="T15" fmla="*/ 968 h 968"/>
+              <a:gd name="T16" fmla="*/ 852 w 1099"/>
+              <a:gd name="T17" fmla="*/ 926 h 968"/>
+              <a:gd name="T18" fmla="*/ 1084 w 1099"/>
+              <a:gd name="T19" fmla="*/ 525 h 968"/>
+              <a:gd name="T20" fmla="*/ 1084 w 1099"/>
+              <a:gd name="T21" fmla="*/ 443 h 968"/>
+              <a:gd name="T22" fmla="*/ 852 w 1099"/>
+              <a:gd name="T23" fmla="*/ 42 h 968"/>
+              <a:gd name="T24" fmla="*/ 781 w 1099"/>
+              <a:gd name="T25" fmla="*/ 0 h 968"/>
+            </a:gdLst>
+            <a:ahLst/>
+            <a:cxnLst>
+              <a:cxn ang="0">
+                <a:pos x="T0" y="T1"/>
+              </a:cxn>
+              <a:cxn ang="0">
+                <a:pos x="T2" y="T3"/>
+              </a:cxn>
+              <a:cxn ang="0">
+                <a:pos x="T4" y="T5"/>
+              </a:cxn>
+              <a:cxn ang="0">
+                <a:pos x="T6" y="T7"/>
+              </a:cxn>
+              <a:cxn ang="0">
+                <a:pos x="T8" y="T9"/>
+              </a:cxn>
+              <a:cxn ang="0">
+                <a:pos x="T10" y="T11"/>
+              </a:cxn>
+              <a:cxn ang="0">
+                <a:pos x="T12" y="T13"/>
+              </a:cxn>
+              <a:cxn ang="0">
+                <a:pos x="T14" y="T15"/>
+              </a:cxn>
+              <a:cxn ang="0">
+                <a:pos x="T16" y="T17"/>
+              </a:cxn>
+              <a:cxn ang="0">
+                <a:pos x="T18" y="T19"/>
+              </a:cxn>
+              <a:cxn ang="0">
+                <a:pos x="T20" y="T21"/>
+              </a:cxn>
+              <a:cxn ang="0">
+                <a:pos x="T22" y="T23"/>
+              </a:cxn>
+              <a:cxn ang="0">
+                <a:pos x="T24" y="T25"/>
+              </a:cxn>
+            </a:cxnLst>
+            <a:rect l="0" t="0" r="r" b="b"/>
+            <a:pathLst>
+              <a:path w="1099" h="968">
+                <a:moveTo>
+                  <a:pt x="781" y="0"/>
+                </a:moveTo>
+                <a:cubicBezTo>
+                  <a:pt x="318" y="0"/>
+                  <a:pt x="318" y="0"/>
+                  <a:pt x="318" y="0"/>
+                </a:cubicBezTo>
+                <a:cubicBezTo>
+                  <a:pt x="288" y="0"/>
+                  <a:pt x="261" y="16"/>
+                  <a:pt x="246" y="42"/>
+                </a:cubicBezTo>
+                <a:cubicBezTo>
+                  <a:pt x="15" y="443"/>
+                  <a:pt x="15" y="443"/>
+                  <a:pt x="15" y="443"/>
+                </a:cubicBezTo>
+                <a:cubicBezTo>
+                  <a:pt x="0" y="468"/>
+                  <a:pt x="0" y="500"/>
+                  <a:pt x="15" y="525"/>
+                </a:cubicBezTo>
+                <a:cubicBezTo>
+                  <a:pt x="246" y="926"/>
+                  <a:pt x="246" y="926"/>
+                  <a:pt x="246" y="926"/>
+                </a:cubicBezTo>
+                <a:cubicBezTo>
+                  <a:pt x="261" y="952"/>
+                  <a:pt x="288" y="968"/>
+                  <a:pt x="318" y="968"/>
+                </a:cubicBezTo>
+                <a:cubicBezTo>
+                  <a:pt x="781" y="968"/>
+                  <a:pt x="781" y="968"/>
+                  <a:pt x="781" y="968"/>
+                </a:cubicBezTo>
+                <a:cubicBezTo>
+                  <a:pt x="810" y="968"/>
+                  <a:pt x="838" y="952"/>
+                  <a:pt x="852" y="926"/>
+                </a:cubicBezTo>
+                <a:cubicBezTo>
+                  <a:pt x="1084" y="525"/>
+                  <a:pt x="1084" y="525"/>
+                  <a:pt x="1084" y="525"/>
+                </a:cubicBezTo>
+                <a:cubicBezTo>
+                  <a:pt x="1099" y="500"/>
+                  <a:pt x="1099" y="468"/>
+                  <a:pt x="1084" y="443"/>
+                </a:cubicBezTo>
+                <a:cubicBezTo>
+                  <a:pt x="852" y="42"/>
+                  <a:pt x="852" y="42"/>
+                  <a:pt x="852" y="42"/>
+                </a:cubicBezTo>
+                <a:cubicBezTo>
+                  <a:pt x="838" y="16"/>
+                  <a:pt x="810" y="0"/>
+                  <a:pt x="781" y="0"/>
+                </a:cubicBezTo>
+                <a:close/>
+              </a:path>
+            </a:pathLst>
+          </a:custGeom>
+          <a:noFill/>
+          <a:ln w="63500" cap="flat">
+            <a:solidFill>
+              <a:schemeClr val="tx1">
+                <a:alpha val="60000"/>
+              </a:schemeClr>
+            </a:solidFill>
+            <a:prstDash val="solid"/>
+            <a:miter lim="800000"/>
+            <a:headEnd/>
+            <a:tailEnd/>
+          </a:ln>
+        </p:spPr>
+        <p:txBody>
+          <a:bodyPr vert="horz" wrap="square" lIns="91440" tIns="45720" rIns="91440" bIns="45720" numCol="1" anchor="t" anchorCtr="0" compatLnSpc="1">
+            <a:prstTxWarp prst="textNoShape">
+              <a:avLst/>
+            </a:prstTxWarp>
+          </a:bodyPr>
+          <a:lstStyle/>
+          <a:p>
+            <a:endParaRPr lang="en-US" dirty="0"/>
+          </a:p>
+        </p:txBody>
+      </p:sp>
+      <p:sp>
+        <p:nvSpPr>
+          <p:cNvPr id="50" name="Freeform 5">
+            <a:extLst>
+              <a:ext uri="{FF2B5EF4-FFF2-40B4-BE49-F238E27FC236}">
+                <a16:creationId xmlns:a16="http://schemas.microsoft.com/office/drawing/2014/main" id="{B0FAED46-1BF7-48DB-980D-571CD2A30DC4}"/>
+              </a:ext>
+              <a:ext uri="{C183D7F6-B498-43B3-948B-1728B52AA6E4}">
+                <adec:decorative xmlns:adec="http://schemas.microsoft.com/office/drawing/2017/decorative" val="1"/>
+              </a:ext>
+            </a:extLst>
+          </p:cNvPr>
+          <p:cNvSpPr>
+            <a:spLocks noGrp="1" noRot="1" noChangeAspect="1" noMove="1" noResize="1" noEditPoints="1" noAdjustHandles="1" noChangeArrowheads="1" noChangeShapeType="1" noTextEdit="1"/>
+          </p:cNvSpPr>
+          <p:nvPr>
+            <p:extLst>
+              <p:ext uri="{386F3935-93C4-4BCD-93E2-E3B085C9AB24}">
+                <p16:designElem xmlns:p16="http://schemas.microsoft.com/office/powerpoint/2015/main" val="1"/>
+              </p:ext>
+            </p:extLst>
+          </p:nvPr>
+        </p:nvSpPr>
+        <p:spPr bwMode="auto">
+          <a:xfrm>
+            <a:off x="1362936" y="1825453"/>
+            <a:ext cx="799094" cy="701243"/>
+          </a:xfrm>
+          <a:custGeom>
+            <a:avLst/>
+            <a:gdLst>
+              <a:gd name="T0" fmla="*/ 781 w 1099"/>
+              <a:gd name="T1" fmla="*/ 0 h 968"/>
+              <a:gd name="T2" fmla="*/ 318 w 1099"/>
+              <a:gd name="T3" fmla="*/ 0 h 968"/>
+              <a:gd name="T4" fmla="*/ 246 w 1099"/>
+              <a:gd name="T5" fmla="*/ 42 h 968"/>
+              <a:gd name="T6" fmla="*/ 15 w 1099"/>
+              <a:gd name="T7" fmla="*/ 443 h 968"/>
+              <a:gd name="T8" fmla="*/ 15 w 1099"/>
+              <a:gd name="T9" fmla="*/ 525 h 968"/>
+              <a:gd name="T10" fmla="*/ 246 w 1099"/>
+              <a:gd name="T11" fmla="*/ 926 h 968"/>
+              <a:gd name="T12" fmla="*/ 318 w 1099"/>
+              <a:gd name="T13" fmla="*/ 968 h 968"/>
+              <a:gd name="T14" fmla="*/ 781 w 1099"/>
+              <a:gd name="T15" fmla="*/ 968 h 968"/>
+              <a:gd name="T16" fmla="*/ 852 w 1099"/>
+              <a:gd name="T17" fmla="*/ 926 h 968"/>
+              <a:gd name="T18" fmla="*/ 1084 w 1099"/>
+              <a:gd name="T19" fmla="*/ 525 h 968"/>
+              <a:gd name="T20" fmla="*/ 1084 w 1099"/>
+              <a:gd name="T21" fmla="*/ 443 h 968"/>
+              <a:gd name="T22" fmla="*/ 852 w 1099"/>
+              <a:gd name="T23" fmla="*/ 42 h 968"/>
+              <a:gd name="T24" fmla="*/ 781 w 1099"/>
+              <a:gd name="T25" fmla="*/ 0 h 968"/>
+            </a:gdLst>
+            <a:ahLst/>
+            <a:cxnLst>
+              <a:cxn ang="0">
+                <a:pos x="T0" y="T1"/>
+              </a:cxn>
+              <a:cxn ang="0">
+                <a:pos x="T2" y="T3"/>
+              </a:cxn>
+              <a:cxn ang="0">
+                <a:pos x="T4" y="T5"/>
+              </a:cxn>
+              <a:cxn ang="0">
+                <a:pos x="T6" y="T7"/>
+              </a:cxn>
+              <a:cxn ang="0">
+                <a:pos x="T8" y="T9"/>
+              </a:cxn>
+              <a:cxn ang="0">
+                <a:pos x="T10" y="T11"/>
+              </a:cxn>
+              <a:cxn ang="0">
+                <a:pos x="T12" y="T13"/>
+              </a:cxn>
+              <a:cxn ang="0">
+                <a:pos x="T14" y="T15"/>
+              </a:cxn>
+              <a:cxn ang="0">
+                <a:pos x="T16" y="T17"/>
+              </a:cxn>
+              <a:cxn ang="0">
+                <a:pos x="T18" y="T19"/>
+              </a:cxn>
+              <a:cxn ang="0">
+                <a:pos x="T20" y="T21"/>
+              </a:cxn>
+              <a:cxn ang="0">
+                <a:pos x="T22" y="T23"/>
+              </a:cxn>
+              <a:cxn ang="0">
+                <a:pos x="T24" y="T25"/>
+              </a:cxn>
+            </a:cxnLst>
+            <a:rect l="0" t="0" r="r" b="b"/>
+            <a:pathLst>
+              <a:path w="1099" h="968">
+                <a:moveTo>
+                  <a:pt x="781" y="0"/>
+                </a:moveTo>
+                <a:cubicBezTo>
+                  <a:pt x="318" y="0"/>
+                  <a:pt x="318" y="0"/>
+                  <a:pt x="318" y="0"/>
+                </a:cubicBezTo>
+                <a:cubicBezTo>
+                  <a:pt x="288" y="0"/>
+                  <a:pt x="261" y="16"/>
+                  <a:pt x="246" y="42"/>
+                </a:cubicBezTo>
+                <a:cubicBezTo>
+                  <a:pt x="15" y="443"/>
+                  <a:pt x="15" y="443"/>
+                  <a:pt x="15" y="443"/>
+                </a:cubicBezTo>
+                <a:cubicBezTo>
+                  <a:pt x="0" y="468"/>
+                  <a:pt x="0" y="500"/>
+                  <a:pt x="15" y="525"/>
+                </a:cubicBezTo>
+                <a:cubicBezTo>
+                  <a:pt x="246" y="926"/>
+                  <a:pt x="246" y="926"/>
+                  <a:pt x="246" y="926"/>
+                </a:cubicBezTo>
+                <a:cubicBezTo>
+                  <a:pt x="261" y="952"/>
+                  <a:pt x="288" y="968"/>
+                  <a:pt x="318" y="968"/>
+                </a:cubicBezTo>
+                <a:cubicBezTo>
+                  <a:pt x="781" y="968"/>
+                  <a:pt x="781" y="968"/>
+                  <a:pt x="781" y="968"/>
+                </a:cubicBezTo>
+                <a:cubicBezTo>
+                  <a:pt x="810" y="968"/>
+                  <a:pt x="838" y="952"/>
+                  <a:pt x="852" y="926"/>
+                </a:cubicBezTo>
+                <a:cubicBezTo>
+                  <a:pt x="1084" y="525"/>
+                  <a:pt x="1084" y="525"/>
+                  <a:pt x="1084" y="525"/>
+                </a:cubicBezTo>
+                <a:cubicBezTo>
+                  <a:pt x="1099" y="500"/>
+                  <a:pt x="1099" y="468"/>
+                  <a:pt x="1084" y="443"/>
+                </a:cubicBezTo>
+                <a:cubicBezTo>
+                  <a:pt x="852" y="42"/>
+                  <a:pt x="852" y="42"/>
+                  <a:pt x="852" y="42"/>
+                </a:cubicBezTo>
+                <a:cubicBezTo>
+                  <a:pt x="838" y="16"/>
+                  <a:pt x="810" y="0"/>
+                  <a:pt x="781" y="0"/>
+                </a:cubicBezTo>
+                <a:close/>
+              </a:path>
+            </a:pathLst>
+          </a:custGeom>
+          <a:solidFill>
+            <a:schemeClr val="tx1">
+              <a:alpha val="60000"/>
+            </a:schemeClr>
+          </a:solidFill>
+          <a:ln w="63500" cap="flat">
+            <a:noFill/>
+            <a:prstDash val="solid"/>
+            <a:miter lim="800000"/>
+            <a:headEnd/>
+            <a:tailEnd/>
+          </a:ln>
+        </p:spPr>
+        <p:txBody>
+          <a:bodyPr vert="horz" wrap="square" lIns="91440" tIns="45720" rIns="91440" bIns="45720" numCol="1" anchor="t" anchorCtr="0" compatLnSpc="1">
+            <a:prstTxWarp prst="textNoShape">
+              <a:avLst/>
+            </a:prstTxWarp>
+          </a:bodyPr>
+          <a:lstStyle/>
+          <a:p>
+            <a:endParaRPr lang="en-US" dirty="0"/>
           </a:p>
         </p:txBody>
       </p:sp>
@@ -3041,13 +3854,1254 @@
     </p:extLst>
   </p:cSld>
   <p:clrMapOvr>
-    <a:masterClrMapping/>
+    <a:overrideClrMapping bg1="dk1" tx1="lt1" bg2="dk2" tx2="lt2" accent1="accent1" accent2="accent2" accent3="accent3" accent4="accent4" accent5="accent5" accent6="accent6" hlink="hlink" folHlink="folHlink"/>
   </p:clrMapOvr>
+  <mc:AlternateContent xmlns:mc="http://schemas.openxmlformats.org/markup-compatibility/2006">
+    <mc:Choice xmlns:p159="http://schemas.microsoft.com/office/powerpoint/2015/09/main" Requires="p159">
+      <p:transition xmlns:p14="http://schemas.microsoft.com/office/powerpoint/2010/main" spd="slow" p14:dur="2000">
+        <p159:morph option="byObject"/>
+      </p:transition>
+    </mc:Choice>
+    <mc:Fallback>
+      <p:transition spd="slow">
+        <p:fade/>
+      </p:transition>
+    </mc:Fallback>
+  </mc:AlternateContent>
 </p:sld>
 </file>
 
 <file path=ppt/slides/slide10.xml><?xml version="1.0" encoding="utf-8"?>
 <p:sld xmlns:a="http://schemas.openxmlformats.org/drawingml/2006/main" xmlns:r="http://schemas.openxmlformats.org/officeDocument/2006/relationships" xmlns:p="http://schemas.openxmlformats.org/presentationml/2006/main">
+  <p:cSld>
+    <p:bg>
+      <p:bgPr>
+        <a:solidFill>
+          <a:schemeClr val="bg1"/>
+        </a:solidFill>
+        <a:effectLst/>
+      </p:bgPr>
+    </p:bg>
+    <p:spTree>
+      <p:nvGrpSpPr>
+        <p:cNvPr id="1" name=""/>
+        <p:cNvGrpSpPr/>
+        <p:nvPr/>
+      </p:nvGrpSpPr>
+      <p:grpSpPr>
+        <a:xfrm>
+          <a:off x="0" y="0"/>
+          <a:ext cx="0" cy="0"/>
+          <a:chOff x="0" y="0"/>
+          <a:chExt cx="0" cy="0"/>
+        </a:xfrm>
+      </p:grpSpPr>
+      <p:sp useBgFill="1">
+        <p:nvSpPr>
+          <p:cNvPr id="13" name="Rectangle 7">
+            <a:extLst>
+              <a:ext uri="{FF2B5EF4-FFF2-40B4-BE49-F238E27FC236}">
+                <a16:creationId xmlns:a16="http://schemas.microsoft.com/office/drawing/2014/main" id="{C475749F-F487-4EFB-ABC7-C1359590EB76}"/>
+              </a:ext>
+              <a:ext uri="{C183D7F6-B498-43B3-948B-1728B52AA6E4}">
+                <adec:decorative xmlns:adec="http://schemas.microsoft.com/office/drawing/2017/decorative" val="1"/>
+              </a:ext>
+            </a:extLst>
+          </p:cNvPr>
+          <p:cNvSpPr>
+            <a:spLocks noGrp="1" noRot="1" noChangeAspect="1" noMove="1" noResize="1" noEditPoints="1" noAdjustHandles="1" noChangeArrowheads="1" noChangeShapeType="1" noTextEdit="1"/>
+          </p:cNvSpPr>
+          <p:nvPr>
+            <p:extLst>
+              <p:ext uri="{386F3935-93C4-4BCD-93E2-E3B085C9AB24}">
+                <p16:designElem xmlns:p16="http://schemas.microsoft.com/office/powerpoint/2015/main" val="1"/>
+              </p:ext>
+            </p:extLst>
+          </p:nvPr>
+        </p:nvSpPr>
+        <p:spPr>
+          <a:xfrm>
+            <a:off x="0" y="0"/>
+            <a:ext cx="12192000" cy="6858000"/>
+          </a:xfrm>
+          <a:prstGeom prst="rect">
+            <a:avLst/>
+          </a:prstGeom>
+          <a:ln>
+            <a:noFill/>
+          </a:ln>
+        </p:spPr>
+        <p:style>
+          <a:lnRef idx="2">
+            <a:schemeClr val="accent1">
+              <a:shade val="50000"/>
+            </a:schemeClr>
+          </a:lnRef>
+          <a:fillRef idx="1">
+            <a:schemeClr val="accent1"/>
+          </a:fillRef>
+          <a:effectRef idx="0">
+            <a:schemeClr val="accent1"/>
+          </a:effectRef>
+          <a:fontRef idx="minor">
+            <a:schemeClr val="lt1"/>
+          </a:fontRef>
+        </p:style>
+        <p:txBody>
+          <a:bodyPr rtlCol="0" anchor="ctr"/>
+          <a:lstStyle/>
+          <a:p>
+            <a:pPr algn="ctr"/>
+            <a:endParaRPr lang="en-US"/>
+          </a:p>
+        </p:txBody>
+      </p:sp>
+      <p:sp>
+        <p:nvSpPr>
+          <p:cNvPr id="15" name="Freeform 5">
+            <a:extLst>
+              <a:ext uri="{FF2B5EF4-FFF2-40B4-BE49-F238E27FC236}">
+                <a16:creationId xmlns:a16="http://schemas.microsoft.com/office/drawing/2014/main" id="{F6285A5F-6712-47A0-8A11-F0DFF60D0D20}"/>
+              </a:ext>
+              <a:ext uri="{C183D7F6-B498-43B3-948B-1728B52AA6E4}">
+                <adec:decorative xmlns:adec="http://schemas.microsoft.com/office/drawing/2017/decorative" val="1"/>
+              </a:ext>
+            </a:extLst>
+          </p:cNvPr>
+          <p:cNvSpPr>
+            <a:spLocks noGrp="1" noRot="1" noChangeAspect="1" noMove="1" noResize="1" noEditPoints="1" noAdjustHandles="1" noChangeArrowheads="1" noChangeShapeType="1" noTextEdit="1"/>
+          </p:cNvSpPr>
+          <p:nvPr>
+            <p:extLst>
+              <p:ext uri="{386F3935-93C4-4BCD-93E2-E3B085C9AB24}">
+                <p16:designElem xmlns:p16="http://schemas.microsoft.com/office/powerpoint/2015/main" val="1"/>
+              </p:ext>
+            </p:extLst>
+          </p:nvPr>
+        </p:nvSpPr>
+        <p:spPr bwMode="auto">
+          <a:xfrm>
+            <a:off x="7276856" y="1645695"/>
+            <a:ext cx="4418320" cy="3877280"/>
+          </a:xfrm>
+          <a:custGeom>
+            <a:avLst/>
+            <a:gdLst>
+              <a:gd name="T0" fmla="*/ 781 w 1099"/>
+              <a:gd name="T1" fmla="*/ 0 h 968"/>
+              <a:gd name="T2" fmla="*/ 318 w 1099"/>
+              <a:gd name="T3" fmla="*/ 0 h 968"/>
+              <a:gd name="T4" fmla="*/ 246 w 1099"/>
+              <a:gd name="T5" fmla="*/ 42 h 968"/>
+              <a:gd name="T6" fmla="*/ 15 w 1099"/>
+              <a:gd name="T7" fmla="*/ 443 h 968"/>
+              <a:gd name="T8" fmla="*/ 15 w 1099"/>
+              <a:gd name="T9" fmla="*/ 525 h 968"/>
+              <a:gd name="T10" fmla="*/ 246 w 1099"/>
+              <a:gd name="T11" fmla="*/ 926 h 968"/>
+              <a:gd name="T12" fmla="*/ 318 w 1099"/>
+              <a:gd name="T13" fmla="*/ 968 h 968"/>
+              <a:gd name="T14" fmla="*/ 781 w 1099"/>
+              <a:gd name="T15" fmla="*/ 968 h 968"/>
+              <a:gd name="T16" fmla="*/ 852 w 1099"/>
+              <a:gd name="T17" fmla="*/ 926 h 968"/>
+              <a:gd name="T18" fmla="*/ 1084 w 1099"/>
+              <a:gd name="T19" fmla="*/ 525 h 968"/>
+              <a:gd name="T20" fmla="*/ 1084 w 1099"/>
+              <a:gd name="T21" fmla="*/ 443 h 968"/>
+              <a:gd name="T22" fmla="*/ 852 w 1099"/>
+              <a:gd name="T23" fmla="*/ 42 h 968"/>
+              <a:gd name="T24" fmla="*/ 781 w 1099"/>
+              <a:gd name="T25" fmla="*/ 0 h 968"/>
+            </a:gdLst>
+            <a:ahLst/>
+            <a:cxnLst>
+              <a:cxn ang="0">
+                <a:pos x="T0" y="T1"/>
+              </a:cxn>
+              <a:cxn ang="0">
+                <a:pos x="T2" y="T3"/>
+              </a:cxn>
+              <a:cxn ang="0">
+                <a:pos x="T4" y="T5"/>
+              </a:cxn>
+              <a:cxn ang="0">
+                <a:pos x="T6" y="T7"/>
+              </a:cxn>
+              <a:cxn ang="0">
+                <a:pos x="T8" y="T9"/>
+              </a:cxn>
+              <a:cxn ang="0">
+                <a:pos x="T10" y="T11"/>
+              </a:cxn>
+              <a:cxn ang="0">
+                <a:pos x="T12" y="T13"/>
+              </a:cxn>
+              <a:cxn ang="0">
+                <a:pos x="T14" y="T15"/>
+              </a:cxn>
+              <a:cxn ang="0">
+                <a:pos x="T16" y="T17"/>
+              </a:cxn>
+              <a:cxn ang="0">
+                <a:pos x="T18" y="T19"/>
+              </a:cxn>
+              <a:cxn ang="0">
+                <a:pos x="T20" y="T21"/>
+              </a:cxn>
+              <a:cxn ang="0">
+                <a:pos x="T22" y="T23"/>
+              </a:cxn>
+              <a:cxn ang="0">
+                <a:pos x="T24" y="T25"/>
+              </a:cxn>
+            </a:cxnLst>
+            <a:rect l="0" t="0" r="r" b="b"/>
+            <a:pathLst>
+              <a:path w="1099" h="968">
+                <a:moveTo>
+                  <a:pt x="781" y="0"/>
+                </a:moveTo>
+                <a:cubicBezTo>
+                  <a:pt x="318" y="0"/>
+                  <a:pt x="318" y="0"/>
+                  <a:pt x="318" y="0"/>
+                </a:cubicBezTo>
+                <a:cubicBezTo>
+                  <a:pt x="288" y="0"/>
+                  <a:pt x="261" y="16"/>
+                  <a:pt x="246" y="42"/>
+                </a:cubicBezTo>
+                <a:cubicBezTo>
+                  <a:pt x="15" y="443"/>
+                  <a:pt x="15" y="443"/>
+                  <a:pt x="15" y="443"/>
+                </a:cubicBezTo>
+                <a:cubicBezTo>
+                  <a:pt x="0" y="468"/>
+                  <a:pt x="0" y="500"/>
+                  <a:pt x="15" y="525"/>
+                </a:cubicBezTo>
+                <a:cubicBezTo>
+                  <a:pt x="246" y="926"/>
+                  <a:pt x="246" y="926"/>
+                  <a:pt x="246" y="926"/>
+                </a:cubicBezTo>
+                <a:cubicBezTo>
+                  <a:pt x="261" y="952"/>
+                  <a:pt x="288" y="968"/>
+                  <a:pt x="318" y="968"/>
+                </a:cubicBezTo>
+                <a:cubicBezTo>
+                  <a:pt x="781" y="968"/>
+                  <a:pt x="781" y="968"/>
+                  <a:pt x="781" y="968"/>
+                </a:cubicBezTo>
+                <a:cubicBezTo>
+                  <a:pt x="810" y="968"/>
+                  <a:pt x="838" y="952"/>
+                  <a:pt x="852" y="926"/>
+                </a:cubicBezTo>
+                <a:cubicBezTo>
+                  <a:pt x="1084" y="525"/>
+                  <a:pt x="1084" y="525"/>
+                  <a:pt x="1084" y="525"/>
+                </a:cubicBezTo>
+                <a:cubicBezTo>
+                  <a:pt x="1099" y="500"/>
+                  <a:pt x="1099" y="468"/>
+                  <a:pt x="1084" y="443"/>
+                </a:cubicBezTo>
+                <a:cubicBezTo>
+                  <a:pt x="852" y="42"/>
+                  <a:pt x="852" y="42"/>
+                  <a:pt x="852" y="42"/>
+                </a:cubicBezTo>
+                <a:cubicBezTo>
+                  <a:pt x="838" y="16"/>
+                  <a:pt x="810" y="0"/>
+                  <a:pt x="781" y="0"/>
+                </a:cubicBezTo>
+                <a:close/>
+              </a:path>
+            </a:pathLst>
+          </a:custGeom>
+          <a:noFill/>
+          <a:ln w="50800" cap="flat">
+            <a:solidFill>
+              <a:schemeClr val="tx1"/>
+            </a:solidFill>
+            <a:prstDash val="solid"/>
+            <a:miter lim="800000"/>
+            <a:headEnd/>
+            <a:tailEnd/>
+          </a:ln>
+        </p:spPr>
+        <p:txBody>
+          <a:bodyPr vert="horz" wrap="square" lIns="91440" tIns="45720" rIns="91440" bIns="45720" numCol="1" anchor="t" anchorCtr="0" compatLnSpc="1">
+            <a:prstTxWarp prst="textNoShape">
+              <a:avLst/>
+            </a:prstTxWarp>
+          </a:bodyPr>
+          <a:lstStyle/>
+          <a:p>
+            <a:endParaRPr lang="en-US" dirty="0"/>
+          </a:p>
+        </p:txBody>
+      </p:sp>
+      <p:sp>
+        <p:nvSpPr>
+          <p:cNvPr id="12" name="Freeform: Shape 11">
+            <a:extLst>
+              <a:ext uri="{FF2B5EF4-FFF2-40B4-BE49-F238E27FC236}">
+                <a16:creationId xmlns:a16="http://schemas.microsoft.com/office/drawing/2014/main" id="{FA6F8ABB-6C5D-4349-9E1B-198D1ABFA804}"/>
+              </a:ext>
+              <a:ext uri="{C183D7F6-B498-43B3-948B-1728B52AA6E4}">
+                <adec:decorative xmlns:adec="http://schemas.microsoft.com/office/drawing/2017/decorative" val="1"/>
+              </a:ext>
+            </a:extLst>
+          </p:cNvPr>
+          <p:cNvSpPr>
+            <a:spLocks noGrp="1" noRot="1" noChangeAspect="1" noMove="1" noResize="1" noEditPoints="1" noAdjustHandles="1" noChangeArrowheads="1" noChangeShapeType="1" noTextEdit="1"/>
+          </p:cNvSpPr>
+          <p:nvPr>
+            <p:extLst>
+              <p:ext uri="{386F3935-93C4-4BCD-93E2-E3B085C9AB24}">
+                <p16:designElem xmlns:p16="http://schemas.microsoft.com/office/powerpoint/2015/main" val="1"/>
+              </p:ext>
+            </p:extLst>
+          </p:nvPr>
+        </p:nvSpPr>
+        <p:spPr>
+          <a:xfrm>
+            <a:off x="5952343" y="643383"/>
+            <a:ext cx="2926988" cy="2594434"/>
+          </a:xfrm>
+          <a:custGeom>
+            <a:avLst/>
+            <a:gdLst>
+              <a:gd name="connsiteX0" fmla="*/ 853538 w 2991693"/>
+              <a:gd name="connsiteY0" fmla="*/ 0 h 2651787"/>
+              <a:gd name="connsiteX1" fmla="*/ 2141030 w 2991693"/>
+              <a:gd name="connsiteY1" fmla="*/ 0 h 2651787"/>
+              <a:gd name="connsiteX2" fmla="*/ 2324957 w 2991693"/>
+              <a:gd name="connsiteY2" fmla="*/ 103466 h 2651787"/>
+              <a:gd name="connsiteX3" fmla="*/ 2968702 w 2991693"/>
+              <a:gd name="connsiteY3" fmla="*/ 1218596 h 2651787"/>
+              <a:gd name="connsiteX4" fmla="*/ 2968702 w 2991693"/>
+              <a:gd name="connsiteY4" fmla="*/ 1433192 h 2651787"/>
+              <a:gd name="connsiteX5" fmla="*/ 2324957 w 2991693"/>
+              <a:gd name="connsiteY5" fmla="*/ 2548321 h 2651787"/>
+              <a:gd name="connsiteX6" fmla="*/ 2141030 w 2991693"/>
+              <a:gd name="connsiteY6" fmla="*/ 2651787 h 2651787"/>
+              <a:gd name="connsiteX7" fmla="*/ 853538 w 2991693"/>
+              <a:gd name="connsiteY7" fmla="*/ 2651787 h 2651787"/>
+              <a:gd name="connsiteX8" fmla="*/ 669612 w 2991693"/>
+              <a:gd name="connsiteY8" fmla="*/ 2548321 h 2651787"/>
+              <a:gd name="connsiteX9" fmla="*/ 25866 w 2991693"/>
+              <a:gd name="connsiteY9" fmla="*/ 1433192 h 2651787"/>
+              <a:gd name="connsiteX10" fmla="*/ 25866 w 2991693"/>
+              <a:gd name="connsiteY10" fmla="*/ 1218596 h 2651787"/>
+              <a:gd name="connsiteX11" fmla="*/ 669612 w 2991693"/>
+              <a:gd name="connsiteY11" fmla="*/ 103466 h 2651787"/>
+              <a:gd name="connsiteX12" fmla="*/ 853538 w 2991693"/>
+              <a:gd name="connsiteY12" fmla="*/ 0 h 2651787"/>
+            </a:gdLst>
+            <a:ahLst/>
+            <a:cxnLst>
+              <a:cxn ang="0">
+                <a:pos x="connsiteX0" y="connsiteY0"/>
+              </a:cxn>
+              <a:cxn ang="0">
+                <a:pos x="connsiteX1" y="connsiteY1"/>
+              </a:cxn>
+              <a:cxn ang="0">
+                <a:pos x="connsiteX2" y="connsiteY2"/>
+              </a:cxn>
+              <a:cxn ang="0">
+                <a:pos x="connsiteX3" y="connsiteY3"/>
+              </a:cxn>
+              <a:cxn ang="0">
+                <a:pos x="connsiteX4" y="connsiteY4"/>
+              </a:cxn>
+              <a:cxn ang="0">
+                <a:pos x="connsiteX5" y="connsiteY5"/>
+              </a:cxn>
+              <a:cxn ang="0">
+                <a:pos x="connsiteX6" y="connsiteY6"/>
+              </a:cxn>
+              <a:cxn ang="0">
+                <a:pos x="connsiteX7" y="connsiteY7"/>
+              </a:cxn>
+              <a:cxn ang="0">
+                <a:pos x="connsiteX8" y="connsiteY8"/>
+              </a:cxn>
+              <a:cxn ang="0">
+                <a:pos x="connsiteX9" y="connsiteY9"/>
+              </a:cxn>
+              <a:cxn ang="0">
+                <a:pos x="connsiteX10" y="connsiteY10"/>
+              </a:cxn>
+              <a:cxn ang="0">
+                <a:pos x="connsiteX11" y="connsiteY11"/>
+              </a:cxn>
+              <a:cxn ang="0">
+                <a:pos x="connsiteX12" y="connsiteY12"/>
+              </a:cxn>
+            </a:cxnLst>
+            <a:rect l="l" t="t" r="r" b="b"/>
+            <a:pathLst>
+              <a:path w="2991693" h="2651787">
+                <a:moveTo>
+                  <a:pt x="853538" y="0"/>
+                </a:moveTo>
+                <a:cubicBezTo>
+                  <a:pt x="2141030" y="0"/>
+                  <a:pt x="2141030" y="0"/>
+                  <a:pt x="2141030" y="0"/>
+                </a:cubicBezTo>
+                <a:cubicBezTo>
+                  <a:pt x="2206170" y="0"/>
+                  <a:pt x="2290471" y="45985"/>
+                  <a:pt x="2324957" y="103466"/>
+                </a:cubicBezTo>
+                <a:cubicBezTo>
+                  <a:pt x="2968702" y="1218596"/>
+                  <a:pt x="2968702" y="1218596"/>
+                  <a:pt x="2968702" y="1218596"/>
+                </a:cubicBezTo>
+                <a:cubicBezTo>
+                  <a:pt x="2999357" y="1279909"/>
+                  <a:pt x="2999357" y="1371878"/>
+                  <a:pt x="2968702" y="1433192"/>
+                </a:cubicBezTo>
+                <a:cubicBezTo>
+                  <a:pt x="2324957" y="2548321"/>
+                  <a:pt x="2324957" y="2548321"/>
+                  <a:pt x="2324957" y="2548321"/>
+                </a:cubicBezTo>
+                <a:cubicBezTo>
+                  <a:pt x="2290471" y="2605803"/>
+                  <a:pt x="2206170" y="2651787"/>
+                  <a:pt x="2141030" y="2651787"/>
+                </a:cubicBezTo>
+                <a:lnTo>
+                  <a:pt x="853538" y="2651787"/>
+                </a:lnTo>
+                <a:cubicBezTo>
+                  <a:pt x="784566" y="2651787"/>
+                  <a:pt x="700266" y="2605803"/>
+                  <a:pt x="669612" y="2548321"/>
+                </a:cubicBezTo>
+                <a:cubicBezTo>
+                  <a:pt x="25866" y="1433192"/>
+                  <a:pt x="25866" y="1433192"/>
+                  <a:pt x="25866" y="1433192"/>
+                </a:cubicBezTo>
+                <a:cubicBezTo>
+                  <a:pt x="-8621" y="1371878"/>
+                  <a:pt x="-8621" y="1279909"/>
+                  <a:pt x="25866" y="1218596"/>
+                </a:cubicBezTo>
+                <a:cubicBezTo>
+                  <a:pt x="669612" y="103466"/>
+                  <a:pt x="669612" y="103466"/>
+                  <a:pt x="669612" y="103466"/>
+                </a:cubicBezTo>
+                <a:cubicBezTo>
+                  <a:pt x="700266" y="45985"/>
+                  <a:pt x="784566" y="0"/>
+                  <a:pt x="853538" y="0"/>
+                </a:cubicBezTo>
+                <a:close/>
+              </a:path>
+            </a:pathLst>
+          </a:custGeom>
+          <a:solidFill>
+            <a:schemeClr val="tx1"/>
+          </a:solidFill>
+          <a:ln w="50800">
+            <a:noFill/>
+          </a:ln>
+        </p:spPr>
+        <p:style>
+          <a:lnRef idx="2">
+            <a:schemeClr val="accent1">
+              <a:shade val="50000"/>
+            </a:schemeClr>
+          </a:lnRef>
+          <a:fillRef idx="1">
+            <a:schemeClr val="accent1"/>
+          </a:fillRef>
+          <a:effectRef idx="0">
+            <a:schemeClr val="accent1"/>
+          </a:effectRef>
+          <a:fontRef idx="minor">
+            <a:schemeClr val="lt1"/>
+          </a:fontRef>
+        </p:style>
+        <p:txBody>
+          <a:bodyPr wrap="square" rtlCol="0" anchor="ctr">
+            <a:noAutofit/>
+          </a:bodyPr>
+          <a:lstStyle/>
+          <a:p>
+            <a:pPr algn="ctr"/>
+            <a:endParaRPr lang="en-US" dirty="0"/>
+          </a:p>
+        </p:txBody>
+      </p:sp>
+      <p:sp>
+        <p:nvSpPr>
+          <p:cNvPr id="14" name="Freeform: Shape 13">
+            <a:extLst>
+              <a:ext uri="{FF2B5EF4-FFF2-40B4-BE49-F238E27FC236}">
+                <a16:creationId xmlns:a16="http://schemas.microsoft.com/office/drawing/2014/main" id="{B971ABA8-4CDB-4EEE-8C48-AA4FDB650782}"/>
+              </a:ext>
+              <a:ext uri="{C183D7F6-B498-43B3-948B-1728B52AA6E4}">
+                <adec:decorative xmlns:adec="http://schemas.microsoft.com/office/drawing/2017/decorative" val="1"/>
+              </a:ext>
+            </a:extLst>
+          </p:cNvPr>
+          <p:cNvSpPr>
+            <a:spLocks noGrp="1" noRot="1" noChangeAspect="1" noMove="1" noResize="1" noEditPoints="1" noAdjustHandles="1" noChangeArrowheads="1" noChangeShapeType="1" noTextEdit="1"/>
+          </p:cNvSpPr>
+          <p:nvPr>
+            <p:extLst>
+              <p:ext uri="{386F3935-93C4-4BCD-93E2-E3B085C9AB24}">
+                <p16:designElem xmlns:p16="http://schemas.microsoft.com/office/powerpoint/2015/main" val="1"/>
+              </p:ext>
+            </p:extLst>
+          </p:nvPr>
+        </p:nvSpPr>
+        <p:spPr>
+          <a:xfrm>
+            <a:off x="3" y="2071858"/>
+            <a:ext cx="8109718" cy="4786143"/>
+          </a:xfrm>
+          <a:custGeom>
+            <a:avLst/>
+            <a:gdLst>
+              <a:gd name="connsiteX0" fmla="*/ 7381313 w 8109718"/>
+              <a:gd name="connsiteY0" fmla="*/ 1839459 h 4786143"/>
+              <a:gd name="connsiteX1" fmla="*/ 7381313 w 8109718"/>
+              <a:gd name="connsiteY1" fmla="*/ 1853646 h 4786143"/>
+              <a:gd name="connsiteX2" fmla="*/ 7379359 w 8109718"/>
+              <a:gd name="connsiteY2" fmla="*/ 1846552 h 4786143"/>
+              <a:gd name="connsiteX3" fmla="*/ 1321854 w 8109718"/>
+              <a:gd name="connsiteY3" fmla="*/ 0 h 4786143"/>
+              <a:gd name="connsiteX4" fmla="*/ 5365317 w 8109718"/>
+              <a:gd name="connsiteY4" fmla="*/ 0 h 4786143"/>
+              <a:gd name="connsiteX5" fmla="*/ 5985373 w 8109718"/>
+              <a:gd name="connsiteY5" fmla="*/ 365439 h 4786143"/>
+              <a:gd name="connsiteX6" fmla="*/ 8011470 w 8109718"/>
+              <a:gd name="connsiteY6" fmla="*/ 3854515 h 4786143"/>
+              <a:gd name="connsiteX7" fmla="*/ 8011470 w 8109718"/>
+              <a:gd name="connsiteY7" fmla="*/ 4567993 h 4786143"/>
+              <a:gd name="connsiteX8" fmla="*/ 7904625 w 8109718"/>
+              <a:gd name="connsiteY8" fmla="*/ 4751987 h 4786143"/>
+              <a:gd name="connsiteX9" fmla="*/ 7884791 w 8109718"/>
+              <a:gd name="connsiteY9" fmla="*/ 4786143 h 4786143"/>
+              <a:gd name="connsiteX10" fmla="*/ 0 w 8109718"/>
+              <a:gd name="connsiteY10" fmla="*/ 4786143 h 4786143"/>
+              <a:gd name="connsiteX11" fmla="*/ 0 w 8109718"/>
+              <a:gd name="connsiteY11" fmla="*/ 1564110 h 4786143"/>
+              <a:gd name="connsiteX12" fmla="*/ 27177 w 8109718"/>
+              <a:gd name="connsiteY12" fmla="*/ 1517107 h 4786143"/>
+              <a:gd name="connsiteX13" fmla="*/ 693065 w 8109718"/>
+              <a:gd name="connsiteY13" fmla="*/ 365439 h 4786143"/>
+              <a:gd name="connsiteX14" fmla="*/ 1321854 w 8109718"/>
+              <a:gd name="connsiteY14" fmla="*/ 0 h 4786143"/>
+            </a:gdLst>
+            <a:ahLst/>
+            <a:cxnLst>
+              <a:cxn ang="0">
+                <a:pos x="connsiteX0" y="connsiteY0"/>
+              </a:cxn>
+              <a:cxn ang="0">
+                <a:pos x="connsiteX1" y="connsiteY1"/>
+              </a:cxn>
+              <a:cxn ang="0">
+                <a:pos x="connsiteX2" y="connsiteY2"/>
+              </a:cxn>
+              <a:cxn ang="0">
+                <a:pos x="connsiteX3" y="connsiteY3"/>
+              </a:cxn>
+              <a:cxn ang="0">
+                <a:pos x="connsiteX4" y="connsiteY4"/>
+              </a:cxn>
+              <a:cxn ang="0">
+                <a:pos x="connsiteX5" y="connsiteY5"/>
+              </a:cxn>
+              <a:cxn ang="0">
+                <a:pos x="connsiteX6" y="connsiteY6"/>
+              </a:cxn>
+              <a:cxn ang="0">
+                <a:pos x="connsiteX7" y="connsiteY7"/>
+              </a:cxn>
+              <a:cxn ang="0">
+                <a:pos x="connsiteX8" y="connsiteY8"/>
+              </a:cxn>
+              <a:cxn ang="0">
+                <a:pos x="connsiteX9" y="connsiteY9"/>
+              </a:cxn>
+              <a:cxn ang="0">
+                <a:pos x="connsiteX10" y="connsiteY10"/>
+              </a:cxn>
+              <a:cxn ang="0">
+                <a:pos x="connsiteX11" y="connsiteY11"/>
+              </a:cxn>
+              <a:cxn ang="0">
+                <a:pos x="connsiteX12" y="connsiteY12"/>
+              </a:cxn>
+              <a:cxn ang="0">
+                <a:pos x="connsiteX13" y="connsiteY13"/>
+              </a:cxn>
+              <a:cxn ang="0">
+                <a:pos x="connsiteX14" y="connsiteY14"/>
+              </a:cxn>
+            </a:cxnLst>
+            <a:rect l="l" t="t" r="r" b="b"/>
+            <a:pathLst>
+              <a:path w="8109718" h="4786143">
+                <a:moveTo>
+                  <a:pt x="7381313" y="1839459"/>
+                </a:moveTo>
+                <a:lnTo>
+                  <a:pt x="7381313" y="1853646"/>
+                </a:lnTo>
+                <a:lnTo>
+                  <a:pt x="7379359" y="1846552"/>
+                </a:lnTo>
+                <a:close/>
+                <a:moveTo>
+                  <a:pt x="1321854" y="0"/>
+                </a:moveTo>
+                <a:cubicBezTo>
+                  <a:pt x="1321854" y="0"/>
+                  <a:pt x="1321854" y="0"/>
+                  <a:pt x="5365317" y="0"/>
+                </a:cubicBezTo>
+                <a:cubicBezTo>
+                  <a:pt x="5618580" y="0"/>
+                  <a:pt x="5863108" y="139215"/>
+                  <a:pt x="5985373" y="365439"/>
+                </a:cubicBezTo>
+                <a:cubicBezTo>
+                  <a:pt x="5985373" y="365439"/>
+                  <a:pt x="5985373" y="365439"/>
+                  <a:pt x="8011470" y="3854515"/>
+                </a:cubicBezTo>
+                <a:cubicBezTo>
+                  <a:pt x="8142468" y="4072039"/>
+                  <a:pt x="8142468" y="4350470"/>
+                  <a:pt x="8011470" y="4567993"/>
+                </a:cubicBezTo>
+                <a:cubicBezTo>
+                  <a:pt x="8011470" y="4567993"/>
+                  <a:pt x="8011470" y="4567993"/>
+                  <a:pt x="7904625" y="4751987"/>
+                </a:cubicBezTo>
+                <a:lnTo>
+                  <a:pt x="7884791" y="4786143"/>
+                </a:lnTo>
+                <a:lnTo>
+                  <a:pt x="0" y="4786143"/>
+                </a:lnTo>
+                <a:lnTo>
+                  <a:pt x="0" y="1564110"/>
+                </a:lnTo>
+                <a:lnTo>
+                  <a:pt x="27177" y="1517107"/>
+                </a:lnTo>
+                <a:cubicBezTo>
+                  <a:pt x="220245" y="1183191"/>
+                  <a:pt x="440895" y="801574"/>
+                  <a:pt x="693065" y="365439"/>
+                </a:cubicBezTo>
+                <a:cubicBezTo>
+                  <a:pt x="824063" y="139215"/>
+                  <a:pt x="1059859" y="0"/>
+                  <a:pt x="1321854" y="0"/>
+                </a:cubicBezTo>
+                <a:close/>
+              </a:path>
+            </a:pathLst>
+          </a:custGeom>
+          <a:solidFill>
+            <a:schemeClr val="tx1">
+              <a:lumMod val="85000"/>
+              <a:lumOff val="15000"/>
+              <a:alpha val="99000"/>
+            </a:schemeClr>
+          </a:solidFill>
+          <a:ln>
+            <a:noFill/>
+          </a:ln>
+        </p:spPr>
+        <p:style>
+          <a:lnRef idx="2">
+            <a:schemeClr val="accent1">
+              <a:shade val="50000"/>
+            </a:schemeClr>
+          </a:lnRef>
+          <a:fillRef idx="1">
+            <a:schemeClr val="accent1"/>
+          </a:fillRef>
+          <a:effectRef idx="0">
+            <a:schemeClr val="accent1"/>
+          </a:effectRef>
+          <a:fontRef idx="minor">
+            <a:schemeClr val="lt1"/>
+          </a:fontRef>
+        </p:style>
+        <p:txBody>
+          <a:bodyPr wrap="square" rtlCol="0" anchor="ctr">
+            <a:noAutofit/>
+          </a:bodyPr>
+          <a:lstStyle/>
+          <a:p>
+            <a:pPr algn="ctr"/>
+            <a:endParaRPr lang="en-US"/>
+          </a:p>
+        </p:txBody>
+      </p:sp>
+      <p:sp>
+        <p:nvSpPr>
+          <p:cNvPr id="2" name="Cím 1"/>
+          <p:cNvSpPr>
+            <a:spLocks noGrp="1"/>
+          </p:cNvSpPr>
+          <p:nvPr>
+            <p:ph type="ctrTitle"/>
+          </p:nvPr>
+        </p:nvSpPr>
+        <p:spPr>
+          <a:xfrm>
+            <a:off x="880281" y="2961564"/>
+            <a:ext cx="5124734" cy="3268639"/>
+          </a:xfrm>
+        </p:spPr>
+        <p:txBody>
+          <a:bodyPr anchor="ctr">
+            <a:normAutofit/>
+          </a:bodyPr>
+          <a:lstStyle/>
+          <a:p>
+            <a:pPr algn="l"/>
+            <a:r>
+              <a:rPr lang="hu-HU" sz="7200" dirty="0">
+                <a:solidFill>
+                  <a:schemeClr val="bg1"/>
+                </a:solidFill>
+              </a:rPr>
+              <a:t>Köszönöm a figyelmet!</a:t>
+            </a:r>
+          </a:p>
+        </p:txBody>
+      </p:sp>
+      <p:sp>
+        <p:nvSpPr>
+          <p:cNvPr id="3" name="Alcím 2"/>
+          <p:cNvSpPr>
+            <a:spLocks noGrp="1"/>
+          </p:cNvSpPr>
+          <p:nvPr>
+            <p:ph type="subTitle" idx="1"/>
+          </p:nvPr>
+        </p:nvSpPr>
+        <p:spPr>
+          <a:xfrm>
+            <a:off x="6304333" y="1340553"/>
+            <a:ext cx="2223009" cy="1200095"/>
+          </a:xfrm>
+        </p:spPr>
+        <p:txBody>
+          <a:bodyPr anchor="ctr">
+            <a:normAutofit/>
+          </a:bodyPr>
+          <a:lstStyle/>
+          <a:p>
+            <a:endParaRPr lang="hu-HU" dirty="0">
+              <a:solidFill>
+                <a:schemeClr val="bg1"/>
+              </a:solidFill>
+            </a:endParaRPr>
+          </a:p>
+        </p:txBody>
+      </p:sp>
+      <p:grpSp>
+        <p:nvGrpSpPr>
+          <p:cNvPr id="16" name="Group 15">
+            <a:extLst>
+              <a:ext uri="{FF2B5EF4-FFF2-40B4-BE49-F238E27FC236}">
+                <a16:creationId xmlns:a16="http://schemas.microsoft.com/office/drawing/2014/main" id="{DAD463E1-6621-44B4-A995-C70A4631D388}"/>
+              </a:ext>
+              <a:ext uri="{C183D7F6-B498-43B3-948B-1728B52AA6E4}">
+                <adec:decorative xmlns:adec="http://schemas.microsoft.com/office/drawing/2017/decorative" val="1"/>
+              </a:ext>
+            </a:extLst>
+          </p:cNvPr>
+          <p:cNvGrpSpPr>
+            <a:grpSpLocks noGrp="1" noUngrp="1" noRot="1" noChangeAspect="1" noMove="1" noResize="1"/>
+          </p:cNvGrpSpPr>
+          <p:nvPr>
+            <p:extLst>
+              <p:ext uri="{386F3935-93C4-4BCD-93E2-E3B085C9AB24}">
+                <p16:designElem xmlns:p16="http://schemas.microsoft.com/office/powerpoint/2015/main" val="1"/>
+              </p:ext>
+            </p:extLst>
+          </p:nvPr>
+        </p:nvGrpSpPr>
+        <p:grpSpPr>
+          <a:xfrm>
+            <a:off x="5307830" y="385730"/>
+            <a:ext cx="1128382" cy="847206"/>
+            <a:chOff x="5307830" y="325570"/>
+            <a:chExt cx="1128382" cy="847206"/>
+          </a:xfrm>
+        </p:grpSpPr>
+        <p:sp>
+          <p:nvSpPr>
+            <p:cNvPr id="17" name="Freeform 5">
+              <a:extLst>
+                <a:ext uri="{FF2B5EF4-FFF2-40B4-BE49-F238E27FC236}">
+                  <a16:creationId xmlns:a16="http://schemas.microsoft.com/office/drawing/2014/main" id="{A152F29E-C625-4313-96BF-5675B357C03A}"/>
+                </a:ext>
+                <a:ext uri="{C183D7F6-B498-43B3-948B-1728B52AA6E4}">
+                  <adec:decorative xmlns:adec="http://schemas.microsoft.com/office/drawing/2017/decorative" val="1"/>
+                </a:ext>
+              </a:extLst>
+            </p:cNvPr>
+            <p:cNvSpPr>
+              <a:spLocks/>
+            </p:cNvSpPr>
+            <p:nvPr>
+              <p:extLst>
+                <p:ext uri="{386F3935-93C4-4BCD-93E2-E3B085C9AB24}">
+                  <p16:designElem xmlns:p16="http://schemas.microsoft.com/office/powerpoint/2015/main" val="1"/>
+                </p:ext>
+              </p:extLst>
+            </p:nvPr>
+          </p:nvSpPr>
+          <p:spPr bwMode="auto">
+            <a:xfrm>
+              <a:off x="5307830" y="577396"/>
+              <a:ext cx="675351" cy="595380"/>
+            </a:xfrm>
+            <a:custGeom>
+              <a:avLst/>
+              <a:gdLst>
+                <a:gd name="T0" fmla="*/ 225 w 785"/>
+                <a:gd name="T1" fmla="*/ 692 h 692"/>
+                <a:gd name="T2" fmla="*/ 177 w 785"/>
+                <a:gd name="T3" fmla="*/ 665 h 692"/>
+                <a:gd name="T4" fmla="*/ 9 w 785"/>
+                <a:gd name="T5" fmla="*/ 374 h 692"/>
+                <a:gd name="T6" fmla="*/ 9 w 785"/>
+                <a:gd name="T7" fmla="*/ 318 h 692"/>
+                <a:gd name="T8" fmla="*/ 177 w 785"/>
+                <a:gd name="T9" fmla="*/ 27 h 692"/>
+                <a:gd name="T10" fmla="*/ 225 w 785"/>
+                <a:gd name="T11" fmla="*/ 0 h 692"/>
+                <a:gd name="T12" fmla="*/ 561 w 785"/>
+                <a:gd name="T13" fmla="*/ 0 h 692"/>
+                <a:gd name="T14" fmla="*/ 609 w 785"/>
+                <a:gd name="T15" fmla="*/ 27 h 692"/>
+                <a:gd name="T16" fmla="*/ 777 w 785"/>
+                <a:gd name="T17" fmla="*/ 318 h 692"/>
+                <a:gd name="T18" fmla="*/ 777 w 785"/>
+                <a:gd name="T19" fmla="*/ 374 h 692"/>
+                <a:gd name="T20" fmla="*/ 609 w 785"/>
+                <a:gd name="T21" fmla="*/ 665 h 692"/>
+                <a:gd name="T22" fmla="*/ 561 w 785"/>
+                <a:gd name="T23" fmla="*/ 692 h 692"/>
+                <a:gd name="T24" fmla="*/ 225 w 785"/>
+                <a:gd name="T25" fmla="*/ 692 h 692"/>
+              </a:gdLst>
+              <a:ahLst/>
+              <a:cxnLst>
+                <a:cxn ang="0">
+                  <a:pos x="T0" y="T1"/>
+                </a:cxn>
+                <a:cxn ang="0">
+                  <a:pos x="T2" y="T3"/>
+                </a:cxn>
+                <a:cxn ang="0">
+                  <a:pos x="T4" y="T5"/>
+                </a:cxn>
+                <a:cxn ang="0">
+                  <a:pos x="T6" y="T7"/>
+                </a:cxn>
+                <a:cxn ang="0">
+                  <a:pos x="T8" y="T9"/>
+                </a:cxn>
+                <a:cxn ang="0">
+                  <a:pos x="T10" y="T11"/>
+                </a:cxn>
+                <a:cxn ang="0">
+                  <a:pos x="T12" y="T13"/>
+                </a:cxn>
+                <a:cxn ang="0">
+                  <a:pos x="T14" y="T15"/>
+                </a:cxn>
+                <a:cxn ang="0">
+                  <a:pos x="T16" y="T17"/>
+                </a:cxn>
+                <a:cxn ang="0">
+                  <a:pos x="T18" y="T19"/>
+                </a:cxn>
+                <a:cxn ang="0">
+                  <a:pos x="T20" y="T21"/>
+                </a:cxn>
+                <a:cxn ang="0">
+                  <a:pos x="T22" y="T23"/>
+                </a:cxn>
+                <a:cxn ang="0">
+                  <a:pos x="T24" y="T25"/>
+                </a:cxn>
+              </a:cxnLst>
+              <a:rect l="0" t="0" r="r" b="b"/>
+              <a:pathLst>
+                <a:path w="785" h="692">
+                  <a:moveTo>
+                    <a:pt x="225" y="692"/>
+                  </a:moveTo>
+                  <a:cubicBezTo>
+                    <a:pt x="207" y="692"/>
+                    <a:pt x="185" y="680"/>
+                    <a:pt x="177" y="665"/>
+                  </a:cubicBezTo>
+                  <a:cubicBezTo>
+                    <a:pt x="9" y="374"/>
+                    <a:pt x="9" y="374"/>
+                    <a:pt x="9" y="374"/>
+                  </a:cubicBezTo>
+                  <a:cubicBezTo>
+                    <a:pt x="0" y="358"/>
+                    <a:pt x="0" y="334"/>
+                    <a:pt x="9" y="318"/>
+                  </a:cubicBezTo>
+                  <a:cubicBezTo>
+                    <a:pt x="177" y="27"/>
+                    <a:pt x="177" y="27"/>
+                    <a:pt x="177" y="27"/>
+                  </a:cubicBezTo>
+                  <a:cubicBezTo>
+                    <a:pt x="185" y="12"/>
+                    <a:pt x="207" y="0"/>
+                    <a:pt x="225" y="0"/>
+                  </a:cubicBezTo>
+                  <a:cubicBezTo>
+                    <a:pt x="561" y="0"/>
+                    <a:pt x="561" y="0"/>
+                    <a:pt x="561" y="0"/>
+                  </a:cubicBezTo>
+                  <a:cubicBezTo>
+                    <a:pt x="578" y="0"/>
+                    <a:pt x="600" y="12"/>
+                    <a:pt x="609" y="27"/>
+                  </a:cubicBezTo>
+                  <a:cubicBezTo>
+                    <a:pt x="777" y="318"/>
+                    <a:pt x="777" y="318"/>
+                    <a:pt x="777" y="318"/>
+                  </a:cubicBezTo>
+                  <a:cubicBezTo>
+                    <a:pt x="785" y="334"/>
+                    <a:pt x="785" y="358"/>
+                    <a:pt x="777" y="374"/>
+                  </a:cubicBezTo>
+                  <a:cubicBezTo>
+                    <a:pt x="609" y="665"/>
+                    <a:pt x="609" y="665"/>
+                    <a:pt x="609" y="665"/>
+                  </a:cubicBezTo>
+                  <a:cubicBezTo>
+                    <a:pt x="600" y="680"/>
+                    <a:pt x="578" y="692"/>
+                    <a:pt x="561" y="692"/>
+                  </a:cubicBezTo>
+                  <a:lnTo>
+                    <a:pt x="225" y="692"/>
+                  </a:lnTo>
+                  <a:close/>
+                </a:path>
+              </a:pathLst>
+            </a:custGeom>
+            <a:noFill/>
+            <a:ln w="28575" cmpd="sng">
+              <a:solidFill>
+                <a:schemeClr val="tx1"/>
+              </a:solidFill>
+            </a:ln>
+          </p:spPr>
+          <p:txBody>
+            <a:bodyPr vert="horz" wrap="square" lIns="91440" tIns="45720" rIns="91440" bIns="45720" numCol="1" anchor="t" anchorCtr="0" compatLnSpc="1">
+              <a:prstTxWarp prst="textNoShape">
+                <a:avLst/>
+              </a:prstTxWarp>
+            </a:bodyPr>
+            <a:lstStyle/>
+            <a:p>
+              <a:endParaRPr lang="en-US"/>
+            </a:p>
+          </p:txBody>
+        </p:sp>
+        <p:sp>
+          <p:nvSpPr>
+            <p:cNvPr id="18" name="Freeform 5">
+              <a:extLst>
+                <a:ext uri="{FF2B5EF4-FFF2-40B4-BE49-F238E27FC236}">
+                  <a16:creationId xmlns:a16="http://schemas.microsoft.com/office/drawing/2014/main" id="{C2A5CB78-6497-4151-83B6-568BD27EC573}"/>
+                </a:ext>
+                <a:ext uri="{C183D7F6-B498-43B3-948B-1728B52AA6E4}">
+                  <adec:decorative xmlns:adec="http://schemas.microsoft.com/office/drawing/2017/decorative" val="1"/>
+                </a:ext>
+              </a:extLst>
+            </p:cNvPr>
+            <p:cNvSpPr>
+              <a:spLocks/>
+            </p:cNvSpPr>
+            <p:nvPr>
+              <p:extLst>
+                <p:ext uri="{386F3935-93C4-4BCD-93E2-E3B085C9AB24}">
+                  <p16:designElem xmlns:p16="http://schemas.microsoft.com/office/powerpoint/2015/main" val="1"/>
+                </p:ext>
+              </p:extLst>
+            </p:nvPr>
+          </p:nvSpPr>
+          <p:spPr bwMode="auto">
+            <a:xfrm>
+              <a:off x="5885720" y="325570"/>
+              <a:ext cx="550492" cy="485306"/>
+            </a:xfrm>
+            <a:custGeom>
+              <a:avLst/>
+              <a:gdLst>
+                <a:gd name="T0" fmla="*/ 225 w 785"/>
+                <a:gd name="T1" fmla="*/ 692 h 692"/>
+                <a:gd name="T2" fmla="*/ 177 w 785"/>
+                <a:gd name="T3" fmla="*/ 665 h 692"/>
+                <a:gd name="T4" fmla="*/ 9 w 785"/>
+                <a:gd name="T5" fmla="*/ 374 h 692"/>
+                <a:gd name="T6" fmla="*/ 9 w 785"/>
+                <a:gd name="T7" fmla="*/ 318 h 692"/>
+                <a:gd name="T8" fmla="*/ 177 w 785"/>
+                <a:gd name="T9" fmla="*/ 27 h 692"/>
+                <a:gd name="T10" fmla="*/ 225 w 785"/>
+                <a:gd name="T11" fmla="*/ 0 h 692"/>
+                <a:gd name="T12" fmla="*/ 561 w 785"/>
+                <a:gd name="T13" fmla="*/ 0 h 692"/>
+                <a:gd name="T14" fmla="*/ 609 w 785"/>
+                <a:gd name="T15" fmla="*/ 27 h 692"/>
+                <a:gd name="T16" fmla="*/ 777 w 785"/>
+                <a:gd name="T17" fmla="*/ 318 h 692"/>
+                <a:gd name="T18" fmla="*/ 777 w 785"/>
+                <a:gd name="T19" fmla="*/ 374 h 692"/>
+                <a:gd name="T20" fmla="*/ 609 w 785"/>
+                <a:gd name="T21" fmla="*/ 665 h 692"/>
+                <a:gd name="T22" fmla="*/ 561 w 785"/>
+                <a:gd name="T23" fmla="*/ 692 h 692"/>
+                <a:gd name="T24" fmla="*/ 225 w 785"/>
+                <a:gd name="T25" fmla="*/ 692 h 692"/>
+              </a:gdLst>
+              <a:ahLst/>
+              <a:cxnLst>
+                <a:cxn ang="0">
+                  <a:pos x="T0" y="T1"/>
+                </a:cxn>
+                <a:cxn ang="0">
+                  <a:pos x="T2" y="T3"/>
+                </a:cxn>
+                <a:cxn ang="0">
+                  <a:pos x="T4" y="T5"/>
+                </a:cxn>
+                <a:cxn ang="0">
+                  <a:pos x="T6" y="T7"/>
+                </a:cxn>
+                <a:cxn ang="0">
+                  <a:pos x="T8" y="T9"/>
+                </a:cxn>
+                <a:cxn ang="0">
+                  <a:pos x="T10" y="T11"/>
+                </a:cxn>
+                <a:cxn ang="0">
+                  <a:pos x="T12" y="T13"/>
+                </a:cxn>
+                <a:cxn ang="0">
+                  <a:pos x="T14" y="T15"/>
+                </a:cxn>
+                <a:cxn ang="0">
+                  <a:pos x="T16" y="T17"/>
+                </a:cxn>
+                <a:cxn ang="0">
+                  <a:pos x="T18" y="T19"/>
+                </a:cxn>
+                <a:cxn ang="0">
+                  <a:pos x="T20" y="T21"/>
+                </a:cxn>
+                <a:cxn ang="0">
+                  <a:pos x="T22" y="T23"/>
+                </a:cxn>
+                <a:cxn ang="0">
+                  <a:pos x="T24" y="T25"/>
+                </a:cxn>
+              </a:cxnLst>
+              <a:rect l="0" t="0" r="r" b="b"/>
+              <a:pathLst>
+                <a:path w="785" h="692">
+                  <a:moveTo>
+                    <a:pt x="225" y="692"/>
+                  </a:moveTo>
+                  <a:cubicBezTo>
+                    <a:pt x="207" y="692"/>
+                    <a:pt x="185" y="680"/>
+                    <a:pt x="177" y="665"/>
+                  </a:cubicBezTo>
+                  <a:cubicBezTo>
+                    <a:pt x="9" y="374"/>
+                    <a:pt x="9" y="374"/>
+                    <a:pt x="9" y="374"/>
+                  </a:cubicBezTo>
+                  <a:cubicBezTo>
+                    <a:pt x="0" y="358"/>
+                    <a:pt x="0" y="334"/>
+                    <a:pt x="9" y="318"/>
+                  </a:cubicBezTo>
+                  <a:cubicBezTo>
+                    <a:pt x="177" y="27"/>
+                    <a:pt x="177" y="27"/>
+                    <a:pt x="177" y="27"/>
+                  </a:cubicBezTo>
+                  <a:cubicBezTo>
+                    <a:pt x="185" y="12"/>
+                    <a:pt x="207" y="0"/>
+                    <a:pt x="225" y="0"/>
+                  </a:cubicBezTo>
+                  <a:cubicBezTo>
+                    <a:pt x="561" y="0"/>
+                    <a:pt x="561" y="0"/>
+                    <a:pt x="561" y="0"/>
+                  </a:cubicBezTo>
+                  <a:cubicBezTo>
+                    <a:pt x="578" y="0"/>
+                    <a:pt x="600" y="12"/>
+                    <a:pt x="609" y="27"/>
+                  </a:cubicBezTo>
+                  <a:cubicBezTo>
+                    <a:pt x="777" y="318"/>
+                    <a:pt x="777" y="318"/>
+                    <a:pt x="777" y="318"/>
+                  </a:cubicBezTo>
+                  <a:cubicBezTo>
+                    <a:pt x="785" y="334"/>
+                    <a:pt x="785" y="358"/>
+                    <a:pt x="777" y="374"/>
+                  </a:cubicBezTo>
+                  <a:cubicBezTo>
+                    <a:pt x="609" y="665"/>
+                    <a:pt x="609" y="665"/>
+                    <a:pt x="609" y="665"/>
+                  </a:cubicBezTo>
+                  <a:cubicBezTo>
+                    <a:pt x="600" y="680"/>
+                    <a:pt x="578" y="692"/>
+                    <a:pt x="561" y="692"/>
+                  </a:cubicBezTo>
+                  <a:lnTo>
+                    <a:pt x="225" y="692"/>
+                  </a:lnTo>
+                  <a:close/>
+                </a:path>
+              </a:pathLst>
+            </a:custGeom>
+            <a:noFill/>
+            <a:ln w="28575" cmpd="sng">
+              <a:solidFill>
+                <a:schemeClr val="tx1"/>
+              </a:solidFill>
+            </a:ln>
+          </p:spPr>
+          <p:txBody>
+            <a:bodyPr vert="horz" wrap="square" lIns="91440" tIns="45720" rIns="91440" bIns="45720" numCol="1" anchor="t" anchorCtr="0" compatLnSpc="1">
+              <a:prstTxWarp prst="textNoShape">
+                <a:avLst/>
+              </a:prstTxWarp>
+            </a:bodyPr>
+            <a:lstStyle/>
+            <a:p>
+              <a:endParaRPr lang="en-US"/>
+            </a:p>
+          </p:txBody>
+        </p:sp>
+      </p:grpSp>
+      <p:sp>
+        <p:nvSpPr>
+          <p:cNvPr id="5" name="Szövegdoboz 4">
+            <a:extLst>
+              <a:ext uri="{FF2B5EF4-FFF2-40B4-BE49-F238E27FC236}">
+                <a16:creationId xmlns:a16="http://schemas.microsoft.com/office/drawing/2014/main" id="{6B99574D-82D8-E8C9-8DAF-093D7D8E9B5E}"/>
+              </a:ext>
+            </a:extLst>
+          </p:cNvPr>
+          <p:cNvSpPr txBox="1"/>
+          <p:nvPr/>
+        </p:nvSpPr>
+        <p:spPr>
+          <a:xfrm>
+            <a:off x="66364" y="6450595"/>
+            <a:ext cx="6094602" cy="369332"/>
+          </a:xfrm>
+          <a:prstGeom prst="rect">
+            <a:avLst/>
+          </a:prstGeom>
+          <a:noFill/>
+        </p:spPr>
+        <p:txBody>
+          <a:bodyPr wrap="square">
+            <a:spAutoFit/>
+          </a:bodyPr>
+          <a:lstStyle/>
+          <a:p>
+            <a:r>
+              <a:rPr lang="hu-HU" dirty="0">
+                <a:solidFill>
+                  <a:schemeClr val="bg1"/>
+                </a:solidFill>
+              </a:rPr>
+              <a:t>Forrás: https: //www.zivid.com/3d-vision-technology-principles</a:t>
+            </a:r>
+          </a:p>
+        </p:txBody>
+      </p:sp>
+    </p:spTree>
+    <p:extLst>
+      <p:ext uri="{BB962C8B-B14F-4D97-AF65-F5344CB8AC3E}">
+        <p14:creationId xmlns:p14="http://schemas.microsoft.com/office/powerpoint/2010/main" val="213409669"/>
+      </p:ext>
+    </p:extLst>
+  </p:cSld>
+  <p:clrMapOvr>
+    <a:masterClrMapping/>
+  </p:clrMapOvr>
+  <mc:AlternateContent xmlns:mc="http://schemas.openxmlformats.org/markup-compatibility/2006">
+    <mc:Choice xmlns:p159="http://schemas.microsoft.com/office/powerpoint/2015/09/main" Requires="p159">
+      <p:transition xmlns:p14="http://schemas.microsoft.com/office/powerpoint/2010/main" spd="slow" p14:dur="2000">
+        <p159:morph option="byObject"/>
+      </p:transition>
+    </mc:Choice>
+    <mc:Fallback>
+      <p:transition spd="slow">
+        <p:fade/>
+      </p:transition>
+    </mc:Fallback>
+  </mc:AlternateContent>
+</p:sld>
+</file>
+
+<file path=ppt/slides/slide11.xml><?xml version="1.0" encoding="utf-8"?>
+<p:sld xmlns:a="http://schemas.openxmlformats.org/drawingml/2006/main" xmlns:r="http://schemas.openxmlformats.org/officeDocument/2006/relationships" xmlns:p="http://schemas.openxmlformats.org/presentationml/2006/main" show="0">
   <p:cSld>
     <p:spTree>
       <p:nvGrpSpPr>
@@ -3078,454 +5132,20 @@
           <a:bodyPr/>
           <a:lstStyle/>
           <a:p>
-            <a:endParaRPr lang="hu-HU"/>
-          </a:p>
-        </p:txBody>
-      </p:sp>
-      <p:sp>
-        <p:nvSpPr>
-          <p:cNvPr id="3" name="Tartalom helye 2"/>
-          <p:cNvSpPr>
-            <a:spLocks noGrp="1"/>
-          </p:cNvSpPr>
-          <p:nvPr>
-            <p:ph idx="1"/>
-          </p:nvPr>
-        </p:nvSpPr>
-        <p:spPr/>
-        <p:txBody>
-          <a:bodyPr/>
-          <a:lstStyle/>
-          <a:p>
-            <a:endParaRPr lang="hu-HU"/>
-          </a:p>
-        </p:txBody>
-      </p:sp>
-    </p:spTree>
-    <p:extLst>
-      <p:ext uri="{BB962C8B-B14F-4D97-AF65-F5344CB8AC3E}">
-        <p14:creationId xmlns:p14="http://schemas.microsoft.com/office/powerpoint/2010/main" val="1090590525"/>
-      </p:ext>
-    </p:extLst>
-  </p:cSld>
-  <p:clrMapOvr>
-    <a:masterClrMapping/>
-  </p:clrMapOvr>
-</p:sld>
-</file>
-
-<file path=ppt/slides/slide11.xml><?xml version="1.0" encoding="utf-8"?>
-<p:sld xmlns:a="http://schemas.openxmlformats.org/drawingml/2006/main" xmlns:r="http://schemas.openxmlformats.org/officeDocument/2006/relationships" xmlns:p="http://schemas.openxmlformats.org/presentationml/2006/main">
-  <p:cSld>
-    <p:spTree>
-      <p:nvGrpSpPr>
-        <p:cNvPr id="1" name=""/>
-        <p:cNvGrpSpPr/>
-        <p:nvPr/>
-      </p:nvGrpSpPr>
-      <p:grpSpPr>
-        <a:xfrm>
-          <a:off x="0" y="0"/>
-          <a:ext cx="0" cy="0"/>
-          <a:chOff x="0" y="0"/>
-          <a:chExt cx="0" cy="0"/>
-        </a:xfrm>
-      </p:grpSpPr>
-      <p:sp>
-        <p:nvSpPr>
-          <p:cNvPr id="2" name="Cím 1"/>
-          <p:cNvSpPr>
-            <a:spLocks noGrp="1"/>
-          </p:cNvSpPr>
-          <p:nvPr>
-            <p:ph type="title"/>
-          </p:nvPr>
-        </p:nvSpPr>
-        <p:spPr/>
-        <p:txBody>
-          <a:bodyPr/>
-          <a:lstStyle/>
-          <a:p>
-            <a:endParaRPr lang="hu-HU"/>
-          </a:p>
-        </p:txBody>
-      </p:sp>
-      <p:sp>
-        <p:nvSpPr>
-          <p:cNvPr id="3" name="Tartalom helye 2"/>
-          <p:cNvSpPr>
-            <a:spLocks noGrp="1"/>
-          </p:cNvSpPr>
-          <p:nvPr>
-            <p:ph idx="1"/>
-          </p:nvPr>
-        </p:nvSpPr>
-        <p:spPr/>
-        <p:txBody>
-          <a:bodyPr/>
-          <a:lstStyle/>
-          <a:p>
-            <a:endParaRPr lang="hu-HU"/>
-          </a:p>
-        </p:txBody>
-      </p:sp>
-    </p:spTree>
-    <p:extLst>
-      <p:ext uri="{BB962C8B-B14F-4D97-AF65-F5344CB8AC3E}">
-        <p14:creationId xmlns:p14="http://schemas.microsoft.com/office/powerpoint/2010/main" val="2613357604"/>
-      </p:ext>
-    </p:extLst>
-  </p:cSld>
-  <p:clrMapOvr>
-    <a:masterClrMapping/>
-  </p:clrMapOvr>
-</p:sld>
-</file>
-
-<file path=ppt/slides/slide12.xml><?xml version="1.0" encoding="utf-8"?>
-<p:sld xmlns:a="http://schemas.openxmlformats.org/drawingml/2006/main" xmlns:r="http://schemas.openxmlformats.org/officeDocument/2006/relationships" xmlns:p="http://schemas.openxmlformats.org/presentationml/2006/main">
-  <p:cSld>
-    <p:spTree>
-      <p:nvGrpSpPr>
-        <p:cNvPr id="1" name=""/>
-        <p:cNvGrpSpPr/>
-        <p:nvPr/>
-      </p:nvGrpSpPr>
-      <p:grpSpPr>
-        <a:xfrm>
-          <a:off x="0" y="0"/>
-          <a:ext cx="0" cy="0"/>
-          <a:chOff x="0" y="0"/>
-          <a:chExt cx="0" cy="0"/>
-        </a:xfrm>
-      </p:grpSpPr>
-      <p:sp>
-        <p:nvSpPr>
-          <p:cNvPr id="2" name="Cím 1"/>
-          <p:cNvSpPr>
-            <a:spLocks noGrp="1"/>
-          </p:cNvSpPr>
-          <p:nvPr>
-            <p:ph type="ctrTitle"/>
-          </p:nvPr>
-        </p:nvSpPr>
-        <p:spPr/>
-        <p:txBody>
-          <a:bodyPr/>
-          <a:lstStyle/>
-          <a:p>
-            <a:r>
-              <a:rPr lang="hu-HU" dirty="0" smtClean="0"/>
-              <a:t>Köszönöm a figyelmet!</a:t>
-            </a:r>
-            <a:endParaRPr lang="hu-HU" dirty="0"/>
-          </a:p>
-        </p:txBody>
-      </p:sp>
-      <p:sp>
-        <p:nvSpPr>
-          <p:cNvPr id="3" name="Alcím 2"/>
-          <p:cNvSpPr>
-            <a:spLocks noGrp="1"/>
-          </p:cNvSpPr>
-          <p:nvPr>
-            <p:ph type="subTitle" idx="1"/>
-          </p:nvPr>
-        </p:nvSpPr>
-        <p:spPr/>
-        <p:txBody>
-          <a:bodyPr/>
-          <a:lstStyle/>
-          <a:p>
-            <a:endParaRPr lang="hu-HU"/>
-          </a:p>
-        </p:txBody>
-      </p:sp>
-    </p:spTree>
-    <p:extLst>
-      <p:ext uri="{BB962C8B-B14F-4D97-AF65-F5344CB8AC3E}">
-        <p14:creationId xmlns:p14="http://schemas.microsoft.com/office/powerpoint/2010/main" val="213409669"/>
-      </p:ext>
-    </p:extLst>
-  </p:cSld>
-  <p:clrMapOvr>
-    <a:masterClrMapping/>
-  </p:clrMapOvr>
-</p:sld>
-</file>
-
-<file path=ppt/slides/slide13.xml><?xml version="1.0" encoding="utf-8"?>
-<p:sld xmlns:a="http://schemas.openxmlformats.org/drawingml/2006/main" xmlns:r="http://schemas.openxmlformats.org/officeDocument/2006/relationships" xmlns:p="http://schemas.openxmlformats.org/presentationml/2006/main">
-  <p:cSld>
-    <p:spTree>
-      <p:nvGrpSpPr>
-        <p:cNvPr id="1" name=""/>
-        <p:cNvGrpSpPr/>
-        <p:nvPr/>
-      </p:nvGrpSpPr>
-      <p:grpSpPr>
-        <a:xfrm>
-          <a:off x="0" y="0"/>
-          <a:ext cx="0" cy="0"/>
-          <a:chOff x="0" y="0"/>
-          <a:chExt cx="0" cy="0"/>
-        </a:xfrm>
-      </p:grpSpPr>
-      <p:sp>
-        <p:nvSpPr>
-          <p:cNvPr id="2" name="Cím 1"/>
-          <p:cNvSpPr>
-            <a:spLocks noGrp="1"/>
-          </p:cNvSpPr>
-          <p:nvPr>
-            <p:ph type="title"/>
-          </p:nvPr>
-        </p:nvSpPr>
-        <p:spPr/>
-        <p:txBody>
-          <a:bodyPr/>
-          <a:lstStyle/>
-          <a:p>
-            <a:endParaRPr lang="hu-HU"/>
-          </a:p>
-        </p:txBody>
-      </p:sp>
-      <p:sp>
-        <p:nvSpPr>
-          <p:cNvPr id="3" name="Tartalom helye 2"/>
-          <p:cNvSpPr>
-            <a:spLocks noGrp="1"/>
-          </p:cNvSpPr>
-          <p:nvPr>
-            <p:ph idx="1"/>
-          </p:nvPr>
-        </p:nvSpPr>
-        <p:spPr/>
-        <p:txBody>
-          <a:bodyPr>
-            <a:normAutofit/>
-          </a:bodyPr>
-          <a:lstStyle/>
-          <a:p>
-            <a:r>
-              <a:rPr lang="hu-HU" sz="1800" dirty="0">
-                <a:hlinkClick r:id="rId2"/>
-              </a:rPr>
-              <a:t>https://</a:t>
-            </a:r>
-            <a:r>
-              <a:rPr lang="hu-HU" sz="1800" dirty="0" smtClean="0">
-                <a:hlinkClick r:id="rId2"/>
-              </a:rPr>
-              <a:t>www.youtube.com/watch?v=PL6wD8jczkE</a:t>
-            </a:r>
-            <a:endParaRPr lang="hu-HU" sz="1800" dirty="0" smtClean="0"/>
-          </a:p>
-          <a:p>
-            <a:r>
-              <a:rPr lang="hu-HU" sz="1800" dirty="0">
-                <a:hlinkClick r:id="rId3"/>
-              </a:rPr>
-              <a:t>https://terszkenneles.hu/pontfelho-felhasznalasi-modjai</a:t>
-            </a:r>
-            <a:r>
-              <a:rPr lang="hu-HU" sz="1800" dirty="0" smtClean="0">
-                <a:hlinkClick r:id="rId3"/>
-              </a:rPr>
-              <a:t>/</a:t>
-            </a:r>
-            <a:endParaRPr lang="hu-HU" sz="1800" dirty="0" smtClean="0"/>
-          </a:p>
-          <a:p>
-            <a:r>
-              <a:rPr lang="hu-HU" sz="1800" dirty="0">
-                <a:hlinkClick r:id="rId4"/>
-              </a:rPr>
-              <a:t>https://hu.frwiki.wiki/wiki/Nuage_de_points_(g%C3%A9om%C3%A9trie</a:t>
-            </a:r>
-            <a:r>
-              <a:rPr lang="hu-HU" sz="1800" dirty="0" smtClean="0">
-                <a:hlinkClick r:id="rId4"/>
-              </a:rPr>
-              <a:t>)</a:t>
-            </a:r>
-            <a:endParaRPr lang="hu-HU" sz="1800" dirty="0" smtClean="0"/>
-          </a:p>
-          <a:p>
-            <a:r>
-              <a:rPr lang="hu-HU" sz="1800" dirty="0">
-                <a:hlinkClick r:id="rId5"/>
-              </a:rPr>
-              <a:t>http://www.inf.u-szeged.hu/~</a:t>
-            </a:r>
-            <a:r>
-              <a:rPr lang="hu-HU" sz="1800" dirty="0" smtClean="0">
-                <a:hlinkClick r:id="rId5"/>
-              </a:rPr>
-              <a:t>kato/teaching/IpariKepfeldolgozas/05-3DReconstruction.pdf</a:t>
-            </a:r>
-            <a:endParaRPr lang="hu-HU" sz="1800" dirty="0" smtClean="0"/>
-          </a:p>
-          <a:p>
-            <a:r>
-              <a:rPr lang="hu-HU" sz="1800" dirty="0">
-                <a:hlinkClick r:id="rId6"/>
-              </a:rPr>
-              <a:t>https://www.kvalix.hu/termekek/vision/3d-kepfeldolgozas</a:t>
-            </a:r>
-            <a:r>
-              <a:rPr lang="hu-HU" sz="1800" dirty="0" smtClean="0">
-                <a:hlinkClick r:id="rId6"/>
-              </a:rPr>
-              <a:t>/</a:t>
-            </a:r>
-            <a:endParaRPr lang="hu-HU" sz="1800" dirty="0" smtClean="0"/>
-          </a:p>
-          <a:p>
-            <a:r>
-              <a:rPr lang="hu-HU" sz="1800" dirty="0">
-                <a:hlinkClick r:id="rId7"/>
-              </a:rPr>
-              <a:t>https://</a:t>
-            </a:r>
-            <a:r>
-              <a:rPr lang="hu-HU" sz="1800" dirty="0" smtClean="0">
-                <a:hlinkClick r:id="rId7"/>
-              </a:rPr>
-              <a:t>www.dental.hu/a-3d-kepalkoto-rendszer-klinikai-es-diagnosztikai-elonyei</a:t>
-            </a:r>
-            <a:endParaRPr lang="hu-HU" sz="1800" dirty="0" smtClean="0"/>
-          </a:p>
-          <a:p>
-            <a:r>
-              <a:rPr lang="hu-HU" sz="1800" dirty="0">
-                <a:hlinkClick r:id="rId8"/>
-              </a:rPr>
-              <a:t>https://</a:t>
-            </a:r>
-            <a:r>
-              <a:rPr lang="hu-HU" sz="1800" dirty="0" smtClean="0">
-                <a:hlinkClick r:id="rId8"/>
-              </a:rPr>
-              <a:t>www.youtube.com/watch?v=LmC8_1_R6E4</a:t>
-            </a:r>
-            <a:endParaRPr lang="hu-HU" sz="1800" dirty="0" smtClean="0"/>
-          </a:p>
-          <a:p>
-            <a:r>
-              <a:rPr lang="hu-HU" sz="1800" dirty="0">
-                <a:hlinkClick r:id="rId9"/>
-              </a:rPr>
-              <a:t>https://</a:t>
-            </a:r>
-            <a:r>
-              <a:rPr lang="hu-HU" sz="1800" dirty="0" smtClean="0">
-                <a:hlinkClick r:id="rId9"/>
-              </a:rPr>
-              <a:t>www.zivid.com/3d-vision-technology-principles</a:t>
-            </a:r>
-            <a:endParaRPr lang="hu-HU" sz="1800" dirty="0" smtClean="0"/>
-          </a:p>
-          <a:p>
-            <a:r>
-              <a:rPr lang="hu-HU" sz="1800" dirty="0">
-                <a:hlinkClick r:id="rId10"/>
-              </a:rPr>
-              <a:t>http://</a:t>
-            </a:r>
-            <a:r>
-              <a:rPr lang="hu-HU" sz="1800" dirty="0" smtClean="0">
-                <a:hlinkClick r:id="rId10"/>
-              </a:rPr>
-              <a:t>perception.inrialpes.fr/people/Horaud/Courses/pdf/Horaud_3Dcameras_tutorial.pdf</a:t>
-            </a:r>
-            <a:endParaRPr lang="hu-HU" sz="1800" dirty="0" smtClean="0"/>
-          </a:p>
-          <a:p>
-            <a:r>
-              <a:rPr lang="hu-HU" sz="1800">
-                <a:hlinkClick r:id="rId11"/>
-              </a:rPr>
-              <a:t>https</a:t>
-            </a:r>
-            <a:r>
-              <a:rPr lang="hu-HU" sz="1800">
-                <a:hlinkClick r:id="rId11"/>
-              </a:rPr>
-              <a:t>://</a:t>
-            </a:r>
-            <a:r>
-              <a:rPr lang="hu-HU" sz="1800" smtClean="0">
-                <a:hlinkClick r:id="rId11"/>
-              </a:rPr>
-              <a:t>www.youngwonks.com/blog/What-is-a-3D-camera-and-how-is-it-different-from-a-regular-camera</a:t>
-            </a:r>
-            <a:endParaRPr lang="hu-HU" sz="1800" smtClean="0"/>
-          </a:p>
-          <a:p>
-            <a:endParaRPr lang="hu-HU" sz="1800" dirty="0"/>
-          </a:p>
-        </p:txBody>
-      </p:sp>
-    </p:spTree>
-    <p:extLst>
-      <p:ext uri="{BB962C8B-B14F-4D97-AF65-F5344CB8AC3E}">
-        <p14:creationId xmlns:p14="http://schemas.microsoft.com/office/powerpoint/2010/main" val="3926186018"/>
-      </p:ext>
-    </p:extLst>
-  </p:cSld>
-  <p:clrMapOvr>
-    <a:masterClrMapping/>
-  </p:clrMapOvr>
-</p:sld>
-</file>
-
-<file path=ppt/slides/slide14.xml><?xml version="1.0" encoding="utf-8"?>
-<p:sld xmlns:a="http://schemas.openxmlformats.org/drawingml/2006/main" xmlns:r="http://schemas.openxmlformats.org/officeDocument/2006/relationships" xmlns:p="http://schemas.openxmlformats.org/presentationml/2006/main">
-  <p:cSld>
-    <p:spTree>
-      <p:nvGrpSpPr>
-        <p:cNvPr id="1" name=""/>
-        <p:cNvGrpSpPr/>
-        <p:nvPr/>
-      </p:nvGrpSpPr>
-      <p:grpSpPr>
-        <a:xfrm>
-          <a:off x="0" y="0"/>
-          <a:ext cx="0" cy="0"/>
-          <a:chOff x="0" y="0"/>
-          <a:chExt cx="0" cy="0"/>
-        </a:xfrm>
-      </p:grpSpPr>
-      <p:sp>
-        <p:nvSpPr>
-          <p:cNvPr id="2" name="Cím 1"/>
-          <p:cNvSpPr>
-            <a:spLocks noGrp="1"/>
-          </p:cNvSpPr>
-          <p:nvPr>
-            <p:ph type="title"/>
-          </p:nvPr>
-        </p:nvSpPr>
-        <p:spPr/>
-        <p:txBody>
-          <a:bodyPr/>
-          <a:lstStyle/>
-          <a:p>
-            <a:r>
-              <a:rPr lang="hu-HU" dirty="0" smtClean="0">
+            <a:r>
+              <a:rPr lang="hu-HU" dirty="0">
                 <a:sym typeface="Wingdings" panose="05000000000000000000" pitchFamily="2" charset="2"/>
               </a:rPr>
               <a:t></a:t>
             </a:r>
             <a:r>
-              <a:rPr lang="hu-HU" dirty="0" err="1" smtClean="0">
+              <a:rPr lang="hu-HU" dirty="0" err="1">
                 <a:sym typeface="Wingdings" panose="05000000000000000000" pitchFamily="2" charset="2"/>
               </a:rPr>
               <a:t>㸌촕慎慘ぃ</a:t>
             </a:r>
             <a:r>
-              <a:rPr lang="hu-HU" dirty="0" smtClean="0">
+              <a:rPr lang="hu-HU" dirty="0">
                 <a:sym typeface="Wingdings" panose="05000000000000000000" pitchFamily="2" charset="2"/>
               </a:rPr>
               <a:t>➎繏痐哀獀몛臰럣뗣앣♦12♀♪♪▼3☺▼13♪♪▼31▼▼♪♪♪♪♪♪♪1♥♥</a:t>
@@ -3549,7 +5169,7 @@
           <a:bodyPr/>
           <a:lstStyle/>
           <a:p>
-            <a:endParaRPr lang="hu-HU"/>
+            <a:endParaRPr lang="hu-HU" dirty="0"/>
           </a:p>
         </p:txBody>
       </p:sp>
@@ -3632,12 +5252,32 @@
   <p:clrMapOvr>
     <a:masterClrMapping/>
   </p:clrMapOvr>
+  <mc:AlternateContent xmlns:mc="http://schemas.openxmlformats.org/markup-compatibility/2006">
+    <mc:Choice xmlns:p159="http://schemas.microsoft.com/office/powerpoint/2015/09/main" Requires="p159">
+      <p:transition xmlns:p14="http://schemas.microsoft.com/office/powerpoint/2010/main" spd="slow" p14:dur="2000">
+        <p159:morph option="byObject"/>
+      </p:transition>
+    </mc:Choice>
+    <mc:Fallback>
+      <p:transition spd="slow">
+        <p:fade/>
+      </p:transition>
+    </mc:Fallback>
+  </mc:AlternateContent>
 </p:sld>
 </file>
 
 <file path=ppt/slides/slide2.xml><?xml version="1.0" encoding="utf-8"?>
 <p:sld xmlns:a="http://schemas.openxmlformats.org/drawingml/2006/main" xmlns:r="http://schemas.openxmlformats.org/officeDocument/2006/relationships" xmlns:p="http://schemas.openxmlformats.org/presentationml/2006/main">
   <p:cSld>
+    <p:bg>
+      <p:bgPr>
+        <a:solidFill>
+          <a:schemeClr val="bg1"/>
+        </a:solidFill>
+        <a:effectLst/>
+      </p:bgPr>
+    </p:bg>
     <p:spTree>
       <p:nvGrpSpPr>
         <p:cNvPr id="1" name=""/>
@@ -3652,6 +5292,66 @@
           <a:chExt cx="0" cy="0"/>
         </a:xfrm>
       </p:grpSpPr>
+      <p:sp useBgFill="1">
+        <p:nvSpPr>
+          <p:cNvPr id="13" name="Rectangle 7">
+            <a:extLst>
+              <a:ext uri="{FF2B5EF4-FFF2-40B4-BE49-F238E27FC236}">
+                <a16:creationId xmlns:a16="http://schemas.microsoft.com/office/drawing/2014/main" id="{91F32EBA-ED97-466E-8CFA-8382584155D0}"/>
+              </a:ext>
+              <a:ext uri="{C183D7F6-B498-43B3-948B-1728B52AA6E4}">
+                <adec:decorative xmlns:adec="http://schemas.microsoft.com/office/drawing/2017/decorative" val="1"/>
+              </a:ext>
+            </a:extLst>
+          </p:cNvPr>
+          <p:cNvSpPr>
+            <a:spLocks noGrp="1" noRot="1" noChangeAspect="1" noMove="1" noResize="1" noEditPoints="1" noAdjustHandles="1" noChangeArrowheads="1" noChangeShapeType="1" noTextEdit="1"/>
+          </p:cNvSpPr>
+          <p:nvPr>
+            <p:extLst>
+              <p:ext uri="{386F3935-93C4-4BCD-93E2-E3B085C9AB24}">
+                <p16:designElem xmlns:p16="http://schemas.microsoft.com/office/powerpoint/2015/main" val="1"/>
+              </p:ext>
+            </p:extLst>
+          </p:nvPr>
+        </p:nvSpPr>
+        <p:spPr>
+          <a:xfrm>
+            <a:off x="0" y="0"/>
+            <a:ext cx="12192000" cy="6858000"/>
+          </a:xfrm>
+          <a:prstGeom prst="rect">
+            <a:avLst/>
+          </a:prstGeom>
+          <a:ln>
+            <a:noFill/>
+          </a:ln>
+        </p:spPr>
+        <p:style>
+          <a:lnRef idx="2">
+            <a:schemeClr val="accent1">
+              <a:shade val="50000"/>
+            </a:schemeClr>
+          </a:lnRef>
+          <a:fillRef idx="1">
+            <a:schemeClr val="accent1"/>
+          </a:fillRef>
+          <a:effectRef idx="0">
+            <a:schemeClr val="accent1"/>
+          </a:effectRef>
+          <a:fontRef idx="minor">
+            <a:schemeClr val="lt1"/>
+          </a:fontRef>
+        </p:style>
+        <p:txBody>
+          <a:bodyPr rtlCol="0" anchor="ctr"/>
+          <a:lstStyle/>
+          <a:p>
+            <a:pPr algn="ctr"/>
+            <a:endParaRPr lang="en-US"/>
+          </a:p>
+        </p:txBody>
+      </p:sp>
       <p:sp>
         <p:nvSpPr>
           <p:cNvPr id="2" name="Cím 1"/>
@@ -3662,16 +5362,22 @@
             <p:ph type="title"/>
           </p:nvPr>
         </p:nvSpPr>
-        <p:spPr/>
-        <p:txBody>
-          <a:bodyPr/>
-          <a:lstStyle/>
-          <a:p>
-            <a:r>
-              <a:rPr lang="hu-HU" dirty="0" smtClean="0"/>
+        <p:spPr>
+          <a:xfrm>
+            <a:off x="1286933" y="1327438"/>
+            <a:ext cx="6247722" cy="1461778"/>
+          </a:xfrm>
+        </p:spPr>
+        <p:txBody>
+          <a:bodyPr anchor="t">
+            <a:normAutofit/>
+          </a:bodyPr>
+          <a:lstStyle/>
+          <a:p>
+            <a:r>
+              <a:rPr lang="hu-HU"/>
               <a:t>Hogyan készülnek?</a:t>
             </a:r>
-            <a:endParaRPr lang="hu-HU" dirty="0"/>
           </a:p>
         </p:txBody>
       </p:sp>
@@ -3685,40 +5391,645 @@
             <p:ph idx="1"/>
           </p:nvPr>
         </p:nvSpPr>
-        <p:spPr/>
-        <p:txBody>
-          <a:bodyPr/>
-          <a:lstStyle/>
-          <a:p>
-            <a:endParaRPr lang="hu-HU" dirty="0" smtClean="0"/>
-          </a:p>
-          <a:p>
-            <a:endParaRPr lang="hu-HU" dirty="0"/>
-          </a:p>
-          <a:p>
-            <a:r>
-              <a:rPr lang="hu-HU" dirty="0" smtClean="0"/>
-              <a:t>Eszközök:</a:t>
+        <p:spPr>
+          <a:xfrm>
+            <a:off x="1286933" y="2524349"/>
+            <a:ext cx="6247722" cy="3088871"/>
+          </a:xfrm>
+        </p:spPr>
+        <p:txBody>
+          <a:bodyPr>
+            <a:normAutofit/>
+          </a:bodyPr>
+          <a:lstStyle/>
+          <a:p>
+            <a:r>
+              <a:rPr lang="hu-HU" sz="1900" dirty="0"/>
+              <a:t>Pont felhő</a:t>
+            </a:r>
+          </a:p>
+          <a:p>
+            <a:r>
+              <a:rPr lang="hu-HU" sz="1900" dirty="0"/>
+              <a:t>Alapvonal</a:t>
+            </a:r>
+          </a:p>
+          <a:p>
+            <a:r>
+              <a:rPr lang="hu-HU" sz="1900" dirty="0"/>
+              <a:t>Módszerek:</a:t>
             </a:r>
           </a:p>
           <a:p>
             <a:pPr lvl="1"/>
             <a:r>
-              <a:rPr lang="hu-HU" dirty="0" smtClean="0"/>
-              <a:t>3D kamera</a:t>
-            </a:r>
-            <a:endParaRPr lang="hu-HU" dirty="0" smtClean="0"/>
+              <a:rPr lang="hu-HU" sz="1900" dirty="0"/>
+              <a:t>Sztereó</a:t>
+            </a:r>
           </a:p>
           <a:p>
             <a:pPr lvl="1"/>
             <a:r>
-              <a:rPr lang="hu-HU" dirty="0" smtClean="0"/>
-              <a:t>3D lézer szkenner</a:t>
+              <a:rPr lang="hu-HU" sz="1900" dirty="0"/>
+              <a:t>Aktív sztereó</a:t>
             </a:r>
           </a:p>
           <a:p>
             <a:pPr lvl="1"/>
-            <a:endParaRPr lang="hu-HU" dirty="0" smtClean="0"/>
+            <a:r>
+              <a:rPr lang="hu-HU" sz="1900" dirty="0"/>
+              <a:t>Lézeres profilalkotás</a:t>
+            </a:r>
+          </a:p>
+          <a:p>
+            <a:pPr lvl="1"/>
+            <a:r>
+              <a:rPr lang="hu-HU" sz="1900" dirty="0"/>
+              <a:t>Strukturált fény</a:t>
+            </a:r>
+          </a:p>
+          <a:p>
+            <a:pPr lvl="1"/>
+            <a:r>
+              <a:rPr lang="hu-HU" sz="1900" dirty="0"/>
+              <a:t>Repülési idő (TOF)</a:t>
+            </a:r>
+          </a:p>
+          <a:p>
+            <a:pPr lvl="1"/>
+            <a:r>
+              <a:rPr lang="hu-HU" sz="1900" dirty="0"/>
+              <a:t>Időkódolt strukturált fény</a:t>
+            </a:r>
+          </a:p>
+          <a:p>
+            <a:pPr lvl="1"/>
+            <a:endParaRPr lang="hu-HU" sz="1900" dirty="0"/>
+          </a:p>
+        </p:txBody>
+      </p:sp>
+      <p:sp>
+        <p:nvSpPr>
+          <p:cNvPr id="15" name="Freeform: Shape 9">
+            <a:extLst>
+              <a:ext uri="{FF2B5EF4-FFF2-40B4-BE49-F238E27FC236}">
+                <a16:creationId xmlns:a16="http://schemas.microsoft.com/office/drawing/2014/main" id="{0F06C9D3-00DF-4B71-AE88-29075022FC89}"/>
+              </a:ext>
+              <a:ext uri="{C183D7F6-B498-43B3-948B-1728B52AA6E4}">
+                <adec:decorative xmlns:adec="http://schemas.microsoft.com/office/drawing/2017/decorative" val="1"/>
+              </a:ext>
+            </a:extLst>
+          </p:cNvPr>
+          <p:cNvSpPr>
+            <a:spLocks noGrp="1" noRot="1" noChangeAspect="1" noMove="1" noResize="1" noEditPoints="1" noAdjustHandles="1" noChangeArrowheads="1" noChangeShapeType="1" noTextEdit="1"/>
+          </p:cNvSpPr>
+          <p:nvPr>
+            <p:extLst>
+              <p:ext uri="{386F3935-93C4-4BCD-93E2-E3B085C9AB24}">
+                <p16:designElem xmlns:p16="http://schemas.microsoft.com/office/powerpoint/2015/main" val="1"/>
+              </p:ext>
+            </p:extLst>
+          </p:nvPr>
+        </p:nvSpPr>
+        <p:spPr>
+          <a:xfrm>
+            <a:off x="8219545" y="1333265"/>
+            <a:ext cx="2926988" cy="2594434"/>
+          </a:xfrm>
+          <a:custGeom>
+            <a:avLst/>
+            <a:gdLst>
+              <a:gd name="connsiteX0" fmla="*/ 853538 w 2991693"/>
+              <a:gd name="connsiteY0" fmla="*/ 0 h 2651787"/>
+              <a:gd name="connsiteX1" fmla="*/ 2141030 w 2991693"/>
+              <a:gd name="connsiteY1" fmla="*/ 0 h 2651787"/>
+              <a:gd name="connsiteX2" fmla="*/ 2324957 w 2991693"/>
+              <a:gd name="connsiteY2" fmla="*/ 103466 h 2651787"/>
+              <a:gd name="connsiteX3" fmla="*/ 2968702 w 2991693"/>
+              <a:gd name="connsiteY3" fmla="*/ 1218596 h 2651787"/>
+              <a:gd name="connsiteX4" fmla="*/ 2968702 w 2991693"/>
+              <a:gd name="connsiteY4" fmla="*/ 1433192 h 2651787"/>
+              <a:gd name="connsiteX5" fmla="*/ 2324957 w 2991693"/>
+              <a:gd name="connsiteY5" fmla="*/ 2548321 h 2651787"/>
+              <a:gd name="connsiteX6" fmla="*/ 2141030 w 2991693"/>
+              <a:gd name="connsiteY6" fmla="*/ 2651787 h 2651787"/>
+              <a:gd name="connsiteX7" fmla="*/ 853538 w 2991693"/>
+              <a:gd name="connsiteY7" fmla="*/ 2651787 h 2651787"/>
+              <a:gd name="connsiteX8" fmla="*/ 669612 w 2991693"/>
+              <a:gd name="connsiteY8" fmla="*/ 2548321 h 2651787"/>
+              <a:gd name="connsiteX9" fmla="*/ 25866 w 2991693"/>
+              <a:gd name="connsiteY9" fmla="*/ 1433192 h 2651787"/>
+              <a:gd name="connsiteX10" fmla="*/ 25866 w 2991693"/>
+              <a:gd name="connsiteY10" fmla="*/ 1218596 h 2651787"/>
+              <a:gd name="connsiteX11" fmla="*/ 669612 w 2991693"/>
+              <a:gd name="connsiteY11" fmla="*/ 103466 h 2651787"/>
+              <a:gd name="connsiteX12" fmla="*/ 853538 w 2991693"/>
+              <a:gd name="connsiteY12" fmla="*/ 0 h 2651787"/>
+            </a:gdLst>
+            <a:ahLst/>
+            <a:cxnLst>
+              <a:cxn ang="0">
+                <a:pos x="connsiteX0" y="connsiteY0"/>
+              </a:cxn>
+              <a:cxn ang="0">
+                <a:pos x="connsiteX1" y="connsiteY1"/>
+              </a:cxn>
+              <a:cxn ang="0">
+                <a:pos x="connsiteX2" y="connsiteY2"/>
+              </a:cxn>
+              <a:cxn ang="0">
+                <a:pos x="connsiteX3" y="connsiteY3"/>
+              </a:cxn>
+              <a:cxn ang="0">
+                <a:pos x="connsiteX4" y="connsiteY4"/>
+              </a:cxn>
+              <a:cxn ang="0">
+                <a:pos x="connsiteX5" y="connsiteY5"/>
+              </a:cxn>
+              <a:cxn ang="0">
+                <a:pos x="connsiteX6" y="connsiteY6"/>
+              </a:cxn>
+              <a:cxn ang="0">
+                <a:pos x="connsiteX7" y="connsiteY7"/>
+              </a:cxn>
+              <a:cxn ang="0">
+                <a:pos x="connsiteX8" y="connsiteY8"/>
+              </a:cxn>
+              <a:cxn ang="0">
+                <a:pos x="connsiteX9" y="connsiteY9"/>
+              </a:cxn>
+              <a:cxn ang="0">
+                <a:pos x="connsiteX10" y="connsiteY10"/>
+              </a:cxn>
+              <a:cxn ang="0">
+                <a:pos x="connsiteX11" y="connsiteY11"/>
+              </a:cxn>
+              <a:cxn ang="0">
+                <a:pos x="connsiteX12" y="connsiteY12"/>
+              </a:cxn>
+            </a:cxnLst>
+            <a:rect l="l" t="t" r="r" b="b"/>
+            <a:pathLst>
+              <a:path w="2991693" h="2651787">
+                <a:moveTo>
+                  <a:pt x="853538" y="0"/>
+                </a:moveTo>
+                <a:cubicBezTo>
+                  <a:pt x="2141030" y="0"/>
+                  <a:pt x="2141030" y="0"/>
+                  <a:pt x="2141030" y="0"/>
+                </a:cubicBezTo>
+                <a:cubicBezTo>
+                  <a:pt x="2206170" y="0"/>
+                  <a:pt x="2290471" y="45985"/>
+                  <a:pt x="2324957" y="103466"/>
+                </a:cubicBezTo>
+                <a:cubicBezTo>
+                  <a:pt x="2968702" y="1218596"/>
+                  <a:pt x="2968702" y="1218596"/>
+                  <a:pt x="2968702" y="1218596"/>
+                </a:cubicBezTo>
+                <a:cubicBezTo>
+                  <a:pt x="2999357" y="1279909"/>
+                  <a:pt x="2999357" y="1371878"/>
+                  <a:pt x="2968702" y="1433192"/>
+                </a:cubicBezTo>
+                <a:cubicBezTo>
+                  <a:pt x="2324957" y="2548321"/>
+                  <a:pt x="2324957" y="2548321"/>
+                  <a:pt x="2324957" y="2548321"/>
+                </a:cubicBezTo>
+                <a:cubicBezTo>
+                  <a:pt x="2290471" y="2605803"/>
+                  <a:pt x="2206170" y="2651787"/>
+                  <a:pt x="2141030" y="2651787"/>
+                </a:cubicBezTo>
+                <a:lnTo>
+                  <a:pt x="853538" y="2651787"/>
+                </a:lnTo>
+                <a:cubicBezTo>
+                  <a:pt x="784566" y="2651787"/>
+                  <a:pt x="700266" y="2605803"/>
+                  <a:pt x="669612" y="2548321"/>
+                </a:cubicBezTo>
+                <a:cubicBezTo>
+                  <a:pt x="25866" y="1433192"/>
+                  <a:pt x="25866" y="1433192"/>
+                  <a:pt x="25866" y="1433192"/>
+                </a:cubicBezTo>
+                <a:cubicBezTo>
+                  <a:pt x="-8621" y="1371878"/>
+                  <a:pt x="-8621" y="1279909"/>
+                  <a:pt x="25866" y="1218596"/>
+                </a:cubicBezTo>
+                <a:cubicBezTo>
+                  <a:pt x="669612" y="103466"/>
+                  <a:pt x="669612" y="103466"/>
+                  <a:pt x="669612" y="103466"/>
+                </a:cubicBezTo>
+                <a:cubicBezTo>
+                  <a:pt x="700266" y="45985"/>
+                  <a:pt x="784566" y="0"/>
+                  <a:pt x="853538" y="0"/>
+                </a:cubicBezTo>
+                <a:close/>
+              </a:path>
+            </a:pathLst>
+          </a:custGeom>
+          <a:noFill/>
+          <a:ln w="50800" cmpd="sng">
+            <a:solidFill>
+              <a:schemeClr val="tx1"/>
+            </a:solidFill>
+          </a:ln>
+        </p:spPr>
+        <p:txBody>
+          <a:bodyPr vert="horz" wrap="square" lIns="91440" tIns="45720" rIns="91440" bIns="45720" numCol="1" anchor="t" anchorCtr="0" compatLnSpc="1">
+            <a:prstTxWarp prst="textNoShape">
+              <a:avLst/>
+            </a:prstTxWarp>
+          </a:bodyPr>
+          <a:lstStyle/>
+          <a:p>
+            <a:endParaRPr lang="en-US" dirty="0">
+              <a:solidFill>
+                <a:schemeClr val="tx1"/>
+              </a:solidFill>
+            </a:endParaRPr>
+          </a:p>
+        </p:txBody>
+      </p:sp>
+      <p:sp>
+        <p:nvSpPr>
+          <p:cNvPr id="12" name="Freeform 5">
+            <a:extLst>
+              <a:ext uri="{FF2B5EF4-FFF2-40B4-BE49-F238E27FC236}">
+                <a16:creationId xmlns:a16="http://schemas.microsoft.com/office/drawing/2014/main" id="{4300F7B2-2FBB-4B65-B588-6331766027CB}"/>
+              </a:ext>
+              <a:ext uri="{C183D7F6-B498-43B3-948B-1728B52AA6E4}">
+                <adec:decorative xmlns:adec="http://schemas.microsoft.com/office/drawing/2017/decorative" val="1"/>
+              </a:ext>
+            </a:extLst>
+          </p:cNvPr>
+          <p:cNvSpPr>
+            <a:spLocks noGrp="1" noRot="1" noChangeAspect="1" noMove="1" noResize="1" noEditPoints="1" noAdjustHandles="1" noChangeArrowheads="1" noChangeShapeType="1" noTextEdit="1"/>
+          </p:cNvSpPr>
+          <p:nvPr>
+            <p:extLst>
+              <p:ext uri="{386F3935-93C4-4BCD-93E2-E3B085C9AB24}">
+                <p16:designElem xmlns:p16="http://schemas.microsoft.com/office/powerpoint/2015/main" val="1"/>
+              </p:ext>
+            </p:extLst>
+          </p:nvPr>
+        </p:nvSpPr>
+        <p:spPr bwMode="auto">
+          <a:xfrm>
+            <a:off x="7575032" y="1327438"/>
+            <a:ext cx="675351" cy="595380"/>
+          </a:xfrm>
+          <a:custGeom>
+            <a:avLst/>
+            <a:gdLst>
+              <a:gd name="T0" fmla="*/ 225 w 785"/>
+              <a:gd name="T1" fmla="*/ 692 h 692"/>
+              <a:gd name="T2" fmla="*/ 177 w 785"/>
+              <a:gd name="T3" fmla="*/ 665 h 692"/>
+              <a:gd name="T4" fmla="*/ 9 w 785"/>
+              <a:gd name="T5" fmla="*/ 374 h 692"/>
+              <a:gd name="T6" fmla="*/ 9 w 785"/>
+              <a:gd name="T7" fmla="*/ 318 h 692"/>
+              <a:gd name="T8" fmla="*/ 177 w 785"/>
+              <a:gd name="T9" fmla="*/ 27 h 692"/>
+              <a:gd name="T10" fmla="*/ 225 w 785"/>
+              <a:gd name="T11" fmla="*/ 0 h 692"/>
+              <a:gd name="T12" fmla="*/ 561 w 785"/>
+              <a:gd name="T13" fmla="*/ 0 h 692"/>
+              <a:gd name="T14" fmla="*/ 609 w 785"/>
+              <a:gd name="T15" fmla="*/ 27 h 692"/>
+              <a:gd name="T16" fmla="*/ 777 w 785"/>
+              <a:gd name="T17" fmla="*/ 318 h 692"/>
+              <a:gd name="T18" fmla="*/ 777 w 785"/>
+              <a:gd name="T19" fmla="*/ 374 h 692"/>
+              <a:gd name="T20" fmla="*/ 609 w 785"/>
+              <a:gd name="T21" fmla="*/ 665 h 692"/>
+              <a:gd name="T22" fmla="*/ 561 w 785"/>
+              <a:gd name="T23" fmla="*/ 692 h 692"/>
+              <a:gd name="T24" fmla="*/ 225 w 785"/>
+              <a:gd name="T25" fmla="*/ 692 h 692"/>
+            </a:gdLst>
+            <a:ahLst/>
+            <a:cxnLst>
+              <a:cxn ang="0">
+                <a:pos x="T0" y="T1"/>
+              </a:cxn>
+              <a:cxn ang="0">
+                <a:pos x="T2" y="T3"/>
+              </a:cxn>
+              <a:cxn ang="0">
+                <a:pos x="T4" y="T5"/>
+              </a:cxn>
+              <a:cxn ang="0">
+                <a:pos x="T6" y="T7"/>
+              </a:cxn>
+              <a:cxn ang="0">
+                <a:pos x="T8" y="T9"/>
+              </a:cxn>
+              <a:cxn ang="0">
+                <a:pos x="T10" y="T11"/>
+              </a:cxn>
+              <a:cxn ang="0">
+                <a:pos x="T12" y="T13"/>
+              </a:cxn>
+              <a:cxn ang="0">
+                <a:pos x="T14" y="T15"/>
+              </a:cxn>
+              <a:cxn ang="0">
+                <a:pos x="T16" y="T17"/>
+              </a:cxn>
+              <a:cxn ang="0">
+                <a:pos x="T18" y="T19"/>
+              </a:cxn>
+              <a:cxn ang="0">
+                <a:pos x="T20" y="T21"/>
+              </a:cxn>
+              <a:cxn ang="0">
+                <a:pos x="T22" y="T23"/>
+              </a:cxn>
+              <a:cxn ang="0">
+                <a:pos x="T24" y="T25"/>
+              </a:cxn>
+            </a:cxnLst>
+            <a:rect l="0" t="0" r="r" b="b"/>
+            <a:pathLst>
+              <a:path w="785" h="692">
+                <a:moveTo>
+                  <a:pt x="225" y="692"/>
+                </a:moveTo>
+                <a:cubicBezTo>
+                  <a:pt x="207" y="692"/>
+                  <a:pt x="185" y="680"/>
+                  <a:pt x="177" y="665"/>
+                </a:cubicBezTo>
+                <a:cubicBezTo>
+                  <a:pt x="9" y="374"/>
+                  <a:pt x="9" y="374"/>
+                  <a:pt x="9" y="374"/>
+                </a:cubicBezTo>
+                <a:cubicBezTo>
+                  <a:pt x="0" y="358"/>
+                  <a:pt x="0" y="334"/>
+                  <a:pt x="9" y="318"/>
+                </a:cubicBezTo>
+                <a:cubicBezTo>
+                  <a:pt x="177" y="27"/>
+                  <a:pt x="177" y="27"/>
+                  <a:pt x="177" y="27"/>
+                </a:cubicBezTo>
+                <a:cubicBezTo>
+                  <a:pt x="185" y="12"/>
+                  <a:pt x="207" y="0"/>
+                  <a:pt x="225" y="0"/>
+                </a:cubicBezTo>
+                <a:cubicBezTo>
+                  <a:pt x="561" y="0"/>
+                  <a:pt x="561" y="0"/>
+                  <a:pt x="561" y="0"/>
+                </a:cubicBezTo>
+                <a:cubicBezTo>
+                  <a:pt x="578" y="0"/>
+                  <a:pt x="600" y="12"/>
+                  <a:pt x="609" y="27"/>
+                </a:cubicBezTo>
+                <a:cubicBezTo>
+                  <a:pt x="777" y="318"/>
+                  <a:pt x="777" y="318"/>
+                  <a:pt x="777" y="318"/>
+                </a:cubicBezTo>
+                <a:cubicBezTo>
+                  <a:pt x="785" y="334"/>
+                  <a:pt x="785" y="358"/>
+                  <a:pt x="777" y="374"/>
+                </a:cubicBezTo>
+                <a:cubicBezTo>
+                  <a:pt x="609" y="665"/>
+                  <a:pt x="609" y="665"/>
+                  <a:pt x="609" y="665"/>
+                </a:cubicBezTo>
+                <a:cubicBezTo>
+                  <a:pt x="600" y="680"/>
+                  <a:pt x="578" y="692"/>
+                  <a:pt x="561" y="692"/>
+                </a:cubicBezTo>
+                <a:lnTo>
+                  <a:pt x="225" y="692"/>
+                </a:lnTo>
+                <a:close/>
+              </a:path>
+            </a:pathLst>
+          </a:custGeom>
+          <a:noFill/>
+          <a:ln w="28575" cmpd="sng">
+            <a:solidFill>
+              <a:schemeClr val="tx1"/>
+            </a:solidFill>
+          </a:ln>
+        </p:spPr>
+        <p:txBody>
+          <a:bodyPr vert="horz" wrap="square" lIns="91440" tIns="45720" rIns="91440" bIns="45720" numCol="1" anchor="t" anchorCtr="0" compatLnSpc="1">
+            <a:prstTxWarp prst="textNoShape">
+              <a:avLst/>
+            </a:prstTxWarp>
+          </a:bodyPr>
+          <a:lstStyle/>
+          <a:p>
+            <a:endParaRPr lang="en-US"/>
+          </a:p>
+        </p:txBody>
+      </p:sp>
+      <p:sp>
+        <p:nvSpPr>
+          <p:cNvPr id="14" name="Freeform 5">
+            <a:extLst>
+              <a:ext uri="{FF2B5EF4-FFF2-40B4-BE49-F238E27FC236}">
+                <a16:creationId xmlns:a16="http://schemas.microsoft.com/office/drawing/2014/main" id="{EFA5A327-531A-495C-BCA7-27F04811AF4B}"/>
+              </a:ext>
+              <a:ext uri="{C183D7F6-B498-43B3-948B-1728B52AA6E4}">
+                <adec:decorative xmlns:adec="http://schemas.microsoft.com/office/drawing/2017/decorative" val="1"/>
+              </a:ext>
+            </a:extLst>
+          </p:cNvPr>
+          <p:cNvSpPr>
+            <a:spLocks noGrp="1" noRot="1" noChangeAspect="1" noMove="1" noResize="1" noEditPoints="1" noAdjustHandles="1" noChangeArrowheads="1" noChangeShapeType="1" noTextEdit="1"/>
+          </p:cNvSpPr>
+          <p:nvPr>
+            <p:extLst>
+              <p:ext uri="{386F3935-93C4-4BCD-93E2-E3B085C9AB24}">
+                <p16:designElem xmlns:p16="http://schemas.microsoft.com/office/powerpoint/2015/main" val="1"/>
+              </p:ext>
+            </p:extLst>
+          </p:nvPr>
+        </p:nvSpPr>
+        <p:spPr bwMode="auto">
+          <a:xfrm>
+            <a:off x="8152922" y="1075612"/>
+            <a:ext cx="550492" cy="485306"/>
+          </a:xfrm>
+          <a:custGeom>
+            <a:avLst/>
+            <a:gdLst>
+              <a:gd name="T0" fmla="*/ 225 w 785"/>
+              <a:gd name="T1" fmla="*/ 692 h 692"/>
+              <a:gd name="T2" fmla="*/ 177 w 785"/>
+              <a:gd name="T3" fmla="*/ 665 h 692"/>
+              <a:gd name="T4" fmla="*/ 9 w 785"/>
+              <a:gd name="T5" fmla="*/ 374 h 692"/>
+              <a:gd name="T6" fmla="*/ 9 w 785"/>
+              <a:gd name="T7" fmla="*/ 318 h 692"/>
+              <a:gd name="T8" fmla="*/ 177 w 785"/>
+              <a:gd name="T9" fmla="*/ 27 h 692"/>
+              <a:gd name="T10" fmla="*/ 225 w 785"/>
+              <a:gd name="T11" fmla="*/ 0 h 692"/>
+              <a:gd name="T12" fmla="*/ 561 w 785"/>
+              <a:gd name="T13" fmla="*/ 0 h 692"/>
+              <a:gd name="T14" fmla="*/ 609 w 785"/>
+              <a:gd name="T15" fmla="*/ 27 h 692"/>
+              <a:gd name="T16" fmla="*/ 777 w 785"/>
+              <a:gd name="T17" fmla="*/ 318 h 692"/>
+              <a:gd name="T18" fmla="*/ 777 w 785"/>
+              <a:gd name="T19" fmla="*/ 374 h 692"/>
+              <a:gd name="T20" fmla="*/ 609 w 785"/>
+              <a:gd name="T21" fmla="*/ 665 h 692"/>
+              <a:gd name="T22" fmla="*/ 561 w 785"/>
+              <a:gd name="T23" fmla="*/ 692 h 692"/>
+              <a:gd name="T24" fmla="*/ 225 w 785"/>
+              <a:gd name="T25" fmla="*/ 692 h 692"/>
+            </a:gdLst>
+            <a:ahLst/>
+            <a:cxnLst>
+              <a:cxn ang="0">
+                <a:pos x="T0" y="T1"/>
+              </a:cxn>
+              <a:cxn ang="0">
+                <a:pos x="T2" y="T3"/>
+              </a:cxn>
+              <a:cxn ang="0">
+                <a:pos x="T4" y="T5"/>
+              </a:cxn>
+              <a:cxn ang="0">
+                <a:pos x="T6" y="T7"/>
+              </a:cxn>
+              <a:cxn ang="0">
+                <a:pos x="T8" y="T9"/>
+              </a:cxn>
+              <a:cxn ang="0">
+                <a:pos x="T10" y="T11"/>
+              </a:cxn>
+              <a:cxn ang="0">
+                <a:pos x="T12" y="T13"/>
+              </a:cxn>
+              <a:cxn ang="0">
+                <a:pos x="T14" y="T15"/>
+              </a:cxn>
+              <a:cxn ang="0">
+                <a:pos x="T16" y="T17"/>
+              </a:cxn>
+              <a:cxn ang="0">
+                <a:pos x="T18" y="T19"/>
+              </a:cxn>
+              <a:cxn ang="0">
+                <a:pos x="T20" y="T21"/>
+              </a:cxn>
+              <a:cxn ang="0">
+                <a:pos x="T22" y="T23"/>
+              </a:cxn>
+              <a:cxn ang="0">
+                <a:pos x="T24" y="T25"/>
+              </a:cxn>
+            </a:cxnLst>
+            <a:rect l="0" t="0" r="r" b="b"/>
+            <a:pathLst>
+              <a:path w="785" h="692">
+                <a:moveTo>
+                  <a:pt x="225" y="692"/>
+                </a:moveTo>
+                <a:cubicBezTo>
+                  <a:pt x="207" y="692"/>
+                  <a:pt x="185" y="680"/>
+                  <a:pt x="177" y="665"/>
+                </a:cubicBezTo>
+                <a:cubicBezTo>
+                  <a:pt x="9" y="374"/>
+                  <a:pt x="9" y="374"/>
+                  <a:pt x="9" y="374"/>
+                </a:cubicBezTo>
+                <a:cubicBezTo>
+                  <a:pt x="0" y="358"/>
+                  <a:pt x="0" y="334"/>
+                  <a:pt x="9" y="318"/>
+                </a:cubicBezTo>
+                <a:cubicBezTo>
+                  <a:pt x="177" y="27"/>
+                  <a:pt x="177" y="27"/>
+                  <a:pt x="177" y="27"/>
+                </a:cubicBezTo>
+                <a:cubicBezTo>
+                  <a:pt x="185" y="12"/>
+                  <a:pt x="207" y="0"/>
+                  <a:pt x="225" y="0"/>
+                </a:cubicBezTo>
+                <a:cubicBezTo>
+                  <a:pt x="561" y="0"/>
+                  <a:pt x="561" y="0"/>
+                  <a:pt x="561" y="0"/>
+                </a:cubicBezTo>
+                <a:cubicBezTo>
+                  <a:pt x="578" y="0"/>
+                  <a:pt x="600" y="12"/>
+                  <a:pt x="609" y="27"/>
+                </a:cubicBezTo>
+                <a:cubicBezTo>
+                  <a:pt x="777" y="318"/>
+                  <a:pt x="777" y="318"/>
+                  <a:pt x="777" y="318"/>
+                </a:cubicBezTo>
+                <a:cubicBezTo>
+                  <a:pt x="785" y="334"/>
+                  <a:pt x="785" y="358"/>
+                  <a:pt x="777" y="374"/>
+                </a:cubicBezTo>
+                <a:cubicBezTo>
+                  <a:pt x="609" y="665"/>
+                  <a:pt x="609" y="665"/>
+                  <a:pt x="609" y="665"/>
+                </a:cubicBezTo>
+                <a:cubicBezTo>
+                  <a:pt x="600" y="680"/>
+                  <a:pt x="578" y="692"/>
+                  <a:pt x="561" y="692"/>
+                </a:cubicBezTo>
+                <a:lnTo>
+                  <a:pt x="225" y="692"/>
+                </a:lnTo>
+                <a:close/>
+              </a:path>
+            </a:pathLst>
+          </a:custGeom>
+          <a:noFill/>
+          <a:ln w="28575" cmpd="sng">
+            <a:solidFill>
+              <a:schemeClr val="tx1"/>
+            </a:solidFill>
+          </a:ln>
+        </p:spPr>
+        <p:txBody>
+          <a:bodyPr vert="horz" wrap="square" lIns="91440" tIns="45720" rIns="91440" bIns="45720" numCol="1" anchor="t" anchorCtr="0" compatLnSpc="1">
+            <a:prstTxWarp prst="textNoShape">
+              <a:avLst/>
+            </a:prstTxWarp>
+          </a:bodyPr>
+          <a:lstStyle/>
+          <a:p>
+            <a:endParaRPr lang="en-US"/>
           </a:p>
         </p:txBody>
       </p:sp>
@@ -3732,12 +6043,32 @@
   <p:clrMapOvr>
     <a:masterClrMapping/>
   </p:clrMapOvr>
+  <mc:AlternateContent xmlns:mc="http://schemas.openxmlformats.org/markup-compatibility/2006">
+    <mc:Choice xmlns:p159="http://schemas.microsoft.com/office/powerpoint/2015/09/main" Requires="p159">
+      <p:transition xmlns:p14="http://schemas.microsoft.com/office/powerpoint/2010/main" spd="slow" p14:dur="2000">
+        <p159:morph option="byObject"/>
+      </p:transition>
+    </mc:Choice>
+    <mc:Fallback>
+      <p:transition spd="slow">
+        <p:fade/>
+      </p:transition>
+    </mc:Fallback>
+  </mc:AlternateContent>
 </p:sld>
 </file>
 
 <file path=ppt/slides/slide3.xml><?xml version="1.0" encoding="utf-8"?>
 <p:sld xmlns:a="http://schemas.openxmlformats.org/drawingml/2006/main" xmlns:r="http://schemas.openxmlformats.org/officeDocument/2006/relationships" xmlns:p="http://schemas.openxmlformats.org/presentationml/2006/main">
   <p:cSld>
+    <p:bg>
+      <p:bgPr>
+        <a:solidFill>
+          <a:schemeClr val="bg1"/>
+        </a:solidFill>
+        <a:effectLst/>
+      </p:bgPr>
+    </p:bg>
     <p:spTree>
       <p:nvGrpSpPr>
         <p:cNvPr id="1" name=""/>
@@ -3762,15 +6093,23 @@
             <p:ph type="title"/>
           </p:nvPr>
         </p:nvSpPr>
-        <p:spPr/>
-        <p:txBody>
-          <a:bodyPr/>
-          <a:lstStyle/>
-          <a:p>
-            <a:r>
-              <a:rPr lang="hu-HU" dirty="0"/>
-              <a:t>3D lézerszkenner </a:t>
-            </a:r>
+        <p:spPr>
+          <a:xfrm>
+            <a:off x="648929" y="629266"/>
+            <a:ext cx="3505495" cy="1622321"/>
+          </a:xfrm>
+        </p:spPr>
+        <p:txBody>
+          <a:bodyPr>
+            <a:normAutofit/>
+          </a:bodyPr>
+          <a:lstStyle/>
+          <a:p>
+            <a:r>
+              <a:rPr lang="hu-HU"/>
+              <a:t>Sztereó</a:t>
+            </a:r>
+            <a:endParaRPr lang="hu-HU" dirty="0"/>
           </a:p>
         </p:txBody>
       </p:sp>
@@ -3784,45 +6123,273 @@
             <p:ph idx="1"/>
           </p:nvPr>
         </p:nvSpPr>
-        <p:spPr/>
-        <p:txBody>
-          <a:bodyPr/>
-          <a:lstStyle/>
-          <a:p>
-            <a:r>
-              <a:rPr lang="hu-HU" dirty="0" smtClean="0"/>
-              <a:t>Forgóasztal + </a:t>
-            </a:r>
-            <a:r>
-              <a:rPr lang="hu-HU" dirty="0" err="1" smtClean="0"/>
-              <a:t>befogogó</a:t>
-            </a:r>
-            <a:r>
-              <a:rPr lang="hu-HU" dirty="0" smtClean="0"/>
-              <a:t> -&gt; komplett 3D </a:t>
-            </a:r>
-            <a:r>
-              <a:rPr lang="hu-HU" dirty="0"/>
-              <a:t>modell </a:t>
-            </a:r>
-            <a:endParaRPr lang="hu-HU" dirty="0" smtClean="0"/>
-          </a:p>
-          <a:p>
-            <a:r>
-              <a:rPr lang="hu-HU" dirty="0" smtClean="0"/>
-              <a:t>RGB kamera</a:t>
-            </a:r>
-            <a:r>
-              <a:rPr lang="hu-HU" dirty="0"/>
-              <a:t> </a:t>
-            </a:r>
-            <a:r>
-              <a:rPr lang="hu-HU" dirty="0" smtClean="0"/>
-              <a:t>3D </a:t>
-            </a:r>
-            <a:r>
-              <a:rPr lang="hu-HU" dirty="0"/>
-              <a:t>felszín ÉS textúra.</a:t>
+        <p:spPr>
+          <a:xfrm>
+            <a:off x="648931" y="2438400"/>
+            <a:ext cx="3505494" cy="3785419"/>
+          </a:xfrm>
+        </p:spPr>
+        <p:txBody>
+          <a:bodyPr>
+            <a:normAutofit/>
+          </a:bodyPr>
+          <a:lstStyle/>
+          <a:p>
+            <a:r>
+              <a:rPr lang="hu-HU" sz="2000"/>
+              <a:t>Az emberi látást utánozza</a:t>
+            </a:r>
+          </a:p>
+          <a:p>
+            <a:r>
+              <a:rPr lang="hu-HU" sz="2000"/>
+              <a:t>Két kamera szükséges</a:t>
+            </a:r>
+          </a:p>
+          <a:p>
+            <a:r>
+              <a:rPr lang="hu-HU" sz="2000"/>
+              <a:t>Nincs szüksége aktív világításra</a:t>
+            </a:r>
+          </a:p>
+          <a:p>
+            <a:r>
+              <a:rPr lang="hu-HU" sz="2000"/>
+              <a:t>Nagy hatótávolságú</a:t>
+            </a:r>
+          </a:p>
+          <a:p>
+            <a:r>
+              <a:rPr lang="hu-HU" sz="2000"/>
+              <a:t>Érzékeny a sima felületekre</a:t>
+            </a:r>
+          </a:p>
+          <a:p>
+            <a:r>
+              <a:rPr lang="hu-HU" sz="2000"/>
+              <a:t>Bonyolult mérési számítás</a:t>
+            </a:r>
+          </a:p>
+          <a:p>
+            <a:endParaRPr lang="hu-HU" sz="2000"/>
+          </a:p>
+        </p:txBody>
+      </p:sp>
+      <p:sp>
+        <p:nvSpPr>
+          <p:cNvPr id="13" name="Rectangle 12">
+            <a:extLst>
+              <a:ext uri="{FF2B5EF4-FFF2-40B4-BE49-F238E27FC236}">
+                <a16:creationId xmlns:a16="http://schemas.microsoft.com/office/drawing/2014/main" id="{5E39A796-BE83-48B1-B33F-35C4A32AAB57}"/>
+              </a:ext>
+              <a:ext uri="{C183D7F6-B498-43B3-948B-1728B52AA6E4}">
+                <adec:decorative xmlns:adec="http://schemas.microsoft.com/office/drawing/2017/decorative" val="1"/>
+              </a:ext>
+            </a:extLst>
+          </p:cNvPr>
+          <p:cNvSpPr>
+            <a:spLocks noGrp="1" noRot="1" noChangeAspect="1" noMove="1" noResize="1" noEditPoints="1" noAdjustHandles="1" noChangeArrowheads="1" noChangeShapeType="1" noTextEdit="1"/>
+          </p:cNvSpPr>
+          <p:nvPr>
+            <p:extLst>
+              <p:ext uri="{386F3935-93C4-4BCD-93E2-E3B085C9AB24}">
+                <p16:designElem xmlns:p16="http://schemas.microsoft.com/office/powerpoint/2015/main" val="1"/>
+              </p:ext>
+            </p:extLst>
+          </p:nvPr>
+        </p:nvSpPr>
+        <p:spPr>
+          <a:xfrm>
+            <a:off x="4639056" y="0"/>
+            <a:ext cx="7552944" cy="6858000"/>
+          </a:xfrm>
+          <a:prstGeom prst="rect">
+            <a:avLst/>
+          </a:prstGeom>
+          <a:solidFill>
+            <a:srgbClr val="C8CACA"/>
+          </a:solidFill>
+          <a:ln>
+            <a:noFill/>
+          </a:ln>
+        </p:spPr>
+        <p:style>
+          <a:lnRef idx="2">
+            <a:schemeClr val="accent1">
+              <a:shade val="50000"/>
+            </a:schemeClr>
+          </a:lnRef>
+          <a:fillRef idx="1">
+            <a:schemeClr val="accent1"/>
+          </a:fillRef>
+          <a:effectRef idx="0">
+            <a:schemeClr val="accent1"/>
+          </a:effectRef>
+          <a:fontRef idx="minor">
+            <a:schemeClr val="lt1"/>
+          </a:fontRef>
+        </p:style>
+        <p:txBody>
+          <a:bodyPr rtlCol="0" anchor="ctr"/>
+          <a:lstStyle/>
+          <a:p>
+            <a:pPr algn="ctr"/>
+            <a:endParaRPr lang="en-US"/>
+          </a:p>
+        </p:txBody>
+      </p:sp>
+      <p:sp>
+        <p:nvSpPr>
+          <p:cNvPr id="15" name="Rounded Rectangle 9">
+            <a:extLst>
+              <a:ext uri="{FF2B5EF4-FFF2-40B4-BE49-F238E27FC236}">
+                <a16:creationId xmlns:a16="http://schemas.microsoft.com/office/drawing/2014/main" id="{72F84B47-E267-4194-8194-831DB7B5547F}"/>
+              </a:ext>
+              <a:ext uri="{C183D7F6-B498-43B3-948B-1728B52AA6E4}">
+                <adec:decorative xmlns:adec="http://schemas.microsoft.com/office/drawing/2017/decorative" val="1"/>
+              </a:ext>
+            </a:extLst>
+          </p:cNvPr>
+          <p:cNvSpPr>
+            <a:spLocks noGrp="1" noRot="1" noChangeAspect="1" noMove="1" noResize="1" noEditPoints="1" noAdjustHandles="1" noChangeArrowheads="1" noChangeShapeType="1" noTextEdit="1"/>
+          </p:cNvSpPr>
+          <p:nvPr>
+            <p:extLst>
+              <p:ext uri="{386F3935-93C4-4BCD-93E2-E3B085C9AB24}">
+                <p16:designElem xmlns:p16="http://schemas.microsoft.com/office/powerpoint/2015/main" val="1"/>
+              </p:ext>
+            </p:extLst>
+          </p:nvPr>
+        </p:nvSpPr>
+        <p:spPr>
+          <a:xfrm>
+            <a:off x="5123688" y="557784"/>
+            <a:ext cx="6584098" cy="5739187"/>
+          </a:xfrm>
+          <a:prstGeom prst="roundRect">
+            <a:avLst>
+              <a:gd name="adj" fmla="val 0"/>
+            </a:avLst>
+          </a:prstGeom>
+          <a:solidFill>
+            <a:srgbClr val="FFFFFF"/>
+          </a:solidFill>
+          <a:ln w="9525">
+            <a:solidFill>
+              <a:srgbClr val="C8CACA"/>
+            </a:solidFill>
+          </a:ln>
+          <a:effectLst>
+            <a:outerShdw blurRad="57150" dist="19050" dir="5400000" algn="t" rotWithShape="0">
+              <a:prstClr val="black">
+                <a:alpha val="63000"/>
+              </a:prstClr>
+            </a:outerShdw>
+          </a:effectLst>
+        </p:spPr>
+        <p:style>
+          <a:lnRef idx="2">
+            <a:schemeClr val="accent1">
+              <a:shade val="50000"/>
+            </a:schemeClr>
+          </a:lnRef>
+          <a:fillRef idx="1">
+            <a:schemeClr val="accent1"/>
+          </a:fillRef>
+          <a:effectRef idx="0">
+            <a:schemeClr val="accent1"/>
+          </a:effectRef>
+          <a:fontRef idx="minor">
+            <a:schemeClr val="lt1"/>
+          </a:fontRef>
+        </p:style>
+        <p:txBody>
+          <a:bodyPr rtlCol="0" anchor="ctr"/>
+          <a:lstStyle/>
+          <a:p>
+            <a:pPr algn="ctr"/>
+            <a:endParaRPr lang="en-US"/>
+          </a:p>
+        </p:txBody>
+      </p:sp>
+      <p:pic>
+        <p:nvPicPr>
+          <p:cNvPr id="6" name="Kép 5">
+            <a:extLst>
+              <a:ext uri="{FF2B5EF4-FFF2-40B4-BE49-F238E27FC236}">
+                <a16:creationId xmlns:a16="http://schemas.microsoft.com/office/drawing/2014/main" id="{6E84181D-9915-750A-29CC-D099A00E1B3A}"/>
+              </a:ext>
+            </a:extLst>
+          </p:cNvPr>
+          <p:cNvPicPr>
+            <a:picLocks noChangeAspect="1"/>
+          </p:cNvPicPr>
+          <p:nvPr/>
+        </p:nvPicPr>
+        <p:blipFill>
+          <a:blip r:embed="rId2"/>
+          <a:stretch>
+            <a:fillRect/>
+          </a:stretch>
+        </p:blipFill>
+        <p:spPr>
+          <a:xfrm>
+            <a:off x="6070821" y="807593"/>
+            <a:ext cx="4689413" cy="5239568"/>
+          </a:xfrm>
+          <a:prstGeom prst="rect">
+            <a:avLst/>
+          </a:prstGeom>
+          <a:effectLst/>
+        </p:spPr>
+      </p:pic>
+      <p:sp>
+        <p:nvSpPr>
+          <p:cNvPr id="4" name="Szövegdoboz 3">
+            <a:extLst>
+              <a:ext uri="{FF2B5EF4-FFF2-40B4-BE49-F238E27FC236}">
+                <a16:creationId xmlns:a16="http://schemas.microsoft.com/office/drawing/2014/main" id="{0769D888-52A6-0D2C-5D2B-F63E48001BF2}"/>
+              </a:ext>
+            </a:extLst>
+          </p:cNvPr>
+          <p:cNvSpPr txBox="1"/>
+          <p:nvPr/>
+        </p:nvSpPr>
+        <p:spPr>
+          <a:xfrm>
+            <a:off x="5523738" y="5978068"/>
+            <a:ext cx="6019331" cy="280514"/>
+          </a:xfrm>
+          <a:prstGeom prst="rect">
+            <a:avLst/>
+          </a:prstGeom>
+          <a:solidFill>
+            <a:srgbClr val="000000">
+              <a:alpha val="50000"/>
+            </a:srgbClr>
+          </a:solidFill>
+          <a:ln>
+            <a:noFill/>
+          </a:ln>
+        </p:spPr>
+        <p:txBody>
+          <a:bodyPr wrap="square">
+            <a:noAutofit/>
+          </a:bodyPr>
+          <a:lstStyle/>
+          <a:p>
+            <a:pPr algn="ctr">
+              <a:spcAft>
+                <a:spcPts val="600"/>
+              </a:spcAft>
+            </a:pPr>
+            <a:r>
+              <a:rPr lang="hu-HU" sz="1300" dirty="0">
+                <a:solidFill>
+                  <a:srgbClr val="FFFFFF"/>
+                </a:solidFill>
+              </a:rPr>
+              <a:t>https://www.zivid.com/3d-vision-technology-principles#active-stereo</a:t>
             </a:r>
           </a:p>
         </p:txBody>
@@ -3830,19 +6397,39 @@
     </p:spTree>
     <p:extLst>
       <p:ext uri="{BB962C8B-B14F-4D97-AF65-F5344CB8AC3E}">
-        <p14:creationId xmlns:p14="http://schemas.microsoft.com/office/powerpoint/2010/main" val="2258301444"/>
+        <p14:creationId xmlns:p14="http://schemas.microsoft.com/office/powerpoint/2010/main" val="2006933350"/>
       </p:ext>
     </p:extLst>
   </p:cSld>
   <p:clrMapOvr>
     <a:masterClrMapping/>
   </p:clrMapOvr>
+  <mc:AlternateContent xmlns:mc="http://schemas.openxmlformats.org/markup-compatibility/2006">
+    <mc:Choice xmlns:p159="http://schemas.microsoft.com/office/powerpoint/2015/09/main" Requires="p159">
+      <p:transition xmlns:p14="http://schemas.microsoft.com/office/powerpoint/2010/main" spd="slow" p14:dur="2000">
+        <p159:morph option="byObject"/>
+      </p:transition>
+    </mc:Choice>
+    <mc:Fallback>
+      <p:transition spd="slow">
+        <p:fade/>
+      </p:transition>
+    </mc:Fallback>
+  </mc:AlternateContent>
 </p:sld>
 </file>
 
 <file path=ppt/slides/slide4.xml><?xml version="1.0" encoding="utf-8"?>
 <p:sld xmlns:a="http://schemas.openxmlformats.org/drawingml/2006/main" xmlns:r="http://schemas.openxmlformats.org/officeDocument/2006/relationships" xmlns:p="http://schemas.openxmlformats.org/presentationml/2006/main">
   <p:cSld>
+    <p:bg>
+      <p:bgPr>
+        <a:solidFill>
+          <a:schemeClr val="bg1"/>
+        </a:solidFill>
+        <a:effectLst/>
+      </p:bgPr>
+    </p:bg>
     <p:spTree>
       <p:nvGrpSpPr>
         <p:cNvPr id="1" name=""/>
@@ -3867,14 +6454,21 @@
             <p:ph type="title"/>
           </p:nvPr>
         </p:nvSpPr>
-        <p:spPr/>
-        <p:txBody>
-          <a:bodyPr/>
-          <a:lstStyle/>
-          <a:p>
-            <a:r>
-              <a:rPr lang="hu-HU" dirty="0" smtClean="0"/>
-              <a:t>Mi az a pontfelhő?</a:t>
+        <p:spPr>
+          <a:xfrm>
+            <a:off x="648929" y="629266"/>
+            <a:ext cx="3505495" cy="1622321"/>
+          </a:xfrm>
+        </p:spPr>
+        <p:txBody>
+          <a:bodyPr>
+            <a:normAutofit/>
+          </a:bodyPr>
+          <a:lstStyle/>
+          <a:p>
+            <a:r>
+              <a:rPr lang="hu-HU"/>
+              <a:t>Aktív sztereó</a:t>
             </a:r>
             <a:endParaRPr lang="hu-HU" dirty="0"/>
           </a:p>
@@ -3890,94 +6484,261 @@
             <p:ph idx="1"/>
           </p:nvPr>
         </p:nvSpPr>
-        <p:spPr/>
-        <p:txBody>
-          <a:bodyPr/>
-          <a:lstStyle/>
-          <a:p>
-            <a:r>
-              <a:rPr lang="hu-HU" dirty="0" smtClean="0"/>
-              <a:t>Pontosan megmért helyzetű pontok</a:t>
-            </a:r>
-          </a:p>
-          <a:p>
-            <a:r>
-              <a:rPr lang="hu-HU" dirty="0" smtClean="0"/>
-              <a:t>3D </a:t>
-            </a:r>
-            <a:r>
-              <a:rPr lang="hu-HU" dirty="0" smtClean="0"/>
-              <a:t>koordinátarendszerben vannak elhelyezve</a:t>
-            </a:r>
-            <a:endParaRPr lang="hu-HU" dirty="0"/>
+        <p:spPr>
+          <a:xfrm>
+            <a:off x="648931" y="2438400"/>
+            <a:ext cx="3505494" cy="3785419"/>
+          </a:xfrm>
+        </p:spPr>
+        <p:txBody>
+          <a:bodyPr>
+            <a:normAutofit/>
+          </a:bodyPr>
+          <a:lstStyle/>
+          <a:p>
+            <a:r>
+              <a:rPr lang="hu-HU" sz="2000"/>
+              <a:t>Emberi látást utánozza</a:t>
+            </a:r>
+          </a:p>
+          <a:p>
+            <a:r>
+              <a:rPr lang="hu-HU" sz="2000"/>
+              <a:t>Aktív fényforrásra van szüksége (projektor)</a:t>
+            </a:r>
+          </a:p>
+          <a:p>
+            <a:r>
+              <a:rPr lang="hu-HU" sz="2000"/>
+              <a:t>Sima felületek nem zavarják</a:t>
+            </a:r>
+          </a:p>
+          <a:p>
+            <a:r>
+              <a:rPr lang="hu-HU" sz="2000"/>
+              <a:t>Rövid hatótáv</a:t>
+            </a:r>
+          </a:p>
+          <a:p>
+            <a:endParaRPr lang="hu-HU" sz="2000"/>
+          </a:p>
+        </p:txBody>
+      </p:sp>
+      <p:sp>
+        <p:nvSpPr>
+          <p:cNvPr id="12" name="Rectangle 11">
+            <a:extLst>
+              <a:ext uri="{FF2B5EF4-FFF2-40B4-BE49-F238E27FC236}">
+                <a16:creationId xmlns:a16="http://schemas.microsoft.com/office/drawing/2014/main" id="{5E39A796-BE83-48B1-B33F-35C4A32AAB57}"/>
+              </a:ext>
+              <a:ext uri="{C183D7F6-B498-43B3-948B-1728B52AA6E4}">
+                <adec:decorative xmlns:adec="http://schemas.microsoft.com/office/drawing/2017/decorative" val="1"/>
+              </a:ext>
+            </a:extLst>
+          </p:cNvPr>
+          <p:cNvSpPr>
+            <a:spLocks noGrp="1" noRot="1" noChangeAspect="1" noMove="1" noResize="1" noEditPoints="1" noAdjustHandles="1" noChangeArrowheads="1" noChangeShapeType="1" noTextEdit="1"/>
+          </p:cNvSpPr>
+          <p:nvPr>
+            <p:extLst>
+              <p:ext uri="{386F3935-93C4-4BCD-93E2-E3B085C9AB24}">
+                <p16:designElem xmlns:p16="http://schemas.microsoft.com/office/powerpoint/2015/main" val="1"/>
+              </p:ext>
+            </p:extLst>
+          </p:nvPr>
+        </p:nvSpPr>
+        <p:spPr>
+          <a:xfrm>
+            <a:off x="4639056" y="0"/>
+            <a:ext cx="7552944" cy="6858000"/>
+          </a:xfrm>
+          <a:prstGeom prst="rect">
+            <a:avLst/>
+          </a:prstGeom>
+          <a:solidFill>
+            <a:srgbClr val="C8CACA"/>
+          </a:solidFill>
+          <a:ln>
+            <a:noFill/>
+          </a:ln>
+        </p:spPr>
+        <p:style>
+          <a:lnRef idx="2">
+            <a:schemeClr val="accent1">
+              <a:shade val="50000"/>
+            </a:schemeClr>
+          </a:lnRef>
+          <a:fillRef idx="1">
+            <a:schemeClr val="accent1"/>
+          </a:fillRef>
+          <a:effectRef idx="0">
+            <a:schemeClr val="accent1"/>
+          </a:effectRef>
+          <a:fontRef idx="minor">
+            <a:schemeClr val="lt1"/>
+          </a:fontRef>
+        </p:style>
+        <p:txBody>
+          <a:bodyPr rtlCol="0" anchor="ctr"/>
+          <a:lstStyle/>
+          <a:p>
+            <a:pPr algn="ctr"/>
+            <a:endParaRPr lang="en-US"/>
+          </a:p>
+        </p:txBody>
+      </p:sp>
+      <p:sp>
+        <p:nvSpPr>
+          <p:cNvPr id="14" name="Rounded Rectangle 9">
+            <a:extLst>
+              <a:ext uri="{FF2B5EF4-FFF2-40B4-BE49-F238E27FC236}">
+                <a16:creationId xmlns:a16="http://schemas.microsoft.com/office/drawing/2014/main" id="{72F84B47-E267-4194-8194-831DB7B5547F}"/>
+              </a:ext>
+              <a:ext uri="{C183D7F6-B498-43B3-948B-1728B52AA6E4}">
+                <adec:decorative xmlns:adec="http://schemas.microsoft.com/office/drawing/2017/decorative" val="1"/>
+              </a:ext>
+            </a:extLst>
+          </p:cNvPr>
+          <p:cNvSpPr>
+            <a:spLocks noGrp="1" noRot="1" noChangeAspect="1" noMove="1" noResize="1" noEditPoints="1" noAdjustHandles="1" noChangeArrowheads="1" noChangeShapeType="1" noTextEdit="1"/>
+          </p:cNvSpPr>
+          <p:nvPr>
+            <p:extLst>
+              <p:ext uri="{386F3935-93C4-4BCD-93E2-E3B085C9AB24}">
+                <p16:designElem xmlns:p16="http://schemas.microsoft.com/office/powerpoint/2015/main" val="1"/>
+              </p:ext>
+            </p:extLst>
+          </p:nvPr>
+        </p:nvSpPr>
+        <p:spPr>
+          <a:xfrm>
+            <a:off x="5123688" y="557784"/>
+            <a:ext cx="6584098" cy="5739187"/>
+          </a:xfrm>
+          <a:prstGeom prst="roundRect">
+            <a:avLst>
+              <a:gd name="adj" fmla="val 0"/>
+            </a:avLst>
+          </a:prstGeom>
+          <a:solidFill>
+            <a:srgbClr val="FFFFFF"/>
+          </a:solidFill>
+          <a:ln w="9525">
+            <a:solidFill>
+              <a:srgbClr val="C8CACA"/>
+            </a:solidFill>
+          </a:ln>
+          <a:effectLst>
+            <a:outerShdw blurRad="57150" dist="19050" dir="5400000" algn="t" rotWithShape="0">
+              <a:prstClr val="black">
+                <a:alpha val="63000"/>
+              </a:prstClr>
+            </a:outerShdw>
+          </a:effectLst>
+        </p:spPr>
+        <p:style>
+          <a:lnRef idx="2">
+            <a:schemeClr val="accent1">
+              <a:shade val="50000"/>
+            </a:schemeClr>
+          </a:lnRef>
+          <a:fillRef idx="1">
+            <a:schemeClr val="accent1"/>
+          </a:fillRef>
+          <a:effectRef idx="0">
+            <a:schemeClr val="accent1"/>
+          </a:effectRef>
+          <a:fontRef idx="minor">
+            <a:schemeClr val="lt1"/>
+          </a:fontRef>
+        </p:style>
+        <p:txBody>
+          <a:bodyPr rtlCol="0" anchor="ctr"/>
+          <a:lstStyle/>
+          <a:p>
+            <a:pPr algn="ctr"/>
+            <a:endParaRPr lang="en-US"/>
           </a:p>
         </p:txBody>
       </p:sp>
       <p:pic>
         <p:nvPicPr>
-          <p:cNvPr id="5" name="Picture 2" descr="modeling_point-cloud_example.png (1048×616)"/>
+          <p:cNvPr id="4" name="Kép 3">
+            <a:extLst>
+              <a:ext uri="{FF2B5EF4-FFF2-40B4-BE49-F238E27FC236}">
+                <a16:creationId xmlns:a16="http://schemas.microsoft.com/office/drawing/2014/main" id="{09A57678-BE22-A1A3-03FD-AC8E4F96B188}"/>
+              </a:ext>
+            </a:extLst>
+          </p:cNvPr>
           <p:cNvPicPr>
-            <a:picLocks noChangeAspect="1" noChangeArrowheads="1"/>
+            <a:picLocks noChangeAspect="1"/>
           </p:cNvPicPr>
           <p:nvPr/>
         </p:nvPicPr>
         <p:blipFill>
-          <a:blip r:embed="rId2">
-            <a:extLst>
-              <a:ext uri="{28A0092B-C50C-407E-A947-70E740481C1C}">
-                <a14:useLocalDpi xmlns:a14="http://schemas.microsoft.com/office/drawing/2010/main" val="0"/>
-              </a:ext>
-            </a:extLst>
-          </a:blip>
-          <a:srcRect/>
+          <a:blip r:embed="rId2"/>
           <a:stretch>
             <a:fillRect/>
           </a:stretch>
         </p:blipFill>
-        <p:spPr bwMode="auto">
+        <p:spPr>
           <a:xfrm>
-            <a:off x="6981825" y="3541614"/>
-            <a:ext cx="5210175" cy="3062470"/>
+            <a:off x="5405862" y="876685"/>
+            <a:ext cx="6019331" cy="5101383"/>
           </a:xfrm>
           <a:prstGeom prst="rect">
             <a:avLst/>
           </a:prstGeom>
-          <a:noFill/>
-          <a:extLst>
-            <a:ext uri="{909E8E84-426E-40DD-AFC4-6F175D3DCCD1}">
-              <a14:hiddenFill xmlns:a14="http://schemas.microsoft.com/office/drawing/2010/main">
-                <a:solidFill>
-                  <a:srgbClr val="FFFFFF"/>
-                </a:solidFill>
-              </a14:hiddenFill>
-            </a:ext>
-          </a:extLst>
+          <a:effectLst/>
         </p:spPr>
       </p:pic>
       <p:sp>
         <p:nvSpPr>
-          <p:cNvPr id="6" name="Téglalap 5"/>
-          <p:cNvSpPr/>
+          <p:cNvPr id="5" name="Szövegdoboz 4">
+            <a:extLst>
+              <a:ext uri="{FF2B5EF4-FFF2-40B4-BE49-F238E27FC236}">
+                <a16:creationId xmlns:a16="http://schemas.microsoft.com/office/drawing/2014/main" id="{42E7C736-6553-3B7E-46EB-64B02CFC3B10}"/>
+              </a:ext>
+            </a:extLst>
+          </p:cNvPr>
+          <p:cNvSpPr txBox="1"/>
           <p:nvPr/>
         </p:nvSpPr>
         <p:spPr>
           <a:xfrm>
-            <a:off x="7231062" y="6604084"/>
-            <a:ext cx="5118100" cy="253916"/>
+            <a:off x="5523738" y="5978068"/>
+            <a:ext cx="6019331" cy="280514"/>
           </a:xfrm>
           <a:prstGeom prst="rect">
             <a:avLst/>
           </a:prstGeom>
+          <a:solidFill>
+            <a:srgbClr val="000000">
+              <a:alpha val="50000"/>
+            </a:srgbClr>
+          </a:solidFill>
+          <a:ln>
+            <a:noFill/>
+          </a:ln>
         </p:spPr>
         <p:txBody>
           <a:bodyPr wrap="square">
-            <a:spAutoFit/>
+            <a:noAutofit/>
           </a:bodyPr>
           <a:lstStyle/>
           <a:p>
-            <a:r>
-              <a:rPr lang="hu-HU" sz="1050" dirty="0"/>
-              <a:t>https://docs.blender.org/manual/en/latest/_images/modeling_point-cloud_example.png</a:t>
+            <a:pPr algn="ctr">
+              <a:spcAft>
+                <a:spcPts val="600"/>
+              </a:spcAft>
+            </a:pPr>
+            <a:r>
+              <a:rPr lang="hu-HU" sz="1300" dirty="0">
+                <a:solidFill>
+                  <a:srgbClr val="FFFFFF"/>
+                </a:solidFill>
+              </a:rPr>
+              <a:t>https://www.zivid.com/3d-vision-technology-principles#active-stereo</a:t>
             </a:r>
           </a:p>
         </p:txBody>
@@ -3985,19 +6746,39 @@
     </p:spTree>
     <p:extLst>
       <p:ext uri="{BB962C8B-B14F-4D97-AF65-F5344CB8AC3E}">
-        <p14:creationId xmlns:p14="http://schemas.microsoft.com/office/powerpoint/2010/main" val="3441424514"/>
+        <p14:creationId xmlns:p14="http://schemas.microsoft.com/office/powerpoint/2010/main" val="1510026493"/>
       </p:ext>
     </p:extLst>
   </p:cSld>
   <p:clrMapOvr>
     <a:masterClrMapping/>
   </p:clrMapOvr>
+  <mc:AlternateContent xmlns:mc="http://schemas.openxmlformats.org/markup-compatibility/2006">
+    <mc:Choice xmlns:p159="http://schemas.microsoft.com/office/powerpoint/2015/09/main" Requires="p159">
+      <p:transition xmlns:p14="http://schemas.microsoft.com/office/powerpoint/2010/main" spd="slow" p14:dur="2000">
+        <p159:morph option="byObject"/>
+      </p:transition>
+    </mc:Choice>
+    <mc:Fallback>
+      <p:transition spd="slow">
+        <p:fade/>
+      </p:transition>
+    </mc:Fallback>
+  </mc:AlternateContent>
 </p:sld>
 </file>
 
 <file path=ppt/slides/slide5.xml><?xml version="1.0" encoding="utf-8"?>
 <p:sld xmlns:a="http://schemas.openxmlformats.org/drawingml/2006/main" xmlns:r="http://schemas.openxmlformats.org/officeDocument/2006/relationships" xmlns:p="http://schemas.openxmlformats.org/presentationml/2006/main">
   <p:cSld>
+    <p:bg>
+      <p:bgPr>
+        <a:solidFill>
+          <a:schemeClr val="bg1"/>
+        </a:solidFill>
+        <a:effectLst/>
+      </p:bgPr>
+    </p:bg>
     <p:spTree>
       <p:nvGrpSpPr>
         <p:cNvPr id="1" name=""/>
@@ -4022,14 +6803,21 @@
             <p:ph type="title"/>
           </p:nvPr>
         </p:nvSpPr>
-        <p:spPr/>
-        <p:txBody>
-          <a:bodyPr/>
-          <a:lstStyle/>
-          <a:p>
-            <a:r>
-              <a:rPr lang="hu-HU" dirty="0" smtClean="0"/>
-              <a:t>3D kamera működése</a:t>
+        <p:spPr>
+          <a:xfrm>
+            <a:off x="648929" y="629266"/>
+            <a:ext cx="3505495" cy="1622321"/>
+          </a:xfrm>
+        </p:spPr>
+        <p:txBody>
+          <a:bodyPr>
+            <a:normAutofit/>
+          </a:bodyPr>
+          <a:lstStyle/>
+          <a:p>
+            <a:r>
+              <a:rPr lang="hu-HU"/>
+              <a:t>Lézeres profilalkotás</a:t>
             </a:r>
             <a:endParaRPr lang="hu-HU" dirty="0"/>
           </a:p>
@@ -4045,43 +6833,326 @@
             <p:ph idx="1"/>
           </p:nvPr>
         </p:nvSpPr>
-        <p:spPr/>
-        <p:txBody>
-          <a:bodyPr/>
-          <a:lstStyle/>
-          <a:p>
-            <a:r>
-              <a:rPr lang="hu-HU" dirty="0" smtClean="0"/>
-              <a:t>A pontok távolságát méri</a:t>
-            </a:r>
-          </a:p>
-          <a:p>
-            <a:r>
-              <a:rPr lang="hu-HU" dirty="0" smtClean="0"/>
-              <a:t>A fény sebessége/idő/2 = távolság</a:t>
-            </a:r>
-          </a:p>
-          <a:p>
-            <a:endParaRPr lang="hu-HU" dirty="0"/>
+        <p:spPr>
+          <a:xfrm>
+            <a:off x="648931" y="2438400"/>
+            <a:ext cx="3505494" cy="3785419"/>
+          </a:xfrm>
+        </p:spPr>
+        <p:txBody>
+          <a:bodyPr>
+            <a:normAutofit/>
+          </a:bodyPr>
+          <a:lstStyle/>
+          <a:p>
+            <a:r>
+              <a:rPr lang="hu-HU" sz="2000"/>
+              <a:t>Lézeres vonal háromszögelés</a:t>
+            </a:r>
+          </a:p>
+          <a:p>
+            <a:r>
+              <a:rPr lang="hu-HU" sz="2000"/>
+              <a:t>Lézeres fényforrás</a:t>
+            </a:r>
+          </a:p>
+          <a:p>
+            <a:r>
+              <a:rPr lang="hu-HU" sz="2000"/>
+              <a:t>Lézeres vonal elmozdulását használja</a:t>
+            </a:r>
+          </a:p>
+          <a:p>
+            <a:r>
+              <a:rPr lang="hu-HU" sz="2000"/>
+              <a:t>Egyszerű mérési elv</a:t>
+            </a:r>
+          </a:p>
+          <a:p>
+            <a:r>
+              <a:rPr lang="hu-HU" sz="2000"/>
+              <a:t>Lassú</a:t>
+            </a:r>
+          </a:p>
+          <a:p>
+            <a:r>
+              <a:rPr lang="hu-HU" sz="2000"/>
+              <a:t>Színtelen</a:t>
+            </a:r>
+          </a:p>
+        </p:txBody>
+      </p:sp>
+      <p:sp>
+        <p:nvSpPr>
+          <p:cNvPr id="1031" name="Rectangle 1030">
+            <a:extLst>
+              <a:ext uri="{FF2B5EF4-FFF2-40B4-BE49-F238E27FC236}">
+                <a16:creationId xmlns:a16="http://schemas.microsoft.com/office/drawing/2014/main" id="{5E39A796-BE83-48B1-B33F-35C4A32AAB57}"/>
+              </a:ext>
+              <a:ext uri="{C183D7F6-B498-43B3-948B-1728B52AA6E4}">
+                <adec:decorative xmlns:adec="http://schemas.microsoft.com/office/drawing/2017/decorative" val="1"/>
+              </a:ext>
+            </a:extLst>
+          </p:cNvPr>
+          <p:cNvSpPr>
+            <a:spLocks noGrp="1" noRot="1" noChangeAspect="1" noMove="1" noResize="1" noEditPoints="1" noAdjustHandles="1" noChangeArrowheads="1" noChangeShapeType="1" noTextEdit="1"/>
+          </p:cNvSpPr>
+          <p:nvPr>
+            <p:extLst>
+              <p:ext uri="{386F3935-93C4-4BCD-93E2-E3B085C9AB24}">
+                <p16:designElem xmlns:p16="http://schemas.microsoft.com/office/powerpoint/2015/main" val="1"/>
+              </p:ext>
+            </p:extLst>
+          </p:nvPr>
+        </p:nvSpPr>
+        <p:spPr>
+          <a:xfrm>
+            <a:off x="4639056" y="0"/>
+            <a:ext cx="7552944" cy="6858000"/>
+          </a:xfrm>
+          <a:prstGeom prst="rect">
+            <a:avLst/>
+          </a:prstGeom>
+          <a:solidFill>
+            <a:srgbClr val="C8CACA"/>
+          </a:solidFill>
+          <a:ln>
+            <a:noFill/>
+          </a:ln>
+        </p:spPr>
+        <p:style>
+          <a:lnRef idx="2">
+            <a:schemeClr val="accent1">
+              <a:shade val="50000"/>
+            </a:schemeClr>
+          </a:lnRef>
+          <a:fillRef idx="1">
+            <a:schemeClr val="accent1"/>
+          </a:fillRef>
+          <a:effectRef idx="0">
+            <a:schemeClr val="accent1"/>
+          </a:effectRef>
+          <a:fontRef idx="minor">
+            <a:schemeClr val="lt1"/>
+          </a:fontRef>
+        </p:style>
+        <p:txBody>
+          <a:bodyPr rtlCol="0" anchor="ctr"/>
+          <a:lstStyle/>
+          <a:p>
+            <a:pPr algn="ctr"/>
+            <a:endParaRPr lang="en-US"/>
+          </a:p>
+        </p:txBody>
+      </p:sp>
+      <p:sp>
+        <p:nvSpPr>
+          <p:cNvPr id="1033" name="Rounded Rectangle 9">
+            <a:extLst>
+              <a:ext uri="{FF2B5EF4-FFF2-40B4-BE49-F238E27FC236}">
+                <a16:creationId xmlns:a16="http://schemas.microsoft.com/office/drawing/2014/main" id="{72F84B47-E267-4194-8194-831DB7B5547F}"/>
+              </a:ext>
+              <a:ext uri="{C183D7F6-B498-43B3-948B-1728B52AA6E4}">
+                <adec:decorative xmlns:adec="http://schemas.microsoft.com/office/drawing/2017/decorative" val="1"/>
+              </a:ext>
+            </a:extLst>
+          </p:cNvPr>
+          <p:cNvSpPr>
+            <a:spLocks noGrp="1" noRot="1" noChangeAspect="1" noMove="1" noResize="1" noEditPoints="1" noAdjustHandles="1" noChangeArrowheads="1" noChangeShapeType="1" noTextEdit="1"/>
+          </p:cNvSpPr>
+          <p:nvPr>
+            <p:extLst>
+              <p:ext uri="{386F3935-93C4-4BCD-93E2-E3B085C9AB24}">
+                <p16:designElem xmlns:p16="http://schemas.microsoft.com/office/powerpoint/2015/main" val="1"/>
+              </p:ext>
+            </p:extLst>
+          </p:nvPr>
+        </p:nvSpPr>
+        <p:spPr>
+          <a:xfrm>
+            <a:off x="5123688" y="557784"/>
+            <a:ext cx="6584098" cy="5739187"/>
+          </a:xfrm>
+          <a:prstGeom prst="roundRect">
+            <a:avLst>
+              <a:gd name="adj" fmla="val 0"/>
+            </a:avLst>
+          </a:prstGeom>
+          <a:solidFill>
+            <a:srgbClr val="FFFFFF"/>
+          </a:solidFill>
+          <a:ln w="9525">
+            <a:solidFill>
+              <a:srgbClr val="C8CACA"/>
+            </a:solidFill>
+          </a:ln>
+          <a:effectLst>
+            <a:outerShdw blurRad="57150" dist="19050" dir="5400000" algn="t" rotWithShape="0">
+              <a:prstClr val="black">
+                <a:alpha val="63000"/>
+              </a:prstClr>
+            </a:outerShdw>
+          </a:effectLst>
+        </p:spPr>
+        <p:style>
+          <a:lnRef idx="2">
+            <a:schemeClr val="accent1">
+              <a:shade val="50000"/>
+            </a:schemeClr>
+          </a:lnRef>
+          <a:fillRef idx="1">
+            <a:schemeClr val="accent1"/>
+          </a:fillRef>
+          <a:effectRef idx="0">
+            <a:schemeClr val="accent1"/>
+          </a:effectRef>
+          <a:fontRef idx="minor">
+            <a:schemeClr val="lt1"/>
+          </a:fontRef>
+        </p:style>
+        <p:txBody>
+          <a:bodyPr rtlCol="0" anchor="ctr"/>
+          <a:lstStyle/>
+          <a:p>
+            <a:pPr algn="ctr"/>
+            <a:endParaRPr lang="en-US"/>
+          </a:p>
+        </p:txBody>
+      </p:sp>
+      <p:pic>
+        <p:nvPicPr>
+          <p:cNvPr id="1026" name="Picture 2" descr="3D Vision technológia - Lézeres háromszögelés - Zivid">
+            <a:extLst>
+              <a:ext uri="{FF2B5EF4-FFF2-40B4-BE49-F238E27FC236}">
+                <a16:creationId xmlns:a16="http://schemas.microsoft.com/office/drawing/2014/main" id="{4470BFA2-2117-FBAA-25CE-71A1C411B5F9}"/>
+              </a:ext>
+            </a:extLst>
+          </p:cNvPr>
+          <p:cNvPicPr>
+            <a:picLocks noChangeAspect="1" noChangeArrowheads="1"/>
+          </p:cNvPicPr>
+          <p:nvPr/>
+        </p:nvPicPr>
+        <p:blipFill>
+          <a:blip r:embed="rId2">
+            <a:extLst>
+              <a:ext uri="{28A0092B-C50C-407E-A947-70E740481C1C}">
+                <a14:useLocalDpi xmlns:a14="http://schemas.microsoft.com/office/drawing/2010/main" val="0"/>
+              </a:ext>
+            </a:extLst>
+          </a:blip>
+          <a:stretch>
+            <a:fillRect/>
+          </a:stretch>
+        </p:blipFill>
+        <p:spPr bwMode="auto">
+          <a:xfrm>
+            <a:off x="5405862" y="876685"/>
+            <a:ext cx="6019331" cy="5101383"/>
+          </a:xfrm>
+          <a:prstGeom prst="rect">
+            <a:avLst/>
+          </a:prstGeom>
+          <a:noFill/>
+          <a:effectLst/>
+          <a:extLst>
+            <a:ext uri="{909E8E84-426E-40DD-AFC4-6F175D3DCCD1}">
+              <a14:hiddenFill xmlns:a14="http://schemas.microsoft.com/office/drawing/2010/main">
+                <a:solidFill>
+                  <a:srgbClr val="FFFFFF"/>
+                </a:solidFill>
+              </a14:hiddenFill>
+            </a:ext>
+          </a:extLst>
+        </p:spPr>
+      </p:pic>
+      <p:sp>
+        <p:nvSpPr>
+          <p:cNvPr id="5" name="Szövegdoboz 4">
+            <a:extLst>
+              <a:ext uri="{FF2B5EF4-FFF2-40B4-BE49-F238E27FC236}">
+                <a16:creationId xmlns:a16="http://schemas.microsoft.com/office/drawing/2014/main" id="{B820E467-9A31-B7F2-FF7B-841B92720A4C}"/>
+              </a:ext>
+            </a:extLst>
+          </p:cNvPr>
+          <p:cNvSpPr txBox="1"/>
+          <p:nvPr/>
+        </p:nvSpPr>
+        <p:spPr>
+          <a:xfrm>
+            <a:off x="5523738" y="5978068"/>
+            <a:ext cx="6019331" cy="280514"/>
+          </a:xfrm>
+          <a:prstGeom prst="rect">
+            <a:avLst/>
+          </a:prstGeom>
+          <a:solidFill>
+            <a:srgbClr val="000000">
+              <a:alpha val="50000"/>
+            </a:srgbClr>
+          </a:solidFill>
+          <a:ln>
+            <a:noFill/>
+          </a:ln>
+        </p:spPr>
+        <p:txBody>
+          <a:bodyPr wrap="square">
+            <a:noAutofit/>
+          </a:bodyPr>
+          <a:lstStyle/>
+          <a:p>
+            <a:pPr algn="ctr">
+              <a:spcAft>
+                <a:spcPts val="600"/>
+              </a:spcAft>
+            </a:pPr>
+            <a:r>
+              <a:rPr lang="hu-HU" sz="1300" dirty="0">
+                <a:solidFill>
+                  <a:srgbClr val="FFFFFF"/>
+                </a:solidFill>
+              </a:rPr>
+              <a:t>https://www.zivid.com/3d-vision-technology-principles#active-stereo</a:t>
+            </a:r>
           </a:p>
         </p:txBody>
       </p:sp>
     </p:spTree>
     <p:extLst>
       <p:ext uri="{BB962C8B-B14F-4D97-AF65-F5344CB8AC3E}">
-        <p14:creationId xmlns:p14="http://schemas.microsoft.com/office/powerpoint/2010/main" val="3049040554"/>
+        <p14:creationId xmlns:p14="http://schemas.microsoft.com/office/powerpoint/2010/main" val="900320072"/>
       </p:ext>
     </p:extLst>
   </p:cSld>
   <p:clrMapOvr>
     <a:masterClrMapping/>
   </p:clrMapOvr>
+  <mc:AlternateContent xmlns:mc="http://schemas.openxmlformats.org/markup-compatibility/2006">
+    <mc:Choice xmlns:p159="http://schemas.microsoft.com/office/powerpoint/2015/09/main" Requires="p159">
+      <p:transition xmlns:p14="http://schemas.microsoft.com/office/powerpoint/2010/main" spd="slow" p14:dur="2000">
+        <p159:morph option="byObject"/>
+      </p:transition>
+    </mc:Choice>
+    <mc:Fallback>
+      <p:transition spd="slow">
+        <p:fade/>
+      </p:transition>
+    </mc:Fallback>
+  </mc:AlternateContent>
 </p:sld>
 </file>
 
 <file path=ppt/slides/slide6.xml><?xml version="1.0" encoding="utf-8"?>
 <p:sld xmlns:a="http://schemas.openxmlformats.org/drawingml/2006/main" xmlns:r="http://schemas.openxmlformats.org/officeDocument/2006/relationships" xmlns:p="http://schemas.openxmlformats.org/presentationml/2006/main">
   <p:cSld>
+    <p:bg>
+      <p:bgPr>
+        <a:solidFill>
+          <a:schemeClr val="bg1"/>
+        </a:solidFill>
+        <a:effectLst/>
+      </p:bgPr>
+    </p:bg>
     <p:spTree>
       <p:nvGrpSpPr>
         <p:cNvPr id="1" name=""/>
@@ -4106,12 +7177,23 @@
             <p:ph type="title"/>
           </p:nvPr>
         </p:nvSpPr>
-        <p:spPr/>
-        <p:txBody>
-          <a:bodyPr/>
-          <a:lstStyle/>
-          <a:p>
-            <a:endParaRPr lang="hu-HU"/>
+        <p:spPr>
+          <a:xfrm>
+            <a:off x="648929" y="629266"/>
+            <a:ext cx="3505495" cy="1622321"/>
+          </a:xfrm>
+        </p:spPr>
+        <p:txBody>
+          <a:bodyPr>
+            <a:normAutofit/>
+          </a:bodyPr>
+          <a:lstStyle/>
+          <a:p>
+            <a:r>
+              <a:rPr lang="hu-HU"/>
+              <a:t>Strukturált fény</a:t>
+            </a:r>
+            <a:endParaRPr lang="hu-HU" dirty="0"/>
           </a:p>
         </p:txBody>
       </p:sp>
@@ -4125,31 +7207,320 @@
             <p:ph idx="1"/>
           </p:nvPr>
         </p:nvSpPr>
-        <p:spPr/>
-        <p:txBody>
-          <a:bodyPr/>
-          <a:lstStyle/>
-          <a:p>
-            <a:endParaRPr lang="hu-HU"/>
+        <p:spPr>
+          <a:xfrm>
+            <a:off x="648931" y="2438400"/>
+            <a:ext cx="3505494" cy="3785419"/>
+          </a:xfrm>
+        </p:spPr>
+        <p:txBody>
+          <a:bodyPr>
+            <a:normAutofit/>
+          </a:bodyPr>
+          <a:lstStyle/>
+          <a:p>
+            <a:r>
+              <a:rPr lang="hu-HU" sz="2000"/>
+              <a:t>Kivetített minta torzulását nézi</a:t>
+            </a:r>
+          </a:p>
+          <a:p>
+            <a:r>
+              <a:rPr lang="hu-HU" sz="2000"/>
+              <a:t>Régió alapú adat gyűjtés</a:t>
+            </a:r>
+          </a:p>
+          <a:p>
+            <a:r>
+              <a:rPr lang="hu-HU" sz="2000"/>
+              <a:t>Sima felületen is használható</a:t>
+            </a:r>
+          </a:p>
+          <a:p>
+            <a:r>
+              <a:rPr lang="hu-HU" sz="2000"/>
+              <a:t>Gyors feldolgozás</a:t>
+            </a:r>
+          </a:p>
+          <a:p>
+            <a:r>
+              <a:rPr lang="hu-HU" sz="2000"/>
+              <a:t>Kis hatótávolság</a:t>
+            </a:r>
+          </a:p>
+        </p:txBody>
+      </p:sp>
+      <p:sp>
+        <p:nvSpPr>
+          <p:cNvPr id="2055" name="Rectangle 2054">
+            <a:extLst>
+              <a:ext uri="{FF2B5EF4-FFF2-40B4-BE49-F238E27FC236}">
+                <a16:creationId xmlns:a16="http://schemas.microsoft.com/office/drawing/2014/main" id="{5E39A796-BE83-48B1-B33F-35C4A32AAB57}"/>
+              </a:ext>
+              <a:ext uri="{C183D7F6-B498-43B3-948B-1728B52AA6E4}">
+                <adec:decorative xmlns:adec="http://schemas.microsoft.com/office/drawing/2017/decorative" val="1"/>
+              </a:ext>
+            </a:extLst>
+          </p:cNvPr>
+          <p:cNvSpPr>
+            <a:spLocks noGrp="1" noRot="1" noChangeAspect="1" noMove="1" noResize="1" noEditPoints="1" noAdjustHandles="1" noChangeArrowheads="1" noChangeShapeType="1" noTextEdit="1"/>
+          </p:cNvSpPr>
+          <p:nvPr>
+            <p:extLst>
+              <p:ext uri="{386F3935-93C4-4BCD-93E2-E3B085C9AB24}">
+                <p16:designElem xmlns:p16="http://schemas.microsoft.com/office/powerpoint/2015/main" val="1"/>
+              </p:ext>
+            </p:extLst>
+          </p:nvPr>
+        </p:nvSpPr>
+        <p:spPr>
+          <a:xfrm>
+            <a:off x="4639056" y="0"/>
+            <a:ext cx="7552944" cy="6858000"/>
+          </a:xfrm>
+          <a:prstGeom prst="rect">
+            <a:avLst/>
+          </a:prstGeom>
+          <a:solidFill>
+            <a:srgbClr val="C8CACA"/>
+          </a:solidFill>
+          <a:ln>
+            <a:noFill/>
+          </a:ln>
+        </p:spPr>
+        <p:style>
+          <a:lnRef idx="2">
+            <a:schemeClr val="accent1">
+              <a:shade val="50000"/>
+            </a:schemeClr>
+          </a:lnRef>
+          <a:fillRef idx="1">
+            <a:schemeClr val="accent1"/>
+          </a:fillRef>
+          <a:effectRef idx="0">
+            <a:schemeClr val="accent1"/>
+          </a:effectRef>
+          <a:fontRef idx="minor">
+            <a:schemeClr val="lt1"/>
+          </a:fontRef>
+        </p:style>
+        <p:txBody>
+          <a:bodyPr rtlCol="0" anchor="ctr"/>
+          <a:lstStyle/>
+          <a:p>
+            <a:pPr algn="ctr"/>
+            <a:endParaRPr lang="en-US"/>
+          </a:p>
+        </p:txBody>
+      </p:sp>
+      <p:sp>
+        <p:nvSpPr>
+          <p:cNvPr id="2057" name="Rounded Rectangle 9">
+            <a:extLst>
+              <a:ext uri="{FF2B5EF4-FFF2-40B4-BE49-F238E27FC236}">
+                <a16:creationId xmlns:a16="http://schemas.microsoft.com/office/drawing/2014/main" id="{72F84B47-E267-4194-8194-831DB7B5547F}"/>
+              </a:ext>
+              <a:ext uri="{C183D7F6-B498-43B3-948B-1728B52AA6E4}">
+                <adec:decorative xmlns:adec="http://schemas.microsoft.com/office/drawing/2017/decorative" val="1"/>
+              </a:ext>
+            </a:extLst>
+          </p:cNvPr>
+          <p:cNvSpPr>
+            <a:spLocks noGrp="1" noRot="1" noChangeAspect="1" noMove="1" noResize="1" noEditPoints="1" noAdjustHandles="1" noChangeArrowheads="1" noChangeShapeType="1" noTextEdit="1"/>
+          </p:cNvSpPr>
+          <p:nvPr>
+            <p:extLst>
+              <p:ext uri="{386F3935-93C4-4BCD-93E2-E3B085C9AB24}">
+                <p16:designElem xmlns:p16="http://schemas.microsoft.com/office/powerpoint/2015/main" val="1"/>
+              </p:ext>
+            </p:extLst>
+          </p:nvPr>
+        </p:nvSpPr>
+        <p:spPr>
+          <a:xfrm>
+            <a:off x="5123688" y="557784"/>
+            <a:ext cx="6584098" cy="5739187"/>
+          </a:xfrm>
+          <a:prstGeom prst="roundRect">
+            <a:avLst>
+              <a:gd name="adj" fmla="val 0"/>
+            </a:avLst>
+          </a:prstGeom>
+          <a:solidFill>
+            <a:srgbClr val="FFFFFF"/>
+          </a:solidFill>
+          <a:ln w="9525">
+            <a:solidFill>
+              <a:srgbClr val="C8CACA"/>
+            </a:solidFill>
+          </a:ln>
+          <a:effectLst>
+            <a:outerShdw blurRad="57150" dist="19050" dir="5400000" algn="t" rotWithShape="0">
+              <a:prstClr val="black">
+                <a:alpha val="63000"/>
+              </a:prstClr>
+            </a:outerShdw>
+          </a:effectLst>
+        </p:spPr>
+        <p:style>
+          <a:lnRef idx="2">
+            <a:schemeClr val="accent1">
+              <a:shade val="50000"/>
+            </a:schemeClr>
+          </a:lnRef>
+          <a:fillRef idx="1">
+            <a:schemeClr val="accent1"/>
+          </a:fillRef>
+          <a:effectRef idx="0">
+            <a:schemeClr val="accent1"/>
+          </a:effectRef>
+          <a:fontRef idx="minor">
+            <a:schemeClr val="lt1"/>
+          </a:fontRef>
+        </p:style>
+        <p:txBody>
+          <a:bodyPr rtlCol="0" anchor="ctr"/>
+          <a:lstStyle/>
+          <a:p>
+            <a:pPr algn="ctr"/>
+            <a:endParaRPr lang="en-US"/>
+          </a:p>
+        </p:txBody>
+      </p:sp>
+      <p:pic>
+        <p:nvPicPr>
+          <p:cNvPr id="2050" name="Picture 2" descr="3D Vision technológia - Strukturált fény - Zivid">
+            <a:extLst>
+              <a:ext uri="{FF2B5EF4-FFF2-40B4-BE49-F238E27FC236}">
+                <a16:creationId xmlns:a16="http://schemas.microsoft.com/office/drawing/2014/main" id="{E4734459-5C7A-8C30-B9FF-4BD35E21E1C3}"/>
+              </a:ext>
+            </a:extLst>
+          </p:cNvPr>
+          <p:cNvPicPr>
+            <a:picLocks noChangeAspect="1" noChangeArrowheads="1"/>
+          </p:cNvPicPr>
+          <p:nvPr/>
+        </p:nvPicPr>
+        <p:blipFill>
+          <a:blip r:embed="rId2">
+            <a:extLst>
+              <a:ext uri="{28A0092B-C50C-407E-A947-70E740481C1C}">
+                <a14:useLocalDpi xmlns:a14="http://schemas.microsoft.com/office/drawing/2010/main" val="0"/>
+              </a:ext>
+            </a:extLst>
+          </a:blip>
+          <a:stretch>
+            <a:fillRect/>
+          </a:stretch>
+        </p:blipFill>
+        <p:spPr bwMode="auto">
+          <a:xfrm>
+            <a:off x="5405862" y="876685"/>
+            <a:ext cx="6019331" cy="5101383"/>
+          </a:xfrm>
+          <a:prstGeom prst="rect">
+            <a:avLst/>
+          </a:prstGeom>
+          <a:noFill/>
+          <a:effectLst/>
+          <a:extLst>
+            <a:ext uri="{909E8E84-426E-40DD-AFC4-6F175D3DCCD1}">
+              <a14:hiddenFill xmlns:a14="http://schemas.microsoft.com/office/drawing/2010/main">
+                <a:solidFill>
+                  <a:srgbClr val="FFFFFF"/>
+                </a:solidFill>
+              </a14:hiddenFill>
+            </a:ext>
+          </a:extLst>
+        </p:spPr>
+      </p:pic>
+      <p:sp>
+        <p:nvSpPr>
+          <p:cNvPr id="5" name="Szövegdoboz 4">
+            <a:extLst>
+              <a:ext uri="{FF2B5EF4-FFF2-40B4-BE49-F238E27FC236}">
+                <a16:creationId xmlns:a16="http://schemas.microsoft.com/office/drawing/2014/main" id="{DDDD8866-D46C-92BE-243A-CCFDD728CDA2}"/>
+              </a:ext>
+            </a:extLst>
+          </p:cNvPr>
+          <p:cNvSpPr txBox="1"/>
+          <p:nvPr/>
+        </p:nvSpPr>
+        <p:spPr>
+          <a:xfrm>
+            <a:off x="5523738" y="5978068"/>
+            <a:ext cx="6019331" cy="280514"/>
+          </a:xfrm>
+          <a:prstGeom prst="rect">
+            <a:avLst/>
+          </a:prstGeom>
+          <a:solidFill>
+            <a:srgbClr val="000000">
+              <a:alpha val="50000"/>
+            </a:srgbClr>
+          </a:solidFill>
+          <a:ln>
+            <a:noFill/>
+          </a:ln>
+        </p:spPr>
+        <p:txBody>
+          <a:bodyPr wrap="square">
+            <a:noAutofit/>
+          </a:bodyPr>
+          <a:lstStyle/>
+          <a:p>
+            <a:pPr algn="ctr">
+              <a:spcAft>
+                <a:spcPts val="600"/>
+              </a:spcAft>
+            </a:pPr>
+            <a:r>
+              <a:rPr lang="hu-HU" sz="1300" dirty="0">
+                <a:solidFill>
+                  <a:srgbClr val="FFFFFF"/>
+                </a:solidFill>
+              </a:rPr>
+              <a:t>https://www.zivid.com/3d-vision-technology-principles#active-stereo</a:t>
+            </a:r>
           </a:p>
         </p:txBody>
       </p:sp>
     </p:spTree>
     <p:extLst>
       <p:ext uri="{BB962C8B-B14F-4D97-AF65-F5344CB8AC3E}">
-        <p14:creationId xmlns:p14="http://schemas.microsoft.com/office/powerpoint/2010/main" val="2006933350"/>
+        <p14:creationId xmlns:p14="http://schemas.microsoft.com/office/powerpoint/2010/main" val="1924093199"/>
       </p:ext>
     </p:extLst>
   </p:cSld>
   <p:clrMapOvr>
     <a:masterClrMapping/>
   </p:clrMapOvr>
+  <mc:AlternateContent xmlns:mc="http://schemas.openxmlformats.org/markup-compatibility/2006">
+    <mc:Choice xmlns:p159="http://schemas.microsoft.com/office/powerpoint/2015/09/main" Requires="p159">
+      <p:transition xmlns:p14="http://schemas.microsoft.com/office/powerpoint/2010/main" spd="slow" p14:dur="2000">
+        <p159:morph option="byObject"/>
+      </p:transition>
+    </mc:Choice>
+    <mc:Fallback>
+      <p:transition spd="slow">
+        <p:fade/>
+      </p:transition>
+    </mc:Fallback>
+  </mc:AlternateContent>
 </p:sld>
 </file>
 
 <file path=ppt/slides/slide7.xml><?xml version="1.0" encoding="utf-8"?>
 <p:sld xmlns:a="http://schemas.openxmlformats.org/drawingml/2006/main" xmlns:r="http://schemas.openxmlformats.org/officeDocument/2006/relationships" xmlns:p="http://schemas.openxmlformats.org/presentationml/2006/main">
   <p:cSld>
+    <p:bg>
+      <p:bgPr>
+        <a:solidFill>
+          <a:schemeClr val="bg1"/>
+        </a:solidFill>
+        <a:effectLst/>
+      </p:bgPr>
+    </p:bg>
     <p:spTree>
       <p:nvGrpSpPr>
         <p:cNvPr id="1" name=""/>
@@ -4174,12 +7545,23 @@
             <p:ph type="title"/>
           </p:nvPr>
         </p:nvSpPr>
-        <p:spPr/>
-        <p:txBody>
-          <a:bodyPr/>
-          <a:lstStyle/>
-          <a:p>
-            <a:endParaRPr lang="hu-HU"/>
+        <p:spPr>
+          <a:xfrm>
+            <a:off x="648929" y="629266"/>
+            <a:ext cx="3505495" cy="1622321"/>
+          </a:xfrm>
+        </p:spPr>
+        <p:txBody>
+          <a:bodyPr>
+            <a:normAutofit/>
+          </a:bodyPr>
+          <a:lstStyle/>
+          <a:p>
+            <a:r>
+              <a:rPr lang="hu-HU"/>
+              <a:t>Repülési idő (TOF)</a:t>
+            </a:r>
+            <a:endParaRPr lang="hu-HU" dirty="0"/>
           </a:p>
         </p:txBody>
       </p:sp>
@@ -4193,31 +7575,332 @@
             <p:ph idx="1"/>
           </p:nvPr>
         </p:nvSpPr>
-        <p:spPr/>
-        <p:txBody>
-          <a:bodyPr/>
-          <a:lstStyle/>
-          <a:p>
-            <a:endParaRPr lang="hu-HU"/>
+        <p:spPr>
+          <a:xfrm>
+            <a:off x="648931" y="2438400"/>
+            <a:ext cx="3505494" cy="3785419"/>
+          </a:xfrm>
+        </p:spPr>
+        <p:txBody>
+          <a:bodyPr>
+            <a:normAutofit/>
+          </a:bodyPr>
+          <a:lstStyle/>
+          <a:p>
+            <a:r>
+              <a:rPr lang="hu-HU" sz="2000" dirty="0"/>
+              <a:t>Impulzusos lézerfény és fázis alapó</a:t>
+            </a:r>
+          </a:p>
+          <a:p>
+            <a:r>
+              <a:rPr lang="hu-HU" sz="2000" dirty="0"/>
+              <a:t>Időkésleltetés alapú</a:t>
+            </a:r>
+          </a:p>
+          <a:p>
+            <a:r>
+              <a:rPr lang="hu-HU" sz="2000" dirty="0"/>
+              <a:t>Nagy hatótáv (több 100 méter)</a:t>
+            </a:r>
+          </a:p>
+          <a:p>
+            <a:r>
+              <a:rPr lang="hu-HU" sz="2000" dirty="0"/>
+              <a:t>Egész képet rögzítenek </a:t>
+            </a:r>
+          </a:p>
+          <a:p>
+            <a:r>
+              <a:rPr lang="hu-HU" sz="2000" dirty="0"/>
+              <a:t>Valós idejű videó sebesség</a:t>
+            </a:r>
+          </a:p>
+          <a:p>
+            <a:r>
+              <a:rPr lang="hu-HU" sz="2000" dirty="0"/>
+              <a:t>Érzékeny a tükröződésekre</a:t>
+            </a:r>
+          </a:p>
+          <a:p>
+            <a:r>
+              <a:rPr lang="hu-HU" sz="2000" dirty="0"/>
+              <a:t>Minden számítás pixel szinten történik</a:t>
+            </a:r>
+          </a:p>
+        </p:txBody>
+      </p:sp>
+      <p:sp>
+        <p:nvSpPr>
+          <p:cNvPr id="3079" name="Rectangle 3078">
+            <a:extLst>
+              <a:ext uri="{FF2B5EF4-FFF2-40B4-BE49-F238E27FC236}">
+                <a16:creationId xmlns:a16="http://schemas.microsoft.com/office/drawing/2014/main" id="{5E39A796-BE83-48B1-B33F-35C4A32AAB57}"/>
+              </a:ext>
+              <a:ext uri="{C183D7F6-B498-43B3-948B-1728B52AA6E4}">
+                <adec:decorative xmlns:adec="http://schemas.microsoft.com/office/drawing/2017/decorative" val="1"/>
+              </a:ext>
+            </a:extLst>
+          </p:cNvPr>
+          <p:cNvSpPr>
+            <a:spLocks noGrp="1" noRot="1" noChangeAspect="1" noMove="1" noResize="1" noEditPoints="1" noAdjustHandles="1" noChangeArrowheads="1" noChangeShapeType="1" noTextEdit="1"/>
+          </p:cNvSpPr>
+          <p:nvPr>
+            <p:extLst>
+              <p:ext uri="{386F3935-93C4-4BCD-93E2-E3B085C9AB24}">
+                <p16:designElem xmlns:p16="http://schemas.microsoft.com/office/powerpoint/2015/main" val="1"/>
+              </p:ext>
+            </p:extLst>
+          </p:nvPr>
+        </p:nvSpPr>
+        <p:spPr>
+          <a:xfrm>
+            <a:off x="4639056" y="0"/>
+            <a:ext cx="7552944" cy="6858000"/>
+          </a:xfrm>
+          <a:prstGeom prst="rect">
+            <a:avLst/>
+          </a:prstGeom>
+          <a:solidFill>
+            <a:srgbClr val="C8CACA"/>
+          </a:solidFill>
+          <a:ln>
+            <a:noFill/>
+          </a:ln>
+        </p:spPr>
+        <p:style>
+          <a:lnRef idx="2">
+            <a:schemeClr val="accent1">
+              <a:shade val="50000"/>
+            </a:schemeClr>
+          </a:lnRef>
+          <a:fillRef idx="1">
+            <a:schemeClr val="accent1"/>
+          </a:fillRef>
+          <a:effectRef idx="0">
+            <a:schemeClr val="accent1"/>
+          </a:effectRef>
+          <a:fontRef idx="minor">
+            <a:schemeClr val="lt1"/>
+          </a:fontRef>
+        </p:style>
+        <p:txBody>
+          <a:bodyPr rtlCol="0" anchor="ctr"/>
+          <a:lstStyle/>
+          <a:p>
+            <a:pPr algn="ctr"/>
+            <a:endParaRPr lang="en-US"/>
+          </a:p>
+        </p:txBody>
+      </p:sp>
+      <p:sp>
+        <p:nvSpPr>
+          <p:cNvPr id="3081" name="Rounded Rectangle 9">
+            <a:extLst>
+              <a:ext uri="{FF2B5EF4-FFF2-40B4-BE49-F238E27FC236}">
+                <a16:creationId xmlns:a16="http://schemas.microsoft.com/office/drawing/2014/main" id="{72F84B47-E267-4194-8194-831DB7B5547F}"/>
+              </a:ext>
+              <a:ext uri="{C183D7F6-B498-43B3-948B-1728B52AA6E4}">
+                <adec:decorative xmlns:adec="http://schemas.microsoft.com/office/drawing/2017/decorative" val="1"/>
+              </a:ext>
+            </a:extLst>
+          </p:cNvPr>
+          <p:cNvSpPr>
+            <a:spLocks noGrp="1" noRot="1" noChangeAspect="1" noMove="1" noResize="1" noEditPoints="1" noAdjustHandles="1" noChangeArrowheads="1" noChangeShapeType="1" noTextEdit="1"/>
+          </p:cNvSpPr>
+          <p:nvPr>
+            <p:extLst>
+              <p:ext uri="{386F3935-93C4-4BCD-93E2-E3B085C9AB24}">
+                <p16:designElem xmlns:p16="http://schemas.microsoft.com/office/powerpoint/2015/main" val="1"/>
+              </p:ext>
+            </p:extLst>
+          </p:nvPr>
+        </p:nvSpPr>
+        <p:spPr>
+          <a:xfrm>
+            <a:off x="5123688" y="557784"/>
+            <a:ext cx="6584098" cy="5739187"/>
+          </a:xfrm>
+          <a:prstGeom prst="roundRect">
+            <a:avLst>
+              <a:gd name="adj" fmla="val 0"/>
+            </a:avLst>
+          </a:prstGeom>
+          <a:solidFill>
+            <a:srgbClr val="FFFFFF"/>
+          </a:solidFill>
+          <a:ln w="9525">
+            <a:solidFill>
+              <a:srgbClr val="C8CACA"/>
+            </a:solidFill>
+          </a:ln>
+          <a:effectLst>
+            <a:outerShdw blurRad="57150" dist="19050" dir="5400000" algn="t" rotWithShape="0">
+              <a:prstClr val="black">
+                <a:alpha val="63000"/>
+              </a:prstClr>
+            </a:outerShdw>
+          </a:effectLst>
+        </p:spPr>
+        <p:style>
+          <a:lnRef idx="2">
+            <a:schemeClr val="accent1">
+              <a:shade val="50000"/>
+            </a:schemeClr>
+          </a:lnRef>
+          <a:fillRef idx="1">
+            <a:schemeClr val="accent1"/>
+          </a:fillRef>
+          <a:effectRef idx="0">
+            <a:schemeClr val="accent1"/>
+          </a:effectRef>
+          <a:fontRef idx="minor">
+            <a:schemeClr val="lt1"/>
+          </a:fontRef>
+        </p:style>
+        <p:txBody>
+          <a:bodyPr rtlCol="0" anchor="ctr"/>
+          <a:lstStyle/>
+          <a:p>
+            <a:pPr algn="ctr"/>
+            <a:endParaRPr lang="en-US"/>
+          </a:p>
+        </p:txBody>
+      </p:sp>
+      <p:pic>
+        <p:nvPicPr>
+          <p:cNvPr id="3074" name="Picture 2" descr="3D Vision technológia – Repülési idő – Zivid">
+            <a:extLst>
+              <a:ext uri="{FF2B5EF4-FFF2-40B4-BE49-F238E27FC236}">
+                <a16:creationId xmlns:a16="http://schemas.microsoft.com/office/drawing/2014/main" id="{CEA4A606-185E-2E37-D3A6-E1CB1C4CB89E}"/>
+              </a:ext>
+            </a:extLst>
+          </p:cNvPr>
+          <p:cNvPicPr>
+            <a:picLocks noChangeAspect="1" noChangeArrowheads="1"/>
+          </p:cNvPicPr>
+          <p:nvPr/>
+        </p:nvPicPr>
+        <p:blipFill>
+          <a:blip r:embed="rId2" cstate="print">
+            <a:extLst>
+              <a:ext uri="{28A0092B-C50C-407E-A947-70E740481C1C}">
+                <a14:useLocalDpi xmlns:a14="http://schemas.microsoft.com/office/drawing/2010/main" val="0"/>
+              </a:ext>
+            </a:extLst>
+          </a:blip>
+          <a:stretch>
+            <a:fillRect/>
+          </a:stretch>
+        </p:blipFill>
+        <p:spPr bwMode="auto">
+          <a:xfrm>
+            <a:off x="5405862" y="876685"/>
+            <a:ext cx="6019331" cy="5101383"/>
+          </a:xfrm>
+          <a:prstGeom prst="rect">
+            <a:avLst/>
+          </a:prstGeom>
+          <a:noFill/>
+          <a:effectLst/>
+          <a:extLst>
+            <a:ext uri="{909E8E84-426E-40DD-AFC4-6F175D3DCCD1}">
+              <a14:hiddenFill xmlns:a14="http://schemas.microsoft.com/office/drawing/2010/main">
+                <a:solidFill>
+                  <a:srgbClr val="FFFFFF"/>
+                </a:solidFill>
+              </a14:hiddenFill>
+            </a:ext>
+          </a:extLst>
+        </p:spPr>
+      </p:pic>
+      <p:sp>
+        <p:nvSpPr>
+          <p:cNvPr id="5" name="Szövegdoboz 4">
+            <a:extLst>
+              <a:ext uri="{FF2B5EF4-FFF2-40B4-BE49-F238E27FC236}">
+                <a16:creationId xmlns:a16="http://schemas.microsoft.com/office/drawing/2014/main" id="{A2D11557-6D37-EEBD-8F7B-5691667334C2}"/>
+              </a:ext>
+            </a:extLst>
+          </p:cNvPr>
+          <p:cNvSpPr txBox="1"/>
+          <p:nvPr/>
+        </p:nvSpPr>
+        <p:spPr>
+          <a:xfrm>
+            <a:off x="5523738" y="5978068"/>
+            <a:ext cx="6019331" cy="280514"/>
+          </a:xfrm>
+          <a:prstGeom prst="rect">
+            <a:avLst/>
+          </a:prstGeom>
+          <a:solidFill>
+            <a:srgbClr val="000000">
+              <a:alpha val="50000"/>
+            </a:srgbClr>
+          </a:solidFill>
+          <a:ln>
+            <a:noFill/>
+          </a:ln>
+        </p:spPr>
+        <p:txBody>
+          <a:bodyPr wrap="square">
+            <a:noAutofit/>
+          </a:bodyPr>
+          <a:lstStyle/>
+          <a:p>
+            <a:pPr algn="ctr">
+              <a:spcAft>
+                <a:spcPts val="600"/>
+              </a:spcAft>
+            </a:pPr>
+            <a:r>
+              <a:rPr lang="hu-HU" sz="1300" dirty="0">
+                <a:solidFill>
+                  <a:srgbClr val="FFFFFF"/>
+                </a:solidFill>
+              </a:rPr>
+              <a:t>https://www.zivid.com/3d-vision-technology-principles#active-stereo</a:t>
+            </a:r>
           </a:p>
         </p:txBody>
       </p:sp>
     </p:spTree>
     <p:extLst>
       <p:ext uri="{BB962C8B-B14F-4D97-AF65-F5344CB8AC3E}">
-        <p14:creationId xmlns:p14="http://schemas.microsoft.com/office/powerpoint/2010/main" val="1510026493"/>
+        <p14:creationId xmlns:p14="http://schemas.microsoft.com/office/powerpoint/2010/main" val="1090590525"/>
       </p:ext>
     </p:extLst>
   </p:cSld>
   <p:clrMapOvr>
     <a:masterClrMapping/>
   </p:clrMapOvr>
+  <mc:AlternateContent xmlns:mc="http://schemas.openxmlformats.org/markup-compatibility/2006">
+    <mc:Choice xmlns:p159="http://schemas.microsoft.com/office/powerpoint/2015/09/main" Requires="p159">
+      <p:transition xmlns:p14="http://schemas.microsoft.com/office/powerpoint/2010/main" spd="slow" p14:dur="2000">
+        <p159:morph option="byObject"/>
+      </p:transition>
+    </mc:Choice>
+    <mc:Fallback>
+      <p:transition spd="slow">
+        <p:fade/>
+      </p:transition>
+    </mc:Fallback>
+  </mc:AlternateContent>
 </p:sld>
 </file>
 
 <file path=ppt/slides/slide8.xml><?xml version="1.0" encoding="utf-8"?>
 <p:sld xmlns:a="http://schemas.openxmlformats.org/drawingml/2006/main" xmlns:r="http://schemas.openxmlformats.org/officeDocument/2006/relationships" xmlns:p="http://schemas.openxmlformats.org/presentationml/2006/main">
   <p:cSld>
+    <p:bg>
+      <p:bgPr>
+        <a:solidFill>
+          <a:schemeClr val="bg1"/>
+        </a:solidFill>
+        <a:effectLst/>
+      </p:bgPr>
+    </p:bg>
     <p:spTree>
       <p:nvGrpSpPr>
         <p:cNvPr id="1" name=""/>
@@ -4242,12 +7925,22 @@
             <p:ph type="title"/>
           </p:nvPr>
         </p:nvSpPr>
-        <p:spPr/>
-        <p:txBody>
-          <a:bodyPr/>
-          <a:lstStyle/>
-          <a:p>
-            <a:endParaRPr lang="hu-HU"/>
+        <p:spPr>
+          <a:xfrm>
+            <a:off x="648929" y="629266"/>
+            <a:ext cx="3505495" cy="1622321"/>
+          </a:xfrm>
+        </p:spPr>
+        <p:txBody>
+          <a:bodyPr>
+            <a:normAutofit/>
+          </a:bodyPr>
+          <a:lstStyle/>
+          <a:p>
+            <a:r>
+              <a:rPr lang="hu-HU" sz="4100"/>
+              <a:t>Időkódolt strukturált fény</a:t>
+            </a:r>
           </a:p>
         </p:txBody>
       </p:sp>
@@ -4261,31 +7954,301 @@
             <p:ph idx="1"/>
           </p:nvPr>
         </p:nvSpPr>
-        <p:spPr/>
-        <p:txBody>
-          <a:bodyPr/>
-          <a:lstStyle/>
-          <a:p>
-            <a:endParaRPr lang="hu-HU"/>
+        <p:spPr>
+          <a:xfrm>
+            <a:off x="648931" y="2438400"/>
+            <a:ext cx="3505494" cy="3785419"/>
+          </a:xfrm>
+        </p:spPr>
+        <p:txBody>
+          <a:bodyPr>
+            <a:normAutofit/>
+          </a:bodyPr>
+          <a:lstStyle/>
+          <a:p>
+            <a:r>
+              <a:rPr lang="hu-HU" sz="2000"/>
+              <a:t>Egyedi minták sorozatát vetíti</a:t>
+            </a:r>
+          </a:p>
+          <a:p>
+            <a:r>
+              <a:rPr lang="hu-HU" sz="2000"/>
+              <a:t>A minták eltorzulása adja a mélységet</a:t>
+            </a:r>
+          </a:p>
+          <a:p>
+            <a:r>
+              <a:rPr lang="hu-HU" sz="2000"/>
+              <a:t>A kibocsátott fény és a visszaverődés idejét méri</a:t>
+            </a:r>
+          </a:p>
+          <a:p>
+            <a:r>
+              <a:rPr lang="hu-HU" sz="2000"/>
+              <a:t>Jelenlegi legpontosabb technológia</a:t>
+            </a:r>
+          </a:p>
+          <a:p>
+            <a:endParaRPr lang="hu-HU" sz="2000"/>
+          </a:p>
+        </p:txBody>
+      </p:sp>
+      <p:sp>
+        <p:nvSpPr>
+          <p:cNvPr id="10" name="Rectangle 9">
+            <a:extLst>
+              <a:ext uri="{FF2B5EF4-FFF2-40B4-BE49-F238E27FC236}">
+                <a16:creationId xmlns:a16="http://schemas.microsoft.com/office/drawing/2014/main" id="{5E39A796-BE83-48B1-B33F-35C4A32AAB57}"/>
+              </a:ext>
+              <a:ext uri="{C183D7F6-B498-43B3-948B-1728B52AA6E4}">
+                <adec:decorative xmlns:adec="http://schemas.microsoft.com/office/drawing/2017/decorative" val="1"/>
+              </a:ext>
+            </a:extLst>
+          </p:cNvPr>
+          <p:cNvSpPr>
+            <a:spLocks noGrp="1" noRot="1" noChangeAspect="1" noMove="1" noResize="1" noEditPoints="1" noAdjustHandles="1" noChangeArrowheads="1" noChangeShapeType="1" noTextEdit="1"/>
+          </p:cNvSpPr>
+          <p:nvPr>
+            <p:extLst>
+              <p:ext uri="{386F3935-93C4-4BCD-93E2-E3B085C9AB24}">
+                <p16:designElem xmlns:p16="http://schemas.microsoft.com/office/powerpoint/2015/main" val="1"/>
+              </p:ext>
+            </p:extLst>
+          </p:nvPr>
+        </p:nvSpPr>
+        <p:spPr>
+          <a:xfrm>
+            <a:off x="4639056" y="0"/>
+            <a:ext cx="7552944" cy="6858000"/>
+          </a:xfrm>
+          <a:prstGeom prst="rect">
+            <a:avLst/>
+          </a:prstGeom>
+          <a:solidFill>
+            <a:srgbClr val="C8CACA"/>
+          </a:solidFill>
+          <a:ln>
+            <a:noFill/>
+          </a:ln>
+        </p:spPr>
+        <p:style>
+          <a:lnRef idx="2">
+            <a:schemeClr val="accent1">
+              <a:shade val="50000"/>
+            </a:schemeClr>
+          </a:lnRef>
+          <a:fillRef idx="1">
+            <a:schemeClr val="accent1"/>
+          </a:fillRef>
+          <a:effectRef idx="0">
+            <a:schemeClr val="accent1"/>
+          </a:effectRef>
+          <a:fontRef idx="minor">
+            <a:schemeClr val="lt1"/>
+          </a:fontRef>
+        </p:style>
+        <p:txBody>
+          <a:bodyPr rtlCol="0" anchor="ctr"/>
+          <a:lstStyle/>
+          <a:p>
+            <a:pPr algn="ctr"/>
+            <a:endParaRPr lang="en-US"/>
+          </a:p>
+        </p:txBody>
+      </p:sp>
+      <p:sp>
+        <p:nvSpPr>
+          <p:cNvPr id="12" name="Rounded Rectangle 9">
+            <a:extLst>
+              <a:ext uri="{FF2B5EF4-FFF2-40B4-BE49-F238E27FC236}">
+                <a16:creationId xmlns:a16="http://schemas.microsoft.com/office/drawing/2014/main" id="{72F84B47-E267-4194-8194-831DB7B5547F}"/>
+              </a:ext>
+              <a:ext uri="{C183D7F6-B498-43B3-948B-1728B52AA6E4}">
+                <adec:decorative xmlns:adec="http://schemas.microsoft.com/office/drawing/2017/decorative" val="1"/>
+              </a:ext>
+            </a:extLst>
+          </p:cNvPr>
+          <p:cNvSpPr>
+            <a:spLocks noGrp="1" noRot="1" noChangeAspect="1" noMove="1" noResize="1" noEditPoints="1" noAdjustHandles="1" noChangeArrowheads="1" noChangeShapeType="1" noTextEdit="1"/>
+          </p:cNvSpPr>
+          <p:nvPr>
+            <p:extLst>
+              <p:ext uri="{386F3935-93C4-4BCD-93E2-E3B085C9AB24}">
+                <p16:designElem xmlns:p16="http://schemas.microsoft.com/office/powerpoint/2015/main" val="1"/>
+              </p:ext>
+            </p:extLst>
+          </p:nvPr>
+        </p:nvSpPr>
+        <p:spPr>
+          <a:xfrm>
+            <a:off x="5123688" y="557784"/>
+            <a:ext cx="6584098" cy="5739187"/>
+          </a:xfrm>
+          <a:prstGeom prst="roundRect">
+            <a:avLst>
+              <a:gd name="adj" fmla="val 0"/>
+            </a:avLst>
+          </a:prstGeom>
+          <a:solidFill>
+            <a:srgbClr val="FFFFFF"/>
+          </a:solidFill>
+          <a:ln w="9525">
+            <a:solidFill>
+              <a:srgbClr val="C8CACA"/>
+            </a:solidFill>
+          </a:ln>
+          <a:effectLst>
+            <a:outerShdw blurRad="57150" dist="19050" dir="5400000" algn="t" rotWithShape="0">
+              <a:prstClr val="black">
+                <a:alpha val="63000"/>
+              </a:prstClr>
+            </a:outerShdw>
+          </a:effectLst>
+        </p:spPr>
+        <p:style>
+          <a:lnRef idx="2">
+            <a:schemeClr val="accent1">
+              <a:shade val="50000"/>
+            </a:schemeClr>
+          </a:lnRef>
+          <a:fillRef idx="1">
+            <a:schemeClr val="accent1"/>
+          </a:fillRef>
+          <a:effectRef idx="0">
+            <a:schemeClr val="accent1"/>
+          </a:effectRef>
+          <a:fontRef idx="minor">
+            <a:schemeClr val="lt1"/>
+          </a:fontRef>
+        </p:style>
+        <p:txBody>
+          <a:bodyPr rtlCol="0" anchor="ctr"/>
+          <a:lstStyle/>
+          <a:p>
+            <a:pPr algn="ctr"/>
+            <a:endParaRPr lang="en-US"/>
+          </a:p>
+        </p:txBody>
+      </p:sp>
+      <p:pic>
+        <p:nvPicPr>
+          <p:cNvPr id="5" name="Kép 4">
+            <a:extLst>
+              <a:ext uri="{FF2B5EF4-FFF2-40B4-BE49-F238E27FC236}">
+                <a16:creationId xmlns:a16="http://schemas.microsoft.com/office/drawing/2014/main" id="{8831254C-9F6E-78C4-3822-BFE815746CEB}"/>
+              </a:ext>
+            </a:extLst>
+          </p:cNvPr>
+          <p:cNvPicPr>
+            <a:picLocks noChangeAspect="1"/>
+          </p:cNvPicPr>
+          <p:nvPr/>
+        </p:nvPicPr>
+        <p:blipFill>
+          <a:blip r:embed="rId2"/>
+          <a:stretch>
+            <a:fillRect/>
+          </a:stretch>
+        </p:blipFill>
+        <p:spPr>
+          <a:xfrm>
+            <a:off x="5405862" y="876685"/>
+            <a:ext cx="6019331" cy="5101383"/>
+          </a:xfrm>
+          <a:prstGeom prst="rect">
+            <a:avLst/>
+          </a:prstGeom>
+          <a:effectLst/>
+        </p:spPr>
+      </p:pic>
+      <p:sp>
+        <p:nvSpPr>
+          <p:cNvPr id="4" name="Szövegdoboz 3">
+            <a:extLst>
+              <a:ext uri="{FF2B5EF4-FFF2-40B4-BE49-F238E27FC236}">
+                <a16:creationId xmlns:a16="http://schemas.microsoft.com/office/drawing/2014/main" id="{7813712A-8BF5-DF4B-19EA-9BFC000694FB}"/>
+              </a:ext>
+            </a:extLst>
+          </p:cNvPr>
+          <p:cNvSpPr txBox="1"/>
+          <p:nvPr/>
+        </p:nvSpPr>
+        <p:spPr>
+          <a:xfrm>
+            <a:off x="5523738" y="5978068"/>
+            <a:ext cx="6019331" cy="280514"/>
+          </a:xfrm>
+          <a:prstGeom prst="rect">
+            <a:avLst/>
+          </a:prstGeom>
+          <a:solidFill>
+            <a:srgbClr val="000000">
+              <a:alpha val="50000"/>
+            </a:srgbClr>
+          </a:solidFill>
+          <a:ln>
+            <a:noFill/>
+          </a:ln>
+        </p:spPr>
+        <p:txBody>
+          <a:bodyPr wrap="square">
+            <a:noAutofit/>
+          </a:bodyPr>
+          <a:lstStyle/>
+          <a:p>
+            <a:pPr algn="ctr">
+              <a:spcAft>
+                <a:spcPts val="600"/>
+              </a:spcAft>
+            </a:pPr>
+            <a:r>
+              <a:rPr lang="hu-HU" sz="1300" dirty="0">
+                <a:solidFill>
+                  <a:srgbClr val="FFFFFF"/>
+                </a:solidFill>
+              </a:rPr>
+              <a:t>https://www.zivid.com/3d-vision-technology-principles#active-stereo</a:t>
+            </a:r>
           </a:p>
         </p:txBody>
       </p:sp>
     </p:spTree>
     <p:extLst>
       <p:ext uri="{BB962C8B-B14F-4D97-AF65-F5344CB8AC3E}">
-        <p14:creationId xmlns:p14="http://schemas.microsoft.com/office/powerpoint/2010/main" val="900320072"/>
+        <p14:creationId xmlns:p14="http://schemas.microsoft.com/office/powerpoint/2010/main" val="2613357604"/>
       </p:ext>
     </p:extLst>
   </p:cSld>
   <p:clrMapOvr>
     <a:masterClrMapping/>
   </p:clrMapOvr>
+  <mc:AlternateContent xmlns:mc="http://schemas.openxmlformats.org/markup-compatibility/2006">
+    <mc:Choice xmlns:p159="http://schemas.microsoft.com/office/powerpoint/2015/09/main" Requires="p159">
+      <p:transition xmlns:p14="http://schemas.microsoft.com/office/powerpoint/2010/main" spd="slow" p14:dur="2000">
+        <p159:morph option="byObject"/>
+      </p:transition>
+    </mc:Choice>
+    <mc:Fallback>
+      <p:transition spd="slow">
+        <p:fade/>
+      </p:transition>
+    </mc:Fallback>
+  </mc:AlternateContent>
 </p:sld>
 </file>
 
 <file path=ppt/slides/slide9.xml><?xml version="1.0" encoding="utf-8"?>
 <p:sld xmlns:a="http://schemas.openxmlformats.org/drawingml/2006/main" xmlns:r="http://schemas.openxmlformats.org/officeDocument/2006/relationships" xmlns:p="http://schemas.openxmlformats.org/presentationml/2006/main">
   <p:cSld>
+    <p:bg>
+      <p:bgPr>
+        <a:solidFill>
+          <a:schemeClr val="bg1"/>
+        </a:solidFill>
+        <a:effectLst/>
+      </p:bgPr>
+    </p:bg>
     <p:spTree>
       <p:nvGrpSpPr>
         <p:cNvPr id="1" name=""/>
@@ -4300,6 +8263,66 @@
           <a:chExt cx="0" cy="0"/>
         </a:xfrm>
       </p:grpSpPr>
+      <p:sp useBgFill="1">
+        <p:nvSpPr>
+          <p:cNvPr id="20" name="Rectangle 19">
+            <a:extLst>
+              <a:ext uri="{FF2B5EF4-FFF2-40B4-BE49-F238E27FC236}">
+                <a16:creationId xmlns:a16="http://schemas.microsoft.com/office/drawing/2014/main" id="{33CD251C-A887-4D2F-925B-FC097198538B}"/>
+              </a:ext>
+              <a:ext uri="{C183D7F6-B498-43B3-948B-1728B52AA6E4}">
+                <adec:decorative xmlns:adec="http://schemas.microsoft.com/office/drawing/2017/decorative" val="1"/>
+              </a:ext>
+            </a:extLst>
+          </p:cNvPr>
+          <p:cNvSpPr>
+            <a:spLocks noGrp="1" noRot="1" noChangeAspect="1" noMove="1" noResize="1" noEditPoints="1" noAdjustHandles="1" noChangeArrowheads="1" noChangeShapeType="1" noTextEdit="1"/>
+          </p:cNvSpPr>
+          <p:nvPr>
+            <p:extLst>
+              <p:ext uri="{386F3935-93C4-4BCD-93E2-E3B085C9AB24}">
+                <p16:designElem xmlns:p16="http://schemas.microsoft.com/office/powerpoint/2015/main" val="1"/>
+              </p:ext>
+            </p:extLst>
+          </p:nvPr>
+        </p:nvSpPr>
+        <p:spPr>
+          <a:xfrm>
+            <a:off x="0" y="0"/>
+            <a:ext cx="12192000" cy="6858000"/>
+          </a:xfrm>
+          <a:prstGeom prst="rect">
+            <a:avLst/>
+          </a:prstGeom>
+          <a:ln>
+            <a:noFill/>
+          </a:ln>
+        </p:spPr>
+        <p:style>
+          <a:lnRef idx="2">
+            <a:schemeClr val="accent1">
+              <a:shade val="50000"/>
+            </a:schemeClr>
+          </a:lnRef>
+          <a:fillRef idx="1">
+            <a:schemeClr val="accent1"/>
+          </a:fillRef>
+          <a:effectRef idx="0">
+            <a:schemeClr val="accent1"/>
+          </a:effectRef>
+          <a:fontRef idx="minor">
+            <a:schemeClr val="lt1"/>
+          </a:fontRef>
+        </p:style>
+        <p:txBody>
+          <a:bodyPr rtlCol="0" anchor="ctr"/>
+          <a:lstStyle/>
+          <a:p>
+            <a:pPr algn="ctr"/>
+            <a:endParaRPr lang="en-US"/>
+          </a:p>
+        </p:txBody>
+      </p:sp>
       <p:sp>
         <p:nvSpPr>
           <p:cNvPr id="2" name="Cím 1"/>
@@ -4310,15 +8333,431 @@
             <p:ph type="title"/>
           </p:nvPr>
         </p:nvSpPr>
-        <p:spPr/>
-        <p:txBody>
-          <a:bodyPr/>
-          <a:lstStyle/>
-          <a:p>
-            <a:endParaRPr lang="hu-HU"/>
-          </a:p>
-        </p:txBody>
-      </p:sp>
+        <p:spPr>
+          <a:xfrm>
+            <a:off x="1000452" y="1610024"/>
+            <a:ext cx="3058621" cy="1457002"/>
+          </a:xfrm>
+        </p:spPr>
+        <p:txBody>
+          <a:bodyPr anchor="b">
+            <a:normAutofit/>
+          </a:bodyPr>
+          <a:lstStyle/>
+          <a:p>
+            <a:r>
+              <a:rPr lang="hu-HU" sz="3700"/>
+              <a:t>3D pontfelhők felhasználása</a:t>
+            </a:r>
+          </a:p>
+        </p:txBody>
+      </p:sp>
+      <p:grpSp>
+        <p:nvGrpSpPr>
+          <p:cNvPr id="22" name="Group 21">
+            <a:extLst>
+              <a:ext uri="{FF2B5EF4-FFF2-40B4-BE49-F238E27FC236}">
+                <a16:creationId xmlns:a16="http://schemas.microsoft.com/office/drawing/2014/main" id="{770AE191-D2EA-45C9-A44D-830C188F74CB}"/>
+              </a:ext>
+              <a:ext uri="{C183D7F6-B498-43B3-948B-1728B52AA6E4}">
+                <adec:decorative xmlns:adec="http://schemas.microsoft.com/office/drawing/2017/decorative" val="1"/>
+              </a:ext>
+            </a:extLst>
+          </p:cNvPr>
+          <p:cNvGrpSpPr>
+            <a:grpSpLocks noGrp="1" noUngrp="1" noRot="1" noChangeAspect="1" noMove="1" noResize="1"/>
+          </p:cNvGrpSpPr>
+          <p:nvPr>
+            <p:extLst>
+              <p:ext uri="{386F3935-93C4-4BCD-93E2-E3B085C9AB24}">
+                <p16:designElem xmlns:p16="http://schemas.microsoft.com/office/powerpoint/2015/main" val="1"/>
+              </p:ext>
+            </p:extLst>
+          </p:nvPr>
+        </p:nvGrpSpPr>
+        <p:grpSpPr>
+          <a:xfrm>
+            <a:off x="472021" y="518649"/>
+            <a:ext cx="1128382" cy="847206"/>
+            <a:chOff x="8183879" y="1000124"/>
+            <a:chExt cx="1562267" cy="1172973"/>
+          </a:xfrm>
+        </p:grpSpPr>
+        <p:sp>
+          <p:nvSpPr>
+            <p:cNvPr id="23" name="Freeform 5">
+              <a:extLst>
+                <a:ext uri="{FF2B5EF4-FFF2-40B4-BE49-F238E27FC236}">
+                  <a16:creationId xmlns:a16="http://schemas.microsoft.com/office/drawing/2014/main" id="{23A0E4C1-B7A6-4637-AC51-4A5AE3841FFB}"/>
+                </a:ext>
+                <a:ext uri="{C183D7F6-B498-43B3-948B-1728B52AA6E4}">
+                  <adec:decorative xmlns:adec="http://schemas.microsoft.com/office/drawing/2017/decorative" val="1"/>
+                </a:ext>
+              </a:extLst>
+            </p:cNvPr>
+            <p:cNvSpPr>
+              <a:spLocks/>
+            </p:cNvSpPr>
+            <p:nvPr>
+              <p:extLst>
+                <p:ext uri="{386F3935-93C4-4BCD-93E2-E3B085C9AB24}">
+                  <p16:designElem xmlns:p16="http://schemas.microsoft.com/office/powerpoint/2015/main" val="1"/>
+                </p:ext>
+              </p:extLst>
+            </p:nvPr>
+          </p:nvSpPr>
+          <p:spPr bwMode="auto">
+            <a:xfrm>
+              <a:off x="8183879" y="1348782"/>
+              <a:ext cx="935037" cy="824315"/>
+            </a:xfrm>
+            <a:custGeom>
+              <a:avLst/>
+              <a:gdLst>
+                <a:gd name="T0" fmla="*/ 225 w 785"/>
+                <a:gd name="T1" fmla="*/ 692 h 692"/>
+                <a:gd name="T2" fmla="*/ 177 w 785"/>
+                <a:gd name="T3" fmla="*/ 665 h 692"/>
+                <a:gd name="T4" fmla="*/ 9 w 785"/>
+                <a:gd name="T5" fmla="*/ 374 h 692"/>
+                <a:gd name="T6" fmla="*/ 9 w 785"/>
+                <a:gd name="T7" fmla="*/ 318 h 692"/>
+                <a:gd name="T8" fmla="*/ 177 w 785"/>
+                <a:gd name="T9" fmla="*/ 27 h 692"/>
+                <a:gd name="T10" fmla="*/ 225 w 785"/>
+                <a:gd name="T11" fmla="*/ 0 h 692"/>
+                <a:gd name="T12" fmla="*/ 561 w 785"/>
+                <a:gd name="T13" fmla="*/ 0 h 692"/>
+                <a:gd name="T14" fmla="*/ 609 w 785"/>
+                <a:gd name="T15" fmla="*/ 27 h 692"/>
+                <a:gd name="T16" fmla="*/ 777 w 785"/>
+                <a:gd name="T17" fmla="*/ 318 h 692"/>
+                <a:gd name="T18" fmla="*/ 777 w 785"/>
+                <a:gd name="T19" fmla="*/ 374 h 692"/>
+                <a:gd name="T20" fmla="*/ 609 w 785"/>
+                <a:gd name="T21" fmla="*/ 665 h 692"/>
+                <a:gd name="T22" fmla="*/ 561 w 785"/>
+                <a:gd name="T23" fmla="*/ 692 h 692"/>
+                <a:gd name="T24" fmla="*/ 225 w 785"/>
+                <a:gd name="T25" fmla="*/ 692 h 692"/>
+              </a:gdLst>
+              <a:ahLst/>
+              <a:cxnLst>
+                <a:cxn ang="0">
+                  <a:pos x="T0" y="T1"/>
+                </a:cxn>
+                <a:cxn ang="0">
+                  <a:pos x="T2" y="T3"/>
+                </a:cxn>
+                <a:cxn ang="0">
+                  <a:pos x="T4" y="T5"/>
+                </a:cxn>
+                <a:cxn ang="0">
+                  <a:pos x="T6" y="T7"/>
+                </a:cxn>
+                <a:cxn ang="0">
+                  <a:pos x="T8" y="T9"/>
+                </a:cxn>
+                <a:cxn ang="0">
+                  <a:pos x="T10" y="T11"/>
+                </a:cxn>
+                <a:cxn ang="0">
+                  <a:pos x="T12" y="T13"/>
+                </a:cxn>
+                <a:cxn ang="0">
+                  <a:pos x="T14" y="T15"/>
+                </a:cxn>
+                <a:cxn ang="0">
+                  <a:pos x="T16" y="T17"/>
+                </a:cxn>
+                <a:cxn ang="0">
+                  <a:pos x="T18" y="T19"/>
+                </a:cxn>
+                <a:cxn ang="0">
+                  <a:pos x="T20" y="T21"/>
+                </a:cxn>
+                <a:cxn ang="0">
+                  <a:pos x="T22" y="T23"/>
+                </a:cxn>
+                <a:cxn ang="0">
+                  <a:pos x="T24" y="T25"/>
+                </a:cxn>
+              </a:cxnLst>
+              <a:rect l="0" t="0" r="r" b="b"/>
+              <a:pathLst>
+                <a:path w="785" h="692">
+                  <a:moveTo>
+                    <a:pt x="225" y="692"/>
+                  </a:moveTo>
+                  <a:cubicBezTo>
+                    <a:pt x="207" y="692"/>
+                    <a:pt x="185" y="680"/>
+                    <a:pt x="177" y="665"/>
+                  </a:cubicBezTo>
+                  <a:cubicBezTo>
+                    <a:pt x="9" y="374"/>
+                    <a:pt x="9" y="374"/>
+                    <a:pt x="9" y="374"/>
+                  </a:cubicBezTo>
+                  <a:cubicBezTo>
+                    <a:pt x="0" y="358"/>
+                    <a:pt x="0" y="334"/>
+                    <a:pt x="9" y="318"/>
+                  </a:cubicBezTo>
+                  <a:cubicBezTo>
+                    <a:pt x="177" y="27"/>
+                    <a:pt x="177" y="27"/>
+                    <a:pt x="177" y="27"/>
+                  </a:cubicBezTo>
+                  <a:cubicBezTo>
+                    <a:pt x="185" y="12"/>
+                    <a:pt x="207" y="0"/>
+                    <a:pt x="225" y="0"/>
+                  </a:cubicBezTo>
+                  <a:cubicBezTo>
+                    <a:pt x="561" y="0"/>
+                    <a:pt x="561" y="0"/>
+                    <a:pt x="561" y="0"/>
+                  </a:cubicBezTo>
+                  <a:cubicBezTo>
+                    <a:pt x="578" y="0"/>
+                    <a:pt x="600" y="12"/>
+                    <a:pt x="609" y="27"/>
+                  </a:cubicBezTo>
+                  <a:cubicBezTo>
+                    <a:pt x="777" y="318"/>
+                    <a:pt x="777" y="318"/>
+                    <a:pt x="777" y="318"/>
+                  </a:cubicBezTo>
+                  <a:cubicBezTo>
+                    <a:pt x="785" y="334"/>
+                    <a:pt x="785" y="358"/>
+                    <a:pt x="777" y="374"/>
+                  </a:cubicBezTo>
+                  <a:cubicBezTo>
+                    <a:pt x="609" y="665"/>
+                    <a:pt x="609" y="665"/>
+                    <a:pt x="609" y="665"/>
+                  </a:cubicBezTo>
+                  <a:cubicBezTo>
+                    <a:pt x="600" y="680"/>
+                    <a:pt x="578" y="692"/>
+                    <a:pt x="561" y="692"/>
+                  </a:cubicBezTo>
+                  <a:lnTo>
+                    <a:pt x="225" y="692"/>
+                  </a:lnTo>
+                  <a:close/>
+                </a:path>
+              </a:pathLst>
+            </a:custGeom>
+            <a:noFill/>
+            <a:ln w="28575" cmpd="sng">
+              <a:solidFill>
+                <a:schemeClr val="tx1"/>
+              </a:solidFill>
+            </a:ln>
+          </p:spPr>
+          <p:txBody>
+            <a:bodyPr vert="horz" wrap="square" lIns="91440" tIns="45720" rIns="91440" bIns="45720" numCol="1" anchor="t" anchorCtr="0" compatLnSpc="1">
+              <a:prstTxWarp prst="textNoShape">
+                <a:avLst/>
+              </a:prstTxWarp>
+            </a:bodyPr>
+            <a:lstStyle/>
+            <a:p>
+              <a:endParaRPr lang="en-US"/>
+            </a:p>
+          </p:txBody>
+        </p:sp>
+        <p:sp>
+          <p:nvSpPr>
+            <p:cNvPr id="24" name="Freeform 5">
+              <a:extLst>
+                <a:ext uri="{FF2B5EF4-FFF2-40B4-BE49-F238E27FC236}">
+                  <a16:creationId xmlns:a16="http://schemas.microsoft.com/office/drawing/2014/main" id="{F4E8C039-CC58-44F3-8A7B-E0A934C1D015}"/>
+                </a:ext>
+                <a:ext uri="{C183D7F6-B498-43B3-948B-1728B52AA6E4}">
+                  <adec:decorative xmlns:adec="http://schemas.microsoft.com/office/drawing/2017/decorative" val="1"/>
+                </a:ext>
+              </a:extLst>
+            </p:cNvPr>
+            <p:cNvSpPr>
+              <a:spLocks/>
+            </p:cNvSpPr>
+            <p:nvPr>
+              <p:extLst>
+                <p:ext uri="{386F3935-93C4-4BCD-93E2-E3B085C9AB24}">
+                  <p16:designElem xmlns:p16="http://schemas.microsoft.com/office/powerpoint/2015/main" val="1"/>
+                </p:ext>
+              </p:extLst>
+            </p:nvPr>
+          </p:nvSpPr>
+          <p:spPr bwMode="auto">
+            <a:xfrm>
+              <a:off x="8983979" y="1000124"/>
+              <a:ext cx="762167" cy="671915"/>
+            </a:xfrm>
+            <a:custGeom>
+              <a:avLst/>
+              <a:gdLst>
+                <a:gd name="T0" fmla="*/ 225 w 785"/>
+                <a:gd name="T1" fmla="*/ 692 h 692"/>
+                <a:gd name="T2" fmla="*/ 177 w 785"/>
+                <a:gd name="T3" fmla="*/ 665 h 692"/>
+                <a:gd name="T4" fmla="*/ 9 w 785"/>
+                <a:gd name="T5" fmla="*/ 374 h 692"/>
+                <a:gd name="T6" fmla="*/ 9 w 785"/>
+                <a:gd name="T7" fmla="*/ 318 h 692"/>
+                <a:gd name="T8" fmla="*/ 177 w 785"/>
+                <a:gd name="T9" fmla="*/ 27 h 692"/>
+                <a:gd name="T10" fmla="*/ 225 w 785"/>
+                <a:gd name="T11" fmla="*/ 0 h 692"/>
+                <a:gd name="T12" fmla="*/ 561 w 785"/>
+                <a:gd name="T13" fmla="*/ 0 h 692"/>
+                <a:gd name="T14" fmla="*/ 609 w 785"/>
+                <a:gd name="T15" fmla="*/ 27 h 692"/>
+                <a:gd name="T16" fmla="*/ 777 w 785"/>
+                <a:gd name="T17" fmla="*/ 318 h 692"/>
+                <a:gd name="T18" fmla="*/ 777 w 785"/>
+                <a:gd name="T19" fmla="*/ 374 h 692"/>
+                <a:gd name="T20" fmla="*/ 609 w 785"/>
+                <a:gd name="T21" fmla="*/ 665 h 692"/>
+                <a:gd name="T22" fmla="*/ 561 w 785"/>
+                <a:gd name="T23" fmla="*/ 692 h 692"/>
+                <a:gd name="T24" fmla="*/ 225 w 785"/>
+                <a:gd name="T25" fmla="*/ 692 h 692"/>
+              </a:gdLst>
+              <a:ahLst/>
+              <a:cxnLst>
+                <a:cxn ang="0">
+                  <a:pos x="T0" y="T1"/>
+                </a:cxn>
+                <a:cxn ang="0">
+                  <a:pos x="T2" y="T3"/>
+                </a:cxn>
+                <a:cxn ang="0">
+                  <a:pos x="T4" y="T5"/>
+                </a:cxn>
+                <a:cxn ang="0">
+                  <a:pos x="T6" y="T7"/>
+                </a:cxn>
+                <a:cxn ang="0">
+                  <a:pos x="T8" y="T9"/>
+                </a:cxn>
+                <a:cxn ang="0">
+                  <a:pos x="T10" y="T11"/>
+                </a:cxn>
+                <a:cxn ang="0">
+                  <a:pos x="T12" y="T13"/>
+                </a:cxn>
+                <a:cxn ang="0">
+                  <a:pos x="T14" y="T15"/>
+                </a:cxn>
+                <a:cxn ang="0">
+                  <a:pos x="T16" y="T17"/>
+                </a:cxn>
+                <a:cxn ang="0">
+                  <a:pos x="T18" y="T19"/>
+                </a:cxn>
+                <a:cxn ang="0">
+                  <a:pos x="T20" y="T21"/>
+                </a:cxn>
+                <a:cxn ang="0">
+                  <a:pos x="T22" y="T23"/>
+                </a:cxn>
+                <a:cxn ang="0">
+                  <a:pos x="T24" y="T25"/>
+                </a:cxn>
+              </a:cxnLst>
+              <a:rect l="0" t="0" r="r" b="b"/>
+              <a:pathLst>
+                <a:path w="785" h="692">
+                  <a:moveTo>
+                    <a:pt x="225" y="692"/>
+                  </a:moveTo>
+                  <a:cubicBezTo>
+                    <a:pt x="207" y="692"/>
+                    <a:pt x="185" y="680"/>
+                    <a:pt x="177" y="665"/>
+                  </a:cubicBezTo>
+                  <a:cubicBezTo>
+                    <a:pt x="9" y="374"/>
+                    <a:pt x="9" y="374"/>
+                    <a:pt x="9" y="374"/>
+                  </a:cubicBezTo>
+                  <a:cubicBezTo>
+                    <a:pt x="0" y="358"/>
+                    <a:pt x="0" y="334"/>
+                    <a:pt x="9" y="318"/>
+                  </a:cubicBezTo>
+                  <a:cubicBezTo>
+                    <a:pt x="177" y="27"/>
+                    <a:pt x="177" y="27"/>
+                    <a:pt x="177" y="27"/>
+                  </a:cubicBezTo>
+                  <a:cubicBezTo>
+                    <a:pt x="185" y="12"/>
+                    <a:pt x="207" y="0"/>
+                    <a:pt x="225" y="0"/>
+                  </a:cubicBezTo>
+                  <a:cubicBezTo>
+                    <a:pt x="561" y="0"/>
+                    <a:pt x="561" y="0"/>
+                    <a:pt x="561" y="0"/>
+                  </a:cubicBezTo>
+                  <a:cubicBezTo>
+                    <a:pt x="578" y="0"/>
+                    <a:pt x="600" y="12"/>
+                    <a:pt x="609" y="27"/>
+                  </a:cubicBezTo>
+                  <a:cubicBezTo>
+                    <a:pt x="777" y="318"/>
+                    <a:pt x="777" y="318"/>
+                    <a:pt x="777" y="318"/>
+                  </a:cubicBezTo>
+                  <a:cubicBezTo>
+                    <a:pt x="785" y="334"/>
+                    <a:pt x="785" y="358"/>
+                    <a:pt x="777" y="374"/>
+                  </a:cubicBezTo>
+                  <a:cubicBezTo>
+                    <a:pt x="609" y="665"/>
+                    <a:pt x="609" y="665"/>
+                    <a:pt x="609" y="665"/>
+                  </a:cubicBezTo>
+                  <a:cubicBezTo>
+                    <a:pt x="600" y="680"/>
+                    <a:pt x="578" y="692"/>
+                    <a:pt x="561" y="692"/>
+                  </a:cubicBezTo>
+                  <a:lnTo>
+                    <a:pt x="225" y="692"/>
+                  </a:lnTo>
+                  <a:close/>
+                </a:path>
+              </a:pathLst>
+            </a:custGeom>
+            <a:noFill/>
+            <a:ln w="28575" cmpd="sng">
+              <a:solidFill>
+                <a:schemeClr val="tx1"/>
+              </a:solidFill>
+            </a:ln>
+          </p:spPr>
+          <p:txBody>
+            <a:bodyPr vert="horz" wrap="square" lIns="91440" tIns="45720" rIns="91440" bIns="45720" numCol="1" anchor="t" anchorCtr="0" compatLnSpc="1">
+              <a:prstTxWarp prst="textNoShape">
+                <a:avLst/>
+              </a:prstTxWarp>
+            </a:bodyPr>
+            <a:lstStyle/>
+            <a:p>
+              <a:endParaRPr lang="en-US"/>
+            </a:p>
+          </p:txBody>
+        </p:sp>
+      </p:grpSp>
       <p:sp>
         <p:nvSpPr>
           <p:cNvPr id="3" name="Tartalom helye 2"/>
@@ -4329,25 +8768,216 @@
             <p:ph idx="1"/>
           </p:nvPr>
         </p:nvSpPr>
-        <p:spPr/>
-        <p:txBody>
-          <a:bodyPr/>
-          <a:lstStyle/>
-          <a:p>
-            <a:endParaRPr lang="hu-HU"/>
+        <p:spPr>
+          <a:xfrm>
+            <a:off x="1000450" y="3067026"/>
+            <a:ext cx="3058623" cy="3272324"/>
+          </a:xfrm>
+        </p:spPr>
+        <p:txBody>
+          <a:bodyPr anchor="t">
+            <a:normAutofit/>
+          </a:bodyPr>
+          <a:lstStyle/>
+          <a:p>
+            <a:r>
+              <a:rPr lang="hu-HU" sz="1900" dirty="0"/>
+              <a:t>Önvezető autók</a:t>
+            </a:r>
+          </a:p>
+          <a:p>
+            <a:r>
+              <a:rPr lang="hu-HU" sz="1900" dirty="0"/>
+              <a:t>Termék minőség ellenőrzés</a:t>
+            </a:r>
+          </a:p>
+          <a:p>
+            <a:r>
+              <a:rPr lang="hu-HU" sz="1900" dirty="0"/>
+              <a:t>Automatizálás</a:t>
+            </a:r>
+          </a:p>
+          <a:p>
+            <a:r>
+              <a:rPr lang="hu-HU" sz="1900" dirty="0"/>
+              <a:t>Arc felismerés</a:t>
+            </a:r>
+          </a:p>
+          <a:p>
+            <a:r>
+              <a:rPr lang="hu-HU" sz="1900" dirty="0"/>
+              <a:t>Művészeti tárgyak digitalizálása</a:t>
+            </a:r>
+          </a:p>
+          <a:p>
+            <a:r>
+              <a:rPr lang="hu-HU" sz="1900" dirty="0"/>
+              <a:t>Domborzati felmérések</a:t>
+            </a:r>
+          </a:p>
+          <a:p>
+            <a:endParaRPr lang="hu-HU" sz="1900" dirty="0"/>
+          </a:p>
+        </p:txBody>
+      </p:sp>
+      <p:pic>
+        <p:nvPicPr>
+          <p:cNvPr id="5" name="Kép 4">
+            <a:extLst>
+              <a:ext uri="{FF2B5EF4-FFF2-40B4-BE49-F238E27FC236}">
+                <a16:creationId xmlns:a16="http://schemas.microsoft.com/office/drawing/2014/main" id="{0F688EC2-869E-FFB6-A9D0-2BB14DE1E58E}"/>
+              </a:ext>
+            </a:extLst>
+          </p:cNvPr>
+          <p:cNvPicPr>
+            <a:picLocks noChangeAspect="1"/>
+          </p:cNvPicPr>
+          <p:nvPr/>
+        </p:nvPicPr>
+        <p:blipFill rotWithShape="1">
+          <a:blip r:embed="rId2"/>
+          <a:srcRect t="5576" r="2" b="32870"/>
+          <a:stretch/>
+        </p:blipFill>
+        <p:spPr>
+          <a:xfrm>
+            <a:off x="4636963" y="10"/>
+            <a:ext cx="7555037" cy="3383270"/>
+          </a:xfrm>
+          <a:prstGeom prst="rect">
+            <a:avLst/>
+          </a:prstGeom>
+        </p:spPr>
+      </p:pic>
+      <p:pic>
+        <p:nvPicPr>
+          <p:cNvPr id="4" name="Kép 3">
+            <a:extLst>
+              <a:ext uri="{FF2B5EF4-FFF2-40B4-BE49-F238E27FC236}">
+                <a16:creationId xmlns:a16="http://schemas.microsoft.com/office/drawing/2014/main" id="{3712F91A-4FFA-38AB-A6DD-89B95240A083}"/>
+              </a:ext>
+            </a:extLst>
+          </p:cNvPr>
+          <p:cNvPicPr>
+            <a:picLocks noChangeAspect="1"/>
+          </p:cNvPicPr>
+          <p:nvPr/>
+        </p:nvPicPr>
+        <p:blipFill rotWithShape="1">
+          <a:blip r:embed="rId3"/>
+          <a:srcRect t="12475" r="-2" b="9620"/>
+          <a:stretch/>
+        </p:blipFill>
+        <p:spPr>
+          <a:xfrm>
+            <a:off x="4639056" y="3474720"/>
+            <a:ext cx="7552944" cy="3383280"/>
+          </a:xfrm>
+          <a:prstGeom prst="rect">
+            <a:avLst/>
+          </a:prstGeom>
+        </p:spPr>
+      </p:pic>
+      <p:sp>
+        <p:nvSpPr>
+          <p:cNvPr id="8" name="Szövegdoboz 7">
+            <a:extLst>
+              <a:ext uri="{FF2B5EF4-FFF2-40B4-BE49-F238E27FC236}">
+                <a16:creationId xmlns:a16="http://schemas.microsoft.com/office/drawing/2014/main" id="{5E7709D9-4F40-8C98-34A9-E78CE45E2959}"/>
+              </a:ext>
+            </a:extLst>
+          </p:cNvPr>
+          <p:cNvSpPr txBox="1"/>
+          <p:nvPr/>
+        </p:nvSpPr>
+        <p:spPr>
+          <a:xfrm>
+            <a:off x="5494555" y="6538187"/>
+            <a:ext cx="6019331" cy="319803"/>
+          </a:xfrm>
+          <a:prstGeom prst="rect">
+            <a:avLst/>
+          </a:prstGeom>
+          <a:solidFill>
+            <a:srgbClr val="000000">
+              <a:alpha val="50000"/>
+            </a:srgbClr>
+          </a:solidFill>
+          <a:ln>
+            <a:noFill/>
+          </a:ln>
+        </p:spPr>
+        <p:txBody>
+          <a:bodyPr wrap="square">
+            <a:noAutofit/>
+          </a:bodyPr>
+          <a:lstStyle/>
+          <a:p>
+            <a:pPr algn="ctr">
+              <a:spcAft>
+                <a:spcPts val="600"/>
+              </a:spcAft>
+            </a:pPr>
+            <a:r>
+              <a:rPr lang="hu-HU" sz="500" dirty="0">
+                <a:solidFill>
+                  <a:srgbClr val="FFFFFF"/>
+                </a:solidFill>
+              </a:rPr>
+              <a:t>https://www.researchgate.net/profile/Amaury-Negre/publication/318807041/figure/fig1/AS:614146932473863@1523435447788/Illustration-of-3D-Point-cloud-segmentation-following-the-road-slope-Ground-points-are.png</a:t>
+            </a:r>
+          </a:p>
+          <a:p>
+            <a:pPr algn="ctr">
+              <a:spcAft>
+                <a:spcPts val="600"/>
+              </a:spcAft>
+            </a:pPr>
+            <a:r>
+              <a:rPr lang="hu-HU" sz="500" dirty="0">
+                <a:solidFill>
+                  <a:srgbClr val="FFFFFF"/>
+                </a:solidFill>
+              </a:rPr>
+              <a:t>https://www.esri.com/arcgis-blog/wp-content/uploads/2017/12/blogoverview_smal_cr.png</a:t>
+            </a:r>
+          </a:p>
+          <a:p>
+            <a:pPr algn="ctr">
+              <a:spcAft>
+                <a:spcPts val="600"/>
+              </a:spcAft>
+            </a:pPr>
+            <a:endParaRPr lang="hu-HU" sz="500" dirty="0">
+              <a:solidFill>
+                <a:srgbClr val="FFFFFF"/>
+              </a:solidFill>
+            </a:endParaRPr>
           </a:p>
         </p:txBody>
       </p:sp>
     </p:spTree>
     <p:extLst>
       <p:ext uri="{BB962C8B-B14F-4D97-AF65-F5344CB8AC3E}">
-        <p14:creationId xmlns:p14="http://schemas.microsoft.com/office/powerpoint/2010/main" val="1924093199"/>
+        <p14:creationId xmlns:p14="http://schemas.microsoft.com/office/powerpoint/2010/main" val="3441424514"/>
       </p:ext>
     </p:extLst>
   </p:cSld>
   <p:clrMapOvr>
     <a:masterClrMapping/>
   </p:clrMapOvr>
+  <mc:AlternateContent xmlns:mc="http://schemas.openxmlformats.org/markup-compatibility/2006">
+    <mc:Choice xmlns:p159="http://schemas.microsoft.com/office/powerpoint/2015/09/main" Requires="p159">
+      <p:transition xmlns:p14="http://schemas.microsoft.com/office/powerpoint/2010/main" spd="slow" p14:dur="2000">
+        <p159:morph option="byObject"/>
+      </p:transition>
+    </mc:Choice>
+    <mc:Fallback>
+      <p:transition spd="slow">
+        <p:fade/>
+      </p:transition>
+    </mc:Fallback>
+  </mc:AlternateContent>
 </p:sld>
 </file>
 

--- a/BemutatóCsókaAndrás.pptx
+++ b/BemutatóCsókaAndrás.pptx
@@ -251,7 +251,7 @@
           <a:p>
             <a:fld id="{D4491327-AE6A-4889-B705-44534CF58E21}" type="datetimeFigureOut">
               <a:rPr lang="hu-HU" smtClean="0"/>
-              <a:t>2022. 09. 19.</a:t>
+              <a:t>2022. 09. 21.</a:t>
             </a:fld>
             <a:endParaRPr lang="hu-HU"/>
           </a:p>
@@ -309,13 +309,13 @@
   <p:clrMapOvr>
     <a:masterClrMapping/>
   </p:clrMapOvr>
-  <mc:AlternateContent xmlns:mc="http://schemas.openxmlformats.org/markup-compatibility/2006">
-    <mc:Choice xmlns:p159="http://schemas.microsoft.com/office/powerpoint/2015/09/main" Requires="p159">
+  <mc:AlternateContent xmlns:mc="http://schemas.openxmlformats.org/markup-compatibility/2006" xmlns:p159="http://schemas.microsoft.com/office/powerpoint/2015/09/main">
+    <mc:Choice Requires="p159">
       <p:transition xmlns:p14="http://schemas.microsoft.com/office/powerpoint/2010/main" spd="slow" p14:dur="2000">
         <p159:morph option="byObject"/>
       </p:transition>
     </mc:Choice>
-    <mc:Fallback>
+    <mc:Fallback xmlns="">
       <p:transition spd="slow">
         <p:fade/>
       </p:transition>
@@ -431,7 +431,7 @@
           <a:p>
             <a:fld id="{D4491327-AE6A-4889-B705-44534CF58E21}" type="datetimeFigureOut">
               <a:rPr lang="hu-HU" smtClean="0"/>
-              <a:t>2022. 09. 19.</a:t>
+              <a:t>2022. 09. 21.</a:t>
             </a:fld>
             <a:endParaRPr lang="hu-HU"/>
           </a:p>
@@ -489,13 +489,13 @@
   <p:clrMapOvr>
     <a:masterClrMapping/>
   </p:clrMapOvr>
-  <mc:AlternateContent xmlns:mc="http://schemas.openxmlformats.org/markup-compatibility/2006">
-    <mc:Choice xmlns:p159="http://schemas.microsoft.com/office/powerpoint/2015/09/main" Requires="p159">
+  <mc:AlternateContent xmlns:mc="http://schemas.openxmlformats.org/markup-compatibility/2006" xmlns:p159="http://schemas.microsoft.com/office/powerpoint/2015/09/main">
+    <mc:Choice Requires="p159">
       <p:transition xmlns:p14="http://schemas.microsoft.com/office/powerpoint/2010/main" spd="slow" p14:dur="2000">
         <p159:morph option="byObject"/>
       </p:transition>
     </mc:Choice>
-    <mc:Fallback>
+    <mc:Fallback xmlns="">
       <p:transition spd="slow">
         <p:fade/>
       </p:transition>
@@ -621,7 +621,7 @@
           <a:p>
             <a:fld id="{D4491327-AE6A-4889-B705-44534CF58E21}" type="datetimeFigureOut">
               <a:rPr lang="hu-HU" smtClean="0"/>
-              <a:t>2022. 09. 19.</a:t>
+              <a:t>2022. 09. 21.</a:t>
             </a:fld>
             <a:endParaRPr lang="hu-HU"/>
           </a:p>
@@ -679,13 +679,13 @@
   <p:clrMapOvr>
     <a:masterClrMapping/>
   </p:clrMapOvr>
-  <mc:AlternateContent xmlns:mc="http://schemas.openxmlformats.org/markup-compatibility/2006">
-    <mc:Choice xmlns:p159="http://schemas.microsoft.com/office/powerpoint/2015/09/main" Requires="p159">
+  <mc:AlternateContent xmlns:mc="http://schemas.openxmlformats.org/markup-compatibility/2006" xmlns:p159="http://schemas.microsoft.com/office/powerpoint/2015/09/main">
+    <mc:Choice Requires="p159">
       <p:transition xmlns:p14="http://schemas.microsoft.com/office/powerpoint/2010/main" spd="slow" p14:dur="2000">
         <p159:morph option="byObject"/>
       </p:transition>
     </mc:Choice>
-    <mc:Fallback>
+    <mc:Fallback xmlns="">
       <p:transition spd="slow">
         <p:fade/>
       </p:transition>
@@ -801,7 +801,7 @@
           <a:p>
             <a:fld id="{D4491327-AE6A-4889-B705-44534CF58E21}" type="datetimeFigureOut">
               <a:rPr lang="hu-HU" smtClean="0"/>
-              <a:t>2022. 09. 19.</a:t>
+              <a:t>2022. 09. 21.</a:t>
             </a:fld>
             <a:endParaRPr lang="hu-HU"/>
           </a:p>
@@ -859,13 +859,13 @@
   <p:clrMapOvr>
     <a:masterClrMapping/>
   </p:clrMapOvr>
-  <mc:AlternateContent xmlns:mc="http://schemas.openxmlformats.org/markup-compatibility/2006">
-    <mc:Choice xmlns:p159="http://schemas.microsoft.com/office/powerpoint/2015/09/main" Requires="p159">
+  <mc:AlternateContent xmlns:mc="http://schemas.openxmlformats.org/markup-compatibility/2006" xmlns:p159="http://schemas.microsoft.com/office/powerpoint/2015/09/main">
+    <mc:Choice Requires="p159">
       <p:transition xmlns:p14="http://schemas.microsoft.com/office/powerpoint/2010/main" spd="slow" p14:dur="2000">
         <p159:morph option="byObject"/>
       </p:transition>
     </mc:Choice>
-    <mc:Fallback>
+    <mc:Fallback xmlns="">
       <p:transition spd="slow">
         <p:fade/>
       </p:transition>
@@ -1058,7 +1058,7 @@
           <a:p>
             <a:fld id="{D4491327-AE6A-4889-B705-44534CF58E21}" type="datetimeFigureOut">
               <a:rPr lang="hu-HU" smtClean="0"/>
-              <a:t>2022. 09. 19.</a:t>
+              <a:t>2022. 09. 21.</a:t>
             </a:fld>
             <a:endParaRPr lang="hu-HU"/>
           </a:p>
@@ -1116,13 +1116,13 @@
   <p:clrMapOvr>
     <a:masterClrMapping/>
   </p:clrMapOvr>
-  <mc:AlternateContent xmlns:mc="http://schemas.openxmlformats.org/markup-compatibility/2006">
-    <mc:Choice xmlns:p159="http://schemas.microsoft.com/office/powerpoint/2015/09/main" Requires="p159">
+  <mc:AlternateContent xmlns:mc="http://schemas.openxmlformats.org/markup-compatibility/2006" xmlns:p159="http://schemas.microsoft.com/office/powerpoint/2015/09/main">
+    <mc:Choice Requires="p159">
       <p:transition xmlns:p14="http://schemas.microsoft.com/office/powerpoint/2010/main" spd="slow" p14:dur="2000">
         <p159:morph option="byObject"/>
       </p:transition>
     </mc:Choice>
-    <mc:Fallback>
+    <mc:Fallback xmlns="">
       <p:transition spd="slow">
         <p:fade/>
       </p:transition>
@@ -1299,7 +1299,7 @@
           <a:p>
             <a:fld id="{D4491327-AE6A-4889-B705-44534CF58E21}" type="datetimeFigureOut">
               <a:rPr lang="hu-HU" smtClean="0"/>
-              <a:t>2022. 09. 19.</a:t>
+              <a:t>2022. 09. 21.</a:t>
             </a:fld>
             <a:endParaRPr lang="hu-HU"/>
           </a:p>
@@ -1357,13 +1357,13 @@
   <p:clrMapOvr>
     <a:masterClrMapping/>
   </p:clrMapOvr>
-  <mc:AlternateContent xmlns:mc="http://schemas.openxmlformats.org/markup-compatibility/2006">
-    <mc:Choice xmlns:p159="http://schemas.microsoft.com/office/powerpoint/2015/09/main" Requires="p159">
+  <mc:AlternateContent xmlns:mc="http://schemas.openxmlformats.org/markup-compatibility/2006" xmlns:p159="http://schemas.microsoft.com/office/powerpoint/2015/09/main">
+    <mc:Choice Requires="p159">
       <p:transition xmlns:p14="http://schemas.microsoft.com/office/powerpoint/2010/main" spd="slow" p14:dur="2000">
         <p159:morph option="byObject"/>
       </p:transition>
     </mc:Choice>
-    <mc:Fallback>
+    <mc:Fallback xmlns="">
       <p:transition spd="slow">
         <p:fade/>
       </p:transition>
@@ -1675,7 +1675,7 @@
           <a:p>
             <a:fld id="{D4491327-AE6A-4889-B705-44534CF58E21}" type="datetimeFigureOut">
               <a:rPr lang="hu-HU" smtClean="0"/>
-              <a:t>2022. 09. 19.</a:t>
+              <a:t>2022. 09. 21.</a:t>
             </a:fld>
             <a:endParaRPr lang="hu-HU"/>
           </a:p>
@@ -1733,13 +1733,13 @@
   <p:clrMapOvr>
     <a:masterClrMapping/>
   </p:clrMapOvr>
-  <mc:AlternateContent xmlns:mc="http://schemas.openxmlformats.org/markup-compatibility/2006">
-    <mc:Choice xmlns:p159="http://schemas.microsoft.com/office/powerpoint/2015/09/main" Requires="p159">
+  <mc:AlternateContent xmlns:mc="http://schemas.openxmlformats.org/markup-compatibility/2006" xmlns:p159="http://schemas.microsoft.com/office/powerpoint/2015/09/main">
+    <mc:Choice Requires="p159">
       <p:transition xmlns:p14="http://schemas.microsoft.com/office/powerpoint/2010/main" spd="slow" p14:dur="2000">
         <p159:morph option="byObject"/>
       </p:transition>
     </mc:Choice>
-    <mc:Fallback>
+    <mc:Fallback xmlns="">
       <p:transition spd="slow">
         <p:fade/>
       </p:transition>
@@ -1804,7 +1804,7 @@
           <a:p>
             <a:fld id="{D4491327-AE6A-4889-B705-44534CF58E21}" type="datetimeFigureOut">
               <a:rPr lang="hu-HU" smtClean="0"/>
-              <a:t>2022. 09. 19.</a:t>
+              <a:t>2022. 09. 21.</a:t>
             </a:fld>
             <a:endParaRPr lang="hu-HU"/>
           </a:p>
@@ -1862,13 +1862,13 @@
   <p:clrMapOvr>
     <a:masterClrMapping/>
   </p:clrMapOvr>
-  <mc:AlternateContent xmlns:mc="http://schemas.openxmlformats.org/markup-compatibility/2006">
-    <mc:Choice xmlns:p159="http://schemas.microsoft.com/office/powerpoint/2015/09/main" Requires="p159">
+  <mc:AlternateContent xmlns:mc="http://schemas.openxmlformats.org/markup-compatibility/2006" xmlns:p159="http://schemas.microsoft.com/office/powerpoint/2015/09/main">
+    <mc:Choice Requires="p159">
       <p:transition xmlns:p14="http://schemas.microsoft.com/office/powerpoint/2010/main" spd="slow" p14:dur="2000">
         <p159:morph option="byObject"/>
       </p:transition>
     </mc:Choice>
-    <mc:Fallback>
+    <mc:Fallback xmlns="">
       <p:transition spd="slow">
         <p:fade/>
       </p:transition>
@@ -1911,7 +1911,7 @@
           <a:p>
             <a:fld id="{D4491327-AE6A-4889-B705-44534CF58E21}" type="datetimeFigureOut">
               <a:rPr lang="hu-HU" smtClean="0"/>
-              <a:t>2022. 09. 19.</a:t>
+              <a:t>2022. 09. 21.</a:t>
             </a:fld>
             <a:endParaRPr lang="hu-HU"/>
           </a:p>
@@ -1969,13 +1969,13 @@
   <p:clrMapOvr>
     <a:masterClrMapping/>
   </p:clrMapOvr>
-  <mc:AlternateContent xmlns:mc="http://schemas.openxmlformats.org/markup-compatibility/2006">
-    <mc:Choice xmlns:p159="http://schemas.microsoft.com/office/powerpoint/2015/09/main" Requires="p159">
+  <mc:AlternateContent xmlns:mc="http://schemas.openxmlformats.org/markup-compatibility/2006" xmlns:p159="http://schemas.microsoft.com/office/powerpoint/2015/09/main">
+    <mc:Choice Requires="p159">
       <p:transition xmlns:p14="http://schemas.microsoft.com/office/powerpoint/2010/main" spd="slow" p14:dur="2000">
         <p159:morph option="byObject"/>
       </p:transition>
     </mc:Choice>
-    <mc:Fallback>
+    <mc:Fallback xmlns="">
       <p:transition spd="slow">
         <p:fade/>
       </p:transition>
@@ -2198,7 +2198,7 @@
           <a:p>
             <a:fld id="{D4491327-AE6A-4889-B705-44534CF58E21}" type="datetimeFigureOut">
               <a:rPr lang="hu-HU" smtClean="0"/>
-              <a:t>2022. 09. 19.</a:t>
+              <a:t>2022. 09. 21.</a:t>
             </a:fld>
             <a:endParaRPr lang="hu-HU"/>
           </a:p>
@@ -2256,13 +2256,13 @@
   <p:clrMapOvr>
     <a:masterClrMapping/>
   </p:clrMapOvr>
-  <mc:AlternateContent xmlns:mc="http://schemas.openxmlformats.org/markup-compatibility/2006">
-    <mc:Choice xmlns:p159="http://schemas.microsoft.com/office/powerpoint/2015/09/main" Requires="p159">
+  <mc:AlternateContent xmlns:mc="http://schemas.openxmlformats.org/markup-compatibility/2006" xmlns:p159="http://schemas.microsoft.com/office/powerpoint/2015/09/main">
+    <mc:Choice Requires="p159">
       <p:transition xmlns:p14="http://schemas.microsoft.com/office/powerpoint/2010/main" spd="slow" p14:dur="2000">
         <p159:morph option="byObject"/>
       </p:transition>
     </mc:Choice>
-    <mc:Fallback>
+    <mc:Fallback xmlns="">
       <p:transition spd="slow">
         <p:fade/>
       </p:transition>
@@ -2462,7 +2462,7 @@
           <a:p>
             <a:fld id="{D4491327-AE6A-4889-B705-44534CF58E21}" type="datetimeFigureOut">
               <a:rPr lang="hu-HU" smtClean="0"/>
-              <a:t>2022. 09. 19.</a:t>
+              <a:t>2022. 09. 21.</a:t>
             </a:fld>
             <a:endParaRPr lang="hu-HU"/>
           </a:p>
@@ -2520,13 +2520,13 @@
   <p:clrMapOvr>
     <a:masterClrMapping/>
   </p:clrMapOvr>
-  <mc:AlternateContent xmlns:mc="http://schemas.openxmlformats.org/markup-compatibility/2006">
-    <mc:Choice xmlns:p159="http://schemas.microsoft.com/office/powerpoint/2015/09/main" Requires="p159">
+  <mc:AlternateContent xmlns:mc="http://schemas.openxmlformats.org/markup-compatibility/2006" xmlns:p159="http://schemas.microsoft.com/office/powerpoint/2015/09/main">
+    <mc:Choice Requires="p159">
       <p:transition xmlns:p14="http://schemas.microsoft.com/office/powerpoint/2010/main" spd="slow" p14:dur="2000">
         <p159:morph option="byObject"/>
       </p:transition>
     </mc:Choice>
-    <mc:Fallback>
+    <mc:Fallback xmlns="">
       <p:transition spd="slow">
         <p:fade/>
       </p:transition>
@@ -2685,7 +2685,7 @@
           <a:p>
             <a:fld id="{D4491327-AE6A-4889-B705-44534CF58E21}" type="datetimeFigureOut">
               <a:rPr lang="hu-HU" smtClean="0"/>
-              <a:t>2022. 09. 19.</a:t>
+              <a:t>2022. 09. 21.</a:t>
             </a:fld>
             <a:endParaRPr lang="hu-HU"/>
           </a:p>
@@ -2790,13 +2790,13 @@
     <p:sldLayoutId id="2147483658" r:id="rId10"/>
     <p:sldLayoutId id="2147483659" r:id="rId11"/>
   </p:sldLayoutIdLst>
-  <mc:AlternateContent xmlns:mc="http://schemas.openxmlformats.org/markup-compatibility/2006">
-    <mc:Choice xmlns:p159="http://schemas.microsoft.com/office/powerpoint/2015/09/main" Requires="p159">
+  <mc:AlternateContent xmlns:mc="http://schemas.openxmlformats.org/markup-compatibility/2006" xmlns:p159="http://schemas.microsoft.com/office/powerpoint/2015/09/main">
+    <mc:Choice Requires="p159">
       <p:transition xmlns:p14="http://schemas.microsoft.com/office/powerpoint/2010/main" spd="slow" p14:dur="2000">
         <p159:morph option="byObject"/>
       </p:transition>
     </mc:Choice>
-    <mc:Fallback>
+    <mc:Fallback xmlns="">
       <p:transition spd="slow">
         <p:fade/>
       </p:transition>
@@ -3856,13 +3856,13 @@
   <p:clrMapOvr>
     <a:overrideClrMapping bg1="dk1" tx1="lt1" bg2="dk2" tx2="lt2" accent1="accent1" accent2="accent2" accent3="accent3" accent4="accent4" accent5="accent5" accent6="accent6" hlink="hlink" folHlink="folHlink"/>
   </p:clrMapOvr>
-  <mc:AlternateContent xmlns:mc="http://schemas.openxmlformats.org/markup-compatibility/2006">
-    <mc:Choice xmlns:p159="http://schemas.microsoft.com/office/powerpoint/2015/09/main" Requires="p159">
+  <mc:AlternateContent xmlns:mc="http://schemas.openxmlformats.org/markup-compatibility/2006" xmlns:p159="http://schemas.microsoft.com/office/powerpoint/2015/09/main">
+    <mc:Choice Requires="p159">
       <p:transition xmlns:p14="http://schemas.microsoft.com/office/powerpoint/2010/main" spd="slow" p14:dur="2000">
         <p159:morph option="byObject"/>
       </p:transition>
     </mc:Choice>
-    <mc:Fallback>
+    <mc:Fallback xmlns="">
       <p:transition spd="slow">
         <p:fade/>
       </p:transition>
@@ -5085,13 +5085,13 @@
   <p:clrMapOvr>
     <a:masterClrMapping/>
   </p:clrMapOvr>
-  <mc:AlternateContent xmlns:mc="http://schemas.openxmlformats.org/markup-compatibility/2006">
-    <mc:Choice xmlns:p159="http://schemas.microsoft.com/office/powerpoint/2015/09/main" Requires="p159">
+  <mc:AlternateContent xmlns:mc="http://schemas.openxmlformats.org/markup-compatibility/2006" xmlns:p159="http://schemas.microsoft.com/office/powerpoint/2015/09/main">
+    <mc:Choice Requires="p159">
       <p:transition xmlns:p14="http://schemas.microsoft.com/office/powerpoint/2010/main" spd="slow" p14:dur="2000">
         <p159:morph option="byObject"/>
       </p:transition>
     </mc:Choice>
-    <mc:Fallback>
+    <mc:Fallback xmlns="">
       <p:transition spd="slow">
         <p:fade/>
       </p:transition>
@@ -5252,13 +5252,13 @@
   <p:clrMapOvr>
     <a:masterClrMapping/>
   </p:clrMapOvr>
-  <mc:AlternateContent xmlns:mc="http://schemas.openxmlformats.org/markup-compatibility/2006">
-    <mc:Choice xmlns:p159="http://schemas.microsoft.com/office/powerpoint/2015/09/main" Requires="p159">
+  <mc:AlternateContent xmlns:mc="http://schemas.openxmlformats.org/markup-compatibility/2006" xmlns:p159="http://schemas.microsoft.com/office/powerpoint/2015/09/main">
+    <mc:Choice Requires="p159">
       <p:transition xmlns:p14="http://schemas.microsoft.com/office/powerpoint/2010/main" spd="slow" p14:dur="2000">
         <p159:morph option="byObject"/>
       </p:transition>
     </mc:Choice>
-    <mc:Fallback>
+    <mc:Fallback xmlns="">
       <p:transition spd="slow">
         <p:fade/>
       </p:transition>
@@ -6043,13 +6043,13 @@
   <p:clrMapOvr>
     <a:masterClrMapping/>
   </p:clrMapOvr>
-  <mc:AlternateContent xmlns:mc="http://schemas.openxmlformats.org/markup-compatibility/2006">
-    <mc:Choice xmlns:p159="http://schemas.microsoft.com/office/powerpoint/2015/09/main" Requires="p159">
+  <mc:AlternateContent xmlns:mc="http://schemas.openxmlformats.org/markup-compatibility/2006" xmlns:p159="http://schemas.microsoft.com/office/powerpoint/2015/09/main">
+    <mc:Choice Requires="p159">
       <p:transition xmlns:p14="http://schemas.microsoft.com/office/powerpoint/2010/main" spd="slow" p14:dur="2000">
         <p159:morph option="byObject"/>
       </p:transition>
     </mc:Choice>
-    <mc:Fallback>
+    <mc:Fallback xmlns="">
       <p:transition spd="slow">
         <p:fade/>
       </p:transition>
@@ -6404,13 +6404,13 @@
   <p:clrMapOvr>
     <a:masterClrMapping/>
   </p:clrMapOvr>
-  <mc:AlternateContent xmlns:mc="http://schemas.openxmlformats.org/markup-compatibility/2006">
-    <mc:Choice xmlns:p159="http://schemas.microsoft.com/office/powerpoint/2015/09/main" Requires="p159">
+  <mc:AlternateContent xmlns:mc="http://schemas.openxmlformats.org/markup-compatibility/2006" xmlns:p159="http://schemas.microsoft.com/office/powerpoint/2015/09/main">
+    <mc:Choice Requires="p159">
       <p:transition xmlns:p14="http://schemas.microsoft.com/office/powerpoint/2010/main" spd="slow" p14:dur="2000">
         <p159:morph option="byObject"/>
       </p:transition>
     </mc:Choice>
-    <mc:Fallback>
+    <mc:Fallback xmlns="">
       <p:transition spd="slow">
         <p:fade/>
       </p:transition>
@@ -6753,13 +6753,13 @@
   <p:clrMapOvr>
     <a:masterClrMapping/>
   </p:clrMapOvr>
-  <mc:AlternateContent xmlns:mc="http://schemas.openxmlformats.org/markup-compatibility/2006">
-    <mc:Choice xmlns:p159="http://schemas.microsoft.com/office/powerpoint/2015/09/main" Requires="p159">
+  <mc:AlternateContent xmlns:mc="http://schemas.openxmlformats.org/markup-compatibility/2006" xmlns:p159="http://schemas.microsoft.com/office/powerpoint/2015/09/main">
+    <mc:Choice Requires="p159">
       <p:transition xmlns:p14="http://schemas.microsoft.com/office/powerpoint/2010/main" spd="slow" p14:dur="2000">
         <p159:morph option="byObject"/>
       </p:transition>
     </mc:Choice>
-    <mc:Fallback>
+    <mc:Fallback xmlns="">
       <p:transition spd="slow">
         <p:fade/>
       </p:transition>
@@ -7127,13 +7127,13 @@
   <p:clrMapOvr>
     <a:masterClrMapping/>
   </p:clrMapOvr>
-  <mc:AlternateContent xmlns:mc="http://schemas.openxmlformats.org/markup-compatibility/2006">
-    <mc:Choice xmlns:p159="http://schemas.microsoft.com/office/powerpoint/2015/09/main" Requires="p159">
+  <mc:AlternateContent xmlns:mc="http://schemas.openxmlformats.org/markup-compatibility/2006" xmlns:p159="http://schemas.microsoft.com/office/powerpoint/2015/09/main">
+    <mc:Choice Requires="p159">
       <p:transition xmlns:p14="http://schemas.microsoft.com/office/powerpoint/2010/main" spd="slow" p14:dur="2000">
         <p159:morph option="byObject"/>
       </p:transition>
     </mc:Choice>
-    <mc:Fallback>
+    <mc:Fallback xmlns="">
       <p:transition spd="slow">
         <p:fade/>
       </p:transition>
@@ -7495,13 +7495,13 @@
   <p:clrMapOvr>
     <a:masterClrMapping/>
   </p:clrMapOvr>
-  <mc:AlternateContent xmlns:mc="http://schemas.openxmlformats.org/markup-compatibility/2006">
-    <mc:Choice xmlns:p159="http://schemas.microsoft.com/office/powerpoint/2015/09/main" Requires="p159">
+  <mc:AlternateContent xmlns:mc="http://schemas.openxmlformats.org/markup-compatibility/2006" xmlns:p159="http://schemas.microsoft.com/office/powerpoint/2015/09/main">
+    <mc:Choice Requires="p159">
       <p:transition xmlns:p14="http://schemas.microsoft.com/office/powerpoint/2010/main" spd="slow" p14:dur="2000">
         <p159:morph option="byObject"/>
       </p:transition>
     </mc:Choice>
-    <mc:Fallback>
+    <mc:Fallback xmlns="">
       <p:transition spd="slow">
         <p:fade/>
       </p:transition>
@@ -7589,7 +7589,7 @@
           <a:p>
             <a:r>
               <a:rPr lang="hu-HU" sz="2000" dirty="0"/>
-              <a:t>Impulzusos lézerfény és fázis alapó</a:t>
+              <a:t>Impulzusos lézerfény és fázis alapú</a:t>
             </a:r>
           </a:p>
           <a:p>
@@ -7619,14 +7619,13 @@
           <a:p>
             <a:r>
               <a:rPr lang="hu-HU" sz="2000" dirty="0"/>
-              <a:t>Érzékeny a tükröződésekre</a:t>
-            </a:r>
-          </a:p>
-          <a:p>
-            <a:r>
-              <a:rPr lang="hu-HU" sz="2000" dirty="0"/>
-              <a:t>Minden számítás pixel szinten történik</a:t>
-            </a:r>
+              <a:t>Érzékeny </a:t>
+            </a:r>
+            <a:r>
+              <a:rPr lang="hu-HU" sz="2000"/>
+              <a:t>a tükröződésekre</a:t>
+            </a:r>
+            <a:endParaRPr lang="hu-HU" sz="2000" dirty="0"/>
           </a:p>
         </p:txBody>
       </p:sp>
@@ -7875,13 +7874,13 @@
   <p:clrMapOvr>
     <a:masterClrMapping/>
   </p:clrMapOvr>
-  <mc:AlternateContent xmlns:mc="http://schemas.openxmlformats.org/markup-compatibility/2006">
-    <mc:Choice xmlns:p159="http://schemas.microsoft.com/office/powerpoint/2015/09/main" Requires="p159">
+  <mc:AlternateContent xmlns:mc="http://schemas.openxmlformats.org/markup-compatibility/2006" xmlns:p159="http://schemas.microsoft.com/office/powerpoint/2015/09/main">
+    <mc:Choice Requires="p159">
       <p:transition xmlns:p14="http://schemas.microsoft.com/office/powerpoint/2010/main" spd="slow" p14:dur="2000">
         <p159:morph option="byObject"/>
       </p:transition>
     </mc:Choice>
-    <mc:Fallback>
+    <mc:Fallback xmlns="">
       <p:transition spd="slow">
         <p:fade/>
       </p:transition>
@@ -8223,13 +8222,13 @@
   <p:clrMapOvr>
     <a:masterClrMapping/>
   </p:clrMapOvr>
-  <mc:AlternateContent xmlns:mc="http://schemas.openxmlformats.org/markup-compatibility/2006">
-    <mc:Choice xmlns:p159="http://schemas.microsoft.com/office/powerpoint/2015/09/main" Requires="p159">
+  <mc:AlternateContent xmlns:mc="http://schemas.openxmlformats.org/markup-compatibility/2006" xmlns:p159="http://schemas.microsoft.com/office/powerpoint/2015/09/main">
+    <mc:Choice Requires="p159">
       <p:transition xmlns:p14="http://schemas.microsoft.com/office/powerpoint/2010/main" spd="slow" p14:dur="2000">
         <p159:morph option="byObject"/>
       </p:transition>
     </mc:Choice>
-    <mc:Fallback>
+    <mc:Fallback xmlns="">
       <p:transition spd="slow">
         <p:fade/>
       </p:transition>
@@ -8966,13 +8965,13 @@
   <p:clrMapOvr>
     <a:masterClrMapping/>
   </p:clrMapOvr>
-  <mc:AlternateContent xmlns:mc="http://schemas.openxmlformats.org/markup-compatibility/2006">
-    <mc:Choice xmlns:p159="http://schemas.microsoft.com/office/powerpoint/2015/09/main" Requires="p159">
+  <mc:AlternateContent xmlns:mc="http://schemas.openxmlformats.org/markup-compatibility/2006" xmlns:p159="http://schemas.microsoft.com/office/powerpoint/2015/09/main">
+    <mc:Choice Requires="p159">
       <p:transition xmlns:p14="http://schemas.microsoft.com/office/powerpoint/2010/main" spd="slow" p14:dur="2000">
         <p159:morph option="byObject"/>
       </p:transition>
     </mc:Choice>
-    <mc:Fallback>
+    <mc:Fallback xmlns="">
       <p:transition spd="slow">
         <p:fade/>
       </p:transition>

--- a/BemutatóCsókaAndrás.pptx
+++ b/BemutatóCsókaAndrás.pptx
@@ -251,7 +251,7 @@
           <a:p>
             <a:fld id="{D4491327-AE6A-4889-B705-44534CF58E21}" type="datetimeFigureOut">
               <a:rPr lang="hu-HU" smtClean="0"/>
-              <a:t>2022. 09. 21.</a:t>
+              <a:t>2022.09.22.</a:t>
             </a:fld>
             <a:endParaRPr lang="hu-HU"/>
           </a:p>
@@ -431,7 +431,7 @@
           <a:p>
             <a:fld id="{D4491327-AE6A-4889-B705-44534CF58E21}" type="datetimeFigureOut">
               <a:rPr lang="hu-HU" smtClean="0"/>
-              <a:t>2022. 09. 21.</a:t>
+              <a:t>2022.09.22.</a:t>
             </a:fld>
             <a:endParaRPr lang="hu-HU"/>
           </a:p>
@@ -621,7 +621,7 @@
           <a:p>
             <a:fld id="{D4491327-AE6A-4889-B705-44534CF58E21}" type="datetimeFigureOut">
               <a:rPr lang="hu-HU" smtClean="0"/>
-              <a:t>2022. 09. 21.</a:t>
+              <a:t>2022.09.22.</a:t>
             </a:fld>
             <a:endParaRPr lang="hu-HU"/>
           </a:p>
@@ -801,7 +801,7 @@
           <a:p>
             <a:fld id="{D4491327-AE6A-4889-B705-44534CF58E21}" type="datetimeFigureOut">
               <a:rPr lang="hu-HU" smtClean="0"/>
-              <a:t>2022. 09. 21.</a:t>
+              <a:t>2022.09.22.</a:t>
             </a:fld>
             <a:endParaRPr lang="hu-HU"/>
           </a:p>
@@ -1058,7 +1058,7 @@
           <a:p>
             <a:fld id="{D4491327-AE6A-4889-B705-44534CF58E21}" type="datetimeFigureOut">
               <a:rPr lang="hu-HU" smtClean="0"/>
-              <a:t>2022. 09. 21.</a:t>
+              <a:t>2022.09.22.</a:t>
             </a:fld>
             <a:endParaRPr lang="hu-HU"/>
           </a:p>
@@ -1299,7 +1299,7 @@
           <a:p>
             <a:fld id="{D4491327-AE6A-4889-B705-44534CF58E21}" type="datetimeFigureOut">
               <a:rPr lang="hu-HU" smtClean="0"/>
-              <a:t>2022. 09. 21.</a:t>
+              <a:t>2022.09.22.</a:t>
             </a:fld>
             <a:endParaRPr lang="hu-HU"/>
           </a:p>
@@ -1675,7 +1675,7 @@
           <a:p>
             <a:fld id="{D4491327-AE6A-4889-B705-44534CF58E21}" type="datetimeFigureOut">
               <a:rPr lang="hu-HU" smtClean="0"/>
-              <a:t>2022. 09. 21.</a:t>
+              <a:t>2022.09.22.</a:t>
             </a:fld>
             <a:endParaRPr lang="hu-HU"/>
           </a:p>
@@ -1804,7 +1804,7 @@
           <a:p>
             <a:fld id="{D4491327-AE6A-4889-B705-44534CF58E21}" type="datetimeFigureOut">
               <a:rPr lang="hu-HU" smtClean="0"/>
-              <a:t>2022. 09. 21.</a:t>
+              <a:t>2022.09.22.</a:t>
             </a:fld>
             <a:endParaRPr lang="hu-HU"/>
           </a:p>
@@ -1911,7 +1911,7 @@
           <a:p>
             <a:fld id="{D4491327-AE6A-4889-B705-44534CF58E21}" type="datetimeFigureOut">
               <a:rPr lang="hu-HU" smtClean="0"/>
-              <a:t>2022. 09. 21.</a:t>
+              <a:t>2022.09.22.</a:t>
             </a:fld>
             <a:endParaRPr lang="hu-HU"/>
           </a:p>
@@ -2198,7 +2198,7 @@
           <a:p>
             <a:fld id="{D4491327-AE6A-4889-B705-44534CF58E21}" type="datetimeFigureOut">
               <a:rPr lang="hu-HU" smtClean="0"/>
-              <a:t>2022. 09. 21.</a:t>
+              <a:t>2022.09.22.</a:t>
             </a:fld>
             <a:endParaRPr lang="hu-HU"/>
           </a:p>
@@ -2462,7 +2462,7 @@
           <a:p>
             <a:fld id="{D4491327-AE6A-4889-B705-44534CF58E21}" type="datetimeFigureOut">
               <a:rPr lang="hu-HU" smtClean="0"/>
-              <a:t>2022. 09. 21.</a:t>
+              <a:t>2022.09.22.</a:t>
             </a:fld>
             <a:endParaRPr lang="hu-HU"/>
           </a:p>
@@ -2685,7 +2685,7 @@
           <a:p>
             <a:fld id="{D4491327-AE6A-4889-B705-44534CF58E21}" type="datetimeFigureOut">
               <a:rPr lang="hu-HU" smtClean="0"/>
-              <a:t>2022. 09. 21.</a:t>
+              <a:t>2022.09.22.</a:t>
             </a:fld>
             <a:endParaRPr lang="hu-HU"/>
           </a:p>
@@ -3118,7 +3118,7 @@
                 <a16:creationId xmlns:a16="http://schemas.microsoft.com/office/drawing/2014/main" id="{B0354608-2C0B-45C8-8C8B-8E3ED2EF58E4}"/>
               </a:ext>
               <a:ext uri="{C183D7F6-B498-43B3-948B-1728B52AA6E4}">
-                <adec:decorative xmlns:adec="http://schemas.microsoft.com/office/drawing/2017/decorative" val="1"/>
+                <adec:decorative xmlns:adec="http://schemas.microsoft.com/office/drawing/2017/decorative" xmlns="" val="1"/>
               </a:ext>
             </a:extLst>
           </p:cNvPr>
@@ -3269,7 +3269,7 @@
                 <a16:creationId xmlns:a16="http://schemas.microsoft.com/office/drawing/2014/main" id="{A69EB637-CEDE-43AD-8B65-DDD63C08FB34}"/>
               </a:ext>
               <a:ext uri="{C183D7F6-B498-43B3-948B-1728B52AA6E4}">
-                <adec:decorative xmlns:adec="http://schemas.microsoft.com/office/drawing/2017/decorative" val="1"/>
+                <adec:decorative xmlns:adec="http://schemas.microsoft.com/office/drawing/2017/decorative" xmlns="" val="1"/>
               </a:ext>
             </a:extLst>
           </p:cNvPr>
@@ -3464,7 +3464,7 @@
                 <a16:creationId xmlns:a16="http://schemas.microsoft.com/office/drawing/2014/main" id="{CDD7DB09-290B-4A1F-BFC1-51ED7C978ED6}"/>
               </a:ext>
               <a:ext uri="{C183D7F6-B498-43B3-948B-1728B52AA6E4}">
-                <adec:decorative xmlns:adec="http://schemas.microsoft.com/office/drawing/2017/decorative" val="1"/>
+                <adec:decorative xmlns:adec="http://schemas.microsoft.com/office/drawing/2017/decorative" xmlns="" val="1"/>
               </a:ext>
             </a:extLst>
           </p:cNvPr>
@@ -3659,7 +3659,7 @@
                 <a16:creationId xmlns:a16="http://schemas.microsoft.com/office/drawing/2014/main" id="{B0FAED46-1BF7-48DB-980D-571CD2A30DC4}"/>
               </a:ext>
               <a:ext uri="{C183D7F6-B498-43B3-948B-1728B52AA6E4}">
-                <adec:decorative xmlns:adec="http://schemas.microsoft.com/office/drawing/2017/decorative" val="1"/>
+                <adec:decorative xmlns:adec="http://schemas.microsoft.com/office/drawing/2017/decorative" xmlns="" val="1"/>
               </a:ext>
             </a:extLst>
           </p:cNvPr>
@@ -3904,7 +3904,7 @@
                 <a16:creationId xmlns:a16="http://schemas.microsoft.com/office/drawing/2014/main" id="{C475749F-F487-4EFB-ABC7-C1359590EB76}"/>
               </a:ext>
               <a:ext uri="{C183D7F6-B498-43B3-948B-1728B52AA6E4}">
-                <adec:decorative xmlns:adec="http://schemas.microsoft.com/office/drawing/2017/decorative" val="1"/>
+                <adec:decorative xmlns:adec="http://schemas.microsoft.com/office/drawing/2017/decorative" xmlns="" val="1"/>
               </a:ext>
             </a:extLst>
           </p:cNvPr>
@@ -3964,7 +3964,7 @@
                 <a16:creationId xmlns:a16="http://schemas.microsoft.com/office/drawing/2014/main" id="{F6285A5F-6712-47A0-8A11-F0DFF60D0D20}"/>
               </a:ext>
               <a:ext uri="{C183D7F6-B498-43B3-948B-1728B52AA6E4}">
-                <adec:decorative xmlns:adec="http://schemas.microsoft.com/office/drawing/2017/decorative" val="1"/>
+                <adec:decorative xmlns:adec="http://schemas.microsoft.com/office/drawing/2017/decorative" xmlns="" val="1"/>
               </a:ext>
             </a:extLst>
           </p:cNvPr>
@@ -4157,7 +4157,7 @@
                 <a16:creationId xmlns:a16="http://schemas.microsoft.com/office/drawing/2014/main" id="{FA6F8ABB-6C5D-4349-9E1B-198D1ABFA804}"/>
               </a:ext>
               <a:ext uri="{C183D7F6-B498-43B3-948B-1728B52AA6E4}">
-                <adec:decorative xmlns:adec="http://schemas.microsoft.com/office/drawing/2017/decorative" val="1"/>
+                <adec:decorative xmlns:adec="http://schemas.microsoft.com/office/drawing/2017/decorative" xmlns="" val="1"/>
               </a:ext>
             </a:extLst>
           </p:cNvPr>
@@ -4359,7 +4359,7 @@
                 <a16:creationId xmlns:a16="http://schemas.microsoft.com/office/drawing/2014/main" id="{B971ABA8-4CDB-4EEE-8C48-AA4FDB650782}"/>
               </a:ext>
               <a:ext uri="{C183D7F6-B498-43B3-948B-1728B52AA6E4}">
-                <adec:decorative xmlns:adec="http://schemas.microsoft.com/office/drawing/2017/decorative" val="1"/>
+                <adec:decorative xmlns:adec="http://schemas.microsoft.com/office/drawing/2017/decorative" xmlns="" val="1"/>
               </a:ext>
             </a:extLst>
           </p:cNvPr>
@@ -4638,7 +4638,7 @@
                 <a16:creationId xmlns:a16="http://schemas.microsoft.com/office/drawing/2014/main" id="{DAD463E1-6621-44B4-A995-C70A4631D388}"/>
               </a:ext>
               <a:ext uri="{C183D7F6-B498-43B3-948B-1728B52AA6E4}">
-                <adec:decorative xmlns:adec="http://schemas.microsoft.com/office/drawing/2017/decorative" val="1"/>
+                <adec:decorative xmlns:adec="http://schemas.microsoft.com/office/drawing/2017/decorative" xmlns="" val="1"/>
               </a:ext>
             </a:extLst>
           </p:cNvPr>
@@ -4669,7 +4669,7 @@
                   <a16:creationId xmlns:a16="http://schemas.microsoft.com/office/drawing/2014/main" id="{A152F29E-C625-4313-96BF-5675B357C03A}"/>
                 </a:ext>
                 <a:ext uri="{C183D7F6-B498-43B3-948B-1728B52AA6E4}">
-                  <adec:decorative xmlns:adec="http://schemas.microsoft.com/office/drawing/2017/decorative" val="1"/>
+                  <adec:decorative xmlns:adec="http://schemas.microsoft.com/office/drawing/2017/decorative" xmlns="" val="1"/>
                 </a:ext>
               </a:extLst>
             </p:cNvPr>
@@ -4856,7 +4856,7 @@
                   <a16:creationId xmlns:a16="http://schemas.microsoft.com/office/drawing/2014/main" id="{C2A5CB78-6497-4151-83B6-568BD27EC573}"/>
                 </a:ext>
                 <a:ext uri="{C183D7F6-B498-43B3-948B-1728B52AA6E4}">
-                  <adec:decorative xmlns:adec="http://schemas.microsoft.com/office/drawing/2017/decorative" val="1"/>
+                  <adec:decorative xmlns:adec="http://schemas.microsoft.com/office/drawing/2017/decorative" xmlns="" val="1"/>
                 </a:ext>
               </a:extLst>
             </p:cNvPr>
@@ -5300,7 +5300,7 @@
                 <a16:creationId xmlns:a16="http://schemas.microsoft.com/office/drawing/2014/main" id="{91F32EBA-ED97-466E-8CFA-8382584155D0}"/>
               </a:ext>
               <a:ext uri="{C183D7F6-B498-43B3-948B-1728B52AA6E4}">
-                <adec:decorative xmlns:adec="http://schemas.microsoft.com/office/drawing/2017/decorative" val="1"/>
+                <adec:decorative xmlns:adec="http://schemas.microsoft.com/office/drawing/2017/decorative" xmlns="" val="1"/>
               </a:ext>
             </a:extLst>
           </p:cNvPr>
@@ -5364,7 +5364,7 @@
         </p:nvSpPr>
         <p:spPr>
           <a:xfrm>
-            <a:off x="1286933" y="1327438"/>
+            <a:off x="1284247" y="623242"/>
             <a:ext cx="6247722" cy="1461778"/>
           </a:xfrm>
         </p:spPr>
@@ -5375,7 +5375,7 @@
           <a:lstStyle/>
           <a:p>
             <a:r>
-              <a:rPr lang="hu-HU"/>
+              <a:rPr lang="hu-HU" sz="5400" dirty="0"/>
               <a:t>Hogyan készülnek?</a:t>
             </a:r>
           </a:p>
@@ -5393,78 +5393,96 @@
         </p:nvSpPr>
         <p:spPr>
           <a:xfrm>
-            <a:off x="1286933" y="2524349"/>
-            <a:ext cx="6247722" cy="3088871"/>
+            <a:off x="2002660" y="2247221"/>
+            <a:ext cx="6818927" cy="4046701"/>
           </a:xfrm>
         </p:spPr>
         <p:txBody>
           <a:bodyPr>
-            <a:normAutofit/>
+            <a:noAutofit/>
           </a:bodyPr>
           <a:lstStyle/>
           <a:p>
             <a:r>
-              <a:rPr lang="hu-HU" sz="1900" dirty="0"/>
+              <a:rPr lang="hu-HU" dirty="0"/>
               <a:t>Pont felhő</a:t>
             </a:r>
           </a:p>
           <a:p>
             <a:r>
-              <a:rPr lang="hu-HU" sz="1900" dirty="0"/>
+              <a:rPr lang="hu-HU" dirty="0"/>
               <a:t>Alapvonal</a:t>
             </a:r>
           </a:p>
           <a:p>
             <a:r>
-              <a:rPr lang="hu-HU" sz="1900" dirty="0"/>
+              <a:rPr lang="hu-HU" b="1" dirty="0"/>
               <a:t>Módszerek:</a:t>
             </a:r>
           </a:p>
           <a:p>
+            <a:pPr lvl="1">
+              <a:buFont typeface="Courier New" panose="02070309020205020404" pitchFamily="49" charset="0"/>
+              <a:buChar char="o"/>
+            </a:pPr>
+            <a:r>
+              <a:rPr lang="hu-HU" sz="2800" dirty="0"/>
+              <a:t>Sztereó</a:t>
+            </a:r>
+          </a:p>
+          <a:p>
+            <a:pPr lvl="1">
+              <a:buFont typeface="Courier New" panose="02070309020205020404" pitchFamily="49" charset="0"/>
+              <a:buChar char="o"/>
+            </a:pPr>
+            <a:r>
+              <a:rPr lang="hu-HU" sz="2800" dirty="0"/>
+              <a:t>Aktív sztereó</a:t>
+            </a:r>
+          </a:p>
+          <a:p>
+            <a:pPr lvl="1">
+              <a:buFont typeface="Courier New" panose="02070309020205020404" pitchFamily="49" charset="0"/>
+              <a:buChar char="o"/>
+            </a:pPr>
+            <a:r>
+              <a:rPr lang="hu-HU" sz="2800" dirty="0"/>
+              <a:t>Lézeres profilalkotás</a:t>
+            </a:r>
+          </a:p>
+          <a:p>
+            <a:pPr lvl="1">
+              <a:buFont typeface="Courier New" panose="02070309020205020404" pitchFamily="49" charset="0"/>
+              <a:buChar char="o"/>
+            </a:pPr>
+            <a:r>
+              <a:rPr lang="hu-HU" sz="2800" dirty="0"/>
+              <a:t>Strukturált fény</a:t>
+            </a:r>
+          </a:p>
+          <a:p>
+            <a:pPr lvl="1">
+              <a:buFont typeface="Courier New" panose="02070309020205020404" pitchFamily="49" charset="0"/>
+              <a:buChar char="o"/>
+            </a:pPr>
+            <a:r>
+              <a:rPr lang="hu-HU" sz="2800" dirty="0"/>
+              <a:t>Repülési idő (TOF)</a:t>
+            </a:r>
+          </a:p>
+          <a:p>
+            <a:pPr lvl="1">
+              <a:buFont typeface="Courier New" panose="02070309020205020404" pitchFamily="49" charset="0"/>
+              <a:buChar char="o"/>
+            </a:pPr>
+            <a:r>
+              <a:rPr lang="hu-HU" sz="2800" dirty="0"/>
+              <a:t>Időkódolt strukturált fény</a:t>
+            </a:r>
+          </a:p>
+          <a:p>
             <a:pPr lvl="1"/>
-            <a:r>
-              <a:rPr lang="hu-HU" sz="1900" dirty="0"/>
-              <a:t>Sztereó</a:t>
-            </a:r>
-          </a:p>
-          <a:p>
-            <a:pPr lvl="1"/>
-            <a:r>
-              <a:rPr lang="hu-HU" sz="1900" dirty="0"/>
-              <a:t>Aktív sztereó</a:t>
-            </a:r>
-          </a:p>
-          <a:p>
-            <a:pPr lvl="1"/>
-            <a:r>
-              <a:rPr lang="hu-HU" sz="1900" dirty="0"/>
-              <a:t>Lézeres profilalkotás</a:t>
-            </a:r>
-          </a:p>
-          <a:p>
-            <a:pPr lvl="1"/>
-            <a:r>
-              <a:rPr lang="hu-HU" sz="1900" dirty="0"/>
-              <a:t>Strukturált fény</a:t>
-            </a:r>
-          </a:p>
-          <a:p>
-            <a:pPr lvl="1"/>
-            <a:r>
-              <a:rPr lang="hu-HU" sz="1900" dirty="0"/>
-              <a:t>Repülési idő (TOF)</a:t>
-            </a:r>
-          </a:p>
-          <a:p>
-            <a:pPr lvl="1"/>
-            <a:r>
-              <a:rPr lang="hu-HU" sz="1900" dirty="0"/>
-              <a:t>Időkódolt strukturált fény</a:t>
-            </a:r>
-          </a:p>
-          <a:p>
-            <a:pPr lvl="1"/>
-            <a:endParaRPr lang="hu-HU" sz="1900" dirty="0"/>
+            <a:endParaRPr lang="hu-HU" sz="2800" dirty="0"/>
           </a:p>
         </p:txBody>
       </p:sp>
@@ -5476,7 +5494,7 @@
                 <a16:creationId xmlns:a16="http://schemas.microsoft.com/office/drawing/2014/main" id="{0F06C9D3-00DF-4B71-AE88-29075022FC89}"/>
               </a:ext>
               <a:ext uri="{C183D7F6-B498-43B3-948B-1728B52AA6E4}">
-                <adec:decorative xmlns:adec="http://schemas.microsoft.com/office/drawing/2017/decorative" val="1"/>
+                <adec:decorative xmlns:adec="http://schemas.microsoft.com/office/drawing/2017/decorative" xmlns="" val="1"/>
               </a:ext>
             </a:extLst>
           </p:cNvPr>
@@ -5667,7 +5685,7 @@
                 <a16:creationId xmlns:a16="http://schemas.microsoft.com/office/drawing/2014/main" id="{4300F7B2-2FBB-4B65-B588-6331766027CB}"/>
               </a:ext>
               <a:ext uri="{C183D7F6-B498-43B3-948B-1728B52AA6E4}">
-                <adec:decorative xmlns:adec="http://schemas.microsoft.com/office/drawing/2017/decorative" val="1"/>
+                <adec:decorative xmlns:adec="http://schemas.microsoft.com/office/drawing/2017/decorative" xmlns="" val="1"/>
               </a:ext>
             </a:extLst>
           </p:cNvPr>
@@ -5854,7 +5872,7 @@
                 <a16:creationId xmlns:a16="http://schemas.microsoft.com/office/drawing/2014/main" id="{EFA5A327-531A-495C-BCA7-27F04811AF4B}"/>
               </a:ext>
               <a:ext uri="{C183D7F6-B498-43B3-948B-1728B52AA6E4}">
-                <adec:decorative xmlns:adec="http://schemas.microsoft.com/office/drawing/2017/decorative" val="1"/>
+                <adec:decorative xmlns:adec="http://schemas.microsoft.com/office/drawing/2017/decorative" xmlns="" val="1"/>
               </a:ext>
             </a:extLst>
           </p:cNvPr>
@@ -6183,7 +6201,7 @@
                 <a16:creationId xmlns:a16="http://schemas.microsoft.com/office/drawing/2014/main" id="{5E39A796-BE83-48B1-B33F-35C4A32AAB57}"/>
               </a:ext>
               <a:ext uri="{C183D7F6-B498-43B3-948B-1728B52AA6E4}">
-                <adec:decorative xmlns:adec="http://schemas.microsoft.com/office/drawing/2017/decorative" val="1"/>
+                <adec:decorative xmlns:adec="http://schemas.microsoft.com/office/drawing/2017/decorative" xmlns="" val="1"/>
               </a:ext>
             </a:extLst>
           </p:cNvPr>
@@ -6246,7 +6264,7 @@
                 <a16:creationId xmlns:a16="http://schemas.microsoft.com/office/drawing/2014/main" id="{72F84B47-E267-4194-8194-831DB7B5547F}"/>
               </a:ext>
               <a:ext uri="{C183D7F6-B498-43B3-948B-1728B52AA6E4}">
-                <adec:decorative xmlns:adec="http://schemas.microsoft.com/office/drawing/2017/decorative" val="1"/>
+                <adec:decorative xmlns:adec="http://schemas.microsoft.com/office/drawing/2017/decorative" xmlns="" val="1"/>
               </a:ext>
             </a:extLst>
           </p:cNvPr>
@@ -6532,7 +6550,7 @@
                 <a16:creationId xmlns:a16="http://schemas.microsoft.com/office/drawing/2014/main" id="{5E39A796-BE83-48B1-B33F-35C4A32AAB57}"/>
               </a:ext>
               <a:ext uri="{C183D7F6-B498-43B3-948B-1728B52AA6E4}">
-                <adec:decorative xmlns:adec="http://schemas.microsoft.com/office/drawing/2017/decorative" val="1"/>
+                <adec:decorative xmlns:adec="http://schemas.microsoft.com/office/drawing/2017/decorative" xmlns="" val="1"/>
               </a:ext>
             </a:extLst>
           </p:cNvPr>
@@ -6595,7 +6613,7 @@
                 <a16:creationId xmlns:a16="http://schemas.microsoft.com/office/drawing/2014/main" id="{72F84B47-E267-4194-8194-831DB7B5547F}"/>
               </a:ext>
               <a:ext uri="{C183D7F6-B498-43B3-948B-1728B52AA6E4}">
-                <adec:decorative xmlns:adec="http://schemas.microsoft.com/office/drawing/2017/decorative" val="1"/>
+                <adec:decorative xmlns:adec="http://schemas.microsoft.com/office/drawing/2017/decorative" xmlns="" val="1"/>
               </a:ext>
             </a:extLst>
           </p:cNvPr>
@@ -6890,7 +6908,7 @@
                 <a16:creationId xmlns:a16="http://schemas.microsoft.com/office/drawing/2014/main" id="{5E39A796-BE83-48B1-B33F-35C4A32AAB57}"/>
               </a:ext>
               <a:ext uri="{C183D7F6-B498-43B3-948B-1728B52AA6E4}">
-                <adec:decorative xmlns:adec="http://schemas.microsoft.com/office/drawing/2017/decorative" val="1"/>
+                <adec:decorative xmlns:adec="http://schemas.microsoft.com/office/drawing/2017/decorative" xmlns="" val="1"/>
               </a:ext>
             </a:extLst>
           </p:cNvPr>
@@ -6953,7 +6971,7 @@
                 <a16:creationId xmlns:a16="http://schemas.microsoft.com/office/drawing/2014/main" id="{72F84B47-E267-4194-8194-831DB7B5547F}"/>
               </a:ext>
               <a:ext uri="{C183D7F6-B498-43B3-948B-1728B52AA6E4}">
-                <adec:decorative xmlns:adec="http://schemas.microsoft.com/office/drawing/2017/decorative" val="1"/>
+                <adec:decorative xmlns:adec="http://schemas.microsoft.com/office/drawing/2017/decorative" xmlns="" val="1"/>
               </a:ext>
             </a:extLst>
           </p:cNvPr>
@@ -7258,7 +7276,7 @@
                 <a16:creationId xmlns:a16="http://schemas.microsoft.com/office/drawing/2014/main" id="{5E39A796-BE83-48B1-B33F-35C4A32AAB57}"/>
               </a:ext>
               <a:ext uri="{C183D7F6-B498-43B3-948B-1728B52AA6E4}">
-                <adec:decorative xmlns:adec="http://schemas.microsoft.com/office/drawing/2017/decorative" val="1"/>
+                <adec:decorative xmlns:adec="http://schemas.microsoft.com/office/drawing/2017/decorative" xmlns="" val="1"/>
               </a:ext>
             </a:extLst>
           </p:cNvPr>
@@ -7321,7 +7339,7 @@
                 <a16:creationId xmlns:a16="http://schemas.microsoft.com/office/drawing/2014/main" id="{72F84B47-E267-4194-8194-831DB7B5547F}"/>
               </a:ext>
               <a:ext uri="{C183D7F6-B498-43B3-948B-1728B52AA6E4}">
-                <adec:decorative xmlns:adec="http://schemas.microsoft.com/office/drawing/2017/decorative" val="1"/>
+                <adec:decorative xmlns:adec="http://schemas.microsoft.com/office/drawing/2017/decorative" xmlns="" val="1"/>
               </a:ext>
             </a:extLst>
           </p:cNvPr>
@@ -7637,7 +7655,7 @@
                 <a16:creationId xmlns:a16="http://schemas.microsoft.com/office/drawing/2014/main" id="{5E39A796-BE83-48B1-B33F-35C4A32AAB57}"/>
               </a:ext>
               <a:ext uri="{C183D7F6-B498-43B3-948B-1728B52AA6E4}">
-                <adec:decorative xmlns:adec="http://schemas.microsoft.com/office/drawing/2017/decorative" val="1"/>
+                <adec:decorative xmlns:adec="http://schemas.microsoft.com/office/drawing/2017/decorative" xmlns="" val="1"/>
               </a:ext>
             </a:extLst>
           </p:cNvPr>
@@ -7700,7 +7718,7 @@
                 <a16:creationId xmlns:a16="http://schemas.microsoft.com/office/drawing/2014/main" id="{72F84B47-E267-4194-8194-831DB7B5547F}"/>
               </a:ext>
               <a:ext uri="{C183D7F6-B498-43B3-948B-1728B52AA6E4}">
-                <adec:decorative xmlns:adec="http://schemas.microsoft.com/office/drawing/2017/decorative" val="1"/>
+                <adec:decorative xmlns:adec="http://schemas.microsoft.com/office/drawing/2017/decorative" xmlns="" val="1"/>
               </a:ext>
             </a:extLst>
           </p:cNvPr>
@@ -8001,7 +8019,7 @@
                 <a16:creationId xmlns:a16="http://schemas.microsoft.com/office/drawing/2014/main" id="{5E39A796-BE83-48B1-B33F-35C4A32AAB57}"/>
               </a:ext>
               <a:ext uri="{C183D7F6-B498-43B3-948B-1728B52AA6E4}">
-                <adec:decorative xmlns:adec="http://schemas.microsoft.com/office/drawing/2017/decorative" val="1"/>
+                <adec:decorative xmlns:adec="http://schemas.microsoft.com/office/drawing/2017/decorative" xmlns="" val="1"/>
               </a:ext>
             </a:extLst>
           </p:cNvPr>
@@ -8064,7 +8082,7 @@
                 <a16:creationId xmlns:a16="http://schemas.microsoft.com/office/drawing/2014/main" id="{72F84B47-E267-4194-8194-831DB7B5547F}"/>
               </a:ext>
               <a:ext uri="{C183D7F6-B498-43B3-948B-1728B52AA6E4}">
-                <adec:decorative xmlns:adec="http://schemas.microsoft.com/office/drawing/2017/decorative" val="1"/>
+                <adec:decorative xmlns:adec="http://schemas.microsoft.com/office/drawing/2017/decorative" xmlns="" val="1"/>
               </a:ext>
             </a:extLst>
           </p:cNvPr>
@@ -8270,7 +8288,7 @@
                 <a16:creationId xmlns:a16="http://schemas.microsoft.com/office/drawing/2014/main" id="{33CD251C-A887-4D2F-925B-FC097198538B}"/>
               </a:ext>
               <a:ext uri="{C183D7F6-B498-43B3-948B-1728B52AA6E4}">
-                <adec:decorative xmlns:adec="http://schemas.microsoft.com/office/drawing/2017/decorative" val="1"/>
+                <adec:decorative xmlns:adec="http://schemas.microsoft.com/office/drawing/2017/decorative" xmlns="" val="1"/>
               </a:ext>
             </a:extLst>
           </p:cNvPr>
@@ -8359,7 +8377,7 @@
                 <a16:creationId xmlns:a16="http://schemas.microsoft.com/office/drawing/2014/main" id="{770AE191-D2EA-45C9-A44D-830C188F74CB}"/>
               </a:ext>
               <a:ext uri="{C183D7F6-B498-43B3-948B-1728B52AA6E4}">
-                <adec:decorative xmlns:adec="http://schemas.microsoft.com/office/drawing/2017/decorative" val="1"/>
+                <adec:decorative xmlns:adec="http://schemas.microsoft.com/office/drawing/2017/decorative" xmlns="" val="1"/>
               </a:ext>
             </a:extLst>
           </p:cNvPr>
@@ -8390,7 +8408,7 @@
                   <a16:creationId xmlns:a16="http://schemas.microsoft.com/office/drawing/2014/main" id="{23A0E4C1-B7A6-4637-AC51-4A5AE3841FFB}"/>
                 </a:ext>
                 <a:ext uri="{C183D7F6-B498-43B3-948B-1728B52AA6E4}">
-                  <adec:decorative xmlns:adec="http://schemas.microsoft.com/office/drawing/2017/decorative" val="1"/>
+                  <adec:decorative xmlns:adec="http://schemas.microsoft.com/office/drawing/2017/decorative" xmlns="" val="1"/>
                 </a:ext>
               </a:extLst>
             </p:cNvPr>
@@ -8577,7 +8595,7 @@
                   <a16:creationId xmlns:a16="http://schemas.microsoft.com/office/drawing/2014/main" id="{F4E8C039-CC58-44F3-8A7B-E0A934C1D015}"/>
                 </a:ext>
                 <a:ext uri="{C183D7F6-B498-43B3-948B-1728B52AA6E4}">
-                  <adec:decorative xmlns:adec="http://schemas.microsoft.com/office/drawing/2017/decorative" val="1"/>
+                  <adec:decorative xmlns:adec="http://schemas.microsoft.com/office/drawing/2017/decorative" xmlns="" val="1"/>
                 </a:ext>
               </a:extLst>
             </p:cNvPr>
